--- a/docs/slides/09-Probabilistic.pptx
+++ b/docs/slides/09-Probabilistic.pptx
@@ -13,11 +13,11 @@
     <p:sldId id="265" r:id="rId4"/>
     <p:sldId id="290" r:id="rId5"/>
     <p:sldId id="266" r:id="rId6"/>
-    <p:sldId id="289" r:id="rId7"/>
-    <p:sldId id="291" r:id="rId8"/>
-    <p:sldId id="268" r:id="rId9"/>
-    <p:sldId id="269" r:id="rId10"/>
-    <p:sldId id="270" r:id="rId11"/>
+    <p:sldId id="270" r:id="rId7"/>
+    <p:sldId id="289" r:id="rId8"/>
+    <p:sldId id="291" r:id="rId9"/>
+    <p:sldId id="268" r:id="rId10"/>
+    <p:sldId id="269" r:id="rId11"/>
     <p:sldId id="292" r:id="rId12"/>
     <p:sldId id="295" r:id="rId13"/>
   </p:sldIdLst>
@@ -198,15 +198,14 @@
           <inkml:channelProperty channel="F" name="resolution" value="0" units="1/dev"/>
         </inkml:channelProperties>
       </inkml:inkSource>
-      <inkml:timestamp xml:id="ts0" timeString="2020-05-06T14:32:30.592"/>
+      <inkml:timestamp xml:id="ts0" timeString="2020-05-06T14:31:51.263"/>
     </inkml:context>
     <inkml:brush xml:id="br0">
       <inkml:brushProperty name="width" value="0.08571" units="cm"/>
       <inkml:brushProperty name="height" value="0.08571" units="cm"/>
-      <inkml:brushProperty name="color" value="#004F8B"/>
     </inkml:brush>
   </inkml:definitions>
-  <inkml:trace contextRef="#ctx0" brushRef="#br0">1 177 8291,'16'0'0,"2"0"-142,2 0 1,-1 0-186,-4 0 1,0-5 577,-1 0 1,3 0-30,2 5 0,-2 2-252,2 3 1,-4-2 100,-5 7 1,3-1 17,-3 6 1,1 0 158,-1 0-118,3-1 0,-11 1-72,2 0 0,-2-6-209,-2 1-74,0-6 212,0 9-85,-6-12 1,-1-1 68,-3-10 0,4-3-47,6-1 1,0-1 81,0 0 1,0-4-1,0-1 0,6-4 60,4 4 1,10-5 22,4 6 1,4-6-230,1 6 1,6-6 100,-1 6 0,5 1-423,-5 8 0,7 3 462,-2 7 0,4 0 0,1 0 0</inkml:trace>
+  <inkml:trace contextRef="#ctx0" brushRef="#br0">382 66 8465,'15'0'-102,"0"-6"51,-1-4 1,1-2 532,0 3-190,-7-4-135,-2 4 0,-12 3-116,-4 6 1,-9 8-14,-6 12 1,-3 4 17,-1 10 0,-5 4-19,-1 6 1,1 0 1,5 0 0,-1 7-95,1 3 1,-1 10-98,1 4 1,6 4-84,3 2 1,4 1 93,1 3 0,7-3 69,3 4 0,-1-9 26,1-2 1,0-10 64,5 0 1,2-10 165,3-4 1,-2-7-316,7-7 1,-5-2 127,4-4 1,1-3-403,5-6 0,0 0-123,-1-1 635,7 1 0,2 0 1,7-1-1</inkml:trace>
 </inkml:ink>
 </file>
 
@@ -226,15 +225,14 @@
           <inkml:channelProperty channel="F" name="resolution" value="0" units="1/dev"/>
         </inkml:channelProperties>
       </inkml:inkSource>
-      <inkml:timestamp xml:id="ts0" timeString="2020-05-06T14:32:31.026"/>
+      <inkml:timestamp xml:id="ts0" timeString="2020-05-06T14:31:51.763"/>
     </inkml:context>
     <inkml:brush xml:id="br0">
       <inkml:brushProperty name="width" value="0.08571" units="cm"/>
       <inkml:brushProperty name="height" value="0.08571" units="cm"/>
-      <inkml:brushProperty name="color" value="#004F8B"/>
     </inkml:brush>
   </inkml:definitions>
-  <inkml:trace contextRef="#ctx0" brushRef="#br0">251 117 8339,'1'-23'0,"4"3"0,-3-2 153,11 5 1,-5-2 154,7 9 0,-6 5 32,1 10 1,0 6-212,5 14 1,1 1-193,4 13 0,-2 7 11,6 8 0,-6 3 144,2 2 0,-4 4 227,-1 1 0,-1 8-183,1 1 1,-7 1-226,-3 4 0,-5 2 136,-5-1 1,-9-6-112,-11-4 1,-8-9-388,-1-1 1,-7-7 226,2-8 1,-8 1-781,-2-1 1,1-4 1003,9-5 0,-7-1 0,7-9 0,3 2 0,4 3 0</inkml:trace>
+  <inkml:trace contextRef="#ctx0" brushRef="#br0">148 190 8314,'14'-15'0,"1"0"0,-5 1 863,0-1-564,-7 7 0,4 8-192,-7 10 0,-5 9-35,0 6 0,-2 2-275,2 3 0,4-1-21,-4 1 0,5-1 143,5 0 1,3-4 50,7-1 0,1-6 85,3 2 0,4-9 48,7-1 0,-1-6-24,1 0 0,-1-4 24,0-4 0,1-6-94,-1-10 0,-4 2 21,-1-6 1,-6-2-74,2-9 1,-4 4 95,-1-3 0,-2-2-232,-3 2 0,1-6 54,-6 6 0,0 0 50,-5 5 0,-2 6 106,-3 3 0,-3 10 113,-7 5 0,-1 5-118,-4 5 1,4 5 135,-3 10 0,2 7 14,3 8 1,-1 6-130,0-2 1,2 3-36,3 2 0,4 0 60,6 0 0,0 2 197,0 3 0,3-1-90,7 5 0,6 8-70,14 7 0,7-1-14,7 2 1,2-7-104,8 2 1,-2 0 136,2-6 0,-10 3-9,-10-12 0,-16-5-212,-8-5 1,-8-8 59,-7-2 1,-11-1-326,-14-8 0,-7-2-21,-12-8 0,-4-4-136,-5-6 0,-3 0 214,-3 0 0,2-6-73,-6-4 0,2-8-139,3-2 0,6 1 75,12 4 0,8 0 437,3 1 0,3 0 0,4 5 0,8 4 0,6 3 0</inkml:trace>
 </inkml:ink>
 </file>
 
@@ -254,15 +252,15 @@
           <inkml:channelProperty channel="F" name="resolution" value="0" units="1/dev"/>
         </inkml:channelProperties>
       </inkml:inkSource>
-      <inkml:timestamp xml:id="ts0" timeString="2020-05-06T14:32:32.053"/>
+      <inkml:timestamp xml:id="ts0" timeString="2020-05-06T14:31:56.250"/>
     </inkml:context>
     <inkml:brush xml:id="br0">
       <inkml:brushProperty name="width" value="0.08571" units="cm"/>
       <inkml:brushProperty name="height" value="0.08571" units="cm"/>
-      <inkml:brushProperty name="color" value="#004F8B"/>
     </inkml:brush>
   </inkml:definitions>
-  <inkml:trace contextRef="#ctx0" brushRef="#br0">1 221 8145,'6'-8'525,"-4"-5"1,6 10 371,-3-7-273,-3 6-323,11-9 1,-10 12-37,7-4 1,0 2-1,4-2 1,1 3-115,0-3 0,6 4 93,3 1 0,11 0-140,4 0 0,5 0 170,5 0 1,10 1-392,9 4 0,4-3 56,2 3 1,-6-4-96,1-1 1,-2 0 27,2 0 0,-4-5-50,-6 0 0,-2-6-63,-3 1 1,-5-1 68,-10 1 1,-3-3-10,-7 3 1,-6 2-37,-3-2-476,-11 7-141,-2-4 371,-7 1 1,-7 4-24,-2-3 1,-4 4-162,-2 1 1,-6-5 646,-4 0 0,-9-13 0,-4 2 0</inkml:trace>
+  <inkml:trace contextRef="#ctx0" brushRef="#br0">1 280 8500,'15'0'0,"-1"-5"-291,1 0 1,0-6-356,-1 1 0,-5 2 422,-4-2 368,3 0 1,-7-4-52,4-1 1,-3 5 36,-2 0 373,0 7-355,0-10 0,0 10 290,0-7-254,0 7 53,0-4-156,6 7 1,-4 7-128,3 2 1,3 6 26,2 5 0,-2 3 97,2 6 1,1 2-78,9 3 1,-2 6 44,6 9 0,-4 3-62,4 7 1,1-1 46,4 1 1,-1 5-1,-3 0 0,-4 4-97,-6-4 1,3 1 97,-4-1 0,4 1 27,-8 4 0,-3-9 6,-3-6 1,-2 0-70,-2 5 1,0-2 43,0-3 1,-6-3-178,-4-7 0,-3-2 171,-2-3 0,0 2-103,1-7 0,-6-4-3,0-6 0,-1-7-20,2-3 0,2-1-5,-2-8 0,2 0-855,3-5 952,5 0 0,3 0 0,6 0 0</inkml:trace>
+  <inkml:trace contextRef="#ctx0" brushRef="#br0" timeOffset="1157">692 1 8533,'6'10'-462,"4"-1"0,-2-5 231,2 1 0,0-2 403,5 2 1,1-4-54,4 4 0,-2 2-345,6-2 1,-1 6 81,1-1 0,9-2-40,-4 2 0,11-5 223,-1 5 1,8-7 4,2 2 1,0-4 84,-5-1 0,-1 0-177,-4 0 1,2 0 233,-7 0 1,0-4-81,-4-1 0,-7-5-53,-4 5 0,-2-5-25,-3 5 0,-6-1 13,-3 1-15,-3 3-39,-2-4 1,-2 6-93,-3 0 0,-3 0 109,-6 0 1,-1 0-25,0 0 0,-1 6 18,-4 4 0,-1-2-72,-3 2 0,-3 5 63,8 4 0,-7 6-6,1-6 1,2 9 12,-1 2 1,6 1 4,-2 8 1,4-2 36,1 3 1,2 4-45,3 0 0,4 0 12,6 5 0,0-5-4,0-5 0,8 2 43,7-7 0,1-1 49,9-9 0,-1-2 11,5-8 0,-2 1-22,2 0 0,-5-7 13,6-3 0,-1 1-89,-4-1 0,4 0 48,5-5 1,-7 2-112,2 3 0,-5-4 103,1 4 1,-2 2-97,-4-2 1,-7 0 55,3-5 1,-9 0-6,4 0-80,-7 0 41,4 6 0,-7 2-9,0 7 1,0 0 40,0-1 0,-5 6 4,0 0 0,-2 6-9,2-2 0,4 4 16,-4 1 1,-2 1-13,2-1 0,1 2 2,4 3 0,0-1 22,0 6 0,0-4 7,0 4 1,6 0 16,4 5 0,-2 0 8,2 0 1,0 0 11,4 0 1,-4 1-40,0-1 0,-7 5 58,2 0 0,2 0-38,-2-5 1,-1 0 5,-4 0 1,-1 0 9,-4 0 0,-3-5 0,-7 1 0,0-8-66,1 2 1,-8 2 46,-2-1 1,-5-1-84,-6-5 1,-2-1 73,-7-3 0,-12 1-144,-3-7 0,-9 1-198,-1-5 0,-3 4 129,-1 1 1,-1 6 0,1-3-1</inkml:trace>
 </inkml:ink>
 </file>
 
@@ -282,15 +280,15 @@
           <inkml:channelProperty channel="F" name="resolution" value="0" units="1/dev"/>
         </inkml:channelProperties>
       </inkml:inkSource>
-      <inkml:timestamp xml:id="ts0" timeString="2020-05-06T14:32:32.309"/>
+      <inkml:timestamp xml:id="ts0" timeString="2020-05-06T14:32:14.467"/>
     </inkml:context>
     <inkml:brush xml:id="br0">
-      <inkml:brushProperty name="width" value="0.08571" units="cm"/>
-      <inkml:brushProperty name="height" value="0.08571" units="cm"/>
+      <inkml:brushProperty name="width" value="0.11429" units="cm"/>
+      <inkml:brushProperty name="height" value="0.11429" units="cm"/>
       <inkml:brushProperty name="color" value="#004F8B"/>
     </inkml:brush>
   </inkml:definitions>
-  <inkml:trace contextRef="#ctx0" brushRef="#br0">1 0 8171,'29'0'0,"0"0"0,-1 0 364,-3 0 0,2 2 20,-2 3 1,-2 2 8,1 2 0,-1 4-205,2-3 1,2 2 8,-2-3 0,3 6-157,1 0 1,0 1 92,1 9 0,-2-6-63,-4 6 1,2 1 72,-6 8 1,-2-1-217,-8 6 0,-4-5 106,-6 6 0,-2-8-241,-2 3 0,-9-4 2,-7-2 0,-6-1 63,1-4 0,-2 2-335,-3-6 1,1 0 179,-1-6 0,1-4-363,0 0 0,-1-2 216,1 2 1,1-2 444,3-3 0,-2-3 0,4 4 0</inkml:trace>
+  <inkml:trace contextRef="#ctx0" brushRef="#br0">2397 2131 9840,'22'0'-102,"5"0"109,-8 0 1,7 2 141,-1 3 1,-4-3 313,-1 2-127,-4 5-472,-1-1 92,-7 7 1,-2-6 86,-6 1 0,-5-5 102,1 5-97,-8 0 1,4 4 60,-7 1 0,1 0-143,-1-1 0,0-4 82,0 0 0,-4-2-120,-1 2 1,-8 1 88,-1-6 0,-2 0 16,-8-5 0,-5-1 55,-5-4 0,-7-8-104,2-7 0,-4-8 48,-6-1 0,-1-7-175,-4-8 0,-5-5 290,1 0 0,1-5-428,-1 5 1,-1-5 218,5 5 0,-9-2 15,-5 2 1,8 2-10,1-7 1,6 5 48,-1-5 1,2 5 14,3-5 1,6 5 31,-1-5 1,6 7-73,9-2 0,0-3 119,0-2 0,7 2-37,2-2 0,4 2 210,2-2 0,-1-4-124,1 5 1,6 2-56,4 2 1,1 5 9,-2 5 0,4-4 11,-4 4 1,4 1 91,1-1 1,0 7-92,1-3 1,4 6 293,0 4 0,7 3-316,-2 2 0,2 4-14,-2-4 0,3-1-84,-3 1 1,4 1-5,1 4 0,-5 0 25,0 0 0,0 1-23,5-1 1,-2 0 10,-3 1 1,4 4 31,-4 0 1,3 5-75,2-5 60,0 7 1,0-5-18,0 3 4,0 3-2,0-4-88,0 6-2040,0 0 1978,0 6 1,0-2 76,0 5 0,-5-4-76,0 5 249,0 0 1,5 5-120,0-1 1,-1 1 111,-4 0 1,3-1-60,-3 1 1,2 5-46,-2-1 0,4 1-1,-4-5 0,-2-1-9,2 1 0,-1 0 27,1-1 0,2 4-21,-7-3 0,7 3 37,-2-8 1,1-2-45,-1 2 0,4-5 122,-4 5-110,3-7 1,1 3 464,-4-6-28,3 0 207,-4 0-423,6-6 1,0-2-94,0-7 0,4-1 64,1-4 1,2 2-17,-2-6 1,1 4-180,4-5 0,2 3 39,-8-3 0,6-3-109,-5 4 1,5 1 128,-5-2 1,5 7-23,-5-1 0,4 1-71,-4-2 0,2 9 122,-2-4-86,-4 4 1,8 3 42,-5 3 0,0 3-244,5 2 1,-4 0-15,5 0 1,0 5 54,5 0 0,-1 6 67,1-1 1,0 8-131,-1 2 0,6 1-100,0-2 1,1-1 71,-1 7 0,-4-7-326,3 2 1,-2 1 133,-3-2 0,1 6-64,0-6 1,-5 1 522,-1-5 0,-5 6 0,2 2 0</inkml:trace>
 </inkml:ink>
 </file>
 
@@ -310,7 +308,7 @@
           <inkml:channelProperty channel="F" name="resolution" value="0" units="1/dev"/>
         </inkml:channelProperties>
       </inkml:inkSource>
-      <inkml:timestamp xml:id="ts0" timeString="2020-05-06T14:32:32.991"/>
+      <inkml:timestamp xml:id="ts0" timeString="2020-05-06T14:32:21.901"/>
     </inkml:context>
     <inkml:brush xml:id="br0">
       <inkml:brushProperty name="width" value="0.08571" units="cm"/>
@@ -318,7 +316,7 @@
       <inkml:brushProperty name="color" value="#004F8B"/>
     </inkml:brush>
   </inkml:definitions>
-  <inkml:trace contextRef="#ctx0" brushRef="#br0">104 221 8166,'-15'0'-341,"0"0"1,2 2 606,4 3-2,-5-3 1,11 4-81,-7-6 1,7 2-6,-2 3 1,2-4 284,-2 4 246,3-3-61,-4-2-367,6 0 0,2 5-271,2 0 0,0-1 50,5-4 1,3 0-87,8 0 1,-3 0 105,8 0 0,-1 0-173,6 0 1,-1-1 75,1-4 1,4-3 11,0-7 1,7 0-141,-2 1 0,-1-6 91,1 0 1,-6-4-56,1 4 0,-5-1 26,-4 2 0,-10 7-11,-10-3 1,-4 4-148,-1-4-19,0 7 1,-6-3-65,-4 6 1,-5 0 152,-4 5 1,1 0 101,-7 0 1,1 2-102,-6 2 0,2 6 145,4 10 1,-2-4-36,6 4 0,1 3 155,4 1 1,0 2-129,0-1 1,6 2 142,-1-2 1,7 1-171,-2-1 0,3 1 36,2-7 1,7 6-206,2-6 1,6-1 113,5-8 1,3 3-124,6-3 0,2-2-35,3 2 0,-1-7-386,6 2 658,7-3 0,6-2 0,7 0 0</inkml:trace>
+  <inkml:trace contextRef="#ctx0" brushRef="#br0">1 1073 8205,'9'0'-80,"1"0"0,-5 0 340,5 0-219,0 0 175,-2 0 0,5 0 21,-3 0-52,3-6 1,6 2 109,1-5 0,4-6-49,-4-5 0,6-6-22,-1 2 0,7-6 50,3-4 1,5-4-2,0-6 1,-4-1-122,-2-4 0,2 1-121,-2-6 0,0 0 302,-4-4-1768,-1 5 1286,1-4 1,-8 10-218,-2-7 0,-4 3 182,-1 2 0,-5 2-30,0 13 0,-7 1 113,2 9 0,-4-3-101,-1 8 0,-6 6 71,-4 8 1,-5 3 0,-4 2 1,1 0 464,-7 0 1,6 2-364,-6 3 0,6 5 78,-6 9 0,1 4-115,-6 6 0,6 2 180,-1 4 0,6 7-106,-6 7 1,7 12 33,-1-3 0,4 6-39,5 0 1,-1-2 17,6 6 0,0 6-74,5 4 0,0-4-132,0-6 0,0-7 141,0-2 1,5-9 9,0-10 0,6-11 154,-1-9 1,-2-6-99,2-4 157,0-3 1,4-7-24,1 0 1,0-7 122,-1-3 0,6-3-200,0-2 0,-1-1-25,-4-3 1,5-4-184,-1-7 0,7 6 126,-1-1 1,-2 1-247,1-6 1,-4-1 83,4-3 1,-6 8 170,2-4 1,-4 13-28,-1 2 1,-7 0 3,-3 5-296,-3 4 236,-2-1 77,0 20 1,0-1-31,0 12 1,0-4 176,0 4 0,0-4-92,0 4 0,0-4-38,0 5 1,0-6-23,0 6 1,0-6 14,0 6 0,4-7 22,1 1 0,0-2 1,-3-4 44,3-3-26,-4 3 177,6-12 0,-5 6-26,3-7-366,-4-7 1,6-1 128,-7-7-395,6 1 0,-3-1-391,7 0 264,-6 1 0,7-1 115,-6 0 441,0 7 0,1-5 0,2 5 0</inkml:trace>
 </inkml:ink>
 </file>
 
@@ -338,7 +336,7 @@
           <inkml:channelProperty channel="F" name="resolution" value="0" units="1/dev"/>
         </inkml:channelProperties>
       </inkml:inkSource>
-      <inkml:timestamp xml:id="ts0" timeString="2020-05-06T14:32:33.374"/>
+      <inkml:timestamp xml:id="ts0" timeString="2020-05-06T14:32:22.610"/>
     </inkml:context>
     <inkml:brush xml:id="br0">
       <inkml:brushProperty name="width" value="0.08571" units="cm"/>
@@ -346,7 +344,7 @@
       <inkml:brushProperty name="color" value="#004F8B"/>
     </inkml:brush>
   </inkml:definitions>
-  <inkml:trace contextRef="#ctx0" brushRef="#br0">366 89 7570,'0'-15'0,"0"0"1687,0 1-1319,0 5-330,0-4 1,0 10 163,0-7 0,-6 7-258,-4-2 0,-3 3 90,-2 2 1,-5 0-12,1 0 0,-7 2-117,1 3 0,-1 3-49,2 7 0,-4 1 8,3 4 0,-1-4-112,2 4 1,2 1 32,8-1 1,1-1 158,3-4 1,2 0 87,3-1-90,3 1 0,-3-2 80,10-3 0,0-4-60,10-6 1,-4 0 9,9 0 0,1 0 41,-1 0 1,6-1-7,-2-4 1,4 2 8,1-7 1,1 0-33,-1-5 1,-1 5 145,-4 1 1,3 0-136,-8 0 0,1-3 125,-5 7-232,-1 0-19,-6 5 144,5 7 0,-11 1-10,3 7 0,-5 4-56,-5 1 0,3 0 30,-2-6-193,2 1 0,2 0-126,0-1 41,0 1 1,2-2-124,2-3 423,-2-3 0,18-1 0,-4 2 0</inkml:trace>
+  <inkml:trace contextRef="#ctx0" brushRef="#br0">88 15 8320,'-8'-8'-600,"2"2"491,6 6 1179,0 0 0,0 6-916,0 4 74,0 3-58,0 2 1,0 6-154,0 3 3,0 4 1,0 6-43,0 1 1,-2 6 132,-3-2 0,3 8-327,-3 2 1,2 5 53,-2-5 1,4 2-185,-4-2 0,-2 0 57,2 0 0,0 0 123,5-10 1,-1-3 30,-4-2 1,3-5-136,-3-4-36,4-4 1,-1-8-80,-3-3-108,4-3 328,-6-7 0,7-2 165,0-3 0,7-3 0,1-7 0,6 0 0</inkml:trace>
 </inkml:ink>
 </file>
 
@@ -366,7 +364,7 @@
           <inkml:channelProperty channel="F" name="resolution" value="0" units="1/dev"/>
         </inkml:channelProperties>
       </inkml:inkSource>
-      <inkml:timestamp xml:id="ts0" timeString="2020-05-06T14:32:33.732"/>
+      <inkml:timestamp xml:id="ts0" timeString="2020-05-06T14:32:23.131"/>
     </inkml:context>
     <inkml:brush xml:id="br0">
       <inkml:brushProperty name="width" value="0.08571" units="cm"/>
@@ -374,7 +372,7 @@
       <inkml:brushProperty name="color" value="#004F8B"/>
     </inkml:brush>
   </inkml:definitions>
-  <inkml:trace contextRef="#ctx0" brushRef="#br0">412 59 8166,'7'-15'-285,"-5"5"1220,3 1-541,-4 5 1,-1-4-571,0 3 1,-1 4 107,-4-4 1,-5 3 177,-10 2 0,2 7-93,-6 2 1,-1 4-138,-4 2 0,-1-3 6,1 2 0,-5-2 88,-1 7 1,3-2-81,7-3 0,-1 1 93,7 0 0,-4-1-272,8 1 239,-3 0 0,16-5 25,-2-1 0,2-4 176,2 5 0,6-5-103,4 5 0,8-5-50,2 5 0,11-6 10,-2 6 0,4-2 17,-4 2 1,-1 3-4,-3-3 1,1-2-23,-7 2 0,1-2-52,-5 2 0,-6 3-162,1-3 0,-7-2 1,2 2-6,-3-7 1,-9 9 23,-2-8 0,-4 1 109,-2-5 0,-5 0-212,1 0 1,-3 0-45,3 0 338,3 0 0,-12-6 0,5-2 0</inkml:trace>
+  <inkml:trace contextRef="#ctx0" brushRef="#br0">103 45 8320,'5'-10'-299,"2"2"1,-1 0 90,1-1 738,4 6-361,-9-3-305,4 6 230,-6 0 1,-5 1-11,0 4 1,-1-2-6,1 7 1,2-5-20,-7 5 0,2 0-82,-2 4 1,-3-4-2,3 0 0,2 0-5,-2 4 0,5 0-143,-5-5 0,6 4 105,-6-3 1,5-2 47,-5 2 446,7-7-297,-4 10 198,7-11-233,0 11 1,7-11-58,3 3 1,3-4 24,1-1 1,3-1-116,2-4 1,-1 3-35,7-3 1,-1 4 122,6 1 1,-3-5 34,-2 0 1,3 0-77,-4 5 0,-1-5 45,2 0 1,-7-1-81,1 1 1,-3 3-2,-1-3 1,0-1 27,0 1 1,-6-2-12,1 2 1,-7 2-347,2-7 283,-3 0 1,-2-4-163,0-1 1,0 5 29,0 0 0,-7 2 53,-2-2 0,0-1 50,0 6 1,-1-1 139,-5 1 0,0 3-37,1-3 1,4 4 79,0 1 1,0 6-67,-4 4 1,4 3 4,0 2 0,5-1 97,-5 1 1,7 5-84,-2-1 0,4 2 4,1-1 0,0-2 49,0 7 1,1-7 5,4 1 1,-2-3-11,7-1 1,2-5 129,7 0 0,-1-7-189,7 2 1,-3-3 49,3-2 0,8 0-341,-4 0 0,5-7 111,1-3 1,-3-1 167,8 1 0,-1-10 0,5 4 0</inkml:trace>
 </inkml:ink>
 </file>
 
@@ -394,7 +392,7 @@
           <inkml:channelProperty channel="F" name="resolution" value="0" units="1/dev"/>
         </inkml:channelProperties>
       </inkml:inkSource>
-      <inkml:timestamp xml:id="ts0" timeString="2020-05-06T14:32:34.299"/>
+      <inkml:timestamp xml:id="ts0" timeString="2020-05-06T14:32:23.460"/>
     </inkml:context>
     <inkml:brush xml:id="br0">
       <inkml:brushProperty name="width" value="0.08571" units="cm"/>
@@ -402,7 +400,7 @@
       <inkml:brushProperty name="color" value="#004F8B"/>
     </inkml:brush>
   </inkml:definitions>
-  <inkml:trace contextRef="#ctx0" brushRef="#br0">544 67 8239,'15'0'0,"-6"0"-142,1 0 0,-5-2 47,5-2 81,-7 2 1,4-3 14,-7 10 1,0-2 328,0 7 1,-5 0-97,0 4 1,-6 6-313,1 0 1,2-1-33,-2-4 0,5 0-157,-5-1 0,5 1 15,-5 0 244,7-1 1,-3-4-64,6 0-26,0-7-66,0 4 1,1-7 110,4 0 0,5-2 331,9-3 0,-1-3-72,7-7 1,-4-4-142,9-1 1,-4-6-82,8 2 0,-3 1 51,-2-2 0,-1 2 29,-3-1 1,-4 3-32,-6 6 0,-2 5 237,-3 0-242,-4 7 0,-6 3-9,0 10 0,0 10 97,0 4 1,-2 10 176,-2 6 1,0 2-18,-6 2 0,6 5-95,-6 0 0,2 11 81,-2-1 1,-3 5-74,3 0 1,2 4-290,-2 11 0,-1 2 282,-9 8 0,0-3-688,-9-3 1,1 4 241,-11-4 1,0-1-48,-5-9 1,-5-11 71,0-22 0,-2-8-26,2-12 1,-2-7 298,-2-13 1,2-7-87,7-2 1,6-9 228,4-2 0,5-11-100,4 2 1,5-9 449,11 4 1,2-7-405,7 2 1,2-7 167,3 2 0,9-3-321,11 7 1,9-2 112,5-2 1,10 0-186,5 0 1,10-2-180,5-3 1,4 3 264,5-3 0,2 3 25,4 2 1,-12 8-42,-14 7 0,-5 6-64,-9 8 0,-8 7-125,-7 3 1,-11 4-361,-8 1-380,-7 0 960,4 0 0,-7 0 0</inkml:trace>
+  <inkml:trace contextRef="#ctx0" brushRef="#br0">74 23 8464,'9'-6'-1035,"-3"4"1380,-6-11 309,0 11 0,0 2-167,0 10 0,-2 5-137,-2 4 0,0 11-470,-6 9 1,2 5 42,-1 5 0,-5 0 74,5 10 0,0 3-30,0 11 0,5 1-379,0-1 0,2 8-136,2 2 0,0-8 222,0-2 0,0-11-89,0-3 1,0-8 73,0-12 1,0-9-199,0-11 512,0-9 1,2-4 26,2-6 0,-2-6 0,3-4 0,-3-9 0,-2-4 0,0-7 0</inkml:trace>
 </inkml:ink>
 </file>
 
@@ -422,15 +420,15 @@
           <inkml:channelProperty channel="F" name="resolution" value="0" units="1/dev"/>
         </inkml:channelProperties>
       </inkml:inkSource>
-      <inkml:timestamp xml:id="ts0" timeString="2020-05-06T14:32:37.110"/>
+      <inkml:timestamp xml:id="ts0" timeString="2020-05-06T14:32:23.615"/>
     </inkml:context>
     <inkml:brush xml:id="br0">
-      <inkml:brushProperty name="width" value="0.11429" units="cm"/>
-      <inkml:brushProperty name="height" value="0.11429" units="cm"/>
+      <inkml:brushProperty name="width" value="0.08571" units="cm"/>
+      <inkml:brushProperty name="height" value="0.08571" units="cm"/>
       <inkml:brushProperty name="color" value="#004F8B"/>
     </inkml:brush>
   </inkml:definitions>
-  <inkml:trace contextRef="#ctx0" brushRef="#br0">0 2044 10461,'0'8'-689,"0"-1"0,0-6 853,0 4 63,0-3 675,0 4-343,0-6-45,7 0 77,-6 0-530,6 0 1,-2-1 182,0-4 1,6-3 21,-1-7 0,3 0-109,2 1 0,8-9-184,6-7 1,4-6 3,11-8 0,3-6 28,12-4 1,6-10-390,4-5 0,-31 33 0,2-1 378,2-2 1,-1 0-1,3-1 1,-1 0 63,1-2 1,0 0 0,-3 2-1,0 0-67,-2 3 1,0 1 0,0-2 0,-1 1-194,2-3 0,-2 1 0,31-31 191,-34 33 0,-1 0 0,23-21 66,-3-1 1,0 3-279,4-2 1,-7 5 241,-7 4 0,0 4-1,-5 0 1,2 1-24,-2 0 0,2 7 65,-6 2 0,-1 3 383,-5-3 0,1 4-376,-1-3 1,-4 8 265,-1 1 0,-6 8-292,2-3 0,-6 4 159,-4 1-170,3 0 1,-10 2-403,7 3 241,-6 4-400,2 6-90,-6 0-267,0 0 669,0 6 0,-5 3 39,0 5 0,-1-4 55,1 0 0,-2 0-56,-2 4 1,-5-4-57,5 0 1,-1 0 73,-5 4 0,9-4-244,-9 0 1,3-2 58,-2 2 0,-3 1-168,-2-6 558,3 7 0,-6-6-175,8 4 0,-1-2 306,0-3 0,0-3-95,1 3 0,4-4 142,0-1 22,0 0 572,-4 0-421,-1-6 0,5-2-50,0-7 0,7 5-19,-2 0-32,4 0-84,1-4-35,0-1-125,0 0 1,0 6 12,0-1 1,6 7-119,4-2 1,-2 1 163,2-1 1,0 4 10,4-4 0,1 2 70,0-2 0,4 3 39,1-3 1,0 2-40,-6-2 1,6 3-27,-1-2 1,1 2-197,-5 2 1,4 0 31,1 0 0,0 6-84,-6 4 0,1 3 30,0 2 0,-1 1-227,1 4 1,-7-2 85,-3 6 1,2-4 55,-2 4 1,-1 1-7,-4 4 0,0 6 22,0-1 0,0 2-321,0-2 1,-6 2-81,-4 3 1,2 2-84,-2-7 1,0 7-81,-4-2 684,-1 10 0,-6-3 1,-2 5-1</inkml:trace>
+  <inkml:trace contextRef="#ctx0" brushRef="#br0">1 28 8420,'5'-10'0,"1"2"139,2 1 0,-4 4-35,1 8 0,1 3-9,-1 7 0,0 0 31,-5-1 0,0 6-19,0 0 1,2 4-248,3-4 1,-4 4-131,4-4 1,-3 1-171,-2-1 1,0-9-634,0 4 593,0-4 480,0-3 0,0-1 0,0-7 0</inkml:trace>
 </inkml:ink>
 </file>
 
@@ -450,26 +448,15 @@
           <inkml:channelProperty channel="F" name="resolution" value="0" units="1/dev"/>
         </inkml:channelProperties>
       </inkml:inkSource>
-      <inkml:timestamp xml:id="ts0" timeString="2020-05-06T14:32:44.524"/>
+      <inkml:timestamp xml:id="ts0" timeString="2020-05-06T14:32:23.762"/>
     </inkml:context>
     <inkml:brush xml:id="br0">
       <inkml:brushProperty name="width" value="0.08571" units="cm"/>
       <inkml:brushProperty name="height" value="0.08571" units="cm"/>
       <inkml:brushProperty name="color" value="#004F8B"/>
     </inkml:brush>
-    <inkml:brush xml:id="br1">
-      <inkml:brushProperty name="width" value="0.11429" units="cm"/>
-      <inkml:brushProperty name="height" value="0.11429" units="cm"/>
-      <inkml:brushProperty name="color" value="#004F8B"/>
-    </inkml:brush>
   </inkml:definitions>
-  <inkml:trace contextRef="#ctx0" brushRef="#br0">118 926 8270,'-8'0'-1089,"-5"0"0,9 0 1065,-5 0 349,5 0-209,-2 0 90,6 0 0,0-1-74,0-4 0,5 2 208,0-7 0,4 5-146,-4-5 1,0 0 555,-5-4-509,7-1 0,-6 0 170,4 1-82,-3 5-347,-2 3 1,-2 6 145,-3 0 1,2 6-8,-7 4 0,5 8-232,-4 2 1,5 6 45,-1-2 1,2 3-141,-2-3 0,4 2 27,-4-6 1,3 4 56,2-4 0,5-1 135,0-4 1,1-5-6,-1 0 49,3-7 0,7 2-73,0-10 1,-5-3-46,-1-7 0,-5-1 70,1-4 0,1-3-192,-1-6 1,0-2-16,-5-3 1,0 3-164,0-4 0,-7 9 127,-2 2 1,-4-1-106,-2-4 1,-5 6-339,1 3 676,-8 4 0,5 1 0,-8 1 0</inkml:trace>
-  <inkml:trace contextRef="#ctx0" brushRef="#br0" timeOffset="449">250 133 8439,'15'-23'0,"-5"-3"-388,-1 6 0,-4-4-187,5 4 1950,-7 7-979,4 6 0,-9 14-128,-3 3 0,2 4-223,-7 6 0,5 3 4,-4 6 1,0 7-44,0 3 1,-3 4-11,7 1 0,-5 5 46,6 0 0,-1 7 40,5-3 0,1 0-182,4 1 0,3 0 128,7 4 0,1 1-284,4 0 0,-4-8-8,4-7 1,-4-8-20,-1-12 0,-2-8 124,-3-6 63,3-7 1,-11-3 171,2-9 0,3-9-132,-2-2 1,6-1 157,-1 1 0,-2 4-97,2-4 1,0 4 196,5 1 1,-1 7 226,1 3-340,0 4 0,-1 1 26,1 0 0,0 6-64,-1 4 1,-4 8 7,0 1 0,-7 6 8,2-5 0,-3 4-123,-2-4 0,-2 4 102,-3-4 1,-8 4-97,-6-4 1,-6-1-3,6-4 1,-8-5-9,3 0 0,-4-5-153,-1 4 0,4-5-316,1 1 0,6-4-659,-2-1 1188,4-6 0,1-2 0,0-7 0</inkml:trace>
-  <inkml:trace contextRef="#ctx0" brushRef="#br1" timeOffset="1225">794 618 9720,'15'0'76,"-1"0"0,3 0 151,2 0 1,-4-2 149,0-3 91,-1 4-401,-5-12 139,-1 11-413,-2-5 208,-12 7 1,-7 2-16,-7 3 0,-1 3 113,1 7 0,-3 0-251,-6-1 0,0 6 35,-1-1 0,6 3-61,-1-3 1,2-2-100,-1 2 1,3-3 116,6-1 1,0 0-76,0 0 0,7-6-70,3 1 397,4-7 1,9 9-119,7-7 1,6 0 18,8-5 1,1 0 45,-1 0 1,0 0 185,1 0 0,1 0 52,3 0 1,-4 0-138,-1 0 1,0 6-91,-4 4 1,-4 3 42,-1 2 1,-6 1-199,-4 4 1,2-4 91,-7 4 0,-1-4-18,-4-1 1,-6-2-19,-4-3 0,-3 1-143,-2-6 1,-4 1-61,-1-1 0,1-3 47,4 3 0,0-4-288,0-1 319,1-6 1,1-2 212,3-7 0,3 5-57,7 0 0,2 1 81,3-6 0,5 0-87,9 1 1,4-6 39,7 0 0,5-1 114,5 2 1,-1-4-92,5-7 0,-5 6 148,5-1 0,0 2-100,-4-1 1,-5-2 165,0 6 0,-11 5-18,-4 6 0,-9 1 31,-1-2-221,-7-3 0,-3 11-100,-9-3 0,-6 2 13,-5-2 0,4 3 111,-4-3 0,-1 4-218,2 1 0,-3 6 17,3 4 0,2 3-18,-2 2 0,7 0 128,3-1 1,5 1 1,-1 0 1,4 1 18,1 4 0,1-2 9,4 6 1,3-1 44,7 1 0,6 3-59,4-8 0,4 6 21,6-6 0,-4 3-5,3-3 1,-1-7-38,1 2 0,-5-2 6,1 2 1,-3-1-29,-7-3 363,0-3-314,-6-7 1,-6-2 105,-3-3 0,-10-1-86,-4-4 1,-4-8-131,-2 3 1,0-3 87,1 4 1,-1-6-103,0 0 1,2-1 0,3 2 1,-1 2-155,6-2 1,0-3 62,5 3 1,0-1 84,0 5 1,8-4-193,7-1 0,0 1 112,4 4 0,2 2-193,-1 3 1,5-1-20,-6 6 421,1 0 0,-6 5 0,1 0 0</inkml:trace>
-  <inkml:trace contextRef="#ctx0" brushRef="#br0" timeOffset="1620">1779 691 8482,'14'-1'0,"1"-3"0,0-1 482,0 1 1,-1 4-26,1 0 1,-5 8-393,0 6 0,-7 1 10,2 5 1,-2 1-102,2-1 0,-3 6 56,2-2 0,-2-1-260,-2 2 0,5-6 245,0 6 0,1-6-90,-1 6 1,-3-7-742,3 1 279,3-2 132,-6-9 298,4-2 0,-6-9-24,0-7 1,0-1 21,0-14 0,0 6 5,0-6 0,0-4 55,0-5 1,2-2-5,3 1 1,-2 3-45,7-8 1,-5 6 9,4-5 1,1 5 151,5-5 0,0 7-135,-1 3 0,1 6 334,0 9 1,-5 0 279,-1 5-285,-5 2 0,4 7-214,-3 0 0,-4 7 35,4 2 0,-3 0-47,-2 0 181,0 1-323,0 5 1,-5 0 78,0-1 1,-1-6-330,1-3 0,1 2-450,-5-2 809,5 6 0,-9-3 0,5 7 0</inkml:trace>
-  <inkml:trace contextRef="#ctx0" brushRef="#br1" timeOffset="1855">2190 588 10162,'20'0'34,"0"0"0,1 5 262,-2 0 1,-7 7-83,3-3 1,-6 5 20,1 0 0,-3 1-435,-7 0 1,0 1 184,0 4 0,-5-4-426,0 3 0,-5 3 230,5-3 1,-1 1-336,1-5 0,3-1-165,-3 1-208,4 0 309,1-1 602,0-5 0,0-3 1,0-6-1</inkml:trace>
-  <inkml:trace contextRef="#ctx0" brushRef="#br1" timeOffset="2034">2190 162 10160,'15'-23'-577,"0"-1"45,-1 9 0,-4-1 363,0 11 1,0 0 513,5 5 0,-1 2-225,1 2 1,-2 5-187,-3 5 1,3 3-129,-3 2 0,-2-1-191,2 7 1,-2-6 106,2 6 1,1-1 287,-6 6 1,6-6-4,-1 1 0,3-1 0,2 6 0</inkml:trace>
-  <inkml:trace contextRef="#ctx0" brushRef="#br1" timeOffset="2505">2778 618 9846,'25'10'0,"-2"-2"0,0-2 0,-2-1 0,0 0 0,-3 0-672,-2-2 930,-1-1 1,-5-2 255,0 0 11,-1-7-366,6-1 0,-2-6-1,-3-1 1,1 5-287,-6 0 0,0 0 97,-5-4-41,0-1 0,0 0 58,0 1-198,0-1 0,-1 2-93,-4 3 68,-3 4 1,-7 6 119,0 0 1,0 0 147,1 0 0,-1 8 2,0 6 0,2 1-63,3 5 0,-1 3 221,6 1 0,-5 4-97,5 1 1,1 1-46,4-1 1,0 2 46,0 3 1,6 4 129,4 6 0,5 2-70,4 3-1,-1-2-32,7 7 0,-1 2 61,6 7 1,-1 9 17,0 6 1,-7 1-354,-8-6 1,-6 1 151,-8-1 0,-8-7-233,-6-8 1,-9-13 127,-12-16 1,-2-6-41,-7-8 0,-5-7 33,0-3 0,0-7 56,5-8 1,0-6-162,-1-14 0,3-6 55,3-3 0,4-3 78,11-2 1,8 0-16,6 0 1,7-1 136,-2 1 0,16 2-123,9 3 1,7-5-6,8-1 0,9 6 101,10-5 1,5 5-45,4 0 0,3 1-157,2 4 0,-4 11 183,-10 3 0,-5 6-250,-10 9 1,-5 0-99,-9 5 0,-11 7 354,-9 2 0,-10 4 0,-3 2 0</inkml:trace>
+  <inkml:trace contextRef="#ctx0" brushRef="#br0">16 52 8321,'6'-14'384,"-4"-1"298,11 7-890,-12-5-980,6 11 512,-7 2 1,-7 8 675,-2 7 0,-4 0 0,-2-1 0</inkml:trace>
 </inkml:ink>
 </file>
 
@@ -516,6 +503,687 @@
           <inkml:channelProperty channel="F" name="resolution" value="0" units="1/dev"/>
         </inkml:channelProperties>
       </inkml:inkSource>
+      <inkml:timestamp xml:id="ts0" timeString="2020-05-06T14:32:24.799"/>
+    </inkml:context>
+    <inkml:brush xml:id="br0">
+      <inkml:brushProperty name="width" value="0.08571" units="cm"/>
+      <inkml:brushProperty name="height" value="0.08571" units="cm"/>
+      <inkml:brushProperty name="color" value="#004F8B"/>
+    </inkml:brush>
+  </inkml:definitions>
+  <inkml:trace contextRef="#ctx0" brushRef="#br0">45 59 8255,'8'-15'0,"4"5"98,-8 1 63,8-1 101,-10 2 35,4 1-330,-6 14 0,0 7 112,0 11 0,-2 3-187,-2 1 1,0 7 108,-6 3 0,6 8-12,-6 2 0,5 7 86,-5-2 0,7 3-184,-2 2 1,-2 0-69,2-1 1,1 1 149,4 0 0,0-7-44,0-3 0,0-5-116,0-4 0,-5-11-140,0-9 232,0-4 307,5-8 0,0-8-55,0-10 1,0-4-130,0-6 0,1 2 0,4-7 1,2 1 22,3-5 0,8-1 16,-4 1 0,4-1-26,-3 1 0,1 6 34,4 3 1,-9 4-24,4 1 0,-3 2-49,2 4 1,-4-3 9,0 7 1,-5 7-45,5 8 0,-7 4 31,2 6 0,1 3-6,-1 6 1,5-1-36,-5-3 1,1 2-156,-1-2 0,-3 1 151,3-2 1,1-1-35,-1-3 220,7-4 1,-4 1-112,7-8 1,-6-5 161,1 1 0,0-5-101,5-5 1,-6 1-42,1-5 1,0-6 10,5-5 1,-1-1-16,1 1 0,-2 2-26,-3-6 1,3 4 32,-3-4 1,1 6-60,-1-2 1,2 9 27,-8 1 0,1 5-411,-5-5 274,0 7 1,0-2-46,0 10 1,0 8 144,0 7 1,0 6-33,0-2 0,0-1-63,0 2 1,5-1 34,0 6 0,5-3 148,-5-2 0,6-4-118,-1-6 1,1 0 84,-1-1 0,3-1 12,-3-3 0,-2-3-1,2-7 0,0 0-35,5 0 0,-6-12 13,1-2 0,-7-6-95,2 0 0,2 2 74,-2-6 1,0 1-223,-5-2 0,-2-1 62,-3 7 1,-3-6-235,-7 6 0,-6-1 5,-3 5 1,-4 2 380,-2 3 0,1-3 0,-7 5 0,-1-6 0</inkml:trace>
+</inkml:ink>
+</file>
+
+<file path=ppt/ink/ink111.xml><?xml version="1.0" encoding="utf-8"?>
+<inkml:ink xmlns:inkml="http://www.w3.org/2003/InkML">
+  <inkml:definitions>
+    <inkml:context xml:id="ctx0">
+      <inkml:inkSource xml:id="inkSrc0">
+        <inkml:traceFormat>
+          <inkml:channel name="X" type="integer" min="-2.14748E9" max="2.14748E9" units="cm"/>
+          <inkml:channel name="Y" type="integer" min="-2.14748E9" max="2.14748E9" units="cm"/>
+          <inkml:channel name="F" type="integer" max="32767" units="dev"/>
+        </inkml:traceFormat>
+        <inkml:channelProperties>
+          <inkml:channelProperty channel="X" name="resolution" value="1000" units="1/cm"/>
+          <inkml:channelProperty channel="Y" name="resolution" value="1000" units="1/cm"/>
+          <inkml:channelProperty channel="F" name="resolution" value="0" units="1/dev"/>
+        </inkml:channelProperties>
+      </inkml:inkSource>
+      <inkml:timestamp xml:id="ts0" timeString="2020-05-06T14:32:25.205"/>
+    </inkml:context>
+    <inkml:brush xml:id="br0">
+      <inkml:brushProperty name="width" value="0.08571" units="cm"/>
+      <inkml:brushProperty name="height" value="0.08571" units="cm"/>
+      <inkml:brushProperty name="color" value="#004F8B"/>
+    </inkml:brush>
+  </inkml:definitions>
+  <inkml:trace contextRef="#ctx0" brushRef="#br0">0 162 8255,'20'-13'-102,"-1"3"1,1-3-432,-5 3 572,-1-3 0,1 3 269,0 1 0,-2 4-285,-3-5 26,3 7 0,-10-4-99,7 7 132,-7-6-326,4 4 58,-7-5 121,0 7 0,-2 5 23,-3 0 0,-2 11-1,-2-1 1,-4 3-201,3-3 1,-2 4 110,3 1 1,-3 6 10,7-1 0,-5-2 38,6 1 1,-1-4 165,5 4 0,0-6 31,0 2 0,0-4 176,0-1 1,0-5-188,0-1 0,6-5 72,4 1 1,3-4-29,2-1 0,-1-6-34,1-4 1,0-3-165,0-2 1,-1-5 148,1 1 0,-5-7-227,0 1 1,-2-3-59,1-1 0,-2 1-65,-7 4 0,0-4-37,0 4 0,-7 1 93,-2-2 1,-4 9 22,-2 1 0,-1 2 24,-4 8 1,4 0 148,-4 5 0,4 0 0,1 0 0,0 7 0,1 1 0</inkml:trace>
+</inkml:ink>
+</file>
+
+<file path=ppt/ink/ink112.xml><?xml version="1.0" encoding="utf-8"?>
+<inkml:ink xmlns:inkml="http://www.w3.org/2003/InkML">
+  <inkml:definitions>
+    <inkml:context xml:id="ctx0">
+      <inkml:inkSource xml:id="inkSrc0">
+        <inkml:traceFormat>
+          <inkml:channel name="X" type="integer" min="-2.14748E9" max="2.14748E9" units="cm"/>
+          <inkml:channel name="Y" type="integer" min="-2.14748E9" max="2.14748E9" units="cm"/>
+          <inkml:channel name="F" type="integer" max="32767" units="dev"/>
+        </inkml:traceFormat>
+        <inkml:channelProperties>
+          <inkml:channelProperty channel="X" name="resolution" value="1000" units="1/cm"/>
+          <inkml:channelProperty channel="Y" name="resolution" value="1000" units="1/cm"/>
+          <inkml:channelProperty channel="F" name="resolution" value="0" units="1/dev"/>
+        </inkml:channelProperties>
+      </inkml:inkSource>
+      <inkml:timestamp xml:id="ts0" timeString="2020-05-06T14:32:25.651"/>
+    </inkml:context>
+    <inkml:brush xml:id="br0">
+      <inkml:brushProperty name="width" value="0.08571" units="cm"/>
+      <inkml:brushProperty name="height" value="0.08571" units="cm"/>
+      <inkml:brushProperty name="color" value="#004F8B"/>
+    </inkml:brush>
+  </inkml:definitions>
+  <inkml:trace contextRef="#ctx0" brushRef="#br0">44 590 8255,'22'-6'-62,"-4"2"80,6-5 0,-6 0 61,2 0 1,-4-4 141,-1 3 0,-1 2 31,1-2 0,-5 2 284,0-2-949,-7-3 339,4 5-181,-7 0 117,0 1 1,-2 7-83,-3 0 0,-3 7 67,-7 2 0,-1 4 102,-4 2 0,4 1-17,-4 4 1,2-2 44,-1 6 1,2-1-104,-2 2 0,4 1 92,5-6 1,-3 6-85,3-2 1,4-1 110,1 2 0,3-7-7,2 1 1,0-3 214,0-1 1,2-7-146,3-3 1,5-3 158,9-2 0,-2-2-100,2-3 0,4-9 50,2-11 1,-3-3-69,3-1 1,-5-7 37,4-3 1,1-9-47,4-1 1,0-6-4,1 1 0,-6-10-224,1-4 1,-4-7 115,-1 1 1,-6 10-100,-9 15 178,-3 10-238,-2 10 1,-8 21 132,-7 13 1,0 14 58,1 11 0,4 5-115,0 10 1,7-1-70,-2 0 104,3 6 0,2 3-104,0 5 0,5-4 115,0 0-511,6-6 304,-2 9 0,12-3-34,3 9 299,-2-9 0,12 10 0,-3-12 0</inkml:trace>
+</inkml:ink>
+</file>
+
+<file path=ppt/ink/ink113.xml><?xml version="1.0" encoding="utf-8"?>
+<inkml:ink xmlns:inkml="http://www.w3.org/2003/InkML">
+  <inkml:definitions>
+    <inkml:context xml:id="ctx0">
+      <inkml:inkSource xml:id="inkSrc0">
+        <inkml:traceFormat>
+          <inkml:channel name="X" type="integer" min="-2.14748E9" max="2.14748E9" units="cm"/>
+          <inkml:channel name="Y" type="integer" min="-2.14748E9" max="2.14748E9" units="cm"/>
+          <inkml:channel name="F" type="integer" max="32767" units="dev"/>
+        </inkml:traceFormat>
+        <inkml:channelProperties>
+          <inkml:channelProperty channel="X" name="resolution" value="1000" units="1/cm"/>
+          <inkml:channelProperty channel="Y" name="resolution" value="1000" units="1/cm"/>
+          <inkml:channelProperty channel="F" name="resolution" value="0" units="1/dev"/>
+        </inkml:channelProperties>
+      </inkml:inkSource>
+      <inkml:timestamp xml:id="ts0" timeString="2020-05-06T14:32:26.479"/>
+    </inkml:context>
+    <inkml:brush xml:id="br0">
+      <inkml:brushProperty name="width" value="0.08571" units="cm"/>
+      <inkml:brushProperty name="height" value="0.08571" units="cm"/>
+      <inkml:brushProperty name="color" value="#004F8B"/>
+    </inkml:brush>
+  </inkml:definitions>
+  <inkml:trace contextRef="#ctx0" brushRef="#br0">0 689 8440,'15'0'0,"0"0"0,0 0 296,-1 0 1,-4 0 115,0 0-319,-7 0 1,5 0 101,-3 0 1,-3 7-213,3 3 1,-4 3-101,-1 1 1,-1 3 107,-4 2 1,3-1-112,-3 7 0,4-6 41,1 6 0,0-6-13,0 6 1,5-7 82,-1 2 1,8-9-4,-2-1 0,-2-5 20,2 4 0,-1-5-1,6 1 1,0-10-16,0-5 1,-1-3 5,1-2 0,0-1-230,-1-4 1,-1 2 72,-3-6 0,2-1-9,-7-4 0,-1 4 20,-4 1 0,0 6-20,0-2 0,-8 4 92,-6 1 0,-3 2 22,-7 3 0,4-1-75,-4 6 0,6 0 35,-2 5 1,-1 0 115,1 0 0,1 0-169,4 0 251,0 0 0,2-1-123,3-4 1,4 1-1,6-5 1,0 4 38,0-5 0,0 0 22,0-5 0,6 6 95,4-1 1,8-5-72,2-5 0,6 1 178,-2 4 1,4 0-120,2 1 0,5-7 121,5-4 0,2-3-90,2-1 1,5-2 8,0-3 0,5-4-49,-5-6 1,0 5 3,-5-1 0,-8 8-131,-6-2 1,-3 9 65,-7 5 0,-7 9 218,-8 1-273,-4 7 1,-1-2-173,0 10 0,-1 3 251,-4 7 0,-3 6 0,-7 4 0,4-3 93,-4 3 0,4 4-118,-9 6 0,2 7 23,-2 2 1,-1 2-26,-3 8 0,1 0-108,3 4 0,4 9 43,-4 7 1,6 6-434,4 8 1,3 5 413,7 0 0,0 5-204,0-5 1,12-8 281,2-11 0,6-14-94,0-11 1,1-14 260,3-6 0,-3-16-77,-6-3 0,0-7 11,0-3 0,-1-6 15,1-4 1,-2-5 1,-3-5 1,1-2 114,-6-8 1,5-6-488,-5-3 0,-8-3-163,-12-2 1,-6-1 145,-9 1 1,-7 5-135,-7 0 0,0 1 57,-5-1 0,3 5-459,2 9 761,0 4 0,-7 0 0,-1-2 0</inkml:trace>
+</inkml:ink>
+</file>
+
+<file path=ppt/ink/ink114.xml><?xml version="1.0" encoding="utf-8"?>
+<inkml:ink xmlns:inkml="http://www.w3.org/2003/InkML">
+  <inkml:definitions>
+    <inkml:context xml:id="ctx0">
+      <inkml:inkSource xml:id="inkSrc0">
+        <inkml:traceFormat>
+          <inkml:channel name="X" type="integer" min="-2.14748E9" max="2.14748E9" units="cm"/>
+          <inkml:channel name="Y" type="integer" min="-2.14748E9" max="2.14748E9" units="cm"/>
+          <inkml:channel name="F" type="integer" max="32767" units="dev"/>
+        </inkml:traceFormat>
+        <inkml:channelProperties>
+          <inkml:channelProperty channel="X" name="resolution" value="1000" units="1/cm"/>
+          <inkml:channelProperty channel="Y" name="resolution" value="1000" units="1/cm"/>
+          <inkml:channelProperty channel="F" name="resolution" value="0" units="1/dev"/>
+        </inkml:channelProperties>
+      </inkml:inkSource>
+      <inkml:timestamp xml:id="ts0" timeString="2020-05-06T14:32:27.301"/>
+    </inkml:context>
+    <inkml:brush xml:id="br0">
+      <inkml:brushProperty name="width" value="0.08571" units="cm"/>
+      <inkml:brushProperty name="height" value="0.08571" units="cm"/>
+      <inkml:brushProperty name="color" value="#004F8B"/>
+    </inkml:brush>
+  </inkml:definitions>
+  <inkml:trace contextRef="#ctx0" brushRef="#br0">278 234 8536,'7'-21'-7,"-6"5"0,8-4 6,-5 10 1,-2-3 2176,5 11-1784,-7-4 1,0 8-676,0 2 0,0 6 227,0 10 0,0-2-59,0 6 0,5-1 128,-1 2 1,6 2 49,-5-2 1,5 1-124,-5-1 1,5-4 85,-5-7 0,4 1 27,-4 0 191,7 0-126,-4-7 0,7-2-120,-1-6 1,-4-6-6,0-4 1,0-8-57,4-2 1,-4-6 98,0 2 1,5-9-192,4-1 1,1-2 110,-5 2 1,1 1 8,3-6 1,-2 6 39,2-1 0,-4 8-10,-5 1 1,1 12 64,-6-2 94,0 10 1,-5 1-167,0 8 0,5 11 6,0 10 1,1 9 66,-1 5 0,-1 5-29,5 5 0,-4 3 65,5 7 0,-5-5-67,5 0 1,-5 5 174,5 5 0,-6 3-130,6 1 0,-7-4-108,2 9 0,-3-2 81,-2 2 0,-8 1-192,-7-1 0,-8-6-46,-11-3 0,-5-7 62,-10-8 0,-3-3-207,-7-17 1,-2-5 71,-2-14 0,7-3 75,-3-7 1,5-2 88,0-3 0,10-5 10,10-9 1,10-4-2,4-6 0,5-6 165,5 1 0,6-7 131,8 2 1,11 1 61,10-1 0,11 0 39,8-5 0,1 5-56,9 0 1,2 1-285,8-1 1,9-9 95,10 4 0,-1-3-316,1 3 0,1 5 181,4-1 1,-8 8 99,-7-3 1,-19 13-914,-15 7 357,-12 7-1265,-6 8 1793,-13 6 0,-8 9 0,-8 8 0</inkml:trace>
+</inkml:ink>
+</file>
+
+<file path=ppt/ink/ink115.xml><?xml version="1.0" encoding="utf-8"?>
+<inkml:ink xmlns:inkml="http://www.w3.org/2003/InkML">
+  <inkml:definitions>
+    <inkml:context xml:id="ctx0">
+      <inkml:inkSource xml:id="inkSrc0">
+        <inkml:traceFormat>
+          <inkml:channel name="X" type="integer" min="-2.14748E9" max="2.14748E9" units="cm"/>
+          <inkml:channel name="Y" type="integer" min="-2.14748E9" max="2.14748E9" units="cm"/>
+          <inkml:channel name="F" type="integer" max="32767" units="dev"/>
+        </inkml:traceFormat>
+        <inkml:channelProperties>
+          <inkml:channelProperty channel="X" name="resolution" value="1000" units="1/cm"/>
+          <inkml:channelProperty channel="Y" name="resolution" value="1000" units="1/cm"/>
+          <inkml:channelProperty channel="F" name="resolution" value="0" units="1/dev"/>
+        </inkml:channelProperties>
+      </inkml:inkSource>
+      <inkml:timestamp xml:id="ts0" timeString="2020-05-06T14:32:28.157"/>
+    </inkml:context>
+    <inkml:brush xml:id="br0">
+      <inkml:brushProperty name="width" value="0.08571" units="cm"/>
+      <inkml:brushProperty name="height" value="0.08571" units="cm"/>
+      <inkml:brushProperty name="color" value="#004F8B"/>
+    </inkml:brush>
+  </inkml:definitions>
+  <inkml:trace contextRef="#ctx0" brushRef="#br0">280 74 8289,'6'-23'0,"4"3"0,-3 9 233,-3 1 60,-2 7-316,-2-4 0,-6 9 163,-4 3 1,-3 8 5,-2 7 1,0 4 7,1-4 1,-3 6-13,-2-2 1,1 4-29,-7 1 0,7 3 35,-1 2 0,-3 3-132,3 7 1,-1 1 64,6-1 1,-1 1-107,0 4 1,7-3-45,3 3 0,3-8 81,2-2 0,9-5 0,5 4 0,9-4 0,5-6 0,1-7-306,1-4 299,6-3 0,-5-1-753,3-3 490,4-3 1,-6-7-473,7 0 1,-3 0 728,8 0 0,-3-7 0,10-1 0</inkml:trace>
+</inkml:ink>
+</file>
+
+<file path=ppt/ink/ink116.xml><?xml version="1.0" encoding="utf-8"?>
+<inkml:ink xmlns:inkml="http://www.w3.org/2003/InkML">
+  <inkml:definitions>
+    <inkml:context xml:id="ctx0">
+      <inkml:inkSource xml:id="inkSrc0">
+        <inkml:traceFormat>
+          <inkml:channel name="X" type="integer" min="-2.14748E9" max="2.14748E9" units="cm"/>
+          <inkml:channel name="Y" type="integer" min="-2.14748E9" max="2.14748E9" units="cm"/>
+          <inkml:channel name="F" type="integer" max="32767" units="dev"/>
+        </inkml:traceFormat>
+        <inkml:channelProperties>
+          <inkml:channelProperty channel="X" name="resolution" value="1000" units="1/cm"/>
+          <inkml:channelProperty channel="Y" name="resolution" value="1000" units="1/cm"/>
+          <inkml:channelProperty channel="F" name="resolution" value="0" units="1/dev"/>
+        </inkml:channelProperties>
+      </inkml:inkSource>
+      <inkml:timestamp xml:id="ts0" timeString="2020-05-06T14:32:28.432"/>
+    </inkml:context>
+    <inkml:brush xml:id="br0">
+      <inkml:brushProperty name="width" value="0.08571" units="cm"/>
+      <inkml:brushProperty name="height" value="0.08571" units="cm"/>
+      <inkml:brushProperty name="color" value="#004F8B"/>
+    </inkml:brush>
+  </inkml:definitions>
+  <inkml:trace contextRef="#ctx0" brushRef="#br0">0 1 8467,'0'15'276,"0"-1"-43,0 1 0,0 6 290,0 4 0,0 9-351,0 5 1,0 5 17,0 5 1,0 4-269,0 5 1,7 1 75,3 0 0,3-5-264,1 0 0,1-7 109,0 2 1,4-6-93,1-9 0,-5-3-311,-6-16-216,-5-4 375,2-11 0,-6-6 66,0-4 0,-1-10 22,-4-4 0,-2-9 313,-3-1 0,-3-14 0,5 3 0</inkml:trace>
+</inkml:ink>
+</file>
+
+<file path=ppt/ink/ink117.xml><?xml version="1.0" encoding="utf-8"?>
+<inkml:ink xmlns:inkml="http://www.w3.org/2003/InkML">
+  <inkml:definitions>
+    <inkml:context xml:id="ctx0">
+      <inkml:inkSource xml:id="inkSrc0">
+        <inkml:traceFormat>
+          <inkml:channel name="X" type="integer" min="-2.14748E9" max="2.14748E9" units="cm"/>
+          <inkml:channel name="Y" type="integer" min="-2.14748E9" max="2.14748E9" units="cm"/>
+          <inkml:channel name="F" type="integer" max="32767" units="dev"/>
+        </inkml:traceFormat>
+        <inkml:channelProperties>
+          <inkml:channelProperty channel="X" name="resolution" value="1000" units="1/cm"/>
+          <inkml:channelProperty channel="Y" name="resolution" value="1000" units="1/cm"/>
+          <inkml:channelProperty channel="F" name="resolution" value="0" units="1/dev"/>
+        </inkml:channelProperties>
+      </inkml:inkSource>
+      <inkml:timestamp xml:id="ts0" timeString="2020-05-06T14:32:28.649"/>
+    </inkml:context>
+    <inkml:brush xml:id="br0">
+      <inkml:brushProperty name="width" value="0.08571" units="cm"/>
+      <inkml:brushProperty name="height" value="0.08571" units="cm"/>
+      <inkml:brushProperty name="color" value="#004F8B"/>
+    </inkml:brush>
+  </inkml:definitions>
+  <inkml:trace contextRef="#ctx0" brushRef="#br0">45 163 8215,'6'-38'0,"4"5"0,3 6 0,2 4 0,0 3 795,-1 7-504,1 5 0,0 8-100,-1 0 1,6 2-143,0 2 1,4 5-160,-4 5 0,6 1 142,-2 0 0,-2 4-18,-3 1 1,-3 6 107,-1-1 0,-7-1-237,-3 5 1,-3-7-48,-2 7 1,-2-3 10,-3 4 1,-4-6 60,-11 1 0,2-7-57,-7 1 1,1-3-161,-5-1 1,-2 0 84,-4 0 0,9-7-48,-3-3 0,3-4 20,-4-1 0,7 0 250,4 0 0,2-6 0,3-2 0</inkml:trace>
+</inkml:ink>
+</file>
+
+<file path=ppt/ink/ink118.xml><?xml version="1.0" encoding="utf-8"?>
+<inkml:ink xmlns:inkml="http://www.w3.org/2003/InkML">
+  <inkml:definitions>
+    <inkml:context xml:id="ctx0">
+      <inkml:inkSource xml:id="inkSrc0">
+        <inkml:traceFormat>
+          <inkml:channel name="X" type="integer" min="-2.14748E9" max="2.14748E9" units="cm"/>
+          <inkml:channel name="Y" type="integer" min="-2.14748E9" max="2.14748E9" units="cm"/>
+          <inkml:channel name="F" type="integer" max="32767" units="dev"/>
+        </inkml:traceFormat>
+        <inkml:channelProperties>
+          <inkml:channelProperty channel="X" name="resolution" value="1000" units="1/cm"/>
+          <inkml:channelProperty channel="Y" name="resolution" value="1000" units="1/cm"/>
+          <inkml:channelProperty channel="F" name="resolution" value="0" units="1/dev"/>
+        </inkml:channelProperties>
+      </inkml:inkSource>
+      <inkml:timestamp xml:id="ts0" timeString="2020-05-06T14:32:28.932"/>
+    </inkml:context>
+    <inkml:brush xml:id="br0">
+      <inkml:brushProperty name="width" value="0.08571" units="cm"/>
+      <inkml:brushProperty name="height" value="0.08571" units="cm"/>
+      <inkml:brushProperty name="color" value="#004F8B"/>
+    </inkml:brush>
+  </inkml:definitions>
+  <inkml:trace contextRef="#ctx0" brushRef="#br0">1 221 8103,'21'0'0,"-5"0"-41,4 0 1,-4 0-82,-1 0 1,-5 2 314,0 3 0,-7 4-86,2 11 1,-4-4 184,-1 4 0,0 1-116,0-1 0,0 6-184,0-2 1,0-1-2,0 2 1,-1-7 34,-4 1 1,3-2-153,-3-3-451,4 1 66,-6 0 314,6-7 1,-6-10 148,7-12 1,0-3-63,0-7 1,7-1 168,2-4 1,6-2-128,5-3 0,3 1-128,6-6 1,2-1 11,3-4 1,-1 5 98,6 0 0,-6 8-68,1 2 0,-3 1 47,-1 8 1,-8 7 105,-2 8 0,-4 4 0,-1 1 0</inkml:trace>
+</inkml:ink>
+</file>
+
+<file path=ppt/ink/ink119.xml><?xml version="1.0" encoding="utf-8"?>
+<inkml:ink xmlns:inkml="http://www.w3.org/2003/InkML">
+  <inkml:definitions>
+    <inkml:context xml:id="ctx0">
+      <inkml:inkSource xml:id="inkSrc0">
+        <inkml:traceFormat>
+          <inkml:channel name="X" type="integer" min="-2.14748E9" max="2.14748E9" units="cm"/>
+          <inkml:channel name="Y" type="integer" min="-2.14748E9" max="2.14748E9" units="cm"/>
+          <inkml:channel name="F" type="integer" max="32767" units="dev"/>
+        </inkml:traceFormat>
+        <inkml:channelProperties>
+          <inkml:channelProperty channel="X" name="resolution" value="1000" units="1/cm"/>
+          <inkml:channelProperty channel="Y" name="resolution" value="1000" units="1/cm"/>
+          <inkml:channelProperty channel="F" name="resolution" value="0" units="1/dev"/>
+        </inkml:channelProperties>
+      </inkml:inkSource>
+      <inkml:timestamp xml:id="ts0" timeString="2020-05-06T14:32:29.322"/>
+    </inkml:context>
+    <inkml:brush xml:id="br0">
+      <inkml:brushProperty name="width" value="0.08571" units="cm"/>
+      <inkml:brushProperty name="height" value="0.08571" units="cm"/>
+      <inkml:brushProperty name="color" value="#004F8B"/>
+    </inkml:brush>
+  </inkml:definitions>
+  <inkml:trace contextRef="#ctx0" brushRef="#br0">44 29 8058,'8'-8'1118,"-1"-5"-720,-7 12-341,0-6 1,0 9-52,0 3 0,-5 3 120,0 6 1,-5 3-279,5 2 0,-4-2 5,4 2 1,-2-2-3,2-3 0,4 1 98,-4 0 0,3-1-64,2 1 0,0-5 66,0 0 1,2-7 24,3 2 0,-2-3-70,7-2 1,-1 0 67,6 0 1,0-7-81,0-3 1,-1-3 97,1-2 0,5 1-5,-1-1 1,-1 0 48,-8 1 0,3-1 142,-3 0 1,-2 5 236,2 1-105,-7-1 57,10 2-195,-11 1 42,4 7-24,-6 0 1,0 0-349,0 7 0,-1-4-339,-4 7 1,3-5 230,-3 4 1,2-5-413,-2 1 1,2 1-23,-7-1 700,7 6 0,-10-9 0,4 5 0</inkml:trace>
+</inkml:ink>
+</file>
+
+<file path=ppt/ink/ink12.xml><?xml version="1.0" encoding="utf-8"?>
+<inkml:ink xmlns:inkml="http://www.w3.org/2003/InkML">
+  <inkml:definitions>
+    <inkml:context xml:id="ctx0">
+      <inkml:inkSource xml:id="inkSrc0">
+        <inkml:traceFormat>
+          <inkml:channel name="X" type="integer" min="-2.14748E9" max="2.14748E9" units="cm"/>
+          <inkml:channel name="Y" type="integer" min="-2.14748E9" max="2.14748E9" units="cm"/>
+          <inkml:channel name="F" type="integer" max="32767" units="dev"/>
+        </inkml:traceFormat>
+        <inkml:channelProperties>
+          <inkml:channelProperty channel="X" name="resolution" value="1000" units="1/cm"/>
+          <inkml:channelProperty channel="Y" name="resolution" value="1000" units="1/cm"/>
+          <inkml:channelProperty channel="F" name="resolution" value="0" units="1/dev"/>
+        </inkml:channelProperties>
+      </inkml:inkSource>
+      <inkml:timestamp xml:id="ts0" timeString="2020-05-06T14:21:12.085"/>
+    </inkml:context>
+    <inkml:brush xml:id="br0">
+      <inkml:brushProperty name="width" value="0.08571" units="cm"/>
+      <inkml:brushProperty name="height" value="0.08571" units="cm"/>
+    </inkml:brush>
+  </inkml:definitions>
+  <inkml:trace contextRef="#ctx0" brushRef="#br0">148 88 8276,'8'-7'-568,"5"5"568,-11-4 451,4 6-160,1-7-22,-6 6-315,6-6 168,-7 7-115,0 0-58,0-6 1,-7 4 49,-2-3 0,1 3-17,-2 2 89,0 0-33,-5 0-24,1 0 0,-1 5 96,0 0-90,0 7-23,1-4 0,4 8 9,0 4 1,2-4 39,-2 4-162,4 3 135,-1-7 1,5 7 21,-2-4-307,2-2 271,2 4 1,2-6-42,2-1 36,5 1-24,-1 0 190,5-7-170,-5-2 0,7-6 15,-1 0 0,1-1 9,0-4 0,0-3-2,-1-7 10,1-6-13,0 4 1,-2-10-24,-4 2 22,5-3 3,-13-1 1,11 1-51,-7 4 45,-1-4 82,-4 12 0,0-6 151,0 8 0,0 4-18,0 0-145,0 7 1,0-2 33,0 10 1,0 3 10,0 7 0,5 6 117,0 3 1,0 4-115,-5 2 1,0-1 153,0 0-169,0 1-66,0-1 0,-2 6-68,-2-1 0,2 5 26,-3-5 1,-1 2-155,1-1 0,-2-3 66,2 7 1,2-4-142,-7 4 1,2-6-54,-2 1 0,-3-3 134,3-2 1,2-1-393,-2-3 231,1-4 5,0-7 1,-4-5-59,4-4 0,0 1 54,0-1-431,5 0 358,-2-12 1,6 4 373,0-7 0,6 0 0,2-4 0</inkml:trace>
+</inkml:ink>
+</file>
+
+<file path=ppt/ink/ink120.xml><?xml version="1.0" encoding="utf-8"?>
+<inkml:ink xmlns:inkml="http://www.w3.org/2003/InkML">
+  <inkml:definitions>
+    <inkml:context xml:id="ctx0">
+      <inkml:inkSource xml:id="inkSrc0">
+        <inkml:traceFormat>
+          <inkml:channel name="X" type="integer" min="-2.14748E9" max="2.14748E9" units="cm"/>
+          <inkml:channel name="Y" type="integer" min="-2.14748E9" max="2.14748E9" units="cm"/>
+          <inkml:channel name="F" type="integer" max="32767" units="dev"/>
+        </inkml:traceFormat>
+        <inkml:channelProperties>
+          <inkml:channelProperty channel="X" name="resolution" value="1000" units="1/cm"/>
+          <inkml:channelProperty channel="Y" name="resolution" value="1000" units="1/cm"/>
+          <inkml:channelProperty channel="F" name="resolution" value="0" units="1/dev"/>
+        </inkml:channelProperties>
+      </inkml:inkSource>
+      <inkml:timestamp xml:id="ts0" timeString="2020-05-06T14:32:29.822"/>
+    </inkml:context>
+    <inkml:brush xml:id="br0">
+      <inkml:brushProperty name="width" value="0.08571" units="cm"/>
+      <inkml:brushProperty name="height" value="0.08571" units="cm"/>
+      <inkml:brushProperty name="color" value="#004F8B"/>
+    </inkml:brush>
+  </inkml:definitions>
+  <inkml:trace contextRef="#ctx0" brushRef="#br0">1 74 8339,'1'-14'0,"4"-1"0,-3 0 0,4 5 470,-6 1 1,2 5 250,3-1-626,-4 4-256,6 1-414,-7 0 1,-2 6-749,-3 4 1323,4 3 0,-6 2 0,7 0 0</inkml:trace>
+</inkml:ink>
+</file>
+
+<file path=ppt/ink/ink121.xml><?xml version="1.0" encoding="utf-8"?>
+<inkml:ink xmlns:inkml="http://www.w3.org/2003/InkML">
+  <inkml:definitions>
+    <inkml:context xml:id="ctx0">
+      <inkml:inkSource xml:id="inkSrc0">
+        <inkml:traceFormat>
+          <inkml:channel name="X" type="integer" min="-2.14748E9" max="2.14748E9" units="cm"/>
+          <inkml:channel name="Y" type="integer" min="-2.14748E9" max="2.14748E9" units="cm"/>
+          <inkml:channel name="F" type="integer" max="32767" units="dev"/>
+        </inkml:traceFormat>
+        <inkml:channelProperties>
+          <inkml:channelProperty channel="X" name="resolution" value="1000" units="1/cm"/>
+          <inkml:channelProperty channel="Y" name="resolution" value="1000" units="1/cm"/>
+          <inkml:channelProperty channel="F" name="resolution" value="0" units="1/dev"/>
+        </inkml:channelProperties>
+      </inkml:inkSource>
+      <inkml:timestamp xml:id="ts0" timeString="2020-05-06T14:32:30.311"/>
+    </inkml:context>
+    <inkml:brush xml:id="br0">
+      <inkml:brushProperty name="width" value="0.08571" units="cm"/>
+      <inkml:brushProperty name="height" value="0.08571" units="cm"/>
+      <inkml:brushProperty name="color" value="#004F8B"/>
+    </inkml:brush>
+  </inkml:definitions>
+  <inkml:trace contextRef="#ctx0" brushRef="#br0">74 103 8291,'8'-15'-235,"5"1"1,-7-1 404,4 0 1,-3 5 770,-7 1-874,0 5 157,0-2-127,0 6 1,-2 0-36,-3 0 0,2 6-158,-7 4 1,0 5 134,-4 4 0,4-2-143,0 2 1,2 3 111,-2-3 1,-1 6-191,6-6 1,-5 1-14,5-5 0,0-1 131,5 1 0,0 0-11,0-1 34,0 1 1,2-2-113,3-3 1,3-4 100,6-6 0,8 0-101,2 0 0,-1 0 96,2 0 1,-3-6 27,3-4 1,3-8-41,-4-1 0,-3-6-6,-1 5 1,-4-4 23,-1 4 0,-7-4 17,-3 4 1,-3-1-67,-2 1 1,-2 4 46,-3-3 0,-8 2-142,-6 2 0,-8 7 118,3 3 1,-4-1 76,-1 1 0,4 0 0,1 5 0,6 7 0,-3 1 0</inkml:trace>
+</inkml:ink>
+</file>
+
+<file path=ppt/ink/ink122.xml><?xml version="1.0" encoding="utf-8"?>
+<inkml:ink xmlns:inkml="http://www.w3.org/2003/InkML">
+  <inkml:definitions>
+    <inkml:context xml:id="ctx0">
+      <inkml:inkSource xml:id="inkSrc0">
+        <inkml:traceFormat>
+          <inkml:channel name="X" type="integer" min="-2.14748E9" max="2.14748E9" units="cm"/>
+          <inkml:channel name="Y" type="integer" min="-2.14748E9" max="2.14748E9" units="cm"/>
+          <inkml:channel name="F" type="integer" max="32767" units="dev"/>
+        </inkml:traceFormat>
+        <inkml:channelProperties>
+          <inkml:channelProperty channel="X" name="resolution" value="1000" units="1/cm"/>
+          <inkml:channelProperty channel="Y" name="resolution" value="1000" units="1/cm"/>
+          <inkml:channelProperty channel="F" name="resolution" value="0" units="1/dev"/>
+        </inkml:channelProperties>
+      </inkml:inkSource>
+      <inkml:timestamp xml:id="ts0" timeString="2020-05-06T14:32:30.592"/>
+    </inkml:context>
+    <inkml:brush xml:id="br0">
+      <inkml:brushProperty name="width" value="0.08571" units="cm"/>
+      <inkml:brushProperty name="height" value="0.08571" units="cm"/>
+      <inkml:brushProperty name="color" value="#004F8B"/>
+    </inkml:brush>
+  </inkml:definitions>
+  <inkml:trace contextRef="#ctx0" brushRef="#br0">1 177 8291,'16'0'0,"2"0"-142,2 0 1,-1 0-186,-4 0 1,0-5 577,-1 0 1,3 0-30,2 5 0,-2 2-252,2 3 1,-4-2 100,-5 7 1,3-1 17,-3 6 1,1 0 158,-1 0-118,3-1 0,-11 1-72,2 0 0,-2-6-209,-2 1-74,0-6 212,0 9-85,-6-12 1,-1-1 68,-3-10 0,4-3-47,6-1 1,0-1 81,0 0 1,0-4-1,0-1 0,6-4 60,4 4 1,10-5 22,4 6 1,4-6-230,1 6 1,6-6 100,-1 6 0,5 1-423,-5 8 0,7 3 462,-2 7 0,4 0 0,1 0 0</inkml:trace>
+</inkml:ink>
+</file>
+
+<file path=ppt/ink/ink123.xml><?xml version="1.0" encoding="utf-8"?>
+<inkml:ink xmlns:inkml="http://www.w3.org/2003/InkML">
+  <inkml:definitions>
+    <inkml:context xml:id="ctx0">
+      <inkml:inkSource xml:id="inkSrc0">
+        <inkml:traceFormat>
+          <inkml:channel name="X" type="integer" min="-2.14748E9" max="2.14748E9" units="cm"/>
+          <inkml:channel name="Y" type="integer" min="-2.14748E9" max="2.14748E9" units="cm"/>
+          <inkml:channel name="F" type="integer" max="32767" units="dev"/>
+        </inkml:traceFormat>
+        <inkml:channelProperties>
+          <inkml:channelProperty channel="X" name="resolution" value="1000" units="1/cm"/>
+          <inkml:channelProperty channel="Y" name="resolution" value="1000" units="1/cm"/>
+          <inkml:channelProperty channel="F" name="resolution" value="0" units="1/dev"/>
+        </inkml:channelProperties>
+      </inkml:inkSource>
+      <inkml:timestamp xml:id="ts0" timeString="2020-05-06T14:32:31.026"/>
+    </inkml:context>
+    <inkml:brush xml:id="br0">
+      <inkml:brushProperty name="width" value="0.08571" units="cm"/>
+      <inkml:brushProperty name="height" value="0.08571" units="cm"/>
+      <inkml:brushProperty name="color" value="#004F8B"/>
+    </inkml:brush>
+  </inkml:definitions>
+  <inkml:trace contextRef="#ctx0" brushRef="#br0">251 117 8339,'1'-23'0,"4"3"0,-3-2 153,11 5 1,-5-2 154,7 9 0,-6 5 32,1 10 1,0 6-212,5 14 1,1 1-193,4 13 0,-2 7 11,6 8 0,-6 3 144,2 2 0,-4 4 227,-1 1 0,-1 8-183,1 1 1,-7 1-226,-3 4 0,-5 2 136,-5-1 1,-9-6-112,-11-4 1,-8-9-388,-1-1 1,-7-7 226,2-8 1,-8 1-781,-2-1 1,1-4 1003,9-5 0,-7-1 0,7-9 0,3 2 0,4 3 0</inkml:trace>
+</inkml:ink>
+</file>
+
+<file path=ppt/ink/ink124.xml><?xml version="1.0" encoding="utf-8"?>
+<inkml:ink xmlns:inkml="http://www.w3.org/2003/InkML">
+  <inkml:definitions>
+    <inkml:context xml:id="ctx0">
+      <inkml:inkSource xml:id="inkSrc0">
+        <inkml:traceFormat>
+          <inkml:channel name="X" type="integer" min="-2.14748E9" max="2.14748E9" units="cm"/>
+          <inkml:channel name="Y" type="integer" min="-2.14748E9" max="2.14748E9" units="cm"/>
+          <inkml:channel name="F" type="integer" max="32767" units="dev"/>
+        </inkml:traceFormat>
+        <inkml:channelProperties>
+          <inkml:channelProperty channel="X" name="resolution" value="1000" units="1/cm"/>
+          <inkml:channelProperty channel="Y" name="resolution" value="1000" units="1/cm"/>
+          <inkml:channelProperty channel="F" name="resolution" value="0" units="1/dev"/>
+        </inkml:channelProperties>
+      </inkml:inkSource>
+      <inkml:timestamp xml:id="ts0" timeString="2020-05-06T14:32:32.053"/>
+    </inkml:context>
+    <inkml:brush xml:id="br0">
+      <inkml:brushProperty name="width" value="0.08571" units="cm"/>
+      <inkml:brushProperty name="height" value="0.08571" units="cm"/>
+      <inkml:brushProperty name="color" value="#004F8B"/>
+    </inkml:brush>
+  </inkml:definitions>
+  <inkml:trace contextRef="#ctx0" brushRef="#br0">1 221 8145,'6'-8'525,"-4"-5"1,6 10 371,-3-7-273,-3 6-323,11-9 1,-10 12-37,7-4 1,0 2-1,4-2 1,1 3-115,0-3 0,6 4 93,3 1 0,11 0-140,4 0 0,5 0 170,5 0 1,10 1-392,9 4 0,4-3 56,2 3 1,-6-4-96,1-1 1,-2 0 27,2 0 0,-4-5-50,-6 0 0,-2-6-63,-3 1 1,-5-1 68,-10 1 1,-3-3-10,-7 3 1,-6 2-37,-3-2-476,-11 7-141,-2-4 371,-7 1 1,-7 4-24,-2-3 1,-4 4-162,-2 1 1,-6-5 646,-4 0 0,-9-13 0,-4 2 0</inkml:trace>
+</inkml:ink>
+</file>
+
+<file path=ppt/ink/ink125.xml><?xml version="1.0" encoding="utf-8"?>
+<inkml:ink xmlns:inkml="http://www.w3.org/2003/InkML">
+  <inkml:definitions>
+    <inkml:context xml:id="ctx0">
+      <inkml:inkSource xml:id="inkSrc0">
+        <inkml:traceFormat>
+          <inkml:channel name="X" type="integer" min="-2.14748E9" max="2.14748E9" units="cm"/>
+          <inkml:channel name="Y" type="integer" min="-2.14748E9" max="2.14748E9" units="cm"/>
+          <inkml:channel name="F" type="integer" max="32767" units="dev"/>
+        </inkml:traceFormat>
+        <inkml:channelProperties>
+          <inkml:channelProperty channel="X" name="resolution" value="1000" units="1/cm"/>
+          <inkml:channelProperty channel="Y" name="resolution" value="1000" units="1/cm"/>
+          <inkml:channelProperty channel="F" name="resolution" value="0" units="1/dev"/>
+        </inkml:channelProperties>
+      </inkml:inkSource>
+      <inkml:timestamp xml:id="ts0" timeString="2020-05-06T14:32:32.309"/>
+    </inkml:context>
+    <inkml:brush xml:id="br0">
+      <inkml:brushProperty name="width" value="0.08571" units="cm"/>
+      <inkml:brushProperty name="height" value="0.08571" units="cm"/>
+      <inkml:brushProperty name="color" value="#004F8B"/>
+    </inkml:brush>
+  </inkml:definitions>
+  <inkml:trace contextRef="#ctx0" brushRef="#br0">1 0 8171,'29'0'0,"0"0"0,-1 0 364,-3 0 0,2 2 20,-2 3 1,-2 2 8,1 2 0,-1 4-205,2-3 1,2 2 8,-2-3 0,3 6-157,1 0 1,0 1 92,1 9 0,-2-6-63,-4 6 1,2 1 72,-6 8 1,-2-1-217,-8 6 0,-4-5 106,-6 6 0,-2-8-241,-2 3 0,-9-4 2,-7-2 0,-6-1 63,1-4 0,-2 2-335,-3-6 1,1 0 179,-1-6 0,1-4-363,0 0 0,-1-2 216,1 2 1,1-2 444,3-3 0,-2-3 0,4 4 0</inkml:trace>
+</inkml:ink>
+</file>
+
+<file path=ppt/ink/ink126.xml><?xml version="1.0" encoding="utf-8"?>
+<inkml:ink xmlns:inkml="http://www.w3.org/2003/InkML">
+  <inkml:definitions>
+    <inkml:context xml:id="ctx0">
+      <inkml:inkSource xml:id="inkSrc0">
+        <inkml:traceFormat>
+          <inkml:channel name="X" type="integer" min="-2.14748E9" max="2.14748E9" units="cm"/>
+          <inkml:channel name="Y" type="integer" min="-2.14748E9" max="2.14748E9" units="cm"/>
+          <inkml:channel name="F" type="integer" max="32767" units="dev"/>
+        </inkml:traceFormat>
+        <inkml:channelProperties>
+          <inkml:channelProperty channel="X" name="resolution" value="1000" units="1/cm"/>
+          <inkml:channelProperty channel="Y" name="resolution" value="1000" units="1/cm"/>
+          <inkml:channelProperty channel="F" name="resolution" value="0" units="1/dev"/>
+        </inkml:channelProperties>
+      </inkml:inkSource>
+      <inkml:timestamp xml:id="ts0" timeString="2020-05-06T14:32:32.991"/>
+    </inkml:context>
+    <inkml:brush xml:id="br0">
+      <inkml:brushProperty name="width" value="0.08571" units="cm"/>
+      <inkml:brushProperty name="height" value="0.08571" units="cm"/>
+      <inkml:brushProperty name="color" value="#004F8B"/>
+    </inkml:brush>
+  </inkml:definitions>
+  <inkml:trace contextRef="#ctx0" brushRef="#br0">104 221 8166,'-15'0'-341,"0"0"1,2 2 606,4 3-2,-5-3 1,11 4-81,-7-6 1,7 2-6,-2 3 1,2-4 284,-2 4 246,3-3-61,-4-2-367,6 0 0,2 5-271,2 0 0,0-1 50,5-4 1,3 0-87,8 0 1,-3 0 105,8 0 0,-1 0-173,6 0 1,-1-1 75,1-4 1,4-3 11,0-7 1,7 0-141,-2 1 0,-1-6 91,1 0 1,-6-4-56,1 4 0,-5-1 26,-4 2 0,-10 7-11,-10-3 1,-4 4-148,-1-4-19,0 7 1,-6-3-65,-4 6 1,-5 0 152,-4 5 1,1 0 101,-7 0 1,1 2-102,-6 2 0,2 6 145,4 10 1,-2-4-36,6 4 0,1 3 155,4 1 1,0 2-129,0-1 1,6 2 142,-1-2 1,7 1-171,-2-1 0,3 1 36,2-7 1,7 6-206,2-6 1,6-1 113,5-8 1,3 3-124,6-3 0,2-2-35,3 2 0,-1-7-386,6 2 658,7-3 0,6-2 0,7 0 0</inkml:trace>
+</inkml:ink>
+</file>
+
+<file path=ppt/ink/ink127.xml><?xml version="1.0" encoding="utf-8"?>
+<inkml:ink xmlns:inkml="http://www.w3.org/2003/InkML">
+  <inkml:definitions>
+    <inkml:context xml:id="ctx0">
+      <inkml:inkSource xml:id="inkSrc0">
+        <inkml:traceFormat>
+          <inkml:channel name="X" type="integer" min="-2.14748E9" max="2.14748E9" units="cm"/>
+          <inkml:channel name="Y" type="integer" min="-2.14748E9" max="2.14748E9" units="cm"/>
+          <inkml:channel name="F" type="integer" max="32767" units="dev"/>
+        </inkml:traceFormat>
+        <inkml:channelProperties>
+          <inkml:channelProperty channel="X" name="resolution" value="1000" units="1/cm"/>
+          <inkml:channelProperty channel="Y" name="resolution" value="1000" units="1/cm"/>
+          <inkml:channelProperty channel="F" name="resolution" value="0" units="1/dev"/>
+        </inkml:channelProperties>
+      </inkml:inkSource>
+      <inkml:timestamp xml:id="ts0" timeString="2020-05-06T14:32:33.374"/>
+    </inkml:context>
+    <inkml:brush xml:id="br0">
+      <inkml:brushProperty name="width" value="0.08571" units="cm"/>
+      <inkml:brushProperty name="height" value="0.08571" units="cm"/>
+      <inkml:brushProperty name="color" value="#004F8B"/>
+    </inkml:brush>
+  </inkml:definitions>
+  <inkml:trace contextRef="#ctx0" brushRef="#br0">366 89 7570,'0'-15'0,"0"0"1687,0 1-1319,0 5-330,0-4 1,0 10 163,0-7 0,-6 7-258,-4-2 0,-3 3 90,-2 2 1,-5 0-12,1 0 0,-7 2-117,1 3 0,-1 3-49,2 7 0,-4 1 8,3 4 0,-1-4-112,2 4 1,2 1 32,8-1 1,1-1 158,3-4 1,2 0 87,3-1-90,3 1 0,-3-2 80,10-3 0,0-4-60,10-6 1,-4 0 9,9 0 0,1 0 41,-1 0 1,6-1-7,-2-4 1,4 2 8,1-7 1,1 0-33,-1-5 1,-1 5 145,-4 1 1,3 0-136,-8 0 0,1-3 125,-5 7-232,-1 0-19,-6 5 144,5 7 0,-11 1-10,3 7 0,-5 4-56,-5 1 0,3 0 30,-2-6-193,2 1 0,2 0-126,0-1 41,0 1 1,2-2-124,2-3 423,-2-3 0,18-1 0,-4 2 0</inkml:trace>
+</inkml:ink>
+</file>
+
+<file path=ppt/ink/ink128.xml><?xml version="1.0" encoding="utf-8"?>
+<inkml:ink xmlns:inkml="http://www.w3.org/2003/InkML">
+  <inkml:definitions>
+    <inkml:context xml:id="ctx0">
+      <inkml:inkSource xml:id="inkSrc0">
+        <inkml:traceFormat>
+          <inkml:channel name="X" type="integer" min="-2.14748E9" max="2.14748E9" units="cm"/>
+          <inkml:channel name="Y" type="integer" min="-2.14748E9" max="2.14748E9" units="cm"/>
+          <inkml:channel name="F" type="integer" max="32767" units="dev"/>
+        </inkml:traceFormat>
+        <inkml:channelProperties>
+          <inkml:channelProperty channel="X" name="resolution" value="1000" units="1/cm"/>
+          <inkml:channelProperty channel="Y" name="resolution" value="1000" units="1/cm"/>
+          <inkml:channelProperty channel="F" name="resolution" value="0" units="1/dev"/>
+        </inkml:channelProperties>
+      </inkml:inkSource>
+      <inkml:timestamp xml:id="ts0" timeString="2020-05-06T14:32:33.732"/>
+    </inkml:context>
+    <inkml:brush xml:id="br0">
+      <inkml:brushProperty name="width" value="0.08571" units="cm"/>
+      <inkml:brushProperty name="height" value="0.08571" units="cm"/>
+      <inkml:brushProperty name="color" value="#004F8B"/>
+    </inkml:brush>
+  </inkml:definitions>
+  <inkml:trace contextRef="#ctx0" brushRef="#br0">412 59 8166,'7'-15'-285,"-5"5"1220,3 1-541,-4 5 1,-1-4-571,0 3 1,-1 4 107,-4-4 1,-5 3 177,-10 2 0,2 7-93,-6 2 1,-1 4-138,-4 2 0,-1-3 6,1 2 0,-5-2 88,-1 7 1,3-2-81,7-3 0,-1 1 93,7 0 0,-4-1-272,8 1 239,-3 0 0,16-5 25,-2-1 0,2-4 176,2 5 0,6-5-103,4 5 0,8-5-50,2 5 0,11-6 10,-2 6 0,4-2 17,-4 2 1,-1 3-4,-3-3 1,1-2-23,-7 2 0,1-2-52,-5 2 0,-6 3-162,1-3 0,-7-2 1,2 2-6,-3-7 1,-9 9 23,-2-8 0,-4 1 109,-2-5 0,-5 0-212,1 0 1,-3 0-45,3 0 338,3 0 0,-12-6 0,5-2 0</inkml:trace>
+</inkml:ink>
+</file>
+
+<file path=ppt/ink/ink129.xml><?xml version="1.0" encoding="utf-8"?>
+<inkml:ink xmlns:inkml="http://www.w3.org/2003/InkML">
+  <inkml:definitions>
+    <inkml:context xml:id="ctx0">
+      <inkml:inkSource xml:id="inkSrc0">
+        <inkml:traceFormat>
+          <inkml:channel name="X" type="integer" min="-2.14748E9" max="2.14748E9" units="cm"/>
+          <inkml:channel name="Y" type="integer" min="-2.14748E9" max="2.14748E9" units="cm"/>
+          <inkml:channel name="F" type="integer" max="32767" units="dev"/>
+        </inkml:traceFormat>
+        <inkml:channelProperties>
+          <inkml:channelProperty channel="X" name="resolution" value="1000" units="1/cm"/>
+          <inkml:channelProperty channel="Y" name="resolution" value="1000" units="1/cm"/>
+          <inkml:channelProperty channel="F" name="resolution" value="0" units="1/dev"/>
+        </inkml:channelProperties>
+      </inkml:inkSource>
+      <inkml:timestamp xml:id="ts0" timeString="2020-05-06T14:32:34.299"/>
+    </inkml:context>
+    <inkml:brush xml:id="br0">
+      <inkml:brushProperty name="width" value="0.08571" units="cm"/>
+      <inkml:brushProperty name="height" value="0.08571" units="cm"/>
+      <inkml:brushProperty name="color" value="#004F8B"/>
+    </inkml:brush>
+  </inkml:definitions>
+  <inkml:trace contextRef="#ctx0" brushRef="#br0">544 67 8239,'15'0'0,"-6"0"-142,1 0 0,-5-2 47,5-2 81,-7 2 1,4-3 14,-7 10 1,0-2 328,0 7 1,-5 0-97,0 4 1,-6 6-313,1 0 1,2-1-33,-2-4 0,5 0-157,-5-1 0,5 1 15,-5 0 244,7-1 1,-3-4-64,6 0-26,0-7-66,0 4 1,1-7 110,4 0 0,5-2 331,9-3 0,-1-3-72,7-7 1,-4-4-142,9-1 1,-4-6-82,8 2 0,-3 1 51,-2-2 0,-1 2 29,-3-1 1,-4 3-32,-6 6 0,-2 5 237,-3 0-242,-4 7 0,-6 3-9,0 10 0,0 10 97,0 4 1,-2 10 176,-2 6 1,0 2-18,-6 2 0,6 5-95,-6 0 0,2 11 81,-2-1 1,-3 5-74,3 0 1,2 4-290,-2 11 0,-1 2 282,-9 8 0,0-3-688,-9-3 1,1 4 241,-11-4 1,0-1-48,-5-9 1,-5-11 71,0-22 0,-2-8-26,2-12 1,-2-7 298,-2-13 1,2-7-87,7-2 1,6-9 228,4-2 0,5-11-100,4 2 1,5-9 449,11 4 1,2-7-405,7 2 1,2-7 167,3 2 0,9-3-321,11 7 1,9-2 112,5-2 1,10 0-186,5 0 1,10-2-180,5-3 1,4 3 264,5-3 0,2 3 25,4 2 1,-12 8-42,-14 7 0,-5 6-64,-9 8 0,-8 7-125,-7 3 1,-11 4-361,-8 1-380,-7 0 960,4 0 0,-7 0 0</inkml:trace>
+</inkml:ink>
+</file>
+
+<file path=ppt/ink/ink13.xml><?xml version="1.0" encoding="utf-8"?>
+<inkml:ink xmlns:inkml="http://www.w3.org/2003/InkML">
+  <inkml:definitions>
+    <inkml:context xml:id="ctx0">
+      <inkml:inkSource xml:id="inkSrc0">
+        <inkml:traceFormat>
+          <inkml:channel name="X" type="integer" min="-2.14748E9" max="2.14748E9" units="cm"/>
+          <inkml:channel name="Y" type="integer" min="-2.14748E9" max="2.14748E9" units="cm"/>
+          <inkml:channel name="F" type="integer" max="32767" units="dev"/>
+        </inkml:traceFormat>
+        <inkml:channelProperties>
+          <inkml:channelProperty channel="X" name="resolution" value="1000" units="1/cm"/>
+          <inkml:channelProperty channel="Y" name="resolution" value="1000" units="1/cm"/>
+          <inkml:channelProperty channel="F" name="resolution" value="0" units="1/dev"/>
+        </inkml:channelProperties>
+      </inkml:inkSource>
+      <inkml:timestamp xml:id="ts0" timeString="2020-05-06T14:21:12.608"/>
+    </inkml:context>
+    <inkml:brush xml:id="br0">
+      <inkml:brushProperty name="width" value="0.08571" units="cm"/>
+      <inkml:brushProperty name="height" value="0.08571" units="cm"/>
+    </inkml:brush>
+  </inkml:definitions>
+  <inkml:trace contextRef="#ctx0" brushRef="#br0">148 60 8107,'-7'23'1845,"0"4"-1495,-2-2 0,-4 4-297,3 6 1,-3 1-232,-2 3 166,0 3 28,7-4 1,-5 4-367,3-3 0,4-3 133,1-6-322,-3-7 101,6 4 120,-4-10 214,6-3 1,0-9-160,0-10 557,0-3-191,0-6 1,1-8-136,4-2 0,-2-6-11,7-4 0,0 3 234,5-3-218,6-4 60,-5 7-54,12-11 21,-5 4 0,1-4 13,1 2 0,-2 1-18,1 10 1,2-2-75,-6 11 496,-7 1-65,0 10-142,-11 3 115,4 12-265,1 9 1,-6 3 280,4 7-264,-3 6 19,-2 0 1,-2 6 67,-3-2-65,4-4-55,-6 5 1,2-7-69,0 0 0,-6 1 43,1-1 1,2-1-15,-2-4 1,5-2-85,-5-8 1,6 4-267,-6-3 1,5 1-599,-5-11 380,7 0-242,-4-5 398,7 0 91,0-6 0,7-3 316,3-5 0,3-8 0,8 0 0,2-8 0</inkml:trace>
+</inkml:ink>
+</file>
+
+<file path=ppt/ink/ink130.xml><?xml version="1.0" encoding="utf-8"?>
+<inkml:ink xmlns:inkml="http://www.w3.org/2003/InkML">
+  <inkml:definitions>
+    <inkml:context xml:id="ctx0">
+      <inkml:inkSource xml:id="inkSrc0">
+        <inkml:traceFormat>
+          <inkml:channel name="X" type="integer" min="-2.14748E9" max="2.14748E9" units="cm"/>
+          <inkml:channel name="Y" type="integer" min="-2.14748E9" max="2.14748E9" units="cm"/>
+          <inkml:channel name="F" type="integer" max="32767" units="dev"/>
+        </inkml:traceFormat>
+        <inkml:channelProperties>
+          <inkml:channelProperty channel="X" name="resolution" value="1000" units="1/cm"/>
+          <inkml:channelProperty channel="Y" name="resolution" value="1000" units="1/cm"/>
+          <inkml:channelProperty channel="F" name="resolution" value="0" units="1/dev"/>
+        </inkml:channelProperties>
+      </inkml:inkSource>
+      <inkml:timestamp xml:id="ts0" timeString="2020-05-06T14:32:37.110"/>
+    </inkml:context>
+    <inkml:brush xml:id="br0">
+      <inkml:brushProperty name="width" value="0.11429" units="cm"/>
+      <inkml:brushProperty name="height" value="0.11429" units="cm"/>
+      <inkml:brushProperty name="color" value="#004F8B"/>
+    </inkml:brush>
+  </inkml:definitions>
+  <inkml:trace contextRef="#ctx0" brushRef="#br0">0 2044 10461,'0'8'-689,"0"-1"0,0-6 853,0 4 63,0-3 675,0 4-343,0-6-45,7 0 77,-6 0-530,6 0 1,-2-1 182,0-4 1,6-3 21,-1-7 0,3 0-109,2 1 0,8-9-184,6-7 1,4-6 3,11-8 0,3-6 28,12-4 1,6-10-390,4-5 0,-31 33 0,2-1 378,2-2 1,-1 0-1,3-1 1,-1 0 63,1-2 1,0 0 0,-3 2-1,0 0-67,-2 3 1,0 1 0,0-2 0,-1 1-194,2-3 0,-2 1 0,31-31 191,-34 33 0,-1 0 0,23-21 66,-3-1 1,0 3-279,4-2 1,-7 5 241,-7 4 0,0 4-1,-5 0 1,2 1-24,-2 0 0,2 7 65,-6 2 0,-1 3 383,-5-3 0,1 4-376,-1-3 1,-4 8 265,-1 1 0,-6 8-292,2-3 0,-6 4 159,-4 1-170,3 0 1,-10 2-403,7 3 241,-6 4-400,2 6-90,-6 0-267,0 0 669,0 6 0,-5 3 39,0 5 0,-1-4 55,1 0 0,-2 0-56,-2 4 1,-5-4-57,5 0 1,-1 0 73,-5 4 0,9-4-244,-9 0 1,3-2 58,-2 2 0,-3 1-168,-2-6 558,3 7 0,-6-6-175,8 4 0,-1-2 306,0-3 0,0-3-95,1 3 0,4-4 142,0-1 22,0 0 572,-4 0-421,-1-6 0,5-2-50,0-7 0,7 5-19,-2 0-32,4 0-84,1-4-35,0-1-125,0 0 1,0 6 12,0-1 1,6 7-119,4-2 1,-2 1 163,2-1 1,0 4 10,4-4 0,1 2 70,0-2 0,4 3 39,1-3 1,0 2-40,-6-2 1,6 3-27,-1-2 1,1 2-197,-5 2 1,4 0 31,1 0 0,0 6-84,-6 4 0,1 3 30,0 2 0,-1 1-227,1 4 1,-7-2 85,-3 6 1,2-4 55,-2 4 1,-1 1-7,-4 4 0,0 6 22,0-1 0,0 2-321,0-2 1,-6 2-81,-4 3 1,2 2-84,-2-7 1,0 7-81,-4-2 684,-1 10 0,-6-3 1,-2 5-1</inkml:trace>
+</inkml:ink>
+</file>
+
+<file path=ppt/ink/ink131.xml><?xml version="1.0" encoding="utf-8"?>
+<inkml:ink xmlns:inkml="http://www.w3.org/2003/InkML">
+  <inkml:definitions>
+    <inkml:context xml:id="ctx0">
+      <inkml:inkSource xml:id="inkSrc0">
+        <inkml:traceFormat>
+          <inkml:channel name="X" type="integer" min="-2.14748E9" max="2.14748E9" units="cm"/>
+          <inkml:channel name="Y" type="integer" min="-2.14748E9" max="2.14748E9" units="cm"/>
+          <inkml:channel name="F" type="integer" max="32767" units="dev"/>
+        </inkml:traceFormat>
+        <inkml:channelProperties>
+          <inkml:channelProperty channel="X" name="resolution" value="1000" units="1/cm"/>
+          <inkml:channelProperty channel="Y" name="resolution" value="1000" units="1/cm"/>
+          <inkml:channelProperty channel="F" name="resolution" value="0" units="1/dev"/>
+        </inkml:channelProperties>
+      </inkml:inkSource>
+      <inkml:timestamp xml:id="ts0" timeString="2020-05-06T14:32:44.524"/>
+    </inkml:context>
+    <inkml:brush xml:id="br0">
+      <inkml:brushProperty name="width" value="0.08571" units="cm"/>
+      <inkml:brushProperty name="height" value="0.08571" units="cm"/>
+      <inkml:brushProperty name="color" value="#004F8B"/>
+    </inkml:brush>
+    <inkml:brush xml:id="br1">
+      <inkml:brushProperty name="width" value="0.11429" units="cm"/>
+      <inkml:brushProperty name="height" value="0.11429" units="cm"/>
+      <inkml:brushProperty name="color" value="#004F8B"/>
+    </inkml:brush>
+  </inkml:definitions>
+  <inkml:trace contextRef="#ctx0" brushRef="#br0">118 926 8270,'-8'0'-1089,"-5"0"0,9 0 1065,-5 0 349,5 0-209,-2 0 90,6 0 0,0-1-74,0-4 0,5 2 208,0-7 0,4 5-146,-4-5 1,0 0 555,-5-4-509,7-1 0,-6 0 170,4 1-82,-3 5-347,-2 3 1,-2 6 145,-3 0 1,2 6-8,-7 4 0,5 8-232,-4 2 1,5 6 45,-1-2 1,2 3-141,-2-3 0,4 2 27,-4-6 1,3 4 56,2-4 0,5-1 135,0-4 1,1-5-6,-1 0 49,3-7 0,7 2-73,0-10 1,-5-3-46,-1-7 0,-5-1 70,1-4 0,1-3-192,-1-6 1,0-2-16,-5-3 1,0 3-164,0-4 0,-7 9 127,-2 2 1,-4-1-106,-2-4 1,-5 6-339,1 3 676,-8 4 0,5 1 0,-8 1 0</inkml:trace>
+  <inkml:trace contextRef="#ctx0" brushRef="#br0" timeOffset="449">250 133 8439,'15'-23'0,"-5"-3"-388,-1 6 0,-4-4-187,5 4 1950,-7 7-979,4 6 0,-9 14-128,-3 3 0,2 4-223,-7 6 0,5 3 4,-4 6 1,0 7-44,0 3 1,-3 4-11,7 1 0,-5 5 46,6 0 0,-1 7 40,5-3 0,1 0-182,4 1 0,3 0 128,7 4 0,1 1-284,4 0 0,-4-8-8,4-7 1,-4-8-20,-1-12 0,-2-8 124,-3-6 63,3-7 1,-11-3 171,2-9 0,3-9-132,-2-2 1,6-1 157,-1 1 0,-2 4-97,2-4 1,0 4 196,5 1 1,-1 7 226,1 3-340,0 4 0,-1 1 26,1 0 0,0 6-64,-1 4 1,-4 8 7,0 1 0,-7 6 8,2-5 0,-3 4-123,-2-4 0,-2 4 102,-3-4 1,-8 4-97,-6-4 1,-6-1-3,6-4 1,-8-5-9,3 0 0,-4-5-153,-1 4 0,4-5-316,1 1 0,6-4-659,-2-1 1188,4-6 0,1-2 0,0-7 0</inkml:trace>
+  <inkml:trace contextRef="#ctx0" brushRef="#br1" timeOffset="1225">794 618 9720,'15'0'76,"-1"0"0,3 0 151,2 0 1,-4-2 149,0-3 91,-1 4-401,-5-12 139,-1 11-413,-2-5 208,-12 7 1,-7 2-16,-7 3 0,-1 3 113,1 7 0,-3 0-251,-6-1 0,0 6 35,-1-1 0,6 3-61,-1-3 1,2-2-100,-1 2 1,3-3 116,6-1 1,0 0-76,0 0 0,7-6-70,3 1 397,4-7 1,9 9-119,7-7 1,6 0 18,8-5 1,1 0 45,-1 0 1,0 0 185,1 0 0,1 0 52,3 0 1,-4 0-138,-1 0 1,0 6-91,-4 4 1,-4 3 42,-1 2 1,-6 1-199,-4 4 1,2-4 91,-7 4 0,-1-4-18,-4-1 1,-6-2-19,-4-3 0,-3 1-143,-2-6 1,-4 1-61,-1-1 0,1-3 47,4 3 0,0-4-288,0-1 319,1-6 1,1-2 212,3-7 0,3 5-57,7 0 0,2 1 81,3-6 0,5 0-87,9 1 1,4-6 39,7 0 0,5-1 114,5 2 1,-1-4-92,5-7 0,-5 6 148,5-1 0,0 2-100,-4-1 1,-5-2 165,0 6 0,-11 5-18,-4 6 0,-9 1 31,-1-2-221,-7-3 0,-3 11-100,-9-3 0,-6 2 13,-5-2 0,4 3 111,-4-3 0,-1 4-218,2 1 0,-3 6 17,3 4 0,2 3-18,-2 2 0,7 0 128,3-1 1,5 1 1,-1 0 1,4 1 18,1 4 0,1-2 9,4 6 1,3-1 44,7 1 0,6 3-59,4-8 0,4 6 21,6-6 0,-4 3-5,3-3 1,-1-7-38,1 2 0,-5-2 6,1 2 1,-3-1-29,-7-3 363,0-3-314,-6-7 1,-6-2 105,-3-3 0,-10-1-86,-4-4 1,-4-8-131,-2 3 1,0-3 87,1 4 1,-1-6-103,0 0 1,2-1 0,3 2 1,-1 2-155,6-2 1,0-3 62,5 3 1,0-1 84,0 5 1,8-4-193,7-1 0,0 1 112,4 4 0,2 2-193,-1 3 1,5-1-20,-6 6 421,1 0 0,-6 5 0,1 0 0</inkml:trace>
+  <inkml:trace contextRef="#ctx0" brushRef="#br0" timeOffset="1620">1779 691 8482,'14'-1'0,"1"-3"0,0-1 482,0 1 1,-1 4-26,1 0 1,-5 8-393,0 6 0,-7 1 10,2 5 1,-2 1-102,2-1 0,-3 6 56,2-2 0,-2-1-260,-2 2 0,5-6 245,0 6 0,1-6-90,-1 6 1,-3-7-742,3 1 279,3-2 132,-6-9 298,4-2 0,-6-9-24,0-7 1,0-1 21,0-14 0,0 6 5,0-6 0,0-4 55,0-5 1,2-2-5,3 1 1,-2 3-45,7-8 1,-5 6 9,4-5 1,1 5 151,5-5 0,0 7-135,-1 3 0,1 6 334,0 9 1,-5 0 279,-1 5-285,-5 2 0,4 7-214,-3 0 0,-4 7 35,4 2 0,-3 0-47,-2 0 181,0 1-323,0 5 1,-5 0 78,0-1 1,-1-6-330,1-3 0,1 2-450,-5-2 809,5 6 0,-9-3 0,5 7 0</inkml:trace>
+  <inkml:trace contextRef="#ctx0" brushRef="#br1" timeOffset="1855">2190 588 10162,'20'0'34,"0"0"0,1 5 262,-2 0 1,-7 7-83,3-3 1,-6 5 20,1 0 0,-3 1-435,-7 0 1,0 1 184,0 4 0,-5-4-426,0 3 0,-5 3 230,5-3 1,-1 1-336,1-5 0,3-1-165,-3 1-208,4 0 309,1-1 602,0-5 0,0-3 1,0-6-1</inkml:trace>
+  <inkml:trace contextRef="#ctx0" brushRef="#br1" timeOffset="2034">2190 162 10160,'15'-23'-577,"0"-1"45,-1 9 0,-4-1 363,0 11 1,0 0 513,5 5 0,-1 2-225,1 2 1,-2 5-187,-3 5 1,3 3-129,-3 2 0,-2-1-191,2 7 1,-2-6 106,2 6 1,1-1 287,-6 6 1,6-6-4,-1 1 0,3-1 0,2 6 0</inkml:trace>
+  <inkml:trace contextRef="#ctx0" brushRef="#br1" timeOffset="2505">2778 618 9846,'25'10'0,"-2"-2"0,0-2 0,-2-1 0,0 0 0,-3 0-672,-2-2 930,-1-1 1,-5-2 255,0 0 11,-1-7-366,6-1 0,-2-6-1,-3-1 1,1 5-287,-6 0 0,0 0 97,-5-4-41,0-1 0,0 0 58,0 1-198,0-1 0,-1 2-93,-4 3 68,-3 4 1,-7 6 119,0 0 1,0 0 147,1 0 0,-1 8 2,0 6 0,2 1-63,3 5 0,-1 3 221,6 1 0,-5 4-97,5 1 1,1 1-46,4-1 1,0 2 46,0 3 1,6 4 129,4 6 0,5 2-70,4 3-1,-1-2-32,7 7 0,-1 2 61,6 7 1,-1 9 17,0 6 1,-7 1-354,-8-6 1,-6 1 151,-8-1 0,-8-7-233,-6-8 1,-9-13 127,-12-16 1,-2-6-41,-7-8 0,-5-7 33,0-3 0,0-7 56,5-8 1,0-6-162,-1-14 0,3-6 55,3-3 0,4-3 78,11-2 1,8 0-16,6 0 1,7-1 136,-2 1 0,16 2-123,9 3 1,7-5-6,8-1 0,9 6 101,10-5 1,5 5-45,4 0 0,3 1-157,2 4 0,-4 11 183,-10 3 0,-5 6-250,-10 9 1,-5 0-99,-9 5 0,-11 7 354,-9 2 0,-10 4 0,-3 2 0</inkml:trace>
+</inkml:ink>
+</file>
+
+<file path=ppt/ink/ink132.xml><?xml version="1.0" encoding="utf-8"?>
+<inkml:ink xmlns:inkml="http://www.w3.org/2003/InkML">
+  <inkml:definitions>
+    <inkml:context xml:id="ctx0">
+      <inkml:inkSource xml:id="inkSrc0">
+        <inkml:traceFormat>
+          <inkml:channel name="X" type="integer" min="-2.14748E9" max="2.14748E9" units="cm"/>
+          <inkml:channel name="Y" type="integer" min="-2.14748E9" max="2.14748E9" units="cm"/>
+          <inkml:channel name="F" type="integer" max="32767" units="dev"/>
+        </inkml:traceFormat>
+        <inkml:channelProperties>
+          <inkml:channelProperty channel="X" name="resolution" value="1000" units="1/cm"/>
+          <inkml:channelProperty channel="Y" name="resolution" value="1000" units="1/cm"/>
+          <inkml:channelProperty channel="F" name="resolution" value="0" units="1/dev"/>
+        </inkml:channelProperties>
+      </inkml:inkSource>
       <inkml:timestamp xml:id="ts0" timeString="2020-05-06T14:32:39.264"/>
     </inkml:context>
     <inkml:brush xml:id="br0">
@@ -546,7 +1214,7 @@
 </inkml:ink>
 </file>
 
-<file path=ppt/ink/ink111.xml><?xml version="1.0" encoding="utf-8"?>
+<file path=ppt/ink/ink133.xml><?xml version="1.0" encoding="utf-8"?>
 <inkml:ink xmlns:inkml="http://www.w3.org/2003/InkML">
   <inkml:definitions>
     <inkml:context xml:id="ctx0">
@@ -575,7 +1243,7 @@
 </inkml:ink>
 </file>
 
-<file path=ppt/ink/ink112.xml><?xml version="1.0" encoding="utf-8"?>
+<file path=ppt/ink/ink134.xml><?xml version="1.0" encoding="utf-8"?>
 <inkml:ink xmlns:inkml="http://www.w3.org/2003/InkML">
   <inkml:definitions>
     <inkml:context xml:id="ctx0">
@@ -610,7 +1278,7 @@
 </inkml:ink>
 </file>
 
-<file path=ppt/ink/ink113.xml><?xml version="1.0" encoding="utf-8"?>
+<file path=ppt/ink/ink135.xml><?xml version="1.0" encoding="utf-8"?>
 <inkml:ink xmlns:inkml="http://www.w3.org/2003/InkML">
   <inkml:definitions>
     <inkml:context xml:id="ctx0">
@@ -650,7 +1318,7 @@
 </inkml:ink>
 </file>
 
-<file path=ppt/ink/ink114.xml><?xml version="1.0" encoding="utf-8"?>
+<file path=ppt/ink/ink136.xml><?xml version="1.0" encoding="utf-8"?>
 <inkml:ink xmlns:inkml="http://www.w3.org/2003/InkML">
   <inkml:definitions>
     <inkml:context xml:id="ctx0">
@@ -696,7 +1364,7 @@
 </inkml:ink>
 </file>
 
-<file path=ppt/ink/ink115.xml><?xml version="1.0" encoding="utf-8"?>
+<file path=ppt/ink/ink137.xml><?xml version="1.0" encoding="utf-8"?>
 <inkml:ink xmlns:inkml="http://www.w3.org/2003/InkML">
   <inkml:definitions>
     <inkml:context xml:id="ctx0">
@@ -743,7 +1411,7 @@
 </inkml:ink>
 </file>
 
-<file path=ppt/ink/ink116.xml><?xml version="1.0" encoding="utf-8"?>
+<file path=ppt/ink/ink138.xml><?xml version="1.0" encoding="utf-8"?>
 <inkml:ink xmlns:inkml="http://www.w3.org/2003/InkML">
   <inkml:definitions>
     <inkml:context xml:id="ctx0">
@@ -778,7 +1446,7 @@
 </inkml:ink>
 </file>
 
-<file path=ppt/ink/ink117.xml><?xml version="1.0" encoding="utf-8"?>
+<file path=ppt/ink/ink139.xml><?xml version="1.0" encoding="utf-8"?>
 <inkml:ink xmlns:inkml="http://www.w3.org/2003/InkML">
   <inkml:definitions>
     <inkml:context xml:id="ctx0">
@@ -808,727 +1476,6 @@
   <inkml:trace contextRef="#ctx0" brushRef="#br0">1 147 15198,'0'-15'-1483,"0"1"1,0-1 820,0 0 0,0 1 926,0-1-32,0 7-295,0-5 0,0 9 33,0-5-344,0 5 51,7-2 1,1 6 455,6 0 1,1 0 170,0 0 0,-1-5-24,1 0 1,5 0 47,-1 5 0,6 0 12,-6 0 0,6 0 2,-5 0 0,1 2 57,-2 3 1,-2-2-97,2 7 1,-1 0-339,2 4 0,-4 6-95,4-1 1,-4 6 64,-1-5 0,-5 6-135,-1-2 0,0 4-74,0 1 0,4 1 39,-3-1 1,-2 2-24,2 3 0,0-2-250,5 2-371,-7-10 562,5 4 0,-5-7-115,7 4 0,0-4 352,-1-6 1,6-2 195,-1-3 0,8 3 0,-5-5 0</inkml:trace>
   <inkml:trace contextRef="#ctx0" brushRef="#br0" timeOffset="230">692 88 18072,'-15'0'-247,"5"0"164,1 0 13,5 0 0,-9 5-127,3 0 1,-4 7 119,-6-3 1,4 4-106,-4 2 1,-3 6 143,-1 4 1,-4 8-703,-1 1 1,-1 2 291,1-2 1,-1 2-105,1 3 0,5-3-93,-1-6 0,9-3 2,1-2 0,2-4 78,8-6 1,0-5-711,5-1 159,0-5 1098,0 2 1,13 1 0,4 1-1</inkml:trace>
   <inkml:trace contextRef="#ctx0" brushRef="#br1" timeOffset="669">883 573 8544,'10'0'-783,"0"0"0,-6 0 1644,6 0-449,-7 0 0,4 7-386,-7 3 1,0 8 27,0 1 1,-2 6-55,-3-6 1,2 8 73,-7-3 1,6-1-135,-6 1 1,2-1-27,-2 2 1,2-2 132,3-4-477,3-2 116,-4 4 169,6-13 1,1-8 29,4-10 1,-2-5-120,7-4 0,2-4 249,7-6 0,-1-6-100,7 1 1,-6-7 168,6 2 0,-1-2-143,6 2 0,-1-2 235,0 7 0,-1-5-115,-3 4 1,1 8 256,-7 7 0,1 10-31,-5 5 1,-1 5-155,1 5 1,-5 8 40,0 7 1,-7 6 9,2-2 1,-3 9-110,-2 1 0,0 6 60,0-6 1,0 0-258,0-4 1,0 4 137,0 0 0,4 1-508,1-6 0,7 0 9,-2 1 0,3-3 483,1-2 0,14 3 0,3-5 0</inkml:trace>
-</inkml:ink>
-</file>
-
-<file path=ppt/ink/ink118.xml><?xml version="1.0" encoding="utf-8"?>
-<inkml:ink xmlns:inkml="http://www.w3.org/2003/InkML">
-  <inkml:definitions>
-    <inkml:context xml:id="ctx0">
-      <inkml:inkSource xml:id="inkSrc0">
-        <inkml:traceFormat>
-          <inkml:channel name="X" type="integer" min="-2.14748E9" max="2.14748E9" units="cm"/>
-          <inkml:channel name="Y" type="integer" min="-2.14748E9" max="2.14748E9" units="cm"/>
-          <inkml:channel name="F" type="integer" max="32767" units="dev"/>
-        </inkml:traceFormat>
-        <inkml:channelProperties>
-          <inkml:channelProperty channel="X" name="resolution" value="1000" units="1/cm"/>
-          <inkml:channelProperty channel="Y" name="resolution" value="1000" units="1/cm"/>
-          <inkml:channelProperty channel="F" name="resolution" value="0" units="1/dev"/>
-        </inkml:channelProperties>
-      </inkml:inkSource>
-      <inkml:timestamp xml:id="ts0" timeString="2020-05-06T14:33:38.916"/>
-    </inkml:context>
-    <inkml:brush xml:id="br0">
-      <inkml:brushProperty name="width" value="0.11429" units="cm"/>
-      <inkml:brushProperty name="height" value="0.11429" units="cm"/>
-    </inkml:brush>
-    <inkml:brush xml:id="br1">
-      <inkml:brushProperty name="width" value="0.08571" units="cm"/>
-      <inkml:brushProperty name="height" value="0.08571" units="cm"/>
-    </inkml:brush>
-  </inkml:definitions>
-  <inkml:trace contextRef="#ctx0" brushRef="#br0">30 302 10887,'0'-10'-2418,"0"1"2688,0-1 180,0 2-367,0 1 26,-6 20 1,4-1-20,-3 12 1,4-4-51,1 4 1,0 1-291,0 4 1,-5 1 3,0-1 1,0 0 113,5 1 0,0-1-330,0 1 1,0-6 9,0 1 452,6-1 0,-4-1 0,5-2 0</inkml:trace>
-  <inkml:trace contextRef="#ctx0" brushRef="#br0" timeOffset="432">560 390 11679,'14'-14'-929,"-6"6"0,-1 8 1050,-7 9 0,0 4-161,0 2 0,-2 5-88,-3-1 0,2 7 89,-7-1 0,1 3-39,-6 1 0,0 1-119,0-1 1,1-5-372,-1 1 0,2-2 541,3 1 1,-3 4 0,5-5 0</inkml:trace>
-  <inkml:trace contextRef="#ctx0" brushRef="#br1" timeOffset="625">839 170 8496,'14'-11'0,"1"-4"0,0 2 73,0 3 1,-1 7 202,1-2 0,-2 5-859,-3 5 1,-2 3 131,-3 7 0,-3-6 451,2 1 0,5 0 0,-1 5 0</inkml:trace>
-  <inkml:trace contextRef="#ctx0" brushRef="#br1" timeOffset="788">1192 155 8529,'8'-6'0,"5"-2"148,-3-7 411,3 0-517,-5 0 277,5 7-1670,-11 2 827,11 6 524,-12 6 0,12 2 0,-5 7 0</inkml:trace>
-  <inkml:trace contextRef="#ctx0" brushRef="#br1" timeOffset="950">1515 67 8487,'13'-15'-241,"-3"1"1,-2 1 768,-3 3-456,-3 3-798,4 1 491,-6 4 0,0 2-141,0 10 1,5-2 375,0 2 0,13 0 0,-2 4 0</inkml:trace>
-  <inkml:trace contextRef="#ctx0" brushRef="#br1" timeOffset="1054">1750 111 8487,'15'0'-573,"0"0"-72,-1 0 1,1 0 693,0 0 1,-2-1 1314,-4-4-1302,5 3 160,-6-5-1081,0 7 773,-2 0 0,-19 7 0,-3 1 1</inkml:trace>
-</inkml:ink>
-</file>
-
-<file path=ppt/ink/ink119.xml><?xml version="1.0" encoding="utf-8"?>
-<inkml:ink xmlns:inkml="http://www.w3.org/2003/InkML">
-  <inkml:definitions>
-    <inkml:context xml:id="ctx0">
-      <inkml:inkSource xml:id="inkSrc0">
-        <inkml:traceFormat>
-          <inkml:channel name="X" type="integer" min="-2.14748E9" max="2.14748E9" units="cm"/>
-          <inkml:channel name="Y" type="integer" min="-2.14748E9" max="2.14748E9" units="cm"/>
-          <inkml:channel name="F" type="integer" max="32767" units="dev"/>
-        </inkml:traceFormat>
-        <inkml:channelProperties>
-          <inkml:channelProperty channel="X" name="resolution" value="1000" units="1/cm"/>
-          <inkml:channelProperty channel="Y" name="resolution" value="1000" units="1/cm"/>
-          <inkml:channelProperty channel="F" name="resolution" value="0" units="1/dev"/>
-        </inkml:channelProperties>
-      </inkml:inkSource>
-      <inkml:timestamp xml:id="ts0" timeString="2020-05-06T14:33:45.728"/>
-    </inkml:context>
-    <inkml:brush xml:id="br0">
-      <inkml:brushProperty name="width" value="0.08571" units="cm"/>
-      <inkml:brushProperty name="height" value="0.08571" units="cm"/>
-    </inkml:brush>
-  </inkml:definitions>
-  <inkml:trace contextRef="#ctx0" brushRef="#br0">0 133 8411,'0'-15'-897,"7"-6"747,-5-2 1,9 0 484,-6 4 1,0 7 185,-5 2-93,0 7-617,0-3 0,0 7 97,0 4 1,0 8 248,0 7 0,0 6-68,0-2 1,0 4 138,0 2 0,0 1-117,0 3 0,0 2 0,0 3 1,0 3-53,0-2 1,0 4 19,0 5 0,0-2-138,0 7 0,0-5 151,0 5 1,0 1 73,0 9 0,0-3-118,0 2 0,0-4-37,0-5 0,1 3 21,4-3 1,-1-3 6,5-2 1,-4-5 20,5-5 0,-5 2 0,5-7 0,-7-1-172,2-9 1,-3-3 160,-2-6 1,-2-2-470,-3-3 0,2-3-82,-7-7-81,0 0 1,-5-7 612,1-3 1,-1-3-1,0-2 1</inkml:trace>
-</inkml:ink>
-</file>
-
-<file path=ppt/ink/ink12.xml><?xml version="1.0" encoding="utf-8"?>
-<inkml:ink xmlns:inkml="http://www.w3.org/2003/InkML">
-  <inkml:definitions>
-    <inkml:context xml:id="ctx0">
-      <inkml:inkSource xml:id="inkSrc0">
-        <inkml:traceFormat>
-          <inkml:channel name="X" type="integer" min="-2.14748E9" max="2.14748E9" units="cm"/>
-          <inkml:channel name="Y" type="integer" min="-2.14748E9" max="2.14748E9" units="cm"/>
-          <inkml:channel name="F" type="integer" max="32767" units="dev"/>
-        </inkml:traceFormat>
-        <inkml:channelProperties>
-          <inkml:channelProperty channel="X" name="resolution" value="1000" units="1/cm"/>
-          <inkml:channelProperty channel="Y" name="resolution" value="1000" units="1/cm"/>
-          <inkml:channelProperty channel="F" name="resolution" value="0" units="1/dev"/>
-        </inkml:channelProperties>
-      </inkml:inkSource>
-      <inkml:timestamp xml:id="ts0" timeString="2020-05-06T14:21:12.085"/>
-    </inkml:context>
-    <inkml:brush xml:id="br0">
-      <inkml:brushProperty name="width" value="0.08571" units="cm"/>
-      <inkml:brushProperty name="height" value="0.08571" units="cm"/>
-    </inkml:brush>
-  </inkml:definitions>
-  <inkml:trace contextRef="#ctx0" brushRef="#br0">148 88 8276,'8'-7'-568,"5"5"568,-11-4 451,4 6-160,1-7-22,-6 6-315,6-6 168,-7 7-115,0 0-58,0-6 1,-7 4 49,-2-3 0,1 3-17,-2 2 89,0 0-33,-5 0-24,1 0 0,-1 5 96,0 0-90,0 7-23,1-4 0,4 8 9,0 4 1,2-4 39,-2 4-162,4 3 135,-1-7 1,5 7 21,-2-4-307,2-2 271,2 4 1,2-6-42,2-1 36,5 1-24,-1 0 190,5-7-170,-5-2 0,7-6 15,-1 0 0,1-1 9,0-4 0,0-3-2,-1-7 10,1-6-13,0 4 1,-2-10-24,-4 2 22,5-3 3,-13-1 1,11 1-51,-7 4 45,-1-4 82,-4 12 0,0-6 151,0 8 0,0 4-18,0 0-145,0 7 1,0-2 33,0 10 1,0 3 10,0 7 0,5 6 117,0 3 1,0 4-115,-5 2 1,0-1 153,0 0-169,0 1-66,0-1 0,-2 6-68,-2-1 0,2 5 26,-3-5 1,-1 2-155,1-1 0,-2-3 66,2 7 1,2-4-142,-7 4 1,2-6-54,-2 1 0,-3-3 134,3-2 1,2-1-393,-2-3 231,1-4 5,0-7 1,-4-5-59,4-4 0,0 1 54,0-1-431,5 0 358,-2-12 1,6 4 373,0-7 0,6 0 0,2-4 0</inkml:trace>
-</inkml:ink>
-</file>
-
-<file path=ppt/ink/ink120.xml><?xml version="1.0" encoding="utf-8"?>
-<inkml:ink xmlns:inkml="http://www.w3.org/2003/InkML">
-  <inkml:definitions>
-    <inkml:context xml:id="ctx0">
-      <inkml:inkSource xml:id="inkSrc0">
-        <inkml:traceFormat>
-          <inkml:channel name="X" type="integer" min="-2.14748E9" max="2.14748E9" units="cm"/>
-          <inkml:channel name="Y" type="integer" min="-2.14748E9" max="2.14748E9" units="cm"/>
-          <inkml:channel name="F" type="integer" max="32767" units="dev"/>
-        </inkml:traceFormat>
-        <inkml:channelProperties>
-          <inkml:channelProperty channel="X" name="resolution" value="1000" units="1/cm"/>
-          <inkml:channelProperty channel="Y" name="resolution" value="1000" units="1/cm"/>
-          <inkml:channelProperty channel="F" name="resolution" value="0" units="1/dev"/>
-        </inkml:channelProperties>
-      </inkml:inkSource>
-      <inkml:timestamp xml:id="ts0" timeString="2020-05-06T14:33:47.358"/>
-    </inkml:context>
-    <inkml:brush xml:id="br0">
-      <inkml:brushProperty name="width" value="0.11429" units="cm"/>
-      <inkml:brushProperty name="height" value="0.11429" units="cm"/>
-    </inkml:brush>
-  </inkml:definitions>
-  <inkml:trace contextRef="#ctx0" brushRef="#br0">0 647 16021,'0'-14'-1953,"7"-1"1,-6 5 966,4 0 1349,-3 7-473,-2-10-45,0 12 1,0 1 203,0 9 0,0 9-2,0 2 0,0 4-429,0-4 0,0 6 542,0-1 1,0 7-220,0 3 1,5-1 70,0-5 1,6 6-80,-1-1 1,0 0-9,5-4 1,-4-1 99,9 0 0,1-6 112,-2-3 1,9-4-23,2-1 0,-1-7 15,5-3 1,-3-12-70,-1-7 0,-1-3-34,0-7 0,-6-6-119,-3-4 0,1-2-6,-1 2 1,4-2-8,-4-3 0,-1 3-2,-4 6 1,-5 1 124,0 0 0,-7 1-268,2 3 505,-3 4-146,-2 13-433,0 1 323,0 21 1,0 0-20,0 11 1,0 4 117,0 1 0,0 1-55,0 8 0,0-3 241,0 8 1,0-7-148,0 12 1,1-5 56,4 10 1,-2 0-71,7 5 0,2 1-63,7 4 1,-2-2 19,2 7 0,-3-5-19,-1 4 1,0-6-131,0 2 1,-7-10 137,-3-5 1,-4-5-120,-1-5 0,-3-5 44,-7-9 1,-1-4-109,-14-6 1,1 0 158,-6-1 0,1-1-180,0-3 1,-6-3 50,1-7 0,-7 0-144,2 0 1,3 0-286,2 0 1,-2-7 174,1-3 1,1-3-764,5-1 1102,6-1 0,-5-6 1,5-2-1</inkml:trace>
-  <inkml:trace contextRef="#ctx0" brushRef="#br0" timeOffset="417">1264 30 22252,'9'-6'-4596,"4"-3"3977,-12 1-740,6 2 811,-7 6 778,0 0 1,0 6-365,0 4 0,0 6 160,0 9 1,0 1-590,0 13 1,0 5 571,0 5 0,6 7-29,4-2 0,3 13 254,2 1 1,0 9-553,-1-3 1,1 1 58,0 8 1,-2-1 161,-3 1 0,-4-1 414,-6-4 0,-6-9-181,-4-1 1,-10-2-405,-4-8 0,-9-2 138,-1-12 0,-7-5-235,2 0 1,-10-4 9,-5 4 1,2-7 11,-2 3 1,5 2-1677,-5 3 2019,6 2 0,-9-1 0,7 0 0,2 3 0,9 2 0,6 3 0</inkml:trace>
-</inkml:ink>
-</file>
-
-<file path=ppt/ink/ink121.xml><?xml version="1.0" encoding="utf-8"?>
-<inkml:ink xmlns:inkml="http://www.w3.org/2003/InkML">
-  <inkml:definitions>
-    <inkml:context xml:id="ctx0">
-      <inkml:inkSource xml:id="inkSrc0">
-        <inkml:traceFormat>
-          <inkml:channel name="X" type="integer" min="-2.14748E9" max="2.14748E9" units="cm"/>
-          <inkml:channel name="Y" type="integer" min="-2.14748E9" max="2.14748E9" units="cm"/>
-          <inkml:channel name="F" type="integer" max="32767" units="dev"/>
-        </inkml:traceFormat>
-        <inkml:channelProperties>
-          <inkml:channelProperty channel="X" name="resolution" value="1000" units="1/cm"/>
-          <inkml:channelProperty channel="Y" name="resolution" value="1000" units="1/cm"/>
-          <inkml:channelProperty channel="F" name="resolution" value="0" units="1/dev"/>
-        </inkml:channelProperties>
-      </inkml:inkSource>
-      <inkml:timestamp xml:id="ts0" timeString="2020-05-06T14:33:51.381"/>
-    </inkml:context>
-    <inkml:brush xml:id="br0">
-      <inkml:brushProperty name="width" value="0.08571" units="cm"/>
-      <inkml:brushProperty name="height" value="0.08571" units="cm"/>
-    </inkml:brush>
-    <inkml:brush xml:id="br1">
-      <inkml:brushProperty name="width" value="0.11429" units="cm"/>
-      <inkml:brushProperty name="height" value="0.11429" units="cm"/>
-    </inkml:brush>
-  </inkml:definitions>
-  <inkml:trace contextRef="#ctx0" brushRef="#br0">602 74 8289,'0'-22'-323,"0"2"0,-5 9 984,0 1 1,-8 6-620,-2 0 0,-1 2 41,-8 2 0,-3 2-38,-7 2 1,3 0 103,-3 6 0,-2-6-255,2 6 1,-7-7 12,2 2 0,3-1-11,1 1 1,4-4 82,2 4 1,4-3-470,1-2 276,6 0-67,-3 6 1,11-2-214,0 5 0,7-4 494,-2 5 0,10 0 0,3 5 0</inkml:trace>
-  <inkml:trace contextRef="#ctx0" brushRef="#br1" timeOffset="525">749 486 11073,'0'-8'171,"0"-5"1,-7 11 264,-2-3 0,-6-1-89,-5 1 1,2 0-54,-6 5 1,-6 0 6,-4 0 0,-7 0-258,2 0 1,-5 0 166,-5 0 1,8 0-228,-3 0 1,5 0 233,0 0 0,4 0-173,11 0 1,3 0 197,6 0-94,0-7 91,7 6 64,2-6-338,6 7 166,6 0 1,-3 0-390,7 0 261,-7 0 1,6 0-469,-4 0-157,-4 0-107,6 0-312,-1 0 246,-4 0 1,6 0-846,-3 0 1622,-3 7 1,11-6 0,-5 6 0</inkml:trace>
-</inkml:ink>
-</file>
-
-<file path=ppt/ink/ink122.xml><?xml version="1.0" encoding="utf-8"?>
-<inkml:ink xmlns:inkml="http://www.w3.org/2003/InkML">
-  <inkml:definitions>
-    <inkml:context xml:id="ctx0">
-      <inkml:inkSource xml:id="inkSrc0">
-        <inkml:traceFormat>
-          <inkml:channel name="X" type="integer" min="-2.14748E9" max="2.14748E9" units="cm"/>
-          <inkml:channel name="Y" type="integer" min="-2.14748E9" max="2.14748E9" units="cm"/>
-          <inkml:channel name="F" type="integer" max="32767" units="dev"/>
-        </inkml:traceFormat>
-        <inkml:channelProperties>
-          <inkml:channelProperty channel="X" name="resolution" value="1000" units="1/cm"/>
-          <inkml:channelProperty channel="Y" name="resolution" value="1000" units="1/cm"/>
-          <inkml:channelProperty channel="F" name="resolution" value="0" units="1/dev"/>
-        </inkml:channelProperties>
-      </inkml:inkSource>
-      <inkml:timestamp xml:id="ts0" timeString="2020-05-06T14:33:53.024"/>
-    </inkml:context>
-    <inkml:brush xml:id="br0">
-      <inkml:brushProperty name="width" value="0.08571" units="cm"/>
-      <inkml:brushProperty name="height" value="0.08571" units="cm"/>
-    </inkml:brush>
-  </inkml:definitions>
-  <inkml:trace contextRef="#ctx0" brushRef="#br0">485 324 8546,'5'-20'21,"0"1"0,2 1 537,-2 8 441,-4-3-753,6 11 0,-7 2 35,0 10 0,0 9 34,0 6 1,-7 4-35,-3 6 0,2-3-166,-2 8 0,5-1 200,-4 5 0,4 0-778,-5 0 1,7 0 150,-2 0 0,3 7 60,2 3 1,0-2 110,0 2 1,7-2-22,3 2 1,3 3-142,1-3 0,-1-8 74,-3-2 1,2-11-453,-8-4 110,1-6 178,-5-15 1,-6-3-7,-4-10 0,-3-8-12,-2-7 0,-4-6 411,-1 2 0,-1-4 0,1-1 0,4-6 0,-4 1 0,-3-7 0,1 4 0</inkml:trace>
-  <inkml:trace contextRef="#ctx0" brushRef="#br0" timeOffset="254">147 206 8434,'7'-44'-394,"1"6"424,7 4 0,6 10 252,3 4 0,6 4 5,4 1 0,-3 7-30,3 3 1,2 3-72,-1 2 0,1 7-159,-2 3 1,-3 3-115,3 1 1,-3 3 213,-1 2 0,-1-1-66,0 7 1,-4-1 32,-1 6 1,-6-4-40,2 3 0,-4-3-9,-1 9 1,-7-4 58,-3-2 2,-3 1-36,-15-1 1,-4 0 6,-12 1 0,-7-6-186,-3 1 0,-10-2 125,-5 1 1,-3-3-457,-2-6 1,0-2 191,0-3 1,0 1-602,1-6 1,1 5 45,3-5 802,10 0 0,8-12 0,6-1 0</inkml:trace>
-</inkml:ink>
-</file>
-
-<file path=ppt/ink/ink123.xml><?xml version="1.0" encoding="utf-8"?>
-<inkml:ink xmlns:inkml="http://www.w3.org/2003/InkML">
-  <inkml:definitions>
-    <inkml:context xml:id="ctx0">
-      <inkml:inkSource xml:id="inkSrc0">
-        <inkml:traceFormat>
-          <inkml:channel name="X" type="integer" min="-2.14748E9" max="2.14748E9" units="cm"/>
-          <inkml:channel name="Y" type="integer" min="-2.14748E9" max="2.14748E9" units="cm"/>
-          <inkml:channel name="F" type="integer" max="32767" units="dev"/>
-        </inkml:traceFormat>
-        <inkml:channelProperties>
-          <inkml:channelProperty channel="X" name="resolution" value="1000" units="1/cm"/>
-          <inkml:channelProperty channel="Y" name="resolution" value="1000" units="1/cm"/>
-          <inkml:channelProperty channel="F" name="resolution" value="0" units="1/dev"/>
-        </inkml:channelProperties>
-      </inkml:inkSource>
-      <inkml:timestamp xml:id="ts0" timeString="2020-05-06T14:33:58.002"/>
-    </inkml:context>
-    <inkml:brush xml:id="br0">
-      <inkml:brushProperty name="width" value="0.11429" units="cm"/>
-      <inkml:brushProperty name="height" value="0.11429" units="cm"/>
-    </inkml:brush>
-  </inkml:definitions>
-  <inkml:trace contextRef="#ctx0" brushRef="#br0">0 15 9506,'15'0'14,"-7"0"0,4-2 172,-8-3 0,3 4 554,-2-4-179,-3 3-599,4 2 177,-6 0 1,-2 0-549,-2 0-157,2 0-449,-11 0 1012,5 7 0,-7 1 0,0 7 0</inkml:trace>
-</inkml:ink>
-</file>
-
-<file path=ppt/ink/ink124.xml><?xml version="1.0" encoding="utf-8"?>
-<inkml:ink xmlns:inkml="http://www.w3.org/2003/InkML">
-  <inkml:definitions>
-    <inkml:context xml:id="ctx0">
-      <inkml:inkSource xml:id="inkSrc0">
-        <inkml:traceFormat>
-          <inkml:channel name="X" type="integer" min="-2.14748E9" max="2.14748E9" units="cm"/>
-          <inkml:channel name="Y" type="integer" min="-2.14748E9" max="2.14748E9" units="cm"/>
-          <inkml:channel name="F" type="integer" max="32767" units="dev"/>
-        </inkml:traceFormat>
-        <inkml:channelProperties>
-          <inkml:channelProperty channel="X" name="resolution" value="1000" units="1/cm"/>
-          <inkml:channelProperty channel="Y" name="resolution" value="1000" units="1/cm"/>
-          <inkml:channelProperty channel="F" name="resolution" value="0" units="1/dev"/>
-        </inkml:channelProperties>
-      </inkml:inkSource>
-      <inkml:timestamp xml:id="ts0" timeString="2020-05-06T14:33:58.681"/>
-    </inkml:context>
-    <inkml:brush xml:id="br0">
-      <inkml:brushProperty name="width" value="0.08571" units="cm"/>
-      <inkml:brushProperty name="height" value="0.08571" units="cm"/>
-    </inkml:brush>
-    <inkml:brush xml:id="br1">
-      <inkml:brushProperty name="width" value="0.11429" units="cm"/>
-      <inkml:brushProperty name="height" value="0.11429" units="cm"/>
-    </inkml:brush>
-  </inkml:definitions>
-  <inkml:trace contextRef="#ctx0" brushRef="#br0">442 778 8513,'0'-10'265,"0"1"63,0 5 47,0-2-63,0 19-138,0-3-19,-7 17 0,4-2-1,-7 9 1,2-1 3,-2 6 1,-1 2-44,6 8-121,-7-3 138,11 11 0,-6-7-152,7 4 14,0 10 0,2-10-181,3 10 1,-2-6 81,7-4 1,-2-3-183,2-7 0,1-3-121,-6-7-74,0 0 153,-5-24-108,0 3 1,-7-16-1,-2-7 0,-4-1 11,-2-14 1,0-4 107,1-5 318,-1-7 0,-6-3 0,-2-9 0</inkml:trace>
-  <inkml:trace contextRef="#ctx0" brushRef="#br0" timeOffset="247">162 808 8460,'0'-30'0,"7"1"-792,3-1 1,4 3 407,6 2 1,3-1 595,6 6 0,-3 1 106,4 4 0,-2 2-84,11 3 0,-7 4-106,3 6 1,1 6 11,-2 4 0,0 5 108,-4 4 1,-7-1-84,-4 7 0,-3-1 76,-1 6 1,-7-1-69,-3 1 0,-5-1-31,-5 0 1,-8 2 17,-6 4 0,-7-9-88,1 3 1,-4-8 3,-6 4 1,-2-7-170,-7 1 0,0-7-31,0-2 1,-1-7 122,1 2 0,-1-3-717,-4-2 1,4 0 717,1 0 0,0-7 0,7-1 0</inkml:trace>
-  <inkml:trace contextRef="#ctx0" brushRef="#br1" timeOffset="964">1632 102 10336,'15'-15'-633,"0"1"1,-5-1-74,-1 0 1404,-5 1 1,2 4-154,-6 0 1,-2 7-439,-2-2-39,-5 10 1,-12 9 38,-3 11 1,-4 4-27,-1 6 1,-6-3-102,1 7 0,-5 2 150,4 8 1,-4 2-121,5 3 0,-5 10 56,4-1 0,-4 7-241,5 4 1,1 4 86,9 1 1,4-3-86,10-7 1,4-4-2,6-6 0,0-2 12,0-3 0,1-8-6,4-7 1,4-11 94,5 1 1,1-4-183,0-1 0,1-4 20,4-10 1,-2 1-257,6-6 0,1 5 244,4-5 1,-5 0 234,1-5 1,6 0-1,7 0 1</inkml:trace>
-  <inkml:trace contextRef="#ctx0" brushRef="#br0" timeOffset="1356">1529 940 8493,'9'-7'-788,"2"4"1652,-6-7-526,0 7-468,1-3 81,-4-1-2,5 5 18,-7-4 0,0 4 77,0-3 1,0 2-8,0-7 1,4 5-45,1-4 0,5 4-8,-5-5 1,6 0-12,-1-5 1,8 1-13,2-1 0,1 2 171,-1 3 0,3-3-103,6 3 0,-6-1 79,-4 1 0,3 3-9,-3 7 1,2 2 8,-1 3 1,-9 3-28,4 7 1,-5 6 13,0 4 1,1 4-10,-6 5 1,5-3-10,-5 4 1,5 1-166,-6-2 0,8 0 156,-2-4 0,3-1-242,1 0 1,1-1-72,0-3 0,1 1-95,4-7 0,1-1 121,4-8 0,-4 1-129,-7-6 1,6 0-199,0-5 1,-2-1 544,-9-4 0,5-3 0,-6-7 0</inkml:trace>
-  <inkml:trace contextRef="#ctx0" brushRef="#br0" timeOffset="1551">2176 793 8042,'-1'-8'409,"-4"3"0,1 3-10,-5 2 1,-3 7 88,-7 3 1,1 9-150,-7 6 0,5 2-269,-4 3 1,1 4-283,-1 0 0,-3 6 142,8-6 0,-1 2-104,6-2 1,-4-3 71,3 3 1,-1-9-581,11-5 0,0-4-500,5-1 44,0-1 1138,0-6 0,6 6 0,3-6 0</inkml:trace>
-  <inkml:trace contextRef="#ctx0" brushRef="#br0" timeOffset="1993">2279 1204 7406,'0'-8'975,"0"2"-601,0-1-213,0 6 11,7-6-85,-6 7 0,7 0 30,-3 0-8,3-6 0,7 2-91,0-6 1,0 7 68,-1-2 1,1-1-91,0 1 0,-1-2 32,1 2 0,0 4-103,-1-4 1,1 3 90,0 2 0,-5 7-7,-1 3 0,-5 3 59,1 1 1,-4 6-47,-1 0 1,0 6 86,0-2 1,-6 4-78,-4 1 1,-1-1 32,1-3 0,-3 2-48,3-2 1,-2 1-1,3-1 0,0-3-20,5-2 0,2-4-14,-3 4 0,3-9 36,2-1 0,2-7-6,3 2 1,3-3-251,7-2 1,1 0 68,4 0 1,3-5-499,6 0 1,7-6 36,3 1 628,4-10 0,1-3 0,0-6 0</inkml:trace>
-  <inkml:trace contextRef="#ctx0" brushRef="#br0" timeOffset="2301">3132 955 8575,'8'-7'1392,"-2"4"-270,-6-7-8,7 7-361,-6-10-2440,6 11 534,-7-4 119,-7 6 1034,-1 6 0,-6 2 0,-1 7 0</inkml:trace>
-</inkml:ink>
-</file>
-
-<file path=ppt/ink/ink125.xml><?xml version="1.0" encoding="utf-8"?>
-<inkml:ink xmlns:inkml="http://www.w3.org/2003/InkML">
-  <inkml:definitions>
-    <inkml:context xml:id="ctx0">
-      <inkml:inkSource xml:id="inkSrc0">
-        <inkml:traceFormat>
-          <inkml:channel name="X" type="integer" min="-2.14748E9" max="2.14748E9" units="cm"/>
-          <inkml:channel name="Y" type="integer" min="-2.14748E9" max="2.14748E9" units="cm"/>
-          <inkml:channel name="F" type="integer" max="32767" units="dev"/>
-        </inkml:traceFormat>
-        <inkml:channelProperties>
-          <inkml:channelProperty channel="X" name="resolution" value="1000" units="1/cm"/>
-          <inkml:channelProperty channel="Y" name="resolution" value="1000" units="1/cm"/>
-          <inkml:channelProperty channel="F" name="resolution" value="0" units="1/dev"/>
-        </inkml:channelProperties>
-      </inkml:inkSource>
-      <inkml:timestamp xml:id="ts0" timeString="2020-05-06T14:33:56.092"/>
-    </inkml:context>
-    <inkml:brush xml:id="br0">
-      <inkml:brushProperty name="width" value="0.11429" units="cm"/>
-      <inkml:brushProperty name="height" value="0.11429" units="cm"/>
-    </inkml:brush>
-    <inkml:brush xml:id="br1">
-      <inkml:brushProperty name="width" value="0.08571" units="cm"/>
-      <inkml:brushProperty name="height" value="0.08571" units="cm"/>
-    </inkml:brush>
-  </inkml:definitions>
-  <inkml:trace contextRef="#ctx0" brushRef="#br0">147 263 11257,'10'0'-1057,"0"0"1863,-7 0-297,4 0-267,-7 7 1,-2 7 176,-3 11 1,-3 9-221,-7 5 0,0 10-384,1 5 0,-3 5 203,-2 5 0,3 3 26,-4 6 1,4 1-361,1-1 0,7 1 44,3-1 0,3-12-84,2-7 0,0-14 148,0-5 0,0-4-226,0-2-729,0-6 443,7-2-853,1-6 1573,7-7 0,6-1 0,2-7 0</inkml:trace>
-  <inkml:trace contextRef="#ctx0" brushRef="#br1" timeOffset="574">412 866 8360,'8'0'52,"5"-7"218,-5 6 1,2 1-15,0 10 1,-7 4-100,2 6 1,-3 3-8,-2 6 0,0 1-190,0-1 0,0 0 5,0 1 0,0-1 120,0 1 0,1-3-132,4-2 0,-2-2 156,7-4-206,0-9 0,5 3 95,-1-13 1,3-2-43,2-2 0,-2-6 19,2-10 0,-7-4-124,-3-11 1,1 3 77,5-7 1,-2 4-172,-3-4 0,1 1 159,-6-1 1,5 2 21,-5 2 1,0 6 309,-5 0-234,0 6 8,0 15 1,0 3 39,0 10 1,0 9 176,0 11 1,0 3-58,0 1 0,0 2 61,0 3 0,0-1 20,0 6 1,0 0-76,0 5 0,6-4 67,4-1 1,-2 5-107,2 5 1,-5 2-105,5-2 1,-2 3 81,2 7 1,1-6-5,-6 1 1,0-1-60,-5 1 1,-2-5-181,-3-10 0,-4 2 20,-11-7 1,-4-1 79,-11-9 0,-2 1-166,-7-11 0,-1 3-116,1-13 1,4 6-128,-5-5 0,11 0 40,-5-5 1,3 0-250,7 0 1,-4-2 104,8-2 1,4-3 118,2-3 0,4-3 409,5 3 0,-9-9 0,2-4 0</inkml:trace>
-  <inkml:trace contextRef="#ctx0" brushRef="#br0" timeOffset="1184">1161 43 9934,'15'-15'-1559,"0"7"1617,0-5 665,-1 11 0,-6-3-385,-3 10 0,-3 3-452,-2 7 1,5 5 38,0-1 0,0 6 145,-5-6 0,0 8 24,0-3 1,0-1 45,0 1 0,0 1 104,0 4 0,0 6-144,0-1 0,0 2-46,0-2 0,0 2 134,0 3 0,5 4 10,-1-4 1,8 8 162,-2 2 0,-2 2-161,2-2 1,-7-2-249,2 7 1,-4 0 138,-1 5 0,-1 0-192,-4-1 0,-3 1 39,-7 0 0,-5 0 44,1 0 0,-2-2-209,1-3 0,4-5 121,-4-10 1,2 2 186,-2-7 1,4 0-104,-3-4 1,2-7 28,3-4 0,4-3 2,0-1 1,0-5-90,-5 0-16,1-7 0,-1 4-255,0-7 1,1 0 132,-1 0 0,2-2-596,3-3-211,-3 3 0,11-6 1037,-3 3 0,4 4 1,1-6-1</inkml:trace>
-</inkml:ink>
-</file>
-
-<file path=ppt/ink/ink126.xml><?xml version="1.0" encoding="utf-8"?>
-<inkml:ink xmlns:inkml="http://www.w3.org/2003/InkML">
-  <inkml:definitions>
-    <inkml:context xml:id="ctx0">
-      <inkml:inkSource xml:id="inkSrc0">
-        <inkml:traceFormat>
-          <inkml:channel name="X" type="integer" min="-2.14748E9" max="2.14748E9" units="cm"/>
-          <inkml:channel name="Y" type="integer" min="-2.14748E9" max="2.14748E9" units="cm"/>
-          <inkml:channel name="F" type="integer" max="32767" units="dev"/>
-        </inkml:traceFormat>
-        <inkml:channelProperties>
-          <inkml:channelProperty channel="X" name="resolution" value="1000" units="1/cm"/>
-          <inkml:channelProperty channel="Y" name="resolution" value="1000" units="1/cm"/>
-          <inkml:channelProperty channel="F" name="resolution" value="0" units="1/dev"/>
-        </inkml:channelProperties>
-      </inkml:inkSource>
-      <inkml:timestamp xml:id="ts0" timeString="2020-05-06T14:33:54.808"/>
-    </inkml:context>
-    <inkml:brush xml:id="br0">
-      <inkml:brushProperty name="width" value="0.11429" units="cm"/>
-      <inkml:brushProperty name="height" value="0.11429" units="cm"/>
-    </inkml:brush>
-    <inkml:brush xml:id="br1">
-      <inkml:brushProperty name="width" value="0.08571" units="cm"/>
-      <inkml:brushProperty name="height" value="0.08571" units="cm"/>
-    </inkml:brush>
-  </inkml:definitions>
-  <inkml:trace contextRef="#ctx0" brushRef="#br0">322 45 10057,'20'-6'-1055,"-1"-4"725,7-3 0,-9 5-56,2 3 1679,-9 3-266,3 2-214,-11 0-963,4 0 144,-6 7 1,-6 2 19,-4 11 100,-3-4 0,-8 12 19,-4-4 1,-3 6-23,-1 4 0,0-1 34,-1 6 0,1 0-26,-1 5 0,-1 2-171,-3 3 0,8 2 116,-3 3 0,9 1-148,0-6 1,4 7 38,1-2 1,7-4-145,3-1 0,5-3 164,5-2 1,3-3-130,7 3 1,1-10-79,4 5 1,-2-11 118,6-3 0,-4-7-65,5 1 1,-3-4 117,3-5 1,1-4-276,-6-6 1,1 0 72,-2 0 0,-2 0-241,2 0 0,-2-6-48,-3-4 1,-1-3 141,-3-2 0,3 0 409,-3 1 0,3-7 0,2-2 0</inkml:trace>
-  <inkml:trace contextRef="#ctx0" brushRef="#br1" timeOffset="380">395 780 8523,'9'-7'-736,"4"-1"428,-3-6 1,-2 4 21,1 0 0,-5 5 530,1-5 773,3 7-418,-7-3-269,6-1-397,-7 5 1,5-6 155,0 3 0,1 4-142,-1-4 0,-2-2-5,7 2 0,-5-6 36,5 1 0,1 2 28,9-2 0,-2 0-30,6-4 1,-4-1 84,5 0 0,-1 2-55,5 3 1,-1-1 174,-3 6 1,1 0-54,-7 5 1,1 0-35,-5 0 0,-1 7 21,1 2 1,-2 9 99,-3 2 0,1 6-61,-6-1 1,5 7 1,-5 3 1,0-1-103,-5-5 1,5 1 68,0-1 1,5 1-207,-6-1 0,8-1 115,-2-4 1,-2-3-235,2-6 1,-1 0-460,6 0 202,0-7 1,0-2-429,-1-6 280,-6 0 1,4-1-109,-7-4 715,0-3 0,1-14 0,2-1 0</inkml:trace>
-  <inkml:trace contextRef="#ctx0" brushRef="#br1" timeOffset="588">1086 574 8974,'-9'7'858,"-1"3"1,0 8-574,-5 1 0,1 12-179,-1-1 0,-5 4 106,1 0 1,-3 2-255,3 3 0,-2 4 124,-4-4 1,-1-1-465,6 1 1,-1-7 232,2 3 0,7-9-529,-3-2 218,4-6 0,3-1-294,3-8 1,5-5 56,5 1 697,3-4 0,13-1 0,2 0 0</inkml:trace>
-  <inkml:trace contextRef="#ctx0" brushRef="#br1" timeOffset="834">1292 971 8378,'7'-23'0,"-1"2"492,4 6-228,3 7 1,-6 3 138,2 10 1,-2 3-140,-7 7 1,0 6-149,0 4 1,0 1 180,0-2 1,0 4-396,0-3 0,0 2-127,0 3 1,0-6-129,0 1 1,0-1 160,0 6 1,0-6-119,0 1 1,2-7-653,2 1 0,0 1 962,6-5 0,-1 9 0,6-8 0</inkml:trace>
-</inkml:ink>
-</file>
-
-<file path=ppt/ink/ink127.xml><?xml version="1.0" encoding="utf-8"?>
-<inkml:ink xmlns:inkml="http://www.w3.org/2003/InkML">
-  <inkml:definitions>
-    <inkml:context xml:id="ctx0">
-      <inkml:inkSource xml:id="inkSrc0">
-        <inkml:traceFormat>
-          <inkml:channel name="X" type="integer" min="-2.14748E9" max="2.14748E9" units="cm"/>
-          <inkml:channel name="Y" type="integer" min="-2.14748E9" max="2.14748E9" units="cm"/>
-          <inkml:channel name="F" type="integer" max="32767" units="dev"/>
-        </inkml:traceFormat>
-        <inkml:channelProperties>
-          <inkml:channelProperty channel="X" name="resolution" value="1000" units="1/cm"/>
-          <inkml:channelProperty channel="Y" name="resolution" value="1000" units="1/cm"/>
-          <inkml:channelProperty channel="F" name="resolution" value="0" units="1/dev"/>
-        </inkml:channelProperties>
-      </inkml:inkSource>
-      <inkml:timestamp xml:id="ts0" timeString="2020-05-06T14:34:03.300"/>
-    </inkml:context>
-    <inkml:brush xml:id="br0">
-      <inkml:brushProperty name="width" value="0.08571" units="cm"/>
-      <inkml:brushProperty name="height" value="0.08571" units="cm"/>
-    </inkml:brush>
-  </inkml:definitions>
-  <inkml:trace contextRef="#ctx0" brushRef="#br0">1 88 8343,'6'-16'741,"4"-4"-239,3 4-14,-5 1-364,6 2-511,-13 12-1371,6-6 739,-7 7 1019,-7 7 0,6 7 0,-6 9 0</inkml:trace>
-</inkml:ink>
-</file>
-
-<file path=ppt/ink/ink128.xml><?xml version="1.0" encoding="utf-8"?>
-<inkml:ink xmlns:inkml="http://www.w3.org/2003/InkML">
-  <inkml:definitions>
-    <inkml:context xml:id="ctx0">
-      <inkml:inkSource xml:id="inkSrc0">
-        <inkml:traceFormat>
-          <inkml:channel name="X" type="integer" min="-2.14748E9" max="2.14748E9" units="cm"/>
-          <inkml:channel name="Y" type="integer" min="-2.14748E9" max="2.14748E9" units="cm"/>
-          <inkml:channel name="F" type="integer" max="32767" units="dev"/>
-        </inkml:traceFormat>
-        <inkml:channelProperties>
-          <inkml:channelProperty channel="X" name="resolution" value="1000" units="1/cm"/>
-          <inkml:channelProperty channel="Y" name="resolution" value="1000" units="1/cm"/>
-          <inkml:channelProperty channel="F" name="resolution" value="0" units="1/dev"/>
-        </inkml:channelProperties>
-      </inkml:inkSource>
-      <inkml:timestamp xml:id="ts0" timeString="2020-05-06T14:34:02.262"/>
-    </inkml:context>
-    <inkml:brush xml:id="br0">
-      <inkml:brushProperty name="width" value="0.08571" units="cm"/>
-      <inkml:brushProperty name="height" value="0.08571" units="cm"/>
-    </inkml:brush>
-    <inkml:brush xml:id="br1">
-      <inkml:brushProperty name="width" value="0.11429" units="cm"/>
-      <inkml:brushProperty name="height" value="0.11429" units="cm"/>
-    </inkml:brush>
-  </inkml:definitions>
-  <inkml:trace contextRef="#ctx0" brushRef="#br0">221 692 8122,'8'-2'-527,"-3"-3"1,-1 4 974,0-4-65,-2-4 0,5 6 232,-7-7-778,0 7 280,0-3-99,0 6 160,0 0 0,0 6 6,0 4 0,0 3-19,0 2 1,0-1-58,0 1 0,0 5-131,0-1 0,0 6 145,0-6 0,0 6-199,0-5 1,0 1 78,0-2 0,0-2 27,0 2 1,1-2 79,4-3 1,-2-1 0,7-3 0,-5 2-13,5-8-54,0 1 0,4-5-38,1 0 1,0-6 79,-1-4 0,1-3-264,0-2 0,4-4-41,1-1 0,0-6-60,-6 1 0,6-1 168,0 2 1,-1-4 30,-4 4 1,-2 2 277,-3 3 1,1 2-142,-6 3 300,7-1-204,-11 0-37,6 7-120,-7 2 0,-2 6-108,-3 0 1,4 6 148,-4 4 0,-2 3-36,2 2 1,0-1 43,5 1 0,-5 6 10,0 4 0,1-2 218,4 1 1,0-1-142,0 2 1,0 2-20,0-2 0,0 3-15,0 1 0,0 5 0,0 1 1,0 4-5,0-5 0,0 12-28,0-2 1,0 3-2,0-3 0,0 7 23,0 3 0,-2 1-22,-3-1 1,-3 2 4,-7-7 1,0 0-102,1-5 0,-6 3 51,1-3 0,-8-4-8,3-16 1,-4 2-197,-1-6 1,-1 4 122,1-4 0,0-2-194,-1-8 0,6-2 131,-1-3 1,6-4-52,-6 4 1,7-5 73,-1-5 1,2-1 13,3-4 0,-1-3 56,0 3 0,5-3 10,1-2 0,5-1 15,-1-3 0,4 2-48,1-2 0,1 2 79,4 3 1,0-6-66,10 0 0,-4-4-140,9 4 0,1-4 139,-1 4 0,7-6-258,3 2 1,-1-4 8,6-2 0,0 3-27,0 2 1,6-3-55,-2 4 1,-3 3 123,-2 1 1,-3 4 246,-2 1 0,1 0 0,-1 1 0</inkml:trace>
-  <inkml:trace contextRef="#ctx0" brushRef="#br1" timeOffset="626">1044 1 14367,'15'0'-97,"0"0"0,-1 6 598,1 4 1,0 16-425,0 9 1,-1 12-123,1 7 1,-7 10-176,-3 4 0,2 6 237,-3 4 1,1-3-216,-5 4 1,7-3 240,3 3 0,-2-2 15,2 6 0,-7-8-334,2-2 1,1-1-24,-1-8 1,-2 0-83,-7-6 1,-3-5-1,-3-4 1,-3-12-195,3-7 1,-1-3-467,1-7 63,-3 0-529,5-12 1553,0-2 0,-5-6 0,5 0 0</inkml:trace>
-</inkml:ink>
-</file>
-
-<file path=ppt/ink/ink129.xml><?xml version="1.0" encoding="utf-8"?>
-<inkml:ink xmlns:inkml="http://www.w3.org/2003/InkML">
-  <inkml:definitions>
-    <inkml:context xml:id="ctx0">
-      <inkml:inkSource xml:id="inkSrc0">
-        <inkml:traceFormat>
-          <inkml:channel name="X" type="integer" min="-2.14748E9" max="2.14748E9" units="cm"/>
-          <inkml:channel name="Y" type="integer" min="-2.14748E9" max="2.14748E9" units="cm"/>
-          <inkml:channel name="F" type="integer" max="32767" units="dev"/>
-        </inkml:traceFormat>
-        <inkml:channelProperties>
-          <inkml:channelProperty channel="X" name="resolution" value="1000" units="1/cm"/>
-          <inkml:channelProperty channel="Y" name="resolution" value="1000" units="1/cm"/>
-          <inkml:channelProperty channel="F" name="resolution" value="0" units="1/dev"/>
-        </inkml:channelProperties>
-      </inkml:inkSource>
-      <inkml:timestamp xml:id="ts0" timeString="2020-05-06T14:34:04.054"/>
-    </inkml:context>
-    <inkml:brush xml:id="br0">
-      <inkml:brushProperty name="width" value="0.08571" units="cm"/>
-      <inkml:brushProperty name="height" value="0.08571" units="cm"/>
-    </inkml:brush>
-  </inkml:definitions>
-  <inkml:trace contextRef="#ctx0" brushRef="#br0">1 74 8054,'0'-15'-1334,"0"0"1226,6 7 108,-4-5 46,5 11-38,-7-4 2,0 6-55,0 0 38,6 0 7,-4 0 1,6 5-50,-3 0 0,-3 1 49,2-1 0,5 3 0,-1 7 0</inkml:trace>
-  <inkml:trace contextRef="#ctx0" brushRef="#br0" timeOffset="163">398 74 8551,'18'-15'-444,"-4"0"1,4 7 379,-8 3 1,-2-1 63,2 1-891,-7 0 891,11 5 0,-6 6 0,6 3 0</inkml:trace>
-  <inkml:trace contextRef="#ctx0" brushRef="#br0" timeOffset="315">677 30 8461,'15'-7'0,"-1"-1"112,1 0 1,-5 1 432,0 7-1991,-7 0 1446,4 0 0,-14 7 0,-1 1 0</inkml:trace>
-  <inkml:trace contextRef="#ctx0" brushRef="#br0" timeOffset="431">853 44 8461,'2'-9'-1355,"3"-1"681,-3 6 674,4-9 0,-6 12 0,0-6 0</inkml:trace>
-</inkml:ink>
-</file>
-
-<file path=ppt/ink/ink13.xml><?xml version="1.0" encoding="utf-8"?>
-<inkml:ink xmlns:inkml="http://www.w3.org/2003/InkML">
-  <inkml:definitions>
-    <inkml:context xml:id="ctx0">
-      <inkml:inkSource xml:id="inkSrc0">
-        <inkml:traceFormat>
-          <inkml:channel name="X" type="integer" min="-2.14748E9" max="2.14748E9" units="cm"/>
-          <inkml:channel name="Y" type="integer" min="-2.14748E9" max="2.14748E9" units="cm"/>
-          <inkml:channel name="F" type="integer" max="32767" units="dev"/>
-        </inkml:traceFormat>
-        <inkml:channelProperties>
-          <inkml:channelProperty channel="X" name="resolution" value="1000" units="1/cm"/>
-          <inkml:channelProperty channel="Y" name="resolution" value="1000" units="1/cm"/>
-          <inkml:channelProperty channel="F" name="resolution" value="0" units="1/dev"/>
-        </inkml:channelProperties>
-      </inkml:inkSource>
-      <inkml:timestamp xml:id="ts0" timeString="2020-05-06T14:21:12.608"/>
-    </inkml:context>
-    <inkml:brush xml:id="br0">
-      <inkml:brushProperty name="width" value="0.08571" units="cm"/>
-      <inkml:brushProperty name="height" value="0.08571" units="cm"/>
-    </inkml:brush>
-  </inkml:definitions>
-  <inkml:trace contextRef="#ctx0" brushRef="#br0">148 60 8107,'-7'23'1845,"0"4"-1495,-2-2 0,-4 4-297,3 6 1,-3 1-232,-2 3 166,0 3 28,7-4 1,-5 4-367,3-3 0,4-3 133,1-6-322,-3-7 101,6 4 120,-4-10 214,6-3 1,0-9-160,0-10 557,0-3-191,0-6 1,1-8-136,4-2 0,-2-6-11,7-4 0,0 3 234,5-3-218,6-4 60,-5 7-54,12-11 21,-5 4 0,1-4 13,1 2 0,-2 1-18,1 10 1,2-2-75,-6 11 496,-7 1-65,0 10-142,-11 3 115,4 12-265,1 9 1,-6 3 280,4 7-264,-3 6 19,-2 0 1,-2 6 67,-3-2-65,4-4-55,-6 5 1,2-7-69,0 0 0,-6 1 43,1-1 1,2-1-15,-2-4 1,5-2-85,-5-8 1,6 4-267,-6-3 1,5 1-599,-5-11 380,7 0-242,-4-5 398,7 0 91,0-6 0,7-3 316,3-5 0,3-8 0,8 0 0,2-8 0</inkml:trace>
-</inkml:ink>
-</file>
-
-<file path=ppt/ink/ink130.xml><?xml version="1.0" encoding="utf-8"?>
-<inkml:ink xmlns:inkml="http://www.w3.org/2003/InkML">
-  <inkml:definitions>
-    <inkml:context xml:id="ctx0">
-      <inkml:inkSource xml:id="inkSrc0">
-        <inkml:traceFormat>
-          <inkml:channel name="X" type="integer" min="-2.14748E9" max="2.14748E9" units="cm"/>
-          <inkml:channel name="Y" type="integer" min="-2.14748E9" max="2.14748E9" units="cm"/>
-          <inkml:channel name="F" type="integer" max="32767" units="dev"/>
-        </inkml:traceFormat>
-        <inkml:channelProperties>
-          <inkml:channelProperty channel="X" name="resolution" value="1000" units="1/cm"/>
-          <inkml:channelProperty channel="Y" name="resolution" value="1000" units="1/cm"/>
-          <inkml:channelProperty channel="F" name="resolution" value="0" units="1/dev"/>
-        </inkml:channelProperties>
-      </inkml:inkSource>
-      <inkml:timestamp xml:id="ts0" timeString="2020-05-06T14:34:05.448"/>
-    </inkml:context>
-    <inkml:brush xml:id="br0">
-      <inkml:brushProperty name="width" value="0.08571" units="cm"/>
-      <inkml:brushProperty name="height" value="0.08571" units="cm"/>
-    </inkml:brush>
-  </inkml:definitions>
-  <inkml:trace contextRef="#ctx0" brushRef="#br0">1 44 8274,'19'0'0,"1"0"-728,-1 0 1,-2 0 5,2 0 704,-2 0 1,4 0-13,-6 0 1,-6 0-55,1 0 43,-7-6 1,4 2 40,-7-5 0,6-1 0,3-5 0</inkml:trace>
-  <inkml:trace contextRef="#ctx0" brushRef="#br0" timeOffset="254">45 59 8274,'1'-8'494,"4"3"0,-3 1 277,3 0-467,-4 2-339,-1-5 0,2 6-275,3-4-797,-3 3-342,4-4 1449,-6 12 0,0 2 0,0 7 0</inkml:trace>
-</inkml:ink>
-</file>
-
-<file path=ppt/ink/ink131.xml><?xml version="1.0" encoding="utf-8"?>
-<inkml:ink xmlns:inkml="http://www.w3.org/2003/InkML">
-  <inkml:definitions>
-    <inkml:context xml:id="ctx0">
-      <inkml:inkSource xml:id="inkSrc0">
-        <inkml:traceFormat>
-          <inkml:channel name="X" type="integer" min="-2.14748E9" max="2.14748E9" units="cm"/>
-          <inkml:channel name="Y" type="integer" min="-2.14748E9" max="2.14748E9" units="cm"/>
-          <inkml:channel name="F" type="integer" max="32767" units="dev"/>
-        </inkml:traceFormat>
-        <inkml:channelProperties>
-          <inkml:channelProperty channel="X" name="resolution" value="1000" units="1/cm"/>
-          <inkml:channelProperty channel="Y" name="resolution" value="1000" units="1/cm"/>
-          <inkml:channelProperty channel="F" name="resolution" value="0" units="1/dev"/>
-        </inkml:channelProperties>
-      </inkml:inkSource>
-      <inkml:timestamp xml:id="ts0" timeString="2020-05-06T14:34:06.807"/>
-    </inkml:context>
-    <inkml:brush xml:id="br0">
-      <inkml:brushProperty name="width" value="0.08571" units="cm"/>
-      <inkml:brushProperty name="height" value="0.08571" units="cm"/>
-    </inkml:brush>
-    <inkml:brush xml:id="br1">
-      <inkml:brushProperty name="width" value="0.11429" units="cm"/>
-      <inkml:brushProperty name="height" value="0.11429" units="cm"/>
-    </inkml:brush>
-  </inkml:definitions>
-  <inkml:trace contextRef="#ctx0" brushRef="#br0">103 572 8413,'9'0'331,"4"0"-302,-12 0 0,6 11 15,-7 4 0,0 11 146,0 4 0,-2 1-81,-3 8 0,-1 7 142,-4 7 1,-2 6-124,8 5 1,-6-2-34,5 7 0,0 1-51,5 8 0,0-3-304,0 4 0,2-9 301,3-1 1,-2-7-141,7 1 1,-2-15-107,2-9 1,1-13-149,-6-6-523,0-4-71,-5-8-25,0-1 972,-7-20 0,-1-4 0,-7-12 0</inkml:trace>
-  <inkml:trace contextRef="#ctx0" brushRef="#br0" timeOffset="284">45 690 8419,'14'-36'-433,"1"5"361,0-4 0,-1 4 863,1 2 0,-5 8 225,0 6-727,-1 0 0,6 14-302,0-4 0,-5 3-458,-1 2 1,3 7 64,8 2 1,-4 6 194,3 5 0,3 3 300,-3 6 0,6 0-10,-6 1 0,6 4 104,-6 0 1,-1 6-177,-8-6 1,3 5 61,-3-5 0,-3 6 40,-2-6 0,-4-5 1,-1-4 0,-8-7 44,-7 1 1,-6-7-71,-8-2 1,-2-7-217,-4 2 0,-2-5 117,-7-5 1,1 2-775,4-7 1,-3 5 788,2-5 0,4 0 0,0-4 0</inkml:trace>
-  <inkml:trace contextRef="#ctx0" brushRef="#br0" timeOffset="766">1103 87 8513,'20'-8'0,"-1"-5"1225,-1-5-721,-8 5 1,-2 1 337,-3 7-886,-3-6 252,4 9 1,-17-3 3,-4 10 1,-11 8-97,-4 7 1,1 8 56,-5 1-325,-4 0 199,7 14 0,-10-6-500,7 8 370,-7 5 0,10 4-50,-3 10 1,4 4-375,6 11 1,3 4 219,6 10 1,7-8 195,3 3 1,3-4 3,2-1 1,7-8 37,3-6 0,3-19-84,1-1 0,-4-18 16,0-1 0,-2-11-8,2 1 1,3-4-115,-3-1 0,3-5-271,2-1 1,6 1 509,3 5 0,11 0 0,2-1 0</inkml:trace>
-  <inkml:trace contextRef="#ctx0" brushRef="#br0" timeOffset="1379">1162 763 8518,'6'-8'581,"-4"-5"1,6 6-63,-3-3 1,-2-1 36,7 6 1,-7-1 313,2 1-1235,-3 3-128,-2-4-616,0 6 774,0 0 217,6 0 1,-2 0 26,5 0 1,1 0-19,5 0 0,0 0 266,-1 0 1,3 1-67,2 4 1,-2-3 34,2 3 0,2-4-10,-1-1 0,5 5-96,-6 0 0,1 6-110,-6-1 0,3-2 130,2 2 0,-2 5-117,2 5 1,-7 4 88,-3-4 0,1 6-112,5-2 1,0 4 18,-1 1 1,-4 1-10,0-1 0,0 1-11,4-1 1,1-1-172,0-4 1,0-3-156,-1-6 0,1 0 95,0 0 0,4-2-265,1-4 1,-1-2 596,-4-7 0,0 0 0,0 0 0,-1 0 0</inkml:trace>
-  <inkml:trace contextRef="#ctx0" brushRef="#br0" timeOffset="1617">1911 719 8390,'0'-15'1235,"0"7"-734,0 2 1,-6 9-287,-4 7 1,-10 1-111,-4 14 0,-2-6-361,1 6 1,-2-1 178,2 6 1,-1 4-160,1 0 0,-1 5-49,7-4 1,-6 4 157,6-5 0,1 0-120,8-4 1,-2-1 11,7 1 0,-4-8-57,4-2 1,0-4 82,5-1 1,2-2-226,2-3 1,0 1 433,5-6 0,8 7 0,6-4 0</inkml:trace>
-  <inkml:trace contextRef="#ctx0" brushRef="#br0" timeOffset="2148">2000 1366 8527,'1'8'0,"4"-3"537,-3-4-182,11 6 1,-12-4-222,4 7 1,-3-5 90,-2 5 0,0-5-239,0 4 1,0 3 79,0 7 1,0-2-235,0 2 1,0-1 144,0 2 0,-5-2-114,0 6 1,-1-6-26,1 2 0,3-4-28,-3-1 0,4 0-397,1-1 336,0-5-51,-7-3 1,5-12 126,-2-4 1,2-10 53,2-4 0,0-6 48,0-4 0,2 1 25,2-6 1,1 2-21,10-3 1,-2-2 6,12 3 1,-1-2 146,5 2 1,1 3-145,-1 6 0,1 7 517,-1 4 0,-6 9-179,-3 5 1,-4 5 232,-1 5 0,-6 5-136,1 9 1,-7 4 60,2 7 1,-3 4-285,-2 0 1,0 2-80,0-1 1,0-4 83,0 3 1,5 2-170,0-2 1,1 0-325,-1-4 0,-2-2 171,7-4 0,-5-3-618,5-6 1,-5 0 66,5-1 1,-5-5 713,4-5 0,1-2 0,5-2 0</inkml:trace>
-  <inkml:trace contextRef="#ctx0" brushRef="#br1" timeOffset="2618">3014 263 11019,'6'13'127,"4"-3"1,2 5 464,-3 0-281,-2-1-245,-7 14 0,0 1-1,0 11 1,-7 7-36,-2 2 1,-4 6-261,-2-1 0,0 4 235,0 0 1,6 6-169,-1 0 1,7 4 245,-2-4 1,3 5 11,2-6 0,2 1-233,3-5 0,-2-7 126,7-3 0,-5-8-233,4-2 0,-4-6-54,5 1 1,-5-9-113,5-6 0,-7-7-348,2-3 762,3-5 0,0 2 0,7-6 0</inkml:trace>
-  <inkml:trace contextRef="#ctx0" brushRef="#br0" timeOffset="3205">3411 807 8299,'14'7'-541,"1"1"1,-5 7 1393,0-1 0,-7 1-245,2 0 1,-4 4-501,-1 1 1,0 6-64,0-2 0,0-1-75,0 2 0,0-2 72,0 1 0,5 2-265,0-6 0,7 4-9,-2-4 1,3-2 153,1-8 1,6 1-40,-1-6 0,6 0 20,-5-5 0,4-3 85,-4-7 0,4-2 5,-4-12 0,4 3 13,-4-9 1,4 4-31,-4-8 0,0-4 7,-6-1 0,1 2 34,0-3 1,-7 8-20,-3-3 0,-4 6 238,-1 5 1,0 2-77,0 8 1,-1 5-83,-4 5 1,-3 2-10,-7 2 0,5 6 3,0 4 0,5 5 0,-4 5 0,5 2 12,-1 8 1,4 1-55,1 3 1,0-1 28,0 6 1,0 0 120,0 5 1,1 7-128,4 3 0,-1 5 119,5 4 0,-4 4-72,5 7 0,-5 4-85,5 1 0,-7 4-138,2-5 0,-3 1 192,-2-6 1,-9-4-65,-5-10 1,-3-7-9,-7-23 0,4 2 20,-4-11 0,-6-2 12,-4-8 1,-7-4-40,2-6 1,-3-6 43,-2-4 1,-5-3-451,0-2 0,0-6-54,4-4 1,8 2-1201,3-1 1670,3-1 0,1-10 0,1-3 0</inkml:trace>
-  <inkml:trace contextRef="#ctx0" brushRef="#br1" timeOffset="3635">4175 102 11306,'28'9'231,"-4"1"0,2 0-82,-6 5 366,0-1-260,1 8 1,-6 7-194,-1 10 1,1 12 75,-5 8 1,3 8 8,2 11 0,-1-1-169,1 6 1,0 2 180,-1 8 1,1 5-62,-8-44 1,1 0 0,-1-4 0,0-1 94,1 3 0,-1-1 1,6 44-123,-3 3 0,-3-11 73,-7 1 0,-9-18-180,-5-6 0,-8-9-280,-7-6 0,-7-3-357,-3 3 0,-5-5 324,-5-5 0,-3 4-600,-7-4 1,-10 2 52,1-2 0,-8 3 896,8-2 0,-1 5 0,-4 3 0,-7-1 0,-5 2 0</inkml:trace>
-</inkml:ink>
-</file>
-
-<file path=ppt/ink/ink132.xml><?xml version="1.0" encoding="utf-8"?>
-<inkml:ink xmlns:inkml="http://www.w3.org/2003/InkML">
-  <inkml:definitions>
-    <inkml:context xml:id="ctx0">
-      <inkml:inkSource xml:id="inkSrc0">
-        <inkml:traceFormat>
-          <inkml:channel name="X" type="integer" min="-2.14748E9" max="2.14748E9" units="cm"/>
-          <inkml:channel name="Y" type="integer" min="-2.14748E9" max="2.14748E9" units="cm"/>
-          <inkml:channel name="F" type="integer" max="32767" units="dev"/>
-        </inkml:traceFormat>
-        <inkml:channelProperties>
-          <inkml:channelProperty channel="X" name="resolution" value="1000" units="1/cm"/>
-          <inkml:channelProperty channel="Y" name="resolution" value="1000" units="1/cm"/>
-          <inkml:channelProperty channel="F" name="resolution" value="0" units="1/dev"/>
-        </inkml:channelProperties>
-      </inkml:inkSource>
-      <inkml:timestamp xml:id="ts0" timeString="2020-05-06T14:35:00.278"/>
-    </inkml:context>
-    <inkml:brush xml:id="br0">
-      <inkml:brushProperty name="width" value="0.11429" units="cm"/>
-      <inkml:brushProperty name="height" value="0.11429" units="cm"/>
-    </inkml:brush>
-  </inkml:definitions>
-  <inkml:trace contextRef="#ctx0" brushRef="#br0">587 292 17055,'15'-16'-2090,"0"-4"726,-7 4 939,-2-5 1,-6 11-308,0 0 668,0 1 1,-6-5-63,-4 5 0,-8 2 378,-2 7 0,-6-5-345,2 0 0,-4 0 330,-1 5 0,3 0 113,-4 0 0,4 0 96,-8 0 1,-2 7 60,1 3 0,-4 3-175,5 2 1,-5 1-146,4 3 1,3-1-422,7 7 0,2-5 88,4 4 1,7-1-294,-2 1 0,9 3-76,0-8 0,10 6 55,5-6 1,4-1 287,6-8 0,4 1 184,11-6 0,-3 0 111,8-5 1,-6 0 58,5 0 1,-5 0 75,6 0 0,-8-6 20,3-4 1,0-3 61,0-2 0,-3-1-129,-7-4 1,1 2-260,-6-6 0,4-1-173,-4-4 1,-2 6-113,-8 3 0,-4-1-238,-6 2-470,0-1 435,0 5 286,-6 7 0,-3 2 532,-5 6 1,4 4-44,0 1 1,2 7-66,-2-2 0,-1 3-151,6 1 0,0-4 86,5 0 0,0 0-55,0 4 0,0 1 49,0 0 0,1-2-47,4-3 0,4 1-76,5-6 0,1 5 60,0-5 1,6 5 127,3-6 0,-1 6 49,2-5 0,-2 2 167,1-2 1,2-4 103,-6 4 1,4 2-1,-4-2 0,4 4-115,-4-4 0,-5 7-317,-5-3 0,-1 0-63,6 0 1,-7 1-245,-3 5-32,-3 0 1,-2-1-480,0 1-70,0-7 63,0 5 405,0-11 410,-7 4 1,4-10 13,-7-1 0,7-7-71,-2 2 1,-2-3 139,3-1 1,-1-6-2,5 0 1,0-4-24,0 4 0,6-4 84,4 4 0,3-6 66,2 2 0,1-3-308,4 3 0,-2-2 92,6 6 1,-1-3-85,1 9 1,4-4-48,-3 8 0,3 3 41,1 2 0,-1 4 355,-4 1 1,10 6 0,-3 3-1</inkml:trace>
-  <inkml:trace contextRef="#ctx0" brushRef="#br0" timeOffset="576">1646 263 11904,'9'-5'-500,"1"0"253,-7-6 1,6 4 588,-4-3-492,-4-3-100,6 5 355,-7 0-684,0 2-167,0 6 823,-7 0 1,-1 0 68,-7 0 1,1 1-14,-1 4 0,-1 3-190,-4 7 0,4 0 134,-4-1 1,4 3-93,1 2 0,0-1 37,1 7 1,1-6-3,3 6 0,-2-2-295,7 1 1,0-1 67,5-3 0,0-4 29,0 4 0,7-9 145,3-1 0,3-7 101,2 2 1,-1-3 52,1-2 0,0-2-15,-1-3 0,1-3-24,0-7 1,-1 1-26,1-1 0,0-5 26,0 1 0,-6-3-38,1 3 1,-2 2-91,2-2 1,2 3-83,-8 1 0,3 2-120,-2 3 166,-3-3 0,6 11 178,-3-3 1,-4 10-58,4 5 0,2 8 132,-2 2 0,6 6 48,-1-2 0,3 4-128,2 1 1,-4 2 166,4 4 0,-7-3-145,11 8 1,-7-1 70,3 5 0,-1 7-153,-4 2 0,-3-2-20,-2-2 1,-4-3-19,-1-2 1,-13-2-3,-7-2 0,-7-6 94,-8-10 1,-4 1 47,-10-10 0,-5 1-152,-9-11 0,2 0 131,-2-5 1,4-2-378,5-3 0,3-3 174,7-7 0,7-1-209,2-4 1,16 2-79,4-6 1,10-1 22,0-4 1,17 1-191,7 4 0,9-6 466,6 1 0,5-2 39,10-8 1,4 6 0,5-3 0</inkml:trace>
-  <inkml:trace contextRef="#ctx0" brushRef="#br0" timeOffset="1289">2087 263 17819,'0'-16'-4418,"0"-4"2731,0-3 724,0 7 815,0-4 355,-7 12 0,-1 0 108,-7 3 0,-4 10-169,-1 5 1,-1 9-493,1 6 0,4 3 286,-4 1 0,4 0 154,1 1 0,2 4-112,3 0 0,4 6-55,6-6 0,0 5-232,0-5 0,0-1-58,0-8 0,0 1-491,0-7 569,6 1 221,2-12 1,6-3 280,-5-10 1,-1-10-278,-3-9 0,-3-4 23,3-1 0,-3-2 29,-2-4 0,6 3-6,4-7 0,-2 4 67,2-4 1,5 0-43,4-5 0,2 1 112,-1 4 1,-4 3-300,4 7 1,-4 6 393,-1 3 0,0 10 30,-1 6 0,1 8 84,0 6 1,-5 10-199,-1 4 0,-4-1-5,5 2 0,-5 4-106,5 5 1,-7 1-52,2-6 0,-3-4-10,-2-1 0,0-4-152,0 4 1,0-6-368,0 2 193,0-10 509,0-4-260,0-6 0,0-6-105,0-4 1,0-8 123,0-2 1,0-6 5,0 2 1,1 1-79,4-2 0,3 1 145,7-6 1,5 1 151,-1 0 0,6 6-112,-6 3 0,6 4 383,-6 1 0,6 7 64,-6 3 1,3 5 71,-3 5 0,-2 10-275,2 9 0,-2-1-70,-3 1 0,-1 1-77,-3 4 1,2 1-87,-8-1 0,1-4-419,-5-1 1,5-6 90,0 2 1,2 1-406,-2-1 0,-2-1 33,7-4 1,-2-5-338,2-1 1047,3-5 0,1 9 0,9-5 0</inkml:trace>
-  <inkml:trace contextRef="#ctx0" brushRef="#br0" timeOffset="1746">3013 145 12419,'14'-6'-534,"1"3"213,0-7 0,-1 0 317,1-5 1,-5 2 760,0 3-419,-7-3-308,3 5 0,-12 0-47,-4 3 0,-3 4 85,-2 1 1,-4 0-45,-1 0 0,-1 6 9,1 4 0,4 3-136,-4 2 0,2 6-54,-1 3 0,3-1 43,-4 2 0,4-6 67,1 6 1,5-6-334,0 6 0,5-5-66,-4 4 0,5-6 108,-1 2 1,5-4 91,5-1 0,4-1 147,5 1 1,7-7 230,4-3 1,3-3-53,1-2 1,0 0 18,1 0 1,-1-7-5,1-3 1,4-3 3,0-1 1,-4-1 115,-6 0 1,-4 1-161,4-1 0,-6 2 127,2 3 0,-9-1-315,-1 6 519,-7 0-254,10 5 51,-4 6 1,4 2-148,-4 7 1,5 0-9,-5 0 1,-1-1-40,2 1 1,0 0 94,5-1 1,-1-1-94,1-3 0,1 2 49,4-7 1,-4 4-7,4-4 0,1 0-191,-1-5 1,4 0-132,-4 0 1,1 0 119,-1 0 1,-4 0-155,4 0 0,-4-6-127,-1-4 438,-1 3 1,1-6 0,0 5 0</inkml:trace>
-  <inkml:trace contextRef="#ctx0" brushRef="#br0" timeOffset="2009">3718 72 12419,'8'-23'-1920,"0"7"612,-3 6 1107,-3 0 447,5 2 0,-6 3 194,4 10 1,-3 5-392,3 9 0,1-1 23,-1 7 1,6-1-119,-1 6 1,5-1 159,5 1 1,-2 2 48,6-2 1,-4 2-184,4-7 1,1-2 154,4 1 0,0-6-340,1 2 0,-1-4 268,1-1 0,-1-2-214,0-3 0,-1 1-131,-3-6 0,-4 0-16,-6-5 112,-1 0 1,-4-2 177,0-3 1,-7-3 0,4-7-1</inkml:trace>
-  <inkml:trace contextRef="#ctx0" brushRef="#br0" timeOffset="2226">4159 101 12398,'0'-14'-1763,"0"-1"1267,0 0 788,-6 1 0,2 0 55,-5 5 1,-1 2-1,-5 7 1,-1 2 27,-4 3 1,-3 3-107,-6 7 1,-1 6-239,1 3 1,0 6-47,-1 4 0,1-1 136,-1 6 0,3-7-280,2 3 0,2 1-452,4-2 0,4 0 154,0-4 1,2-1-455,8 1 1,0-1 266,5 0 0,2-6 616,3-3 0,3 3 0,7 0 0</inkml:trace>
-  <inkml:trace contextRef="#ctx0" brushRef="#br0" timeOffset="3119">1925 1542 11831,'0'-15'-1648,"5"5"1318,0 1 490,0-1 307,-5-5-196,0 7 105,0 1-373,0 7 79,0 0 1,0 7 118,0 3 0,0 3-318,0 1 1,4 1 160,1 0 0,5 4-137,-5 1 0,6 5 2,-1-6 1,3 1 174,2-6 0,5 3-93,-1 2 1,6-4-178,-6 0 1,7-2 184,-1-8 1,-2 0 168,1-5 1,1-2-135,4-3 0,-6-5-9,-3-9 1,-2-4-188,1-7 1,-7 1 23,2 0 0,-9-6-63,0 1 1,2-5-35,-2 5 0,-2-1 10,-8 6 1,2 6 266,-7 3 1,2 4-66,-2 1 396,-3 7-66,5 2 0,0 12-16,3 4 0,3 3-129,2 2 0,0 4 57,0 1 1,2 6-47,3-1 0,3 2-12,6 3 1,-4 1 53,0 3 1,0-1-102,5 6 0,-1 0-152,1 5 0,1 7 168,4 3 1,-4 5-107,4 4 1,-6 3-1,-4 2 1,-2 2-101,-3-6 1,-3 5-88,3-6 1,-15-1-83,-5-8 1,-4-5 63,-1-9 1,-1-1 102,-4-10 0,-2-3 108,2-11 0,-3-5 74,-1 0 1,1-7 149,4 2 0,3-4-32,6-1 1,0-5 172,0 1 1,6-13-200,-1 3 0,5-6 179,-5 0 1,7 2-148,-2-6 1,3-1-183,2-4 0,7-5-334,3-1 1,9-1 35,6 2 1,3-3-288,1-7 0,2 4 111,3 1 0,-1 6 99,6-1 0,0 3-210,5 2 1,-4 11 164,-1 3 0,-8 10-1464,-2 0 1852,1 4 1,-7 14 0,6 3 0</inkml:trace>
-</inkml:ink>
-</file>
-
-<file path=ppt/ink/ink133.xml><?xml version="1.0" encoding="utf-8"?>
-<inkml:ink xmlns:inkml="http://www.w3.org/2003/InkML">
-  <inkml:definitions>
-    <inkml:context xml:id="ctx0">
-      <inkml:inkSource xml:id="inkSrc0">
-        <inkml:traceFormat>
-          <inkml:channel name="X" type="integer" min="-2.14748E9" max="2.14748E9" units="cm"/>
-          <inkml:channel name="Y" type="integer" min="-2.14748E9" max="2.14748E9" units="cm"/>
-          <inkml:channel name="F" type="integer" max="32767" units="dev"/>
-        </inkml:traceFormat>
-        <inkml:channelProperties>
-          <inkml:channelProperty channel="X" name="resolution" value="1000" units="1/cm"/>
-          <inkml:channelProperty channel="Y" name="resolution" value="1000" units="1/cm"/>
-          <inkml:channelProperty channel="F" name="resolution" value="0" units="1/dev"/>
-        </inkml:channelProperties>
-      </inkml:inkSource>
-      <inkml:timestamp xml:id="ts0" timeString="2020-05-06T14:34:57.981"/>
-    </inkml:context>
-    <inkml:brush xml:id="br0">
-      <inkml:brushProperty name="width" value="0.08571" units="cm"/>
-      <inkml:brushProperty name="height" value="0.08571" units="cm"/>
-    </inkml:brush>
-    <inkml:brush xml:id="br1">
-      <inkml:brushProperty name="width" value="0.11429" units="cm"/>
-      <inkml:brushProperty name="height" value="0.11429" units="cm"/>
-    </inkml:brush>
-  </inkml:definitions>
-  <inkml:trace contextRef="#ctx0" brushRef="#br0">265 1072 8558,'0'-34'0,"0"-1"0,0-1 51,0 2 1,0 3 289,0-3-175,0 9 0,-1-1 71,-4 7 0,1 4 257,-5 5-452,5 0 170,-2 2 0,4 2-123,-3 6-36,4 0 1,-6 1 42,7 4 1,0-2-290,0 7 0,0 0 20,0 5 0,0-1 78,0 1 1,0 5 109,0-1 1,2 9 30,3 1 1,3 3-1,6 7 0,1-2-9,0 2 1,0 4 19,-1-4 1,1 4-49,0 1 1,1-2 50,4-3 1,-2 2-173,6-7 1,-6 4 146,2-9 0,-4 1-361,-1-15 245,6 3 1,-5-17 55,4 4 0,-5-10 2,-6-5 0,-1-4-7,-3-6 0,-1-3 38,5-6 0,-5-2-34,1-4 1,-4 3 60,-1-7 0,5 1-40,0-1 1,0 3 31,-5 6 1,0 1 16,0 0 1,0 1 339,0 3-231,0 11-47,0 7-87,0 7 1,2 7 37,2 3 1,0 4 56,6 6 1,-2 1-56,1 4 1,5 2 110,-5-2 1,4 3-31,2 1 1,0 7-4,0 3 0,-1-1-20,1 1 1,0 7 30,-1 8 0,-1 3-150,-3 1 0,2 6 109,-7 0 0,-2 6-120,-8-1 0,-5-6 94,-10-4 0,-4-7-175,-10-7 1,-10-8 26,-10-3 0,1-9 25,0-6 0,-1-4-2,-5-5 0,2-3-10,3-7 0,-2-9-93,7-5 0,5-8 131,5-7 1,6 0-140,-1-1 1,11-1 120,8-3 0,7 1-167,8-6 0,0 0 72,0-5 0,13-2-157,7-3 1,6 2 124,3-7 0,9 5-135,6-5 0,0 8 123,5 2 1,-1 11 7,1 9 1,-2 8-139,7 1 1,-7 2 136,2 8 0,2 2-239,-2 8 0,1-2 129,-1 7 0,-3-2-316,3 2 592,-3 3 0,5-5 0,1 6 0</inkml:trace>
-  <inkml:trace contextRef="#ctx0" brushRef="#br1" timeOffset="604">1 513 9438,'0'-14'-388,"0"-1"423,0 0 164,6 1 0,-4 4-73,3 0 1,-4 5 107,-1-5 1,5 5-164,0-4 1,7 4 176,-3-5 0,4 5-507,2-5 1,5-1 164,-1-9 0,7 2-28,-1-6 0,3-1 162,1-4 0,-4-1-140,-1 1 0,1 0 104,4-1 0,-5 1 23,1-1 1,-7 8 310,2 2-290,-4 4 0,-1 8 32,-1 3 1,-4 10 25,0 4 0,-2 11-4,2 4 0,3 4-19,-3 2 0,3 4 4,1 0 1,-4 7-99,0-2 0,0-1 81,5 1 0,-1-1-232,1 1 1,-5-2 108,0-2 1,-6-4-434,6 3 0,-7-8 91,2-1 0,-3-8-76,-2 3 1,2-8 473,3-3 0,3 1 0,6 5 1</inkml:trace>
-  <inkml:trace contextRef="#ctx0" brushRef="#br0" timeOffset="1048">1720 1131 8570,'0'-15'0,"0"0"-187,7 7 114,-5-5 1,4 10 163,-6-7 1,7 7-10,2-2 1,0 2-118,0-2 1,6 3 106,5-3 0,1 4-298,-2 1 1,4 0-80,7 0 1,-1 0-376,1 0 680,-1 0 0,7 0 0,1 0 0</inkml:trace>
-  <inkml:trace contextRef="#ctx0" brushRef="#br1" timeOffset="1261">1794 1381 14591,'8'-10'-621,"-3"0"0,3 5 1164,2-5 1,-2 5-128,2-4 1,-5 5-827,5 0 0,-1-3 285,6 2 0,1 0-1021,4 5 1,-2 0 1119,6 0 0,7 7 0,7 1 1</inkml:trace>
-</inkml:ink>
-</file>
-
-<file path=ppt/ink/ink134.xml><?xml version="1.0" encoding="utf-8"?>
-<inkml:ink xmlns:inkml="http://www.w3.org/2003/InkML">
-  <inkml:definitions>
-    <inkml:context xml:id="ctx0">
-      <inkml:inkSource xml:id="inkSrc0">
-        <inkml:traceFormat>
-          <inkml:channel name="X" type="integer" min="-2.14748E9" max="2.14748E9" units="cm"/>
-          <inkml:channel name="Y" type="integer" min="-2.14748E9" max="2.14748E9" units="cm"/>
-          <inkml:channel name="F" type="integer" max="32767" units="dev"/>
-        </inkml:traceFormat>
-        <inkml:channelProperties>
-          <inkml:channelProperty channel="X" name="resolution" value="1000" units="1/cm"/>
-          <inkml:channelProperty channel="Y" name="resolution" value="1000" units="1/cm"/>
-          <inkml:channelProperty channel="F" name="resolution" value="0" units="1/dev"/>
-        </inkml:channelProperties>
-      </inkml:inkSource>
-      <inkml:timestamp xml:id="ts0" timeString="2020-05-06T14:35:05.560"/>
-    </inkml:context>
-    <inkml:brush xml:id="br0">
-      <inkml:brushProperty name="width" value="0.08571" units="cm"/>
-      <inkml:brushProperty name="height" value="0.08571" units="cm"/>
-    </inkml:brush>
-  </inkml:definitions>
-  <inkml:trace contextRef="#ctx0" brushRef="#br0">89 74 8546,'0'-14'0,"0"-1"0,0 0-955,0 1 294,0 5 1135,-7 3 0,1 14-72,-4 7 1,-3 6-127,3 8 0,2 7-96,-2 4 0,5 9 11,-4 4 0,5 3-137,-1-2 0,4 8 95,1-3 1,3 11-113,7 3 0,0 1-71,9 4 1,3-3-114,-3-1 0,1-7-95,-6-3 0,-1-17-84,-3-8 1,-3-8 22,-7-6 1,-2-11-137,-3-9 1,2-3-62,-7-2 0,0-11-182,-4-4 682,-1-10 0,-6-4 0,-2-9 0</inkml:trace>
-</inkml:ink>
-</file>
-
-<file path=ppt/ink/ink135.xml><?xml version="1.0" encoding="utf-8"?>
-<inkml:ink xmlns:inkml="http://www.w3.org/2003/InkML">
-  <inkml:definitions>
-    <inkml:context xml:id="ctx0">
-      <inkml:inkSource xml:id="inkSrc0">
-        <inkml:traceFormat>
-          <inkml:channel name="X" type="integer" min="-2.14748E9" max="2.14748E9" units="cm"/>
-          <inkml:channel name="Y" type="integer" min="-2.14748E9" max="2.14748E9" units="cm"/>
-          <inkml:channel name="F" type="integer" max="32767" units="dev"/>
-        </inkml:traceFormat>
-        <inkml:channelProperties>
-          <inkml:channelProperty channel="X" name="resolution" value="1000" units="1/cm"/>
-          <inkml:channelProperty channel="Y" name="resolution" value="1000" units="1/cm"/>
-          <inkml:channelProperty channel="F" name="resolution" value="0" units="1/dev"/>
-        </inkml:channelProperties>
-      </inkml:inkSource>
-      <inkml:timestamp xml:id="ts0" timeString="2020-05-06T14:35:05.811"/>
-    </inkml:context>
-    <inkml:brush xml:id="br0">
-      <inkml:brushProperty name="width" value="0.08571" units="cm"/>
-      <inkml:brushProperty name="height" value="0.08571" units="cm"/>
-    </inkml:brush>
-  </inkml:definitions>
-  <inkml:trace contextRef="#ctx0" brushRef="#br0">119 162 8546,'14'-36'0,"6"5"56,-1-3 1,6 10 202,-5 4 0,6 10-353,-2 5 1,2 4 68,-1 1 1,3 1-133,-4 4 0,9 3 165,1 7 0,0 5-54,-4-1 1,-1 7 158,1-1 1,-1-2 9,0 1 1,-1 6-84,-3 4 0,-4 0-33,-7-4 1,-5-1 47,-4 0 1,-10 4 17,-5-4 0,-11 4-16,-9-8 0,-12-4 18,-12-2 0,-5 3-166,-5-3 0,-1-1 137,-4-8 0,2 3-1250,4-3 1030,2 3 1,3 2 0,7-1 0</inkml:trace>
-</inkml:ink>
-</file>
-
-<file path=ppt/ink/ink136.xml><?xml version="1.0" encoding="utf-8"?>
-<inkml:ink xmlns:inkml="http://www.w3.org/2003/InkML">
-  <inkml:definitions>
-    <inkml:context xml:id="ctx0">
-      <inkml:inkSource xml:id="inkSrc0">
-        <inkml:traceFormat>
-          <inkml:channel name="X" type="integer" min="-2.14748E9" max="2.14748E9" units="cm"/>
-          <inkml:channel name="Y" type="integer" min="-2.14748E9" max="2.14748E9" units="cm"/>
-          <inkml:channel name="F" type="integer" max="32767" units="dev"/>
-        </inkml:traceFormat>
-        <inkml:channelProperties>
-          <inkml:channelProperty channel="X" name="resolution" value="1000" units="1/cm"/>
-          <inkml:channelProperty channel="Y" name="resolution" value="1000" units="1/cm"/>
-          <inkml:channelProperty channel="F" name="resolution" value="0" units="1/dev"/>
-        </inkml:channelProperties>
-      </inkml:inkSource>
-      <inkml:timestamp xml:id="ts0" timeString="2020-05-06T14:35:06.319"/>
-    </inkml:context>
-    <inkml:brush xml:id="br0">
-      <inkml:brushProperty name="width" value="0.11429" units="cm"/>
-      <inkml:brushProperty name="height" value="0.11429" units="cm"/>
-    </inkml:brush>
-  </inkml:definitions>
-  <inkml:trace contextRef="#ctx0" brushRef="#br0">456 84 14342,'15'-15'-753,"-1"0"0,-5 0-8,-4 1 1,-4 4-236,-1 0 1056,0 7 1,-11 1 388,-4 7 1,-14 11-48,-1-1 1,-2 10-149,2-1 0,-4 6-120,0 4 0,-6 3-117,6 8 1,0 5 142,4 4 0,-2 3-67,2 2 0,-1 11 62,12 4 1,1 3-789,8-4 0,3 1 401,7-1 0,4 4 313,5-4 1,8-3-135,12-11 0,1-11-75,-1-4 0,0-10-58,1 0 0,-1-9 173,1-6 0,-6-2-460,1-3 0,-3-4 261,3 0 0,-2-7-795,-4 2 1130,-2-3 1,10-9-1,-4-1 1</inkml:trace>
-</inkml:ink>
-</file>
-
-<file path=ppt/ink/ink137.xml><?xml version="1.0" encoding="utf-8"?>
-<inkml:ink xmlns:inkml="http://www.w3.org/2003/InkML">
-  <inkml:definitions>
-    <inkml:context xml:id="ctx0">
-      <inkml:inkSource xml:id="inkSrc0">
-        <inkml:traceFormat>
-          <inkml:channel name="X" type="integer" min="-2.14748E9" max="2.14748E9" units="cm"/>
-          <inkml:channel name="Y" type="integer" min="-2.14748E9" max="2.14748E9" units="cm"/>
-          <inkml:channel name="F" type="integer" max="32767" units="dev"/>
-        </inkml:traceFormat>
-        <inkml:channelProperties>
-          <inkml:channelProperty channel="X" name="resolution" value="1000" units="1/cm"/>
-          <inkml:channelProperty channel="Y" name="resolution" value="1000" units="1/cm"/>
-          <inkml:channelProperty channel="F" name="resolution" value="0" units="1/dev"/>
-        </inkml:channelProperties>
-      </inkml:inkSource>
-      <inkml:timestamp xml:id="ts0" timeString="2020-05-06T14:35:06.706"/>
-    </inkml:context>
-    <inkml:brush xml:id="br0">
-      <inkml:brushProperty name="width" value="0.08571" units="cm"/>
-      <inkml:brushProperty name="height" value="0.08571" units="cm"/>
-    </inkml:brush>
-  </inkml:definitions>
-  <inkml:trace contextRef="#ctx0" brushRef="#br0">1 162 8468,'0'-14'-663,"0"6"0,4-6 545,1 5 0,0 1 995,-5-2-639,0 6 0,2-7 138,3 6-221,-4-6 1,6 7 4,-7-5 1,0 4 144,0-5-129,6 7 0,-2-9-93,6 7 1,-6-1-15,6 1 0,-5 3-194,5-3 0,-5 4 84,5 1 0,-5 0-147,4 0 1,1 5 11,5 0 1,0 6 184,-1-1 1,1 3 41,0 2 0,-1 4-83,1 1 0,5 1 150,-1-1 1,2-4-66,-1 3 1,-4 3-25,4-3 0,-4 1-45,-1-5 1,5 1-110,-1 4 1,1-9-102,-5 4 0,-1-6-102,1 1-13,6 3 0,-5-11 66,4 3 1,-4-4-65,-1-1 0,-5-1 83,0-4 1,-2-3 255,2-7 0,3-6 0,-5-2 0</inkml:trace>
-</inkml:ink>
-</file>
-
-<file path=ppt/ink/ink138.xml><?xml version="1.0" encoding="utf-8"?>
-<inkml:ink xmlns:inkml="http://www.w3.org/2003/InkML">
-  <inkml:definitions>
-    <inkml:context xml:id="ctx0">
-      <inkml:inkSource xml:id="inkSrc0">
-        <inkml:traceFormat>
-          <inkml:channel name="X" type="integer" min="-2.14748E9" max="2.14748E9" units="cm"/>
-          <inkml:channel name="Y" type="integer" min="-2.14748E9" max="2.14748E9" units="cm"/>
-          <inkml:channel name="F" type="integer" max="32767" units="dev"/>
-        </inkml:traceFormat>
-        <inkml:channelProperties>
-          <inkml:channelProperty channel="X" name="resolution" value="1000" units="1/cm"/>
-          <inkml:channelProperty channel="Y" name="resolution" value="1000" units="1/cm"/>
-          <inkml:channelProperty channel="F" name="resolution" value="0" units="1/dev"/>
-        </inkml:channelProperties>
-      </inkml:inkSource>
-      <inkml:timestamp xml:id="ts0" timeString="2020-05-06T14:35:06.894"/>
-    </inkml:context>
-    <inkml:brush xml:id="br0">
-      <inkml:brushProperty name="width" value="0.08571" units="cm"/>
-      <inkml:brushProperty name="height" value="0.08571" units="cm"/>
-    </inkml:brush>
-  </inkml:definitions>
-  <inkml:trace contextRef="#ctx0" brushRef="#br0">323 1 8468,'-9'0'193,"-1"0"1,0 1 134,-5 4 0,1 5 34,-1 10 0,-5 4-251,1 10 0,-6-1 106,6 6 1,-6-4-248,6 4 1,-6 0-135,5 5 1,-2-2-119,7-2 0,-3-4 161,8-7 1,4 0-473,1 1-40,3-7 1,2-7 7,0-6 625,7-7 0,1 4 0,6-7 0</inkml:trace>
-</inkml:ink>
-</file>
-
-<file path=ppt/ink/ink139.xml><?xml version="1.0" encoding="utf-8"?>
-<inkml:ink xmlns:inkml="http://www.w3.org/2003/InkML">
-  <inkml:definitions>
-    <inkml:context xml:id="ctx0">
-      <inkml:inkSource xml:id="inkSrc0">
-        <inkml:traceFormat>
-          <inkml:channel name="X" type="integer" min="-2.14748E9" max="2.14748E9" units="cm"/>
-          <inkml:channel name="Y" type="integer" min="-2.14748E9" max="2.14748E9" units="cm"/>
-          <inkml:channel name="F" type="integer" max="32767" units="dev"/>
-        </inkml:traceFormat>
-        <inkml:channelProperties>
-          <inkml:channelProperty channel="X" name="resolution" value="1000" units="1/cm"/>
-          <inkml:channelProperty channel="Y" name="resolution" value="1000" units="1/cm"/>
-          <inkml:channelProperty channel="F" name="resolution" value="0" units="1/dev"/>
-        </inkml:channelProperties>
-      </inkml:inkSource>
-      <inkml:timestamp xml:id="ts0" timeString="2020-05-06T14:35:07.166"/>
-    </inkml:context>
-    <inkml:brush xml:id="br0">
-      <inkml:brushProperty name="width" value="0.08571" units="cm"/>
-      <inkml:brushProperty name="height" value="0.08571" units="cm"/>
-    </inkml:brush>
-  </inkml:definitions>
-  <inkml:trace contextRef="#ctx0" brushRef="#br0">0 0 8400,'9'0'422,"4"0"-99,-4 0 0,-2 7-17,-2 3 1,-2 3-238,2 1 1,-3 8 85,3 2 0,-4 4-118,-1 1 1,0 2 100,0 4 1,0-3-737,0 7 0,2-6 107,3 1 0,-2 2-176,7-1 1,1-1 666,9-5 0,-4 1 0,5-1 0</inkml:trace>
 </inkml:ink>
 </file>
 
@@ -1579,14 +1526,23 @@
           <inkml:channelProperty channel="F" name="resolution" value="0" units="1/dev"/>
         </inkml:channelProperties>
       </inkml:inkSource>
-      <inkml:timestamp xml:id="ts0" timeString="2020-05-06T14:35:07.666"/>
+      <inkml:timestamp xml:id="ts0" timeString="2020-05-06T14:33:38.916"/>
     </inkml:context>
     <inkml:brush xml:id="br0">
+      <inkml:brushProperty name="width" value="0.11429" units="cm"/>
+      <inkml:brushProperty name="height" value="0.11429" units="cm"/>
+    </inkml:brush>
+    <inkml:brush xml:id="br1">
       <inkml:brushProperty name="width" value="0.08571" units="cm"/>
       <inkml:brushProperty name="height" value="0.08571" units="cm"/>
     </inkml:brush>
   </inkml:definitions>
-  <inkml:trace contextRef="#ctx0" brushRef="#br0">118 30 8438,'0'-15'-1164,"0"7"2376,0 2 1,-1 19-420,-4 6-959,3 1 187,-11 8 1,5-5-257,-7 6 184,7 0 0,-5 6 46,3-1 1,2 2-109,-2-2 0,5-1-239,-4 6 0,5-6 142,-1 1 0,4 0-70,1-4 0,0 2 29,0-7 0,0-4 251,0-1 0,6-10 0,3-4 0</inkml:trace>
+  <inkml:trace contextRef="#ctx0" brushRef="#br0">30 302 10887,'0'-10'-2418,"0"1"2688,0-1 180,0 2-367,0 1 26,-6 20 1,4-1-20,-3 12 1,4-4-51,1 4 1,0 1-291,0 4 1,-5 1 3,0-1 1,0 0 113,5 1 0,0-1-330,0 1 1,0-6 9,0 1 452,6-1 0,-4-1 0,5-2 0</inkml:trace>
+  <inkml:trace contextRef="#ctx0" brushRef="#br0" timeOffset="432">560 390 11679,'14'-14'-929,"-6"6"0,-1 8 1050,-7 9 0,0 4-161,0 2 0,-2 5-88,-3-1 0,2 7 89,-7-1 0,1 3-39,-6 1 0,0 1-119,0-1 1,1-5-372,-1 1 0,2-2 541,3 1 1,-3 4 0,5-5 0</inkml:trace>
+  <inkml:trace contextRef="#ctx0" brushRef="#br1" timeOffset="625">839 170 8496,'14'-11'0,"1"-4"0,0 2 73,0 3 1,-1 7 202,1-2 0,-2 5-859,-3 5 1,-2 3 131,-3 7 0,-3-6 451,2 1 0,5 0 0,-1 5 0</inkml:trace>
+  <inkml:trace contextRef="#ctx0" brushRef="#br1" timeOffset="788">1192 155 8529,'8'-6'0,"5"-2"148,-3-7 411,3 0-517,-5 0 277,5 7-1670,-11 2 827,11 6 524,-12 6 0,12 2 0,-5 7 0</inkml:trace>
+  <inkml:trace contextRef="#ctx0" brushRef="#br1" timeOffset="950">1515 67 8487,'13'-15'-241,"-3"1"1,-2 1 768,-3 3-456,-3 3-798,4 1 491,-6 4 0,0 2-141,0 10 1,5-2 375,0 2 0,13 0 0,-2 4 0</inkml:trace>
+  <inkml:trace contextRef="#ctx0" brushRef="#br1" timeOffset="1054">1750 111 8487,'15'0'-573,"0"0"-72,-1 0 1,1 0 693,0 0 1,-2-1 1314,-4-4-1302,5 3 160,-6-5-1081,0 7 773,-2 0 0,-19 7 0,-3 1 1</inkml:trace>
 </inkml:ink>
 </file>
 
@@ -1606,16 +1562,14 @@
           <inkml:channelProperty channel="F" name="resolution" value="0" units="1/dev"/>
         </inkml:channelProperties>
       </inkml:inkSource>
-      <inkml:timestamp xml:id="ts0" timeString="2020-05-06T14:35:14.570"/>
+      <inkml:timestamp xml:id="ts0" timeString="2020-05-06T14:33:45.728"/>
     </inkml:context>
     <inkml:brush xml:id="br0">
       <inkml:brushProperty name="width" value="0.08571" units="cm"/>
       <inkml:brushProperty name="height" value="0.08571" units="cm"/>
     </inkml:brush>
   </inkml:definitions>
-  <inkml:trace contextRef="#ctx0" brushRef="#br0">1 89 8535,'6'-15'-1010,"-4"6"757,3-1 1,-2 5 2142,2-5-949,-4 7-976,6-10 75,0 11 0,-4-4-250,7 6 1,-6 0 10,6 0 1,-2-2 220,2-3 1,3 3-103,-3-2 0,3 2 2,2 2 0,0 0 38,-1 0 1,6 0 65,-1 0 0,3 0 17,-3 0 0,-1 0 11,7 0 1,-7 0-37,1 0 1,-2 6-24,-3 4 0,1 3 25,0 2 1,-1 0-44,1-1 0,-5 1 40,0 0 0,-2 4-42,2 1 1,3 5 28,-3-6 0,-2 6-1,2-6 1,-1 2 28,6-1 1,0 1-27,-1 4 1,1-2-1,0-4 0,1-1 3,4 7 0,-2-7-245,6 1 0,-6-7 146,2-2 0,-4-1-368,-1 6 1,0-7-198,-1-3-3,1-3 434,0-2 1,-2-7 223,-3-3 0,3-9 0,-5-4 0</inkml:trace>
-  <inkml:trace contextRef="#ctx0" brushRef="#br0" timeOffset="199">750 104 8535,'-14'-15'0,"4"-4"-95,0-1 1,5 2 290,-5 8-3,7 4 0,-5 6 104,3 0 1,2 0-303,-7 0 0,0 6 100,-5 4 1,1 5-103,-1 4 0,-1-1 17,-4 7 1,4-1-79,-4 6 0,-1 4-164,1 0 1,1 1 102,4-6 1,5 5-14,0 1 0,2-1 80,-2-5 1,2-1-238,3-4 1,4 3-50,-4-8 0,3 1-438,2-6 786,0 1 0,7 0 0,1 0 0</inkml:trace>
-  <inkml:trace contextRef="#ctx0" brushRef="#br0" timeOffset="646">956 618 8514,'10'8'-997,"0"-3"1064,-7 4 1,8-6 350,-6 7 0,0-6-134,-5 6-376,7 0 176,-6 5 1,6-1-46,-7 1 0,0 0-42,0 0-190,0-1 118,-7 1 1,6 5 162,-4-1-353,3-6-3,2 0 296,0-5-289,0 1 209,0-3-41,0-6 0,0-1-7,0-4 0,2-4 90,3-5-28,-4-7 1,12-2 11,-3-7 1,8 1 6,2-1 1,-1 1 118,-4 0 0,0 1-73,-1 3 1,1 3 227,0 2 0,-5 5-78,-1 1 1,-4 0 38,5 10 1,-5-1-155,5 5-47,0 0 1,3 6 40,-4 4 0,5 5-17,-5 4 0,-2-1 3,-2 7 0,1-1 8,-1 6 0,5-1-167,-5 0 1,0 1 129,-5-1 0,0 1-236,0-1 0,0 0 143,0 1 0,0-1-898,0 1 978,0-7 0,-7 4 0,-1-4 0</inkml:trace>
+  <inkml:trace contextRef="#ctx0" brushRef="#br0">0 133 8411,'0'-15'-897,"7"-6"747,-5-2 1,9 0 484,-6 4 1,0 7 185,-5 2-93,0 7-617,0-3 0,0 7 97,0 4 1,0 8 248,0 7 0,0 6-68,0-2 1,0 4 138,0 2 0,0 1-117,0 3 0,0 2 0,0 3 1,0 3-53,0-2 1,0 4 19,0 5 0,0-2-138,0 7 0,0-5 151,0 5 1,0 1 73,0 9 0,0-3-118,0 2 0,0-4-37,0-5 0,1 3 21,4-3 1,-1-3 6,5-2 1,-4-5 20,5-5 0,-5 2 0,5-7 0,-7-1-172,2-9 1,-3-3 160,-2-6 1,-2-2-470,-3-3 0,2-3-82,-7-7-81,0 0 1,-5-7 612,1-3 1,-1-3-1,0-2 1</inkml:trace>
 </inkml:ink>
 </file>
 
@@ -1635,24 +1589,15 @@
           <inkml:channelProperty channel="F" name="resolution" value="0" units="1/dev"/>
         </inkml:channelProperties>
       </inkml:inkSource>
-      <inkml:timestamp xml:id="ts0" timeString="2020-05-06T14:35:12.458"/>
+      <inkml:timestamp xml:id="ts0" timeString="2020-05-06T14:33:47.358"/>
     </inkml:context>
     <inkml:brush xml:id="br0">
-      <inkml:brushProperty name="width" value="0.08571" units="cm"/>
-      <inkml:brushProperty name="height" value="0.08571" units="cm"/>
-    </inkml:brush>
-    <inkml:brush xml:id="br1">
       <inkml:brushProperty name="width" value="0.11429" units="cm"/>
       <inkml:brushProperty name="height" value="0.11429" units="cm"/>
     </inkml:brush>
   </inkml:definitions>
-  <inkml:trace contextRef="#ctx0" brushRef="#br0">60 251 8530,'0'-15'0,"-5"0"-159,0 1 0,-2-3 213,2-2 0,2 2 272,-7-2 0,7 7-107,-2 3 0,-1-1-84,1-5 183,0 0 148,5 1-402,0-1 1,0 5 233,0 0-391,6 7 0,3-5-82,5 3 1,-4 3-90,0-3 0,0 4 189,4 1 1,1 0-74,0 0 1,0 1-2,-1 4 1,1-1 28,0 5 0,1-4 195,4 5 1,-7 0-61,6 5 1,-6 4 180,7 1 0,-4 6-159,-1-2 1,-2-1 21,-3 2 1,3-1-35,-3 6 0,3 1 29,1 3 0,1-3-143,0 3 1,-2-3 119,-3-1 0,3-2-279,-3-4 1,3-3-30,1-6 1,1 0-163,0-1 0,-1-1 87,1-3 0,0-3-74,-1-7 0,1 0 426,0 0 0,0-7 0,-1-1 0</inkml:trace>
-  <inkml:trace contextRef="#ctx0" brushRef="#br0" timeOffset="209">442 177 8530,'13'-6'88,"-3"-4"430,3-3 330,-5-2-688,0 7 0,-1 3-173,-7 10 0,-2 5 99,-3 9 1,2-1 32,-7 7 0,2-2-174,-2 1 0,-3 7 67,3-6 1,-1 6-385,1-7 1,-3 4 205,3 1 1,2 1-417,-2-1 1,7-4 198,-2-1 1,-2-4-12,3 4 0,-1-6 394,5 2 0,6-4 0,2-1 0</inkml:trace>
-  <inkml:trace contextRef="#ctx0" brushRef="#br0" timeOffset="654">721 530 7559,'0'-8'712,"0"-5"-634,0 11 0,0-6-300,0 3 199,0 3 2,0-4 0,7 6 35,3 0 0,3 0-7,1 0 1,3-5-10,2 0 1,4 0-41,6 5 1,1 0 156,-1 0 1,1 5-107,-1 0 0,0 5 137,1-5 0,-7 6-112,-4-1 0,-2 3 13,-3 2 0,-4-1-46,0 1 1,-7 0-6,2-1 0,-10 1 22,-5 0 1,-3 0-20,-1-1 0,-3 1-113,-2 0 1,2-1 110,-2 1 0,-1-5-27,5 0 0,-2-2 27,7 2 1,3-2 0,2-3 151,4-4-62,1 6 1,6-7-145,4 0 1,3 0 77,2 0 1,6-2-388,3-3 1,6 2 106,4-7 0,4 2 259,6-2 0,6-9 0,3 2 0</inkml:trace>
-  <inkml:trace contextRef="#ctx0" brushRef="#br0" timeOffset="894">1603 486 8440,'15'-5'-570,"0"0"0,-6 0 801,1 5 0,-5 2 570,5 3 0,-7 5-755,2 9 1,-3 4 17,-2 6 1,0 1-225,0-1 1,0 2 89,0 4 1,0-4-225,0 3 1,0-1-30,0 1 1,-5-8-43,0 3 0,-5-9 117,5 0 1,-6-4 247,1-1 0,-3-1 0,-2 1 0</inkml:trace>
-  <inkml:trace contextRef="#ctx0" brushRef="#br1" timeOffset="1123">2118 236 13453,'14'0'-123,"1"-5"-353,0 0 475,-1 0 0,-4 5-341,0 0 1,-7 2-180,2 3-399,-3 3 830,-2 7 0,0-1 0,0 1 0</inkml:trace>
-  <inkml:trace contextRef="#ctx0" brushRef="#br1" timeOffset="1273">2367 265 11616,'22'-6'-212,"-6"-2"0,5 0-1358,-6 3 1102,0-4 1,-6 8 320,1-4 169,-6 10 0,9 3 0,-5 7 1</inkml:trace>
-  <inkml:trace contextRef="#ctx0" brushRef="#br1" timeOffset="1423">2676 265 14339,'15'0'-945,"0"0"372,-1 0 0,-6-1-348,-3-4 592,-3 3 426,-2-4 0,6 12 1,3 2-1</inkml:trace>
+  <inkml:trace contextRef="#ctx0" brushRef="#br0">0 647 16021,'0'-14'-1953,"7"-1"1,-6 5 966,4 0 1349,-3 7-473,-2-10-45,0 12 1,0 1 203,0 9 0,0 9-2,0 2 0,0 4-429,0-4 0,0 6 542,0-1 1,0 7-220,0 3 1,5-1 70,0-5 1,6 6-80,-1-1 1,0 0-9,5-4 1,-4-1 99,9 0 0,1-6 112,-2-3 1,9-4-23,2-1 0,-1-7 15,5-3 1,-3-12-70,-1-7 0,-1-3-34,0-7 0,-6-6-119,-3-4 0,1-2-6,-1 2 1,4-2-8,-4-3 0,-1 3-2,-4 6 1,-5 1 124,0 0 0,-7 1-268,2 3 505,-3 4-146,-2 13-433,0 1 323,0 21 1,0 0-20,0 11 1,0 4 117,0 1 0,0 1-55,0 8 0,0-3 241,0 8 1,0-7-148,0 12 1,1-5 56,4 10 1,-2 0-71,7 5 0,2 1-63,7 4 1,-2-2 19,2 7 0,-3-5-19,-1 4 1,0-6-131,0 2 1,-7-10 137,-3-5 1,-4-5-120,-1-5 0,-3-5 44,-7-9 1,-1-4-109,-14-6 1,1 0 158,-6-1 0,1-1-180,0-3 1,-6-3 50,1-7 0,-7 0-144,2 0 1,3 0-286,2 0 1,-2-7 174,1-3 1,1-3-764,5-1 1102,6-1 0,-5-6 1,5-2-1</inkml:trace>
+  <inkml:trace contextRef="#ctx0" brushRef="#br0" timeOffset="417">1264 30 22252,'9'-6'-4596,"4"-3"3977,-12 1-740,6 2 811,-7 6 778,0 0 1,0 6-365,0 4 0,0 6 160,0 9 1,0 1-590,0 13 1,0 5 571,0 5 0,6 7-29,4-2 0,3 13 254,2 1 1,0 9-553,-1-3 1,1 1 58,0 8 1,-2-1 161,-3 1 0,-4-1 414,-6-4 0,-6-9-181,-4-1 1,-10-2-405,-4-8 0,-9-2 138,-1-12 0,-7-5-235,2 0 1,-10-4 9,-5 4 1,2-7 11,-2 3 1,5 2-1677,-5 3 2019,6 2 0,-9-1 0,7 0 0,2 3 0,9 2 0,6 3 0</inkml:trace>
 </inkml:ink>
 </file>
 
@@ -1672,7 +1617,7 @@
           <inkml:channelProperty channel="F" name="resolution" value="0" units="1/dev"/>
         </inkml:channelProperties>
       </inkml:inkSource>
-      <inkml:timestamp xml:id="ts0" timeString="2020-05-06T14:35:16.331"/>
+      <inkml:timestamp xml:id="ts0" timeString="2020-05-06T14:33:51.381"/>
     </inkml:context>
     <inkml:brush xml:id="br0">
       <inkml:brushProperty name="width" value="0.08571" units="cm"/>
@@ -1683,14 +1628,8 @@
       <inkml:brushProperty name="height" value="0.11429" units="cm"/>
     </inkml:brush>
   </inkml:definitions>
-  <inkml:trace contextRef="#ctx0" brushRef="#br0">0 354 8545,'8'-15'279,"4"0"142,-7 1-332,0 5 25,-5 3 1,0 7-42,0 4-28,0 10 1,0 13 93,0 6 0,0 9-77,0 1 0,0 3-110,0 12 1,0-8 68,0 7 1,0 3-29,0 2 1,4 6-27,1-5 1,2 4-31,-2-4 0,1 0 134,4-5 1,-2 1 43,-3 4 1,-2-4-43,7 4-619,-6-10 592,2 3 1,-4-10-52,3 7 1,-4-8 66,4-2 1,-3-2-479,-2-7 1,-5-1 56,0-5 136,0-6-667,-1-2 970,4-6-80,-5-7 0,1-1 0,-2-7 0</inkml:trace>
-  <inkml:trace contextRef="#ctx0" brushRef="#br0" timeOffset="2208">618 1000 8357,'6'-14'208,"-4"-1"-110,4 7 1,-6 0 170,0 3 22,7 3-356,-6-4 197,6 12 0,-7 2-103,0 7 1,0 0 75,0-1 0,0 1-44,0 0 1,5 4-36,0 1 1,1 1-31,-1-1 1,3-2 54,7 6 1,0-4 13,-1 4 0,6-6-170,0 2 1,6-4 96,-2-1 1,-1-2-73,2-3 1,-3-4 93,3-6 0,1-6-124,-6-4 1,4-5 95,-4-4 0,4 1-8,-4-7 0,0-1 2,-6-8 0,1 3 24,0-3 0,-6 4 161,1 6 0,-7-2-99,2 6 1,-3-5 74,-2 6 1,-2 4-103,-3 5 0,2 2-39,-7-2 1,6 4 1,-6 6-120,6 0 0,-7 1 140,6 4 1,-5 4-22,5 5 1,1 3 182,4 2 0,-5 4-120,0 6 1,0 1 126,5-1 0,0 6-90,0-1 0,0 8 95,0 2 0,1 2-116,4 8 1,2-2-175,3 2 1,3 8 154,-3-3 0,8 8-41,1-3 0,6 4 336,-6-4 0,-1-5-102,-8-5 1,-3-14-308,-7 0 1,-7-14 88,-3-7 1,-11-7-258,-8-2 1,-2-7-108,-9 2 1,1-10-138,-5-5 0,-7-5-7,-3-4 0,4-4-260,1-6 1,5 4 214,5 1 0,4 1-90,11-2 1,4-1 606,10 6 0,4-6 0,6 3 0</inkml:trace>
-  <inkml:trace contextRef="#ctx0" brushRef="#br0" timeOffset="2846">1544 89 8441,'13'-20'0,"-4"1"0,5-1 175,-13 6 44,12 5 1,-10 3 220,7 6-418,-6 0 50,9 0 0,-10 13-234,7 7 97,-1 6 0,6 10 85,0 3 1,4 5-85,1 5 0,6 3 247,-1 7 0,2 1-78,3 4 1,-6-2-17,1 7 1,-1 4-18,6 6 0,-2-1 36,-4-4 1,-4-3 6,-11-2 0,3-2 6,-7-3 0,0-4-54,-5 4 1,-7-9-115,-3-1 1,-4-6-35,-6 1 0,2-10 85,-6-5 0,6-3-171,-2-2 0,-1-1 111,1-3 1,1-4-488,4-6 0,0-2-494,0-3 144,7 3 893,2-12 0,-1-1 0,-1-8 0</inkml:trace>
-  <inkml:trace contextRef="#ctx0" brushRef="#br0" timeOffset="3249">2720 604 8364,'13'-2'-229,"-4"-3"305,4 3 141,-11-4 0,5 14 285,-7 7 1,-2 8-322,-3 11 1,2 3-51,-7 8 1,0 4-224,-4 0 0,0 8 81,5 1 1,2 3-110,7 8 1,2-3 133,3 3 0,8-4-179,6-6 1,7-7-87,-1-3 1,-4-6-67,-1-9 0,-4-8-118,-1-16 112,-7 3 1,3-13-182,-6 0 0,0-3 504,-5-12 0,-6-3 0,-3-11 0</inkml:trace>
-  <inkml:trace contextRef="#ctx0" brushRef="#br0" timeOffset="3605">2675 530 8356,'10'-31'-447,"0"-3"1,0 9 222,5 1 1,-1 6 608,1 3 0,-5 5 393,0 0-566,-1 7 1,6-3-116,0 6 0,-1 1-169,1 4 1,5 2 110,-1 3 0,7 3 82,-1-4 0,3 4-52,1 2 0,0 0 33,1 0 1,-6 4-38,1 1 0,-6 1-11,6-1 1,-9-2 25,-1 6 0,-2-1-44,-8 1 1,0 3-18,-5-8 1,-13 6-97,-7-6 0,-8 6 132,-6-6 1,-3 1-256,-8-5 1,-4-6 134,0 1 0,0-7-166,5 2 0,0 2-168,0-2 0,7 0-153,2-5 1,6 0 58,4 0 493,-2-7 0,10-1 0,-4-7 0</inkml:trace>
-  <inkml:trace contextRef="#ctx0" brushRef="#br1" timeOffset="3947">3734 295 10231,'29'-23'-447,"-6"-5"1,-2 12-780,-6-4 627,-7 11 1626,-1 2-690,-14 7 1,-1 2 28,-7 3-231,-6 3 0,-3 11-79,-11 1 0,3 6 75,-8-2 1,6 4 1,-5 2 0,0 1-35,-5 3 1,4 4-48,1 6 1,2 3 67,-3 7 0,0 3-268,5 17 1,8-4-212,7 8 0,10-3 97,5-1 0,4-2 134,1-4 1,8-6-137,6-13 1,3-1 170,7-14 1,-4-1-19,4-9 0,-4-3-136,4-6 0,-4-5 90,5 0 1,-1-7 157,5 2 0,7 3 0,2 0 0</inkml:trace>
-  <inkml:trace contextRef="#ctx0" brushRef="#br0" timeOffset="4482">3895 986 8531,'23'-7'0,"-1"1"278,-8-4 698,-6 3-871,5 7 1,-11 8-301,3 7 1,-3 2-22,-2 7 0,0 1 148,0 4 1,0-1-88,0-4 0,0 4 136,0-4 1,5-1 263,-1 2 1,8-7-90,-2 1 0,8-4-99,1-5 0,2 1 60,-1-6 1,-4 0-36,4-5 0,1-2-48,-1-2 1,4-6 67,-4-10 1,0 2-162,-6-6 1,6-1 29,-1-4 1,1-5-101,-5-1 0,-1-4 94,1 5 0,0-1-5,0 6 0,-6 1-8,1 4-2,-7 3-32,4 6 1,-9 7 62,-3 3 0,2 10-110,-7 4 0,5 11 175,-4 5 1,4 2 188,-5 3 0,7 6-224,-2 3 1,3-2 8,2 3 1,0 4 54,0 5 1,2 1-58,3-1 0,3 5 191,7 10 1,-1 3-134,1 6 1,0-1 149,-1-3 1,-1 1-119,-3-6 1,-3 3-205,-7-8 0,-2-10-50,-3-15 1,-8-5 74,-7-4 1,-11-6-50,2-9 1,-5-3 127,-1-7 1,-4 0-223,-10 0 0,8-7-29,-3-3 0,8-3-398,-3-1 1,7-1 106,-3 0 0,6-4 27,4-1 1,2-6 506,4 1 0,3-9 0,-6-4 0</inkml:trace>
-  <inkml:trace contextRef="#ctx0" brushRef="#br1" timeOffset="4892">4704 133 9145,'21'0'-118,"4"0"1,-3 0 286,3 0 1,-5 2 410,4 3 0,-6 5-339,2 9 0,-6 4-150,-4 6 0,2 9 17,-8 6 0,8 8 100,-2 12 1,3 3-424,1 6 0,-4 7-2,0 4 1,3 6 63,2-2 1,3 2 30,-8-12 1,-4 0-31,-1-4 0,-5-2 92,-5-4 0,-5-4-32,-9-10 1,-9 3 18,-6-3 1,-7 2-121,2-3 1,-5-2 14,-5-7 0,1 0 81,-6 0 0,-5 7 97,-4 3 0,-4-2 0,1 2 0,-2 2 0,3 1 0,3 2 0</inkml:trace>
+  <inkml:trace contextRef="#ctx0" brushRef="#br0">602 74 8289,'0'-22'-323,"0"2"0,-5 9 984,0 1 1,-8 6-620,-2 0 0,-1 2 41,-8 2 0,-3 2-38,-7 2 1,3 0 103,-3 6 0,-2-6-255,2 6 1,-7-7 12,2 2 0,3-1-11,1 1 1,4-4 82,2 4 1,4-3-470,1-2 276,6 0-67,-3 6 1,11-2-214,0 5 0,7-4 494,-2 5 0,10 0 0,3 5 0</inkml:trace>
+  <inkml:trace contextRef="#ctx0" brushRef="#br1" timeOffset="525">749 486 11073,'0'-8'171,"0"-5"1,-7 11 264,-2-3 0,-6-1-89,-5 1 1,2 0-54,-6 5 1,-6 0 6,-4 0 0,-7 0-258,2 0 1,-5 0 166,-5 0 1,8 0-228,-3 0 1,5 0 233,0 0 0,4 0-173,11 0 1,3 0 197,6 0-94,0-7 91,7 6 64,2-6-338,6 7 166,6 0 1,-3 0-390,7 0 261,-7 0 1,6 0-469,-4 0-157,-4 0-107,6 0-312,-1 0 246,-4 0 1,6 0-846,-3 0 1622,-3 7 1,11-6 0,-5 6 0</inkml:trace>
 </inkml:ink>
 </file>
 
@@ -1710,15 +1649,15 @@
           <inkml:channelProperty channel="F" name="resolution" value="0" units="1/dev"/>
         </inkml:channelProperties>
       </inkml:inkSource>
-      <inkml:timestamp xml:id="ts0" timeString="2020-05-06T14:35:38.572"/>
+      <inkml:timestamp xml:id="ts0" timeString="2020-05-06T14:33:53.024"/>
     </inkml:context>
     <inkml:brush xml:id="br0">
-      <inkml:brushProperty name="width" value="0.11429" units="cm"/>
-      <inkml:brushProperty name="height" value="0.11429" units="cm"/>
-      <inkml:brushProperty name="color" value="#004F8B"/>
+      <inkml:brushProperty name="width" value="0.08571" units="cm"/>
+      <inkml:brushProperty name="height" value="0.08571" units="cm"/>
     </inkml:brush>
   </inkml:definitions>
-  <inkml:trace contextRef="#ctx0" brushRef="#br0">456 250 12831,'0'-21'-905,"0"-4"0,2 4 223,2 2 613,-2-4 0,5 5 455,-7-7 0,0 7-22,0-1 1,5 2-63,-1 3 1,1 4 659,-5 0-797,0 7-250,0-4 200,0 7 1,0 7 35,0 3 0,0 3 68,0 1 0,0 8-51,0 2 0,0 2 41,0-1 0,5 2 34,0-2 0,0 3-47,-5 1 1,0 1-6,0-1 1,0 0-64,0 1 0,0 1 126,0 3 1,0-3-264,0 3 1,0-1 122,0 1 1,0-1-167,0 6 0,0-5-7,0 6 1,-5-6-78,0 5 1,-1-1 138,1 1 1,3 2-17,-3-7 0,4 2 69,1-2 1,0-3-20,0 4 1,0-4-85,0-2 1,0 0 85,0 1 1,-2-1-96,-3 1 1,3-6 102,-2 1 1,2-2 27,2 1 1,0 4-64,0-4 0,0-3-28,0-1 0,0 1-6,0-1 0,0 4 26,0-4 0,0 0-177,0-6 0,0 6 113,0 0 0,0 4 2,0-4 1,0 4 63,0-4 1,0 4 90,0-4 1,0 4-79,0-4 1,0 4 18,0-4 1,0 5-49,0-6 0,0 6 5,0-6 1,0 7 33,0-1 1,0-2-16,0 1 1,0-1 44,0 2 0,0 1-103,0-7 0,0 7-6,0-1 0,0 1-28,0-1 0,0-3 73,0-2 0,0-4-142,0 4 1,0-4 132,0-1 0,0-5-179,0 0 1,0-6 86,0 6 1,0-5-227,0 5 121,0-7 4,0 10 0,0-9-123,0 5 42,0-5 1,0 4-461,0-3 273,0-4-388,0 6 255,0-7-540,0 0 844,-7 0 0,4 0-117,-7 0 0,1-5-243,-6 0 0,-1-6 160,-4 1 1,2-3 503,-7-2 0,1-5 0,-5 1 0,-1-2 0,1 1 0,-1 2 0,1-6 0,1 6 0,4-2 0,1-1 0,3 1 0,4 1 99,-4 4 1,10 0 66,6 0 1,-3 1 470,2-1 1,0 5-219,5 0 0,0 6 129,0-6 1,2 7 269,3-2-12,-4 3-391,12 2-380,-11 0 69,11 0 1,-10 0-133,7 0 0,-5 7-131,5 2 0,-5-1 120,5 2 1,-5 2-73,4 7 1,0-2 54,0 2 0,4 2 150,-3-1 0,2 1-39,-3-1 0,4 1 15,-3 4 0,3 2 45,2-2 1,0 3 16,-1 1 0,1 0-94,0 1 1,0-1 33,-1 1 0,1-1-111,0 0 0,-1-6 59,1-3 1,0-4-13,-1-1 0,-4-2 14,0-3 1,-5-4-16,5-6 1,-5 0 283,4 0-255,-5 0 1,9-5 159,-3 1 0,-2-13-135,2 3 0,-1-4 191,6 3 0,0-5-214,-1 1 1,1-7 3,0 1 1,4 2 66,1-1 1,0-1-17,-6-4 0,1 1-134,0 4 0,1-4 121,4 3 0,-2-3 104,6-1 0,-6 1-123,2 4 1,1-2 59,-1 6 1,-1-4-57,-4 4 1,0 0 7,-1 6 1,-1-1-15,-3 0 0,2 5-184,-8 1 102,1 5 0,-3-2-344,3 6-590,-4-7 392,6 6-357,-7-6 0,-2 7 99,-3 0 1,2 2-854,-7 3 1676,1-4 0,-13 12 0,0-4 0</inkml:trace>
+  <inkml:trace contextRef="#ctx0" brushRef="#br0">485 324 8546,'5'-20'21,"0"1"0,2 1 537,-2 8 441,-4-3-753,6 11 0,-7 2 35,0 10 0,0 9 34,0 6 1,-7 4-35,-3 6 0,2-3-166,-2 8 0,5-1 200,-4 5 0,4 0-778,-5 0 1,7 0 150,-2 0 0,3 7 60,2 3 1,0-2 110,0 2 1,7-2-22,3 2 1,3 3-142,1-3 0,-1-8 74,-3-2 1,2-11-453,-8-4 110,1-6 178,-5-15 1,-6-3-7,-4-10 0,-3-8-12,-2-7 0,-4-6 411,-1 2 0,-1-4 0,1-1 0,4-6 0,-4 1 0,-3-7 0,1 4 0</inkml:trace>
+  <inkml:trace contextRef="#ctx0" brushRef="#br0" timeOffset="254">147 206 8434,'7'-44'-394,"1"6"424,7 4 0,6 10 252,3 4 0,6 4 5,4 1 0,-3 7-30,3 3 1,2 3-72,-1 2 0,1 7-159,-2 3 1,-3 3-115,3 1 1,-3 3 213,-1 2 0,-1-1-66,0 7 1,-4-1 32,-1 6 1,-6-4-40,2 3 0,-4-3-9,-1 9 1,-7-4 58,-3-2 2,-3 1-36,-15-1 1,-4 0 6,-12 1 0,-7-6-186,-3 1 0,-10-2 125,-5 1 1,-3-3-457,-2-6 1,0-2 191,0-3 1,0 1-602,1-6 1,1 5 45,3-5 802,10 0 0,8-12 0,6-1 0</inkml:trace>
 </inkml:ink>
 </file>
 
@@ -1738,21 +1677,14 @@
           <inkml:channelProperty channel="F" name="resolution" value="0" units="1/dev"/>
         </inkml:channelProperties>
       </inkml:inkSource>
-      <inkml:timestamp xml:id="ts0" timeString="2020-05-06T14:35:42.220"/>
+      <inkml:timestamp xml:id="ts0" timeString="2020-05-06T14:33:58.002"/>
     </inkml:context>
     <inkml:brush xml:id="br0">
       <inkml:brushProperty name="width" value="0.11429" units="cm"/>
       <inkml:brushProperty name="height" value="0.11429" units="cm"/>
-      <inkml:brushProperty name="color" value="#004F8B"/>
-    </inkml:brush>
-    <inkml:brush xml:id="br1">
-      <inkml:brushProperty name="width" value="0.08571" units="cm"/>
-      <inkml:brushProperty name="height" value="0.08571" units="cm"/>
-      <inkml:brushProperty name="color" value="#004F8B"/>
     </inkml:brush>
   </inkml:definitions>
-  <inkml:trace contextRef="#ctx0" brushRef="#br0">0 44 9759,'7'-14'-268,"-4"6"576,7 3 1,-5 1-151,5-1 1,-1 4 13,6-4 0,0 3-66,-1 2 0,3 2-211,2 3 0,1-4-218,9 4 1,-7-1 134,7 1 1,-1-4-22,6 4 0,-3-3-146,3-2 0,-3 0-237,-1 0 1,-1 0 38,1 0 553,-8 0 0,6 0 0,-5 0 0</inkml:trace>
-  <inkml:trace contextRef="#ctx0" brushRef="#br1" timeOffset="205">59 397 8363,'15'-13'0,"1"3"304,4-9 0,6 4 494,3 5 1,4 4-281,-9 6 1,6 0-158,4 0 1,-3 5-924,3-1 0,-3 8 322,-1-2 0,-1-2-729,1 2 0,4-5 969,0 4 0,0-5 0,-4 2 0</inkml:trace>
+  <inkml:trace contextRef="#ctx0" brushRef="#br0">0 15 9506,'15'0'14,"-7"0"0,4-2 172,-8-3 0,3 4 554,-2-4-179,-3 3-599,4 2 177,-6 0 1,-2 0-549,-2 0-157,2 0-449,-11 0 1012,5 7 0,-7 1 0,0 7 0</inkml:trace>
 </inkml:ink>
 </file>
 
@@ -1772,21 +1704,24 @@
           <inkml:channelProperty channel="F" name="resolution" value="0" units="1/dev"/>
         </inkml:channelProperties>
       </inkml:inkSource>
-      <inkml:timestamp xml:id="ts0" timeString="2020-05-06T14:35:40.981"/>
+      <inkml:timestamp xml:id="ts0" timeString="2020-05-06T14:33:58.681"/>
     </inkml:context>
     <inkml:brush xml:id="br0">
       <inkml:brushProperty name="width" value="0.08571" units="cm"/>
       <inkml:brushProperty name="height" value="0.08571" units="cm"/>
-      <inkml:brushProperty name="color" value="#004F8B"/>
     </inkml:brush>
     <inkml:brush xml:id="br1">
       <inkml:brushProperty name="width" value="0.11429" units="cm"/>
       <inkml:brushProperty name="height" value="0.11429" units="cm"/>
-      <inkml:brushProperty name="color" value="#004F8B"/>
     </inkml:brush>
   </inkml:definitions>
-  <inkml:trace contextRef="#ctx0" brushRef="#br0">30 1234 8186,'0'-17'-510,"0"-2"0,-5 3 214,0-4 1022,0 4-381,5 1 1,0 0-73,0 1 1,0-1-67,0 0 0,0 5 900,0 1-169,0 5-853,0-2-142,0 6-152,0 0 144,0 6 1,0-2 122,0 5 0,0 6 9,0 5 1,2 6-8,3-2 0,-2 4-86,7 1 1,-2 2 88,2 4 1,3-4-148,-3 3 0,3-3 77,1-1 1,1 4-10,0 0 0,1-5-2,4-4 0,-4-2-141,4 1 1,1-4 129,-2-10 0,1 1 3,-5-6 1,3-2 37,-4-8 1,4-4-36,-8-11 1,8 0 57,2-9 0,-1 1-88,-4-11 1,5 0-2,-1-5 0,6 0 110,-6 0 1,3 4 3,-3 1 1,-4 7 83,0-3 1,-1 6-87,-4 4 0,-3 4 182,-3 6-154,-2 7 394,-2 2-411,0 6 0,0 1-172,0 4 0,0-1 113,0 5 1,5 1-29,0 5 0,1 1 89,-1 4 0,-3-2-48,3 6 0,1-4 9,-1 4 1,5 6-20,-5 4 1,5 5 87,-5-4 0,4 7-44,-4 2 0,7 2 37,-2 8 1,-4 0-103,-1 4 1,2-4 54,-3 0 1,1-5-81,-5 5 1,0-7 66,0 2 1,-6-4-89,-4-6 0,-8-3 48,-2-7 1,-6 0-11,2 1 1,-6-7 13,-4-4 1,1-7-3,-6-2 1,5-7-4,-5 2 1,0-5 3,-5-5 0,4-3-21,1-7 1,6-5 22,-1 1 0,5-6-25,4 6 1,6-3 20,9 3 0,-2 2-42,8-2 1,-1 1-10,5-2 0,1 4-7,4-4 0,3-1-42,7 2 1,0-8-181,-1 3 1,8-4-24,2-1 1,4-1 123,1 1 1,6 0-162,-1-1 0,0 1 96,-4-1 0,-1 8-62,0 2 1,-4 4-65,-1 1 0,-4 2-121,4 3 1,-6 3 10,2 7 485,-4 0 0,-1 0 0,0 0 0</inkml:trace>
-  <inkml:trace contextRef="#ctx0" brushRef="#br1" timeOffset="605">0 572 14163,'15'0'-78,"-5"0"2,0 0 1,-5 0 379,4 0 324,-5 0-505,9-6 0,-12 3-361,4-7 322,3 0 1,-4-5-287,6 1 0,-7-6 40,2 0 1,1-1-4,-1 2 1,7-4 70,-3-7 0,4-1 27,2-3 1,1 1-99,4-6 1,-2 5 236,7-5 1,-6 6-216,6-1 0,-7 4 178,1 6 1,-2 2 151,-3 8-113,1 6 0,0 3 60,-1 10 1,-4 8-81,0 6 0,0 7-10,4-1 0,-4 4 7,0 6 1,0-3 11,5 7 0,-2-4-1,-4 4 0,4-5-33,-3 5 0,3-6-221,2 1 1,0-3 46,-1-1 0,-4-7-285,0-4 1,-5-2-844,5-3 458,-7 1 0,5-5-267,-3 0-116,-3-7 1220,4 3 0,-6-6 0,0 0 0</inkml:trace>
+  <inkml:trace contextRef="#ctx0" brushRef="#br0">442 778 8513,'0'-10'265,"0"1"63,0 5 47,0-2-63,0 19-138,0-3-19,-7 17 0,4-2-1,-7 9 1,2-1 3,-2 6 1,-1 2-44,6 8-121,-7-3 138,11 11 0,-6-7-152,7 4 14,0 10 0,2-10-181,3 10 1,-2-6 81,7-4 1,-2-3-183,2-7 0,1-3-121,-6-7-74,0 0 153,-5-24-108,0 3 1,-7-16-1,-2-7 0,-4-1 11,-2-14 1,0-4 107,1-5 318,-1-7 0,-6-3 0,-2-9 0</inkml:trace>
+  <inkml:trace contextRef="#ctx0" brushRef="#br0" timeOffset="247">162 808 8460,'0'-30'0,"7"1"-792,3-1 1,4 3 407,6 2 1,3-1 595,6 6 0,-3 1 106,4 4 0,-2 2-84,11 3 0,-7 4-106,3 6 1,1 6 11,-2 4 0,0 5 108,-4 4 1,-7-1-84,-4 7 0,-3-1 76,-1 6 1,-7-1-69,-3 1 0,-5-1-31,-5 0 1,-8 2 17,-6 4 0,-7-9-88,1 3 1,-4-8 3,-6 4 1,-2-7-170,-7 1 0,0-7-31,0-2 1,-1-7 122,1 2 0,-1-3-717,-4-2 1,4 0 717,1 0 0,0-7 0,7-1 0</inkml:trace>
+  <inkml:trace contextRef="#ctx0" brushRef="#br1" timeOffset="964">1632 102 10336,'15'-15'-633,"0"1"1,-5-1-74,-1 0 1404,-5 1 1,2 4-154,-6 0 1,-2 7-439,-2-2-39,-5 10 1,-12 9 38,-3 11 1,-4 4-27,-1 6 1,-6-3-102,1 7 0,-5 2 150,4 8 1,-4 2-121,5 3 0,-5 10 56,4-1 0,-4 7-241,5 4 1,1 4 86,9 1 1,4-3-86,10-7 1,4-4-2,6-6 0,0-2 12,0-3 0,1-8-6,4-7 1,4-11 94,5 1 1,1-4-183,0-1 0,1-4 20,4-10 1,-2 1-257,6-6 0,1 5 244,4-5 1,-5 0 234,1-5 1,6 0-1,7 0 1</inkml:trace>
+  <inkml:trace contextRef="#ctx0" brushRef="#br0" timeOffset="1356">1529 940 8493,'9'-7'-788,"2"4"1652,-6-7-526,0 7-468,1-3 81,-4-1-2,5 5 18,-7-4 0,0 4 77,0-3 1,0 2-8,0-7 1,4 5-45,1-4 0,5 4-8,-5-5 1,6 0-12,-1-5 1,8 1-13,2-1 0,1 2 171,-1 3 0,3-3-103,6 3 0,-6-1 79,-4 1 0,3 3-9,-3 7 1,2 2 8,-1 3 1,-9 3-28,4 7 1,-5 6 13,0 4 1,1 4-10,-6 5 1,5-3-10,-5 4 1,5 1-166,-6-2 0,8 0 156,-2-4 0,3-1-242,1 0 1,1-1-72,0-3 0,1 1-95,4-7 0,1-1 121,4-8 0,-4 1-129,-7-6 1,6 0-199,0-5 1,-2-1 544,-9-4 0,5-3 0,-6-7 0</inkml:trace>
+  <inkml:trace contextRef="#ctx0" brushRef="#br0" timeOffset="1551">2176 793 8042,'-1'-8'409,"-4"3"0,1 3-10,-5 2 1,-3 7 88,-7 3 1,1 9-150,-7 6 0,5 2-269,-4 3 1,1 4-283,-1 0 0,-3 6 142,8-6 0,-1 2-104,6-2 1,-4-3 71,3 3 1,-1-9-581,11-5 0,0-4-500,5-1 44,0-1 1138,0-6 0,6 6 0,3-6 0</inkml:trace>
+  <inkml:trace contextRef="#ctx0" brushRef="#br0" timeOffset="1993">2279 1204 7406,'0'-8'975,"0"2"-601,0-1-213,0 6 11,7-6-85,-6 7 0,7 0 30,-3 0-8,3-6 0,7 2-91,0-6 1,0 7 68,-1-2 1,1-1-91,0 1 0,-1-2 32,1 2 0,0 4-103,-1-4 1,1 3 90,0 2 0,-5 7-7,-1 3 0,-5 3 59,1 1 1,-4 6-47,-1 0 1,0 6 86,0-2 1,-6 4-78,-4 1 1,-1-1 32,1-3 0,-3 2-48,3-2 1,-2 1-1,3-1 0,0-3-20,5-2 0,2-4-14,-3 4 0,3-9 36,2-1 0,2-7-6,3 2 1,3-3-251,7-2 1,1 0 68,4 0 1,3-5-499,6 0 1,7-6 36,3 1 628,4-10 0,1-3 0,0-6 0</inkml:trace>
+  <inkml:trace contextRef="#ctx0" brushRef="#br0" timeOffset="2301">3132 955 8575,'8'-7'1392,"-2"4"-270,-6-7-8,7 7-361,-6-10-2440,6 11 534,-7-4 119,-7 6 1034,-1 6 0,-6 2 0,-1 7 0</inkml:trace>
 </inkml:ink>
 </file>
 
@@ -1806,25 +1741,20 @@
           <inkml:channelProperty channel="F" name="resolution" value="0" units="1/dev"/>
         </inkml:channelProperties>
       </inkml:inkSource>
-      <inkml:timestamp xml:id="ts0" timeString="2020-05-06T14:35:44.070"/>
+      <inkml:timestamp xml:id="ts0" timeString="2020-05-06T14:33:56.092"/>
     </inkml:context>
     <inkml:brush xml:id="br0">
+      <inkml:brushProperty name="width" value="0.11429" units="cm"/>
+      <inkml:brushProperty name="height" value="0.11429" units="cm"/>
+    </inkml:brush>
+    <inkml:brush xml:id="br1">
       <inkml:brushProperty name="width" value="0.08571" units="cm"/>
       <inkml:brushProperty name="height" value="0.08571" units="cm"/>
-      <inkml:brushProperty name="color" value="#004F8B"/>
-    </inkml:brush>
-    <inkml:brush xml:id="br1">
-      <inkml:brushProperty name="width" value="0.11429" units="cm"/>
-      <inkml:brushProperty name="height" value="0.11429" units="cm"/>
-      <inkml:brushProperty name="color" value="#004F8B"/>
     </inkml:brush>
   </inkml:definitions>
-  <inkml:trace contextRef="#ctx0" brushRef="#br0">441 250 8468,'2'-13'-361,"3"3"-451,-3-3 899,11 5 1,-10-5 1069,7 3-846,-7-3 1,5 10-113,-3-7 0,-3 5-66,3-4 0,-4 4 277,-1-5-403,-6 0-1,-2-5 81,-7 1 0,-6 4 9,-4 0 0,2 7-11,-1-2 0,-1 3-159,-4 2 1,-1 2 44,1 3 0,-5 3 104,-1 7 1,1 1-109,5 4 1,1 4 93,3 10 0,-1-3-90,7 4 1,4 1 4,5-2 0,7 0 0,-2-4 0,3-1-7,2 0 1,7-6-6,3-3 0,8-4-93,1-1 1,7-7 112,-1-3 1,3-3-156,1-2 0,1-5 81,-1 0 0,0-12-1,1 3 0,-1-6 56,1 1 1,-3-6-10,-2-9 0,1 3 100,-6-4 0,-1 3-104,-4-2 1,-5 7 128,-1-2 0,-5 4-102,1 1 0,-4 8 426,-1 6-211,-6 7-179,-2-4 1,-2 9 104,0 3 0,7 3 9,-2 6 0,3 6-69,2 0 0,0 1 6,0-2 1,2 3-78,3 2 0,3 2 65,7-6 1,-1 4-134,1-4 1,1 5 121,4-6 1,-2 1-124,6-6 0,-4 1-9,4 0 1,-6-5-180,2-1 1,-4-5-54,-1 1 20,0-4 1,-2-2-155,-3-4 1,-4 1-307,-6-5 359,7-1 0,-6-5 15,4 0 0,-3 6 302,-2-1 0,0 0 85,0-5 0,0 6 0,0-1 118,0 0 68,0-5 136,0 1-173,0 5 0,1-2 288,4 6 0,-1 0-93,5 5 0,0 2 57,0 3 1,4 1-114,-3 4 1,5 3-38,5-3 1,-4 5-65,3 4 1,-2-2 2,-3 2 0,-4-3-157,0-1 1,-2-5 186,2 0-212,3 0 0,-11-1 171,3 1-68,-4-7 1,-1 2-53,0-10 1,-6 2-149,-4-7 1,2-4-164,-2-6 1,2-4 91,-2 4 0,-1-6 39,6 1 0,0-2 117,5-3 1,0 1-16,0-1 0,6 1-1,4 0 0,5-1 115,4 1 0,-1 4-81,7 1 1,-6 6 6,6-2 0,-2 5-264,1 6 0,2-3-57,-6 7 1,5 0-422,-6 5 1,1 0 287,-6 0 0,1 0 433,0 0 0,0 7 0,-1 1 0</inkml:trace>
-  <inkml:trace contextRef="#ctx0" brushRef="#br1" timeOffset="726">1676 265 9954,'10'0'-93,"0"0"0,-5-5-19,4 0 159,1 0 129,-2-1 1,-1 3-70,-7-7-369,0 6 303,0-9 0,-2 7-6,-3-4 1,2-1 67,-7 6 1,1-5-91,-6 5 1,0-5 33,0 5 0,-1-4 5,-4 4 0,4 0 15,-3 5 0,1 0 41,-2 0 0,2 0-61,-6 0 1,6 6 41,-2 4 0,4 3-203,1 2 1,0 4 61,1 1 1,0 6-26,5-1 0,2-2 41,7 1 0,0-4-17,0 4 0,2-8 59,3-1 0,3 0 318,7-5-166,-1-4 1,1 1-51,0-7 0,-1 0-10,1 0 1,0-7-59,-1-3 0,3-4-1,2-6 0,-2 4 15,2-4 0,-2-3-51,-3-1 1,3 1 97,2-2 1,-2 1-114,2-5 0,-4 6 321,-5 3-77,3 4 311,-12 1-513,12 7 0,-11 3 72,3 10 1,-3 8-44,-2 7 1,0 4 24,0-4 1,0 6 10,0-2 1,0 4-42,0 1 1,0 1 193,0-1 1,5 1-111,-1-1 0,8 7 74,-2 3 1,3 4-168,1 1 1,-1 5 86,-3 0 0,3 5-55,-3-5 1,-3 0-218,-2-5 0,-5 0-19,-5 0 1,-10-7 141,-10-2 0,-2-9-97,-3-2 0,-6-11 80,-3 2 1,-8-10-160,-2 0 0,0-3 30,5-2 1,1-7-118,4-3 1,3-8 38,7-1 1,6-6 131,3 6 0,10-8-263,6 3 1,2-4 81,2-1 0,6-1 56,4 1 1,12-2-97,7-3 0,5-2 35,5-3 0,9-2-11,-4 6 1,10-4 8,0 5 0,1-4 173,-1 9 1,-5 0-63,-10 14 1,-3-1-173,-6 11 0,-3 0 64,-2 5 294,-4 6 1,-6 9 0,0 8-1</inkml:trace>
-  <inkml:trace contextRef="#ctx0" brushRef="#br0" timeOffset="2114">2176 192 8337,'0'-15'23,"0"0"1,0-4 183,0-1 621,0 0-139,0 6-705,0-1 1,-2 7 49,-3 3 0,4 10 59,-4 5 1,3 8 102,2 1 1,0 7-9,0-1 0,0 3 9,0 1 0,0 5-107,0 1 0,0-1-101,0-5 1,0 2 103,0 4 1,0-4-172,0 3 1,5-8 78,0-1 1,0-6-269,-5 6 0,5-7-152,0 1-112,0-9 286,-5-3 1,0-16-66,0-5 0,0-3 13,0-7 0,0-6 77,0-4 0,0-7 86,0 2 0,6-3-31,4-2 0,5-2 192,4-3 1,-1 3 36,7-3 0,-6 7 154,6 7 0,-6 4-132,6 17 0,-6-3 0,4 14 0,0 5 189,0 6 1,-3 11 35,4 6 0,-6 4 8,2 6 1,1-4-76,-1 3 1,-6 2-92,-4-2 1,-2 5-73,2-4 1,-3-3-148,-7-7 1,0 1-181,0-6 177,0 6 0,-2-12-242,-3 1 184,3-7 1,-9-9-164,6-4 1,-6-3-50,1-7 1,2-5-55,-2 1 0,7-7 184,-2 1 1,3-3 24,2-1 0,2-2 176,3-3 1,3 2-91,6-2 0,3-2 418,2 2 0,-1 5-183,7 4 0,-6 14 80,6 1 0,-7 7 61,2 3 0,1 6 90,-2 4 0,1 9-150,-5 6 0,-1 3-83,1 1 1,-2 2-137,-3 3 0,1-2 140,-6 2 0,0-3-246,-5-2 0,5 1 42,0-1 1,0-4-146,-5-1 0,0-6-196,0 2 0,0-9-918,0-1 844,0 0 480,0-2 0,6-2 0,3-6 0</inkml:trace>
-  <inkml:trace contextRef="#ctx0" brushRef="#br0" timeOffset="2568">3205 177 8453,'15'-13'-251,"-1"1"251,1-12 0,-7 6 396,-3-2 0,-3 9-124,-2 1 1,0 5-116,0-5-54,0 7 1,-7-3 5,-3 6 1,2 0-43,-2 0 0,1 6-13,-6 4 0,-5 3 141,1 2 0,-1 4-80,5 1 0,1 4-194,-1-4 0,2 6 96,3-1 0,-3 1-220,3-2 1,2 2 19,-2-6 1,5 4 138,-4-4 1,5 0-102,-1-6-53,4 1 166,1-7 1,1-1-16,4-7 1,3-7-207,7-3 1,0-8 130,0-1 1,4-7 129,1 1 0,-1-1-11,-4 2 1,0-4 107,-1 3 1,6 2-89,0-1 1,-6 6 328,-4-2-226,0 4-81,5 8 1,-2 3 228,-4 10 0,3 10-50,-7 9 0,6-1-129,-1 1 0,-2 1-23,2 4 0,-5 1-2,5-1 0,0 1-49,4-1 1,1-5-5,0 1 1,4-7-78,1 2 1,4-4 104,-4-1 1,4-7-470,-4-3 1,1-4 162,-1-1 1,-4-5-421,4 0 1,-6-8 103,-4-1 1,3-1 582,-3-5 0,-3-2 0,-1-1 0</inkml:trace>
-  <inkml:trace contextRef="#ctx0" brushRef="#br0" timeOffset="2947">3661 45 8453,'8'-7'1142,"5"5"-911,-5-4 1,5 7 17,-3 4 0,3 4-21,-3 5 0,-2 6-140,2-1 0,4 8 86,6-3 0,1 4-183,-1 1 0,-2-1-305,6-3 1,1 1 163,4-7 1,-3 6-348,4-6 0,-9 1 224,8-5 1,-4-6-348,-1 1 0,-3-6 175,-6 0 1,-2-4-1,-3-4 0,1-5 445,-6-5 0,7-6 0,-2 0 0,-2-4 0,2 4 0,-2-6 0,2 2 0,1-7 0,-6 1 0,0-2 0,-5 7 0,0-1 197,0 1 1,-7 4 188,-3 7 0,-1 4 227,1 0 1,-8 7-255,4-2 1,-6 10 45,0 4 0,-1 6 74,-3 5 0,-4-2-61,3 6 1,-2 1-410,-3 4 0,1 1 192,-1-1 1,1 0-555,0 1 0,-1 4-44,1 0 0,-1 6-239,1-6 1,4 7 98,1-2 1,0 2-981,-6-2 1517,7-3 0,-5-7 0,6 1 0</inkml:trace>
-  <inkml:trace contextRef="#ctx0" brushRef="#br0" timeOffset="3835">2205 1603 8408,'0'-28'0,"0"3"0,0-2 399,0 2 1,0 2-55,0-1 0,0 11 369,0-2-414,0 10 1,0 0-348,0 10 0,2 3 126,3 7 0,-4 6-34,4 4 1,-3 7-11,-2 3 1,5-1 8,0-5 1,5 6-156,-6-1 0,6 5 9,-5-5 0,7-4 7,-3-6 0,4-1 162,2 2 0,0-4-138,0-6 0,-6-7-4,1-3 0,0-4-91,5-1 0,-2-13 95,-3-6 1,3-9-128,-4-6 0,0 1 161,0-6 1,0-5-15,0-5 1,4 0 37,-3 5 1,3-5-57,2 0 0,-2 1 275,-3 9 0,1 5 16,-6 9 1,0 4 570,-5 6-631,7 7 0,-6 3-143,4 10 0,-3 5 132,-2 10 1,1 2-20,4 8 1,-1-1 148,5 1 1,-4 6-140,5 3 1,-5 3 112,5 2 0,-2 0-109,2 0 0,3 2-11,-3 3 1,8 3 62,1 7 0,2 2 138,-1 2 1,-4 4-365,4 7 0,-10-2 51,-5-4 1,-4-2-98,-1-8 1,-8 1 44,-7 0 0,-11-12-378,-8-3 1,-7-9 90,2-1 1,-5-5-34,-5-4 0,-2-5 35,-3-11 1,4-2-103,6-7 1,4-7 31,1-2 0,13-6 174,2-5 0,6-4 116,3-11 1,7 3-114,3-7 0,5-1 286,5-4 1,5 0-40,9 0 0,4-2-117,6-3 1,6 5 101,-1 0 0,7 2 188,-2 7 1,10-1-32,5 2 0,-2 8 95,2-3 0,0 9-158,5 0 1,1 9-67,4 1 0,-12 7-490,-3-2 1,-5 3 90,-9 2 1,-8 0-487,-7 0 832,-10 0 0,-4 0 0,-6 0 0</inkml:trace>
+  <inkml:trace contextRef="#ctx0" brushRef="#br0">147 263 11257,'10'0'-1057,"0"0"1863,-7 0-297,4 0-267,-7 7 1,-2 7 176,-3 11 1,-3 9-221,-7 5 0,0 10-384,1 5 0,-3 5 203,-2 5 0,3 3 26,-4 6 1,4 1-361,1-1 0,7 1 44,3-1 0,3-12-84,2-7 0,0-14 148,0-5 0,0-4-226,0-2-729,0-6 443,7-2-853,1-6 1573,7-7 0,6-1 0,2-7 0</inkml:trace>
+  <inkml:trace contextRef="#ctx0" brushRef="#br1" timeOffset="574">412 866 8360,'8'0'52,"5"-7"218,-5 6 1,2 1-15,0 10 1,-7 4-100,2 6 1,-3 3-8,-2 6 0,0 1-190,0-1 0,0 0 5,0 1 0,0-1 120,0 1 0,1-3-132,4-2 0,-2-2 156,7-4-206,0-9 0,5 3 95,-1-13 1,3-2-43,2-2 0,-2-6 19,2-10 0,-7-4-124,-3-11 1,1 3 77,5-7 1,-2 4-172,-3-4 0,1 1 159,-6-1 1,5 2 21,-5 2 1,0 6 309,-5 0-234,0 6 8,0 15 1,0 3 39,0 10 1,0 9 176,0 11 1,0 3-58,0 1 0,0 2 61,0 3 0,0-1 20,0 6 1,0 0-76,0 5 0,6-4 67,4-1 1,-2 5-107,2 5 1,-5 2-105,5-2 1,-2 3 81,2 7 1,1-6-5,-6 1 1,0-1-60,-5 1 1,-2-5-181,-3-10 0,-4 2 20,-11-7 1,-4-1 79,-11-9 0,-2 1-166,-7-11 0,-1 3-116,1-13 1,4 6-128,-5-5 0,11 0 40,-5-5 1,3 0-250,7 0 1,-4-2 104,8-2 1,4-3 118,2-3 0,4-3 409,5 3 0,-9-9 0,2-4 0</inkml:trace>
+  <inkml:trace contextRef="#ctx0" brushRef="#br0" timeOffset="1184">1161 43 9934,'15'-15'-1559,"0"7"1617,0-5 665,-1 11 0,-6-3-385,-3 10 0,-3 3-452,-2 7 1,5 5 38,0-1 0,0 6 145,-5-6 0,0 8 24,0-3 1,0-1 45,0 1 0,0 1 104,0 4 0,0 6-144,0-1 0,0 2-46,0-2 0,0 2 134,0 3 0,5 4 10,-1-4 1,8 8 162,-2 2 0,-2 2-161,2-2 1,-7-2-249,2 7 1,-4 0 138,-1 5 0,-1 0-192,-4-1 0,-3 1 39,-7 0 0,-5 0 44,1 0 0,-2-2-209,1-3 0,4-5 121,-4-10 1,2 2 186,-2-7 1,4 0-104,-3-4 1,2-7 28,3-4 0,4-3 2,0-1 1,0-5-90,-5 0-16,1-7 0,-1 4-255,0-7 1,1 0 132,-1 0 0,2-2-596,3-3-211,-3 3 0,11-6 1037,-3 3 0,4 4 1,1-6-1</inkml:trace>
 </inkml:ink>
 </file>
 
@@ -1844,17 +1774,21 @@
           <inkml:channelProperty channel="F" name="resolution" value="0" units="1/dev"/>
         </inkml:channelProperties>
       </inkml:inkSource>
-      <inkml:timestamp xml:id="ts0" timeString="2020-05-06T14:36:04.006"/>
+      <inkml:timestamp xml:id="ts0" timeString="2020-05-06T14:33:54.808"/>
     </inkml:context>
     <inkml:brush xml:id="br0">
+      <inkml:brushProperty name="width" value="0.11429" units="cm"/>
+      <inkml:brushProperty name="height" value="0.11429" units="cm"/>
+    </inkml:brush>
+    <inkml:brush xml:id="br1">
       <inkml:brushProperty name="width" value="0.08571" units="cm"/>
       <inkml:brushProperty name="height" value="0.08571" units="cm"/>
-      <inkml:brushProperty name="color" value="#004F8B"/>
     </inkml:brush>
   </inkml:definitions>
-  <inkml:trace contextRef="#ctx0" brushRef="#br0">236 839 8558,'0'-9'-1836,"2"1"2845,3 3-52,-4 4-402,6-6 1,-7 9-46,0 3 1,0 3-103,0 7 0,-5 1-162,0 4 1,-2 2 31,3 8 1,0 4-26,-6 0 0,7 7-30,-2-2 1,2 7-167,-2 8 1,3 0 120,-2 10 0,2-2-39,2 1 0,0 1-160,0 10 1,5-12 96,0 1 0,5-2-161,-6-7 1,1-4 123,-5-1 0,0-5-213,0-4 0,0-5-14,0-5 0,0-6 11,0 1 0,0-7-299,0 1 1,0-2 176,0-3 1,0-4-795,0 0 350,0-7-606,0 4 348,0-7 1001,0 0 0,0-13 0,0-4 0</inkml:trace>
-  <inkml:trace contextRef="#ctx0" brushRef="#br0" timeOffset="617">30 809 7215,'0'-15'526,"0"1"324,0-1-420,-6 7 1,4-5-72,-3 3-27,4 4-58,1-8-315,0 6-8,0-6 169,0-1 0,1 2-75,4 3 1,8-1 52,7 6 1,8 0-1,1 5 1,2-2-53,8-3 1,5 4 2,5-4 1,7 5 85,-2 5 0,-2 3-27,2 6 0,-2 3-3,2 2 0,-5-1-1,-10 7 0,-1-1-90,-4 6 0,-9 1 173,-1 3 0,-8-3 167,-6 3 1,-3 2-225,-7-1 0,-2-1-47,-3-5 1,-10-1-104,-9-3 0,-5 1 96,-6-7 0,-4 1-142,-10-5 0,-3-6 111,-7 1 0,0-5-505,0 5 1,1-7-128,-1 2 1,5-3-370,0-2 0,12 5 218,-2 0 1,11-1 737,3-4 0,8 7 0,7 1 0</inkml:trace>
-  <inkml:trace contextRef="#ctx0" brushRef="#br0" timeOffset="1287">1485 118 8681,'2'-14'558,"3"-1"-558,-3-6-495,4 4 20,-6-4 536,0 6 1,-6 7 438,-4 3 0,-3 4-222,-2 1 1,-5 8-118,1 7 1,-6 7 38,6 13 1,-7-3-86,1 8 0,2 4-144,-1 5 1,4 8 144,-4 2 0,6 1-151,-2 9 1,4-1-84,1 6 0,7 6 119,3 3 0,3-1 118,2 1 1,0-6 153,0 1 1,2-6-239,3-8 1,-2-7 13,7-13 0,-7-6-230,2-4 0,2-5 158,-2-4 0,4-4-754,-4-6-272,0-1-300,-5-5 943,0-3 406,0-6 0,0 0 0,0 0 0</inkml:trace>
+  <inkml:trace contextRef="#ctx0" brushRef="#br0">322 45 10057,'20'-6'-1055,"-1"-4"725,7-3 0,-9 5-56,2 3 1679,-9 3-266,3 2-214,-11 0-963,4 0 144,-6 7 1,-6 2 19,-4 11 100,-3-4 0,-8 12 19,-4-4 1,-3 6-23,-1 4 0,0-1 34,-1 6 0,1 0-26,-1 5 0,-1 2-171,-3 3 0,8 2 116,-3 3 0,9 1-148,0-6 1,4 7 38,1-2 1,7-4-145,3-1 0,5-3 164,5-2 1,3-3-130,7 3 1,1-10-79,4 5 1,-2-11 118,6-3 0,-4-7-65,5 1 1,-3-4 117,3-5 1,1-4-276,-6-6 1,1 0 72,-2 0 0,-2 0-241,2 0 0,-2-6-48,-3-4 1,-1-3 141,-3-2 0,3 0 409,-3 1 0,3-7 0,2-2 0</inkml:trace>
+  <inkml:trace contextRef="#ctx0" brushRef="#br1" timeOffset="380">395 780 8523,'9'-7'-736,"4"-1"428,-3-6 1,-2 4 21,1 0 0,-5 5 530,1-5 773,3 7-418,-7-3-269,6-1-397,-7 5 1,5-6 155,0 3 0,1 4-142,-1-4 0,-2-2-5,7 2 0,-5-6 36,5 1 0,1 2 28,9-2 0,-2 0-30,6-4 1,-4-1 84,5 0 0,-1 2-55,5 3 1,-1-1 174,-3 6 1,1 0-54,-7 5 1,1 0-35,-5 0 0,-1 7 21,1 2 1,-2 9 99,-3 2 0,1 6-61,-6-1 1,5 7 1,-5 3 1,0-1-103,-5-5 1,5 1 68,0-1 1,5 1-207,-6-1 0,8-1 115,-2-4 1,-2-3-235,2-6 1,-1 0-460,6 0 202,0-7 1,0-2-429,-1-6 280,-6 0 1,4-1-109,-7-4 715,0-3 0,1-14 0,2-1 0</inkml:trace>
+  <inkml:trace contextRef="#ctx0" brushRef="#br1" timeOffset="588">1086 574 8974,'-9'7'858,"-1"3"1,0 8-574,-5 1 0,1 12-179,-1-1 0,-5 4 106,1 0 1,-3 2-255,3 3 0,-2 4 124,-4-4 1,-1-1-465,6 1 1,-1-7 232,2 3 0,7-9-529,-3-2 218,4-6 0,3-1-294,3-8 1,5-5 56,5 1 697,3-4 0,13-1 0,2 0 0</inkml:trace>
+  <inkml:trace contextRef="#ctx0" brushRef="#br1" timeOffset="834">1292 971 8378,'7'-23'0,"-1"2"492,4 6-228,3 7 1,-6 3 138,2 10 1,-2 3-140,-7 7 1,0 6-149,0 4 1,0 1 180,0-2 1,0 4-396,0-3 0,0 2-127,0 3 1,0-6-129,0 1 1,0-1 160,0 6 1,0-6-119,0 1 1,2-7-653,2 1 0,0 1 962,6-5 0,-1 9 0,6-8 0</inkml:trace>
 </inkml:ink>
 </file>
 
@@ -1874,16 +1808,14 @@
           <inkml:channelProperty channel="F" name="resolution" value="0" units="1/dev"/>
         </inkml:channelProperties>
       </inkml:inkSource>
-      <inkml:timestamp xml:id="ts0" timeString="2020-05-06T14:36:10.109"/>
+      <inkml:timestamp xml:id="ts0" timeString="2020-05-06T14:34:03.300"/>
     </inkml:context>
     <inkml:brush xml:id="br0">
-      <inkml:brushProperty name="width" value="0.11429" units="cm"/>
-      <inkml:brushProperty name="height" value="0.11429" units="cm"/>
-      <inkml:brushProperty name="color" value="#004F8B"/>
+      <inkml:brushProperty name="width" value="0.08571" units="cm"/>
+      <inkml:brushProperty name="height" value="0.08571" units="cm"/>
     </inkml:brush>
   </inkml:definitions>
-  <inkml:trace contextRef="#ctx0" brushRef="#br0">206 750 10140,'8'0'66,"-1"0"1,-6 0 97,4 0-52,-3 0 0,4-2 256,-6-3-712,0 4 522,7-6-88,-5 7-119,4 0 238,-6-6-359,0 4 15,0-5 60,7 7 554,-6 7-308,6 1 0,-7 7-172,0-1 1,0-4-96,0 0 0,0 0-60,0 5 0,0 4 174,0 1 0,1 1 4,4-1 1,-3-2 19,3 6 1,-4-6-214,-1 2 1,5 1 46,0-2 0,2 1 198,-2-5 1,-2-2-58,7-3 1,-5 3 77,4-4 1,-4-2 15,5-2 0,-5-3 59,5-2 0,-5 0-14,5 0 0,-6 0 9,6 0 1,-6-2-138,0-3 0,3 2-27,-2-7 1,1 0-79,-1-5 1,-3 1-35,3-1 0,1-1-49,-1-4 1,2 4 24,-2-4 1,-4 4-48,4 1 1,2 0 31,-2 1 1,1-1 151,-1 0 0,-3 6 35,3-1 0,1 0 57,-1-5 0,0 5-42,-5 1 1,0 4 232,0-5-194,6 7 1,-4-5 187,3 3 66,-3 3 11,-2-5-335,0 7 36,0 0-1,0 7 0,0 1 50,0 7-108,0 0 1,1 1 210,4 4 0,-3-4-141,3 3 0,-4 3-4,-1-3 0,0 7 81,0-1 1,2 3-206,3 1 0,-3 5 68,2 1 1,-2 5 74,-2 0 1,0 7 34,0 2 1,0 5-75,0-5 1,0 5-43,0-5 0,-2 5 43,-2-5 1,-5 5-18,-5-5 0,2 1-77,-2-1 1,2-3 9,-8 3 1,3 0-114,-3-5 0,2 2 129,-7-12 1,6 0-105,-6-4 0,6-2 96,-6-4 1,2-3-70,-1-6 75,-4-7 79,5-1 0,-6-9 2,-1-3 1,3-5-88,2-9 0,-1-4-71,6-7 0,3-4 83,7 0 1,3-2-130,7 2 0,8-4-149,7-6 0,1 2 99,9 2 1,-1-2 12,6 3 0,4-2-69,0 2 0,6-2 57,-6 7 1,5-1 72,-5 6 0,6 6 38,-6 3 0,5 4-262,-5 1 0,1 7 99,-6 3 1,-4 5 260,-1 5 0,-6 3 0,3 7 1</inkml:trace>
-  <inkml:trace contextRef="#ctx0" brushRef="#br0" timeOffset="548">867 0 12204,'15'0'-315,"-7"0"0,5 0-446,-3 0 0,3 0 788,2 0 0,1 7 905,4 2 1,1 11-383,4 5 1,2 9-264,-2 5 0,4 10 9,6 5 1,-4 11-134,3 9 0,-5 6-228,-4 8 1,-4 0 102,-6 0 1,-2 1 57,-3-1 0,1 3-56,-6-3 0,0-4 46,-5-16 0,0-2 2,0-8 0,-7 0-172,-3-5 1,-3-7-101,-1-7 0,-6-4 134,1 4 0,-8-2-511,3 3 0,-4-4 287,-1-7 1,-6 0-598,1 1 0,1-1 885,9 1 1,-4-1-1,5 0 1</inkml:trace>
+  <inkml:trace contextRef="#ctx0" brushRef="#br0">1 88 8343,'6'-16'741,"4"-4"-239,3 4-14,-5 1-364,6 2-511,-13 12-1371,6-6 739,-7 7 1019,-7 7 0,6 7 0,-6 9 0</inkml:trace>
 </inkml:ink>
 </file>
 
@@ -1930,22 +1862,19 @@
           <inkml:channelProperty channel="F" name="resolution" value="0" units="1/dev"/>
         </inkml:channelProperties>
       </inkml:inkSource>
-      <inkml:timestamp xml:id="ts0" timeString="2020-05-06T14:36:12.102"/>
+      <inkml:timestamp xml:id="ts0" timeString="2020-05-06T14:34:02.262"/>
     </inkml:context>
     <inkml:brush xml:id="br0">
       <inkml:brushProperty name="width" value="0.08571" units="cm"/>
       <inkml:brushProperty name="height" value="0.08571" units="cm"/>
-      <inkml:brushProperty name="color" value="#004F8B"/>
     </inkml:brush>
     <inkml:brush xml:id="br1">
       <inkml:brushProperty name="width" value="0.11429" units="cm"/>
       <inkml:brushProperty name="height" value="0.11429" units="cm"/>
-      <inkml:brushProperty name="color" value="#004F8B"/>
     </inkml:brush>
   </inkml:definitions>
-  <inkml:trace contextRef="#ctx0" brushRef="#br0">427 515 8466,'9'-21'-564,"1"6"1,-5 0 281,5 5 0,-5 2 1290,5-1-208,-7-1-54,10 2-453,-12 1-166,6 7 0,-7 11 132,0 4 0,0 5-62,0-1 1,0 6-57,0 9 1,0-1 61,0 6 1,0 2-11,0 8 0,0 3 36,0 7 1,0 1 21,0 4 0,0 5-160,0 9 1,0-3-342,0 4 1,0-9 59,0-2 0,0 1 134,0 4 0,0-6-188,0-3 1,0-10 74,0-5 1,0-2-89,0 2 1,0-9-43,0-1 1,0-11-246,0-4 1,0-6-470,0 2-380,-7-11 1464,6-2 0,-6-20 0,7-3 0</inkml:trace>
-  <inkml:trace contextRef="#ctx0" brushRef="#br1" timeOffset="363">1161 574 16589,'15'0'-330,"0"0"1,0 1 39,-1 4 1,-4 3 910,0 7 1,-2 6-329,2 4 0,-4 9-251,-6 5 1,-1 5-18,-4 5 1,-3 2-72,-7 3 1,0 3-227,1-3 1,-1 3-123,0 2 0,0 0-47,1 0 0,4-9-44,0-6 0,5 0 182,-5-4 1,7-4 258,-2-2 0,-1-3-356,1-2 1,-5-4 92,5-1 1,-1-7-1086,1-3 123,3 1-119,-11-13 1092,11 4 423,-11-12 1,5-3 0,-7-5 0</inkml:trace>
-  <inkml:trace contextRef="#ctx0" brushRef="#br1" timeOffset="1181">0 383 14096,'0'-9'-535,"0"-4"0,0 10 628,0-7-204,0 7 329,0-10 1,2 10-184,3-7 0,-2 7 352,7-2 0,0-2-278,4 2 1,3-1-146,2 1 1,11 3 118,9-3 1,5-3-16,5-2 0,11 2 191,14-2 0,4 2-101,6-2 1,2-3-98,-3 4 0,6-4 98,4-2 0,-15 2-94,1 3 1,-9-3-55,-2 3 1,-1 2-102,-3-2 0,-5 5 58,0-5 0,-7 7-3,-8-2 0,0 2 44,0-2 0,0 3-77,0-2 1,-4 0 62,-1-1 1,-7 2 252,3-7 1,-4 5-273,-2-4 0,-6 4 12,-3-5 0,-4 5-524,-1-5-662,-7 7 1081,-2-4 1,-12 7-1,-2 0 1</inkml:trace>
+  <inkml:trace contextRef="#ctx0" brushRef="#br0">221 692 8122,'8'-2'-527,"-3"-3"1,-1 4 974,0-4-65,-2-4 0,5 6 232,-7-7-778,0 7 280,0-3-99,0 6 160,0 0 0,0 6 6,0 4 0,0 3-19,0 2 1,0-1-58,0 1 0,0 5-131,0-1 0,0 6 145,0-6 0,0 6-199,0-5 1,0 1 78,0-2 0,0-2 27,0 2 1,1-2 79,4-3 1,-2-1 0,7-3 0,-5 2-13,5-8-54,0 1 0,4-5-38,1 0 1,0-6 79,-1-4 0,1-3-264,0-2 0,4-4-41,1-1 0,0-6-60,-6 1 0,6-1 168,0 2 1,-1-4 30,-4 4 1,-2 2 277,-3 3 1,1 2-142,-6 3 300,7-1-204,-11 0-37,6 7-120,-7 2 0,-2 6-108,-3 0 1,4 6 148,-4 4 0,-2 3-36,2 2 1,0-1 43,5 1 0,-5 6 10,0 4 0,1-2 218,4 1 1,0-1-142,0 2 1,0 2-20,0-2 0,0 3-15,0 1 0,0 5 0,0 1 1,0 4-5,0-5 0,0 12-28,0-2 1,0 3-2,0-3 0,0 7 23,0 3 0,-2 1-22,-3-1 1,-3 2 4,-7-7 1,0 0-102,1-5 0,-6 3 51,1-3 0,-8-4-8,3-16 1,-4 2-197,-1-6 1,-1 4 122,1-4 0,0-2-194,-1-8 0,6-2 131,-1-3 1,6-4-52,-6 4 1,7-5 73,-1-5 1,2-1 13,3-4 0,-1-3 56,0 3 0,5-3 10,1-2 0,5-1 15,-1-3 0,4 2-48,1-2 0,1 2 79,4 3 1,0-6-66,10 0 0,-4-4-140,9 4 0,1-4 139,-1 4 0,7-6-258,3 2 1,-1-4 8,6-2 0,0 3-27,0 2 1,6-3-55,-2 4 1,-3 3 123,-2 1 1,-3 4 246,-2 1 0,1 0 0,-1 1 0</inkml:trace>
+  <inkml:trace contextRef="#ctx0" brushRef="#br1" timeOffset="626">1044 1 14367,'15'0'-97,"0"0"0,-1 6 598,1 4 1,0 16-425,0 9 1,-1 12-123,1 7 1,-7 10-176,-3 4 0,2 6 237,-3 4 1,1-3-216,-5 4 1,7-3 240,3 3 0,-2-2 15,2 6 0,-7-8-334,2-2 1,1-1-24,-1-8 1,-2 0-83,-7-6 1,-3-5-1,-3-4 1,-3-12-195,3-7 1,-1-3-467,1-7 63,-3 0-529,5-12 1553,0-2 0,-5-6 0,5 0 0</inkml:trace>
 </inkml:ink>
 </file>
 
@@ -1965,15 +1894,17 @@
           <inkml:channelProperty channel="F" name="resolution" value="0" units="1/dev"/>
         </inkml:channelProperties>
       </inkml:inkSource>
-      <inkml:timestamp xml:id="ts0" timeString="2020-05-06T14:36:26.490"/>
+      <inkml:timestamp xml:id="ts0" timeString="2020-05-06T14:34:04.054"/>
     </inkml:context>
     <inkml:brush xml:id="br0">
-      <inkml:brushProperty name="width" value="0.11429" units="cm"/>
-      <inkml:brushProperty name="height" value="0.11429" units="cm"/>
-      <inkml:brushProperty name="color" value="#004F8B"/>
+      <inkml:brushProperty name="width" value="0.08571" units="cm"/>
+      <inkml:brushProperty name="height" value="0.08571" units="cm"/>
     </inkml:brush>
   </inkml:definitions>
-  <inkml:trace contextRef="#ctx0" brushRef="#br0">0 221 12949,'0'-15'-829,"0"7"1,0-5 823,0 3 0,0 2 256,0-2-47,0 1 1,0-1-63,0 0 368,0 7-490,0-10-184,0 11 93,0 2 0,5 10 104,0 10 1,2-4-6,-3 3 1,0 4 49,6 2 1,-6-2-145,6 1 0,-5-4 10,5 4 0,-7-4 82,2 4 1,-2-6-407,2 2 185,-3-4-16,4-1 110,-6 0 0,0-9-194,0-6 118,0-6 0,0-14-14,0 0 1,2-6 167,3 2 1,3-4-84,7-1 1,0-1 199,-1 1 0,3-2-137,2-3 0,-1 3 265,7-4 0,-6 9 4,6 2 0,-6 6-21,6-2 1,-7 10 42,1 5 1,-2 4 223,-3 1 1,1 1-36,0 4 1,0 8-199,-1 7 0,-4 4-105,0-4 0,-2 6 15,2-1 1,1 2-245,-6 3 0,5-6 27,-5 1 0,5-2-136,-5 1 1,-1 2-210,-4-6 0,0 4-418,0-4 1,0 4-1243,0-4 2015,0 0 1,-6 1 0,-2 2 0</inkml:trace>
+  <inkml:trace contextRef="#ctx0" brushRef="#br0">1 74 8054,'0'-15'-1334,"0"0"1226,6 7 108,-4-5 46,5 11-38,-7-4 2,0 6-55,0 0 38,6 0 7,-4 0 1,6 5-50,-3 0 0,-3 1 49,2-1 0,5 3 0,-1 7 0</inkml:trace>
+  <inkml:trace contextRef="#ctx0" brushRef="#br0" timeOffset="163">398 74 8551,'18'-15'-444,"-4"0"1,4 7 379,-8 3 1,-2-1 63,2 1-891,-7 0 891,11 5 0,-6 6 0,6 3 0</inkml:trace>
+  <inkml:trace contextRef="#ctx0" brushRef="#br0" timeOffset="315">677 30 8461,'15'-7'0,"-1"-1"112,1 0 1,-5 1 432,0 7-1991,-7 0 1446,4 0 0,-14 7 0,-1 1 0</inkml:trace>
+  <inkml:trace contextRef="#ctx0" brushRef="#br0" timeOffset="431">853 44 8461,'2'-9'-1355,"3"-1"681,-3 6 674,4-9 0,-6 12 0,0-6 0</inkml:trace>
 </inkml:ink>
 </file>
 
@@ -1993,19 +1924,15 @@
           <inkml:channelProperty channel="F" name="resolution" value="0" units="1/dev"/>
         </inkml:channelProperties>
       </inkml:inkSource>
-      <inkml:timestamp xml:id="ts0" timeString="2020-05-06T14:36:24.642"/>
+      <inkml:timestamp xml:id="ts0" timeString="2020-05-06T14:34:05.448"/>
     </inkml:context>
     <inkml:brush xml:id="br0">
       <inkml:brushProperty name="width" value="0.08571" units="cm"/>
       <inkml:brushProperty name="height" value="0.08571" units="cm"/>
-      <inkml:brushProperty name="color" value="#004F8B"/>
     </inkml:brush>
   </inkml:definitions>
-  <inkml:trace contextRef="#ctx0" brushRef="#br0">1 309 8426,'8'-15'-375,"5"0"1,-10 2 1950,7 4-398,-7 2-739,4 1-35,-1 4-371,-4-5 1,4 9 103,-6 3 0,0-2-52,0 7 0,0 0 129,0 4 1,0 6-26,0 0 1,0 4-52,0-4 1,0 4-203,0-4 1,0 6 127,0-2 0,0-1-174,0 2 0,0-6 65,0 6 1,5-7 136,0 2 0,0-4-578,-5-1 85,0-1-306,0 1-205,0-7 357,7-1 1,1-9-318,6-3 1,1-3 316,0-7 1,0 1 554,-1-1 0,7-6 0,2-2 0</inkml:trace>
-  <inkml:trace contextRef="#ctx0" brushRef="#br0" timeOffset="176">148 103 8426,'0'-15'0,"0"-4"-409,0-1 1002,-7 1 1002,5 4-712,-4 7-1019,6 1-46,0 7-1245,0 0 1112,0 7 1,0-4-339,0 7 1,0 0 112,0 4 540,0-6 0,6 12 0,3-4 0</inkml:trace>
-  <inkml:trace contextRef="#ctx0" brushRef="#br0" timeOffset="531">309 382 8495,'15'0'0,"0"-1"133,-1-4 1,1 3 207,0-3 0,-5 4 89,-1 1 1,1-5-92,5 0 1,-5 0-305,-1 5 1,1 0-55,5 0 1,0 0-127,-1 0 0,-4 0-17,0 0-483,0 0 0,4 0-632,1 0 698,0 0-224,-7 0 803,-1 0 0,-1 6 0,2 3 0</inkml:trace>
-  <inkml:trace contextRef="#ctx0" brushRef="#br0" timeOffset="716">442 559 8495,'14'0'429,"1"-2"-119,0-3 1,-6 4 25,1-4 0,-5 1-60,5 0 0,-5 2-359,5-3 1,-5 2 81,4-2 1,-4 3-667,5-3 0,-5 4-171,5 1 421,0 0 1,4 0 416,1 0 0,6 0 0,2 0 0</inkml:trace>
-  <inkml:trace contextRef="#ctx0" brushRef="#br0" timeOffset="997">1132 132 8509,'10'-9'-501,"0"-1"0,-5 7 342,5-2 0,-2 5 739,2 5 1,1 3-123,-6 6 0,5 8-172,-5 2 1,6 4-285,-1 1 1,1 2 91,-1 4 0,3-3-444,-3 8 1,1-6-147,-1 5 0,-2-6-655,-3 1 1151,-3-3 0,11-2 0,-5 1 0</inkml:trace>
+  <inkml:trace contextRef="#ctx0" brushRef="#br0">1 44 8274,'19'0'0,"1"0"-728,-1 0 1,-2 0 5,2 0 704,-2 0 1,4 0-13,-6 0 1,-6 0-55,1 0 43,-7-6 1,4 2 40,-7-5 0,6-1 0,3-5 0</inkml:trace>
+  <inkml:trace contextRef="#ctx0" brushRef="#br0" timeOffset="254">45 59 8274,'1'-8'494,"4"3"0,-3 1 277,3 0-467,-4 2-339,-1-5 0,2 6-275,3-4-797,-3 3-342,4-4 1449,-6 12 0,0 2 0,0 7 0</inkml:trace>
 </inkml:ink>
 </file>
 
@@ -2025,29 +1952,26 @@
           <inkml:channelProperty channel="F" name="resolution" value="0" units="1/dev"/>
         </inkml:channelProperties>
       </inkml:inkSource>
-      <inkml:timestamp xml:id="ts0" timeString="2020-05-06T14:36:28.824"/>
+      <inkml:timestamp xml:id="ts0" timeString="2020-05-06T14:34:06.807"/>
     </inkml:context>
     <inkml:brush xml:id="br0">
       <inkml:brushProperty name="width" value="0.08571" units="cm"/>
       <inkml:brushProperty name="height" value="0.08571" units="cm"/>
-      <inkml:brushProperty name="color" value="#004F8B"/>
     </inkml:brush>
     <inkml:brush xml:id="br1">
       <inkml:brushProperty name="width" value="0.11429" units="cm"/>
       <inkml:brushProperty name="height" value="0.11429" units="cm"/>
-      <inkml:brushProperty name="color" value="#004F8B"/>
     </inkml:brush>
   </inkml:definitions>
-  <inkml:trace contextRef="#ctx0" brushRef="#br0">147 632 8500,'7'-15'456,"-6"1"1,8 1 27,-4 3-126,-4-3 57,6 11 0,-7-4-436,-7 6 0,4 11 184,-7 4 0,0 11 64,-4 3 0,4 4-316,0 11 0,5-1 127,-5 10 1,7-4-71,-2 5 0,4 2-3,1 8 0,6 3-139,4 6 1,3-6-82,2-3 0,-2-6-71,-4-4 0,5 2 109,-5-7 1,-2-2-127,-2-8 0,-4-4-396,-1-11 508,0-2 1,-1-14-204,-4-3 1,-3-5-336,-7-5 769,-6-3 0,-2-20 0,-6-3 0</inkml:trace>
-  <inkml:trace contextRef="#ctx0" brushRef="#br0" timeOffset="339">74 617 8556,'13'-16'0,"-3"-3"0,6 1-123,-6-7 1,6 7 129,-6-1 0,-2 7 490,2 2 1,0 2-225,4-2 0,-4 2-340,0 3 0,0 4 97,4-4 0,6 3-147,0 2 0,1 5 165,-1 0 0,2 6 69,8-1 0,-1 3 48,1 2 1,4 1-104,0 4 0,0-2 182,-4 6 0,-2 1-80,-4 4 0,-3 1-20,-6-1 1,-2 0-87,-3 1 0,1-2-18,-6-4 0,-1 2-126,-9-6 0,-10 4 109,-10-4 0,-4-2 3,-5-8 1,-5 1 8,-10-6 1,-5 1-260,-10-1 0,-1-3-282,-4 3 0,4-2 506,6 2 0,0 3 0,0 7 0</inkml:trace>
-  <inkml:trace contextRef="#ctx0" brushRef="#br1" timeOffset="1160">1500 59 13512,'14'0'-123,"-4"-5"-242,0 0 0,-5-5 237,5 5 0,-7-1 56,2 1 0,-4 2-156,-1-7 401,0 7-229,0-4 6,0 7 1,0 2 189,0 3 1,-4 3-24,-1 7 0,-7 1 80,2 3 1,-4 4-15,-6 7 1,-1 1 62,-4 3 0,-2-1-274,2 6 0,-8 2 142,-1 8 1,-5 3-245,5 7 0,-6 6 59,6 4 1,0 3-389,4 1 1,8 1 245,2-1 1,5 5-43,5 1 1,6-9 57,8-11 1,5-2-124,5-8 0,6-2 124,0-7 1,6-4 93,-2-7 0,4-6-140,1-4 1,2 3 80,4-3 1,-3 1-366,8-5 0,-1-6-311,5 1 837,6-7 0,-1 9 0,4-7 0,-4-2 0,3-1 0,4-2 0</inkml:trace>
-  <inkml:trace contextRef="#ctx0" brushRef="#br0" timeOffset="1648">1661 897 10555,'0'-8'-53,"0"-5"0,0 9-75,0-6 0,5 6 195,0-6 0,8 2-15,2-2 1,0-3 25,4 3 0,4-3-18,2-2 0,2 0-26,3 1 1,-1 1 34,0 3 0,1-2-15,-1 8 0,-4-3-21,-1 2 0,-6 4-141,2-4 1,-9 10-23,-1 4 0,0 6 82,5 5 0,-7 1-5,-3 3 0,1 4 35,-1-3 1,2 7-6,-2 3 0,-4-1-3,4-5 0,2 1-100,-3-1 1,8-4 34,-2-1 0,-2-4-4,2 4 0,-2-6-103,2 2 1,3-9-289,-3-1 0,3-2-248,1 2 0,3 1 734,2-6 0,4 7 0,6-4 0</inkml:trace>
-  <inkml:trace contextRef="#ctx0" brushRef="#br0" timeOffset="1894">2411 720 8578,'8'0'939,"-3"0"-384,-10 0 1,-3 7-26,-7 3 1,-4 4-377,-1 6 0,-4 3-161,4 6 1,-6 2-118,1 4 1,2-3 3,-1 7 1,4 1-269,-4 4 1,6-5 253,-2 0 0,6-8-194,4-1 0,-2-3-273,7-7-596,1 6 187,4-10 1010,0 6 0,0-8 0,0 1 0</inkml:trace>
-  <inkml:trace contextRef="#ctx0" brushRef="#br1" timeOffset="2768">2558 1352 11775,'5'-14'-766,"0"-1"-27,0 0 443,-5 7 372,0 2 1,0 7 39,0 4 1,0 3 32,0 7 1,1 1 7,4 4 1,-3-4-255,3 4 0,-4 1 267,-1-1 0,5 1-162,0-1 0,2-4 64,-2 3 0,-4 3-111,4-3 1,3 1 70,2-5 1,-2-2-158,2-4 1,-5 3 15,5-7 0,0 5 101,4-5 0,1-1-392,0-4 1,1 0 146,4 0 1,-2-6-701,6-4 1007,1-3 0,4-8 0,0-2 0</inkml:trace>
-  <inkml:trace contextRef="#ctx0" brushRef="#br1" timeOffset="2932">2808 985 9870,'0'-15'-45,"0"-4"484,0-1 1,0 0-180,0 6 0,0 4 46,0 0 1,-2 7-477,-3-2 0,2 3 243,-7 2 0,7 7-1833,-2 3 1735,3-4 0,2 14 0,0-4 1</inkml:trace>
-  <inkml:trace contextRef="#ctx0" brushRef="#br1" timeOffset="3489">3352 323 14521,'14'-6'-862,"1"-4"0,-2 2-367,-3-2 914,3 7 1019,-11-4 1,4 14 648,-6 3-1786,0 9 294,-6 4 1,2 8-151,-5 4 498,-1-4-180,-5 11 0,0 0-186,1 7 245,6 7 1,-6 1-329,5 7 0,-3 6 254,2-1 1,4-2-24,6 1 1,0-2 100,0-3 0,0-6-122,0-12 0,2-8 74,2-3 0,-2-4-454,3-6-151,-3-2-274,4-14 348,-4-2 598,4-6 1,7 0-1,4 0 1</inkml:trace>
-  <inkml:trace contextRef="#ctx0" brushRef="#br1" timeOffset="4223">3807 853 13873,'9'-7'-2815,"4"-1"2681,-12 0 755,6 1-795,-7 7 1,0 7 154,0 3 0,0 3 174,0 1 1,0 3-67,0 2 0,0 3-187,0 2 0,0 2 203,0-6 0,0 4-34,0-4 1,1 4 39,4-4 1,-1 1 68,5-1 1,-4-4-164,5 4 1,0-6 440,5-4-215,-1 3 0,3-11 34,2 3 1,-6-5-164,7-5 0,-7-3-142,7-7 1,-4-1-119,-1-4 0,-1-3-126,1-6 1,1 4 1,4 1 0,-4-1-61,4-4 1,-9 4-73,-1 1 0,-5 6 114,5-2 1,-7 4-192,2 1 502,3 7 1,-6 0 107,3 3 61,-4 3-225,-1-4 46,-6 12 1,4 3 178,-3 5 1,4 3-124,1 2 1,0-1 192,0 7 1,0-1-89,0 6 0,0-1 58,0 0 0,4 6-2,1-1 0,5 7 98,-5-2 0,5 4-278,-5 1 0,6 0 360,-1 0 1,-2 0-383,2 0 0,-5 0 129,5 0 1,-7-5-55,2 1 1,-4-1 15,-1 5 1,-6-7-284,-4-2 0,-5-4-11,-4-2 1,-4-1-63,-6-4 1,-1-1 96,1-3 1,-7-9-128,-3 4 0,-4-4-57,-1 4 1,0-7 148,0-3 0,0-3-20,0-2 1,0 0-25,-1 0 1,8 0-182,3 0 1,3-7 6,1-2 1,7-6 423,4-5 1,2-3 0,3-6 0</inkml:trace>
-  <inkml:trace contextRef="#ctx0" brushRef="#br1" timeOffset="4815">4675 103 20411,'14'-2'-1169,"1"-3"-28,-7-3-1197,5 0 1770,-5 2 0,2 4 778,0-3 1,-5 3 15,5-2-307,-7 2-98,10 2 0,-6 6 136,2 4 1,4 3 195,-3 2 1,3 5 315,2-1 1,0 7-130,-1-1 0,1 7-122,0 3 0,0 7-28,-1 2 0,6 7 55,-1 8 1,-1 1-289,-8 4 1,2 3 44,-8 6 0,1 1-115,-5-1 0,0 1-6,0-1 1,-6-6-45,-4-3 1,-3 0 98,-2-6 0,1-4-10,-1-14 1,-5 0-187,1-5 0,-6 4 153,6-5 1,-3 1-142,3-6 0,-2-1 168,-4-4 0,-1 1-17,6-11 1,-4 4 72,4-8 1,-4-3-580,4-2 0,-4 1 724,4-1 1,0 0 0,6-5-1</inkml:trace>
+  <inkml:trace contextRef="#ctx0" brushRef="#br0">103 572 8413,'9'0'331,"4"0"-302,-12 0 0,6 11 15,-7 4 0,0 11 146,0 4 0,-2 1-81,-3 8 0,-1 7 142,-4 7 1,-2 6-124,8 5 1,-6-2-34,5 7 0,0 1-51,5 8 0,0-3-304,0 4 0,2-9 301,3-1 1,-2-7-141,7 1 1,-2-15-107,2-9 1,1-13-149,-6-6-523,0-4-71,-5-8-25,0-1 972,-7-20 0,-1-4 0,-7-12 0</inkml:trace>
+  <inkml:trace contextRef="#ctx0" brushRef="#br0" timeOffset="284">45 690 8419,'14'-36'-433,"1"5"361,0-4 0,-1 4 863,1 2 0,-5 8 225,0 6-727,-1 0 0,6 14-302,0-4 0,-5 3-458,-1 2 1,3 7 64,8 2 1,-4 6 194,3 5 0,3 3 300,-3 6 0,6 0-10,-6 1 0,6 4 104,-6 0 1,-1 6-177,-8-6 1,3 5 61,-3-5 0,-3 6 40,-2-6 0,-4-5 1,-1-4 0,-8-7 44,-7 1 1,-6-7-71,-8-2 1,-2-7-217,-4 2 0,-2-5 117,-7-5 1,1 2-775,4-7 1,-3 5 788,2-5 0,4 0 0,0-4 0</inkml:trace>
+  <inkml:trace contextRef="#ctx0" brushRef="#br0" timeOffset="766">1103 87 8513,'20'-8'0,"-1"-5"1225,-1-5-721,-8 5 1,-2 1 337,-3 7-886,-3-6 252,4 9 1,-17-3 3,-4 10 1,-11 8-97,-4 7 1,1 8 56,-5 1-325,-4 0 199,7 14 0,-10-6-500,7 8 370,-7 5 0,10 4-50,-3 10 1,4 4-375,6 11 1,3 4 219,6 10 1,7-8 195,3 3 1,3-4 3,2-1 1,7-8 37,3-6 0,3-19-84,1-1 0,-4-18 16,0-1 0,-2-11-8,2 1 1,3-4-115,-3-1 0,3-5-271,2-1 1,6 1 509,3 5 0,11 0 0,2-1 0</inkml:trace>
+  <inkml:trace contextRef="#ctx0" brushRef="#br0" timeOffset="1379">1162 763 8518,'6'-8'581,"-4"-5"1,6 6-63,-3-3 1,-2-1 36,7 6 1,-7-1 313,2 1-1235,-3 3-128,-2-4-616,0 6 774,0 0 217,6 0 1,-2 0 26,5 0 1,1 0-19,5 0 0,0 0 266,-1 0 1,3 1-67,2 4 1,-2-3 34,2 3 0,2-4-10,-1-1 0,5 5-96,-6 0 0,1 6-110,-6-1 0,3-2 130,2 2 0,-2 5-117,2 5 1,-7 4 88,-3-4 0,1 6-112,5-2 1,0 4 18,-1 1 1,-4 1-10,0-1 0,0 1-11,4-1 1,1-1-172,0-4 1,0-3-156,-1-6 0,1 0 95,0 0 0,4-2-265,1-4 1,-1-2 596,-4-7 0,0 0 0,0 0 0,-1 0 0</inkml:trace>
+  <inkml:trace contextRef="#ctx0" brushRef="#br0" timeOffset="1617">1911 719 8390,'0'-15'1235,"0"7"-734,0 2 1,-6 9-287,-4 7 1,-10 1-111,-4 14 0,-2-6-361,1 6 1,-2-1 178,2 6 1,-1 4-160,1 0 0,-1 5-49,7-4 1,-6 4 157,6-5 0,1 0-120,8-4 1,-2-1 11,7 1 0,-4-8-57,4-2 1,0-4 82,5-1 1,2-2-226,2-3 1,0 1 433,5-6 0,8 7 0,6-4 0</inkml:trace>
+  <inkml:trace contextRef="#ctx0" brushRef="#br0" timeOffset="2148">2000 1366 8527,'1'8'0,"4"-3"537,-3-4-182,11 6 1,-12-4-222,4 7 1,-3-5 90,-2 5 0,0-5-239,0 4 1,0 3 79,0 7 1,0-2-235,0 2 1,0-1 144,0 2 0,-5-2-114,0 6 1,-1-6-26,1 2 0,3-4-28,-3-1 0,4 0-397,1-1 336,0-5-51,-7-3 1,5-12 126,-2-4 1,2-10 53,2-4 0,0-6 48,0-4 0,2 1 25,2-6 1,1 2-21,10-3 1,-2-2 6,12 3 1,-1-2 146,5 2 1,1 3-145,-1 6 0,1 7 517,-1 4 0,-6 9-179,-3 5 1,-4 5 232,-1 5 0,-6 5-136,1 9 1,-7 4 60,2 7 1,-3 4-285,-2 0 1,0 2-80,0-1 1,0-4 83,0 3 1,5 2-170,0-2 1,1 0-325,-1-4 0,-2-2 171,7-4 0,-5-3-618,5-6 1,-5 0 66,5-1 1,-5-5 713,4-5 0,1-2 0,5-2 0</inkml:trace>
+  <inkml:trace contextRef="#ctx0" brushRef="#br1" timeOffset="2618">3014 263 11019,'6'13'127,"4"-3"1,2 5 464,-3 0-281,-2-1-245,-7 14 0,0 1-1,0 11 1,-7 7-36,-2 2 1,-4 6-261,-2-1 0,0 4 235,0 0 1,6 6-169,-1 0 1,7 4 245,-2-4 1,3 5 11,2-6 0,2 1-233,3-5 0,-2-7 126,7-3 0,-5-8-233,4-2 0,-4-6-54,5 1 1,-5-9-113,5-6 0,-7-7-348,2-3 762,3-5 0,0 2 0,7-6 0</inkml:trace>
+  <inkml:trace contextRef="#ctx0" brushRef="#br0" timeOffset="3205">3411 807 8299,'14'7'-541,"1"1"1,-5 7 1393,0-1 0,-7 1-245,2 0 1,-4 4-501,-1 1 1,0 6-64,0-2 0,0-1-75,0 2 0,0-2 72,0 1 0,5 2-265,0-6 0,7 4-9,-2-4 1,3-2 153,1-8 1,6 1-40,-1-6 0,6 0 20,-5-5 0,4-3 85,-4-7 0,4-2 5,-4-12 0,4 3 13,-4-9 1,4 4-31,-4-8 0,0-4 7,-6-1 0,1 2 34,0-3 1,-7 8-20,-3-3 0,-4 6 238,-1 5 1,0 2-77,0 8 1,-1 5-83,-4 5 1,-3 2-10,-7 2 0,5 6 3,0 4 0,5 5 0,-4 5 0,5 2 12,-1 8 1,4 1-55,1 3 1,0-1 28,0 6 1,0 0 120,0 5 1,1 7-128,4 3 0,-1 5 119,5 4 0,-4 4-72,5 7 0,-5 4-85,5 1 0,-7 4-138,2-5 0,-3 1 192,-2-6 1,-9-4-65,-5-10 1,-3-7-9,-7-23 0,4 2 20,-4-11 0,-6-2 12,-4-8 1,-7-4-40,2-6 1,-3-6 43,-2-4 1,-5-3-451,0-2 0,0-6-54,4-4 1,8 2-1201,3-1 1670,3-1 0,1-10 0,1-3 0</inkml:trace>
+  <inkml:trace contextRef="#ctx0" brushRef="#br1" timeOffset="3635">4175 102 11306,'28'9'231,"-4"1"0,2 0-82,-6 5 366,0-1-260,1 8 1,-6 7-194,-1 10 1,1 12 75,-5 8 1,3 8 8,2 11 0,-1-1-169,1 6 1,0 2 180,-1 8 1,1 5-62,-8-44 1,1 0 0,-1-4 0,0-1 94,1 3 0,-1-1 1,6 44-123,-3 3 0,-3-11 73,-7 1 0,-9-18-180,-5-6 0,-8-9-280,-7-6 0,-7-3-357,-3 3 0,-5-5 324,-5-5 0,-3 4-600,-7-4 1,-10 2 52,1-2 0,-8 3 896,8-2 0,-1 5 0,-4 3 0,-7-1 0,-5 2 0</inkml:trace>
 </inkml:ink>
 </file>
 
@@ -3881,15 +3805,20 @@
           <inkml:channelProperty channel="F" name="resolution" value="0" units="1/dev"/>
         </inkml:channelProperties>
       </inkml:inkSource>
-      <inkml:timestamp xml:id="ts0" timeString="2020-05-06T14:31:28.772"/>
+      <inkml:timestamp xml:id="ts0" timeString="2020-05-06T14:35:00.278"/>
     </inkml:context>
     <inkml:brush xml:id="br0">
       <inkml:brushProperty name="width" value="0.11429" units="cm"/>
       <inkml:brushProperty name="height" value="0.11429" units="cm"/>
     </inkml:brush>
   </inkml:definitions>
-  <inkml:trace contextRef="#ctx0" brushRef="#br0">265 1074 25327,'0'-15'-8084,"0"-4"6576,0-1 0,0 0 318,0 6 974,0 6 433,0 1-150,0 7 121,0 0 0,0 7-1209,0 2 0,0 11 1152,0 5 0,0-3-8,0 3 0,0 1 6,0 8 0,7-1-37,3 6 1,1-1 77,-1 1 0,3-2-100,-3-2 1,4-4-579,6 3 1,-2-3 802,7-1 1,-1-3 24,5-2 1,-4-4 113,-1-6 1,-1-7 160,2-3 1,1-5 36,-6-5 0,-1-3-345,-4-7 1,0-6-159,-1-4 1,1-2-136,0-3 1,-1-6-93,1-3 0,0 3-88,-1 2 0,-1-2-100,-3 2 0,-2-6-176,-3 6 0,-3 1-191,3 9 1,-3-2 232,-2 6 0,0 5 152,0 6 17,-7 5 430,5-2 1,-4 12-54,6 4 1,0 8 62,0 2 0,5 8-21,0 1 1,6 2-15,-1 8 0,-2-5 29,2 6 1,-2-1 14,2 5 1,1 7-240,-6 2 1,7 5-194,-3 0 1,0 8-7,0 2 1,-1 11-26,2 4 0,2-1 167,-7 1 1,0 0 20,-5 6 1,-2-5 47,-3-5 0,-5-12 2,-9-13 1,-6-13 275,-9-2 1,1-3-14,-6-7 0,0-3 244,-5-11 1,0-7 133,-1-3 1,-4-3-41,0-2 0,0-2 171,5-3 1,2-3-492,3-7 1,-7 0-7,7 1 1,0-1-594,9 0 1,1 1-8,-1-1 0,-2 0-203,2 1 1,4 4-331,11 0 0,7 5-1274,3-5 593,4 7 1475,14-10 1,3 5-1,14-7 1</inkml:trace>
-  <inkml:trace contextRef="#ctx0" brushRef="#br0" timeOffset="624">162 368 19772,'9'0'35,"-3"0"-80,1-6-904,-6 4 735,6-4 0,-7 4-990,0-3 88,6 4 936,-4-13 0,6 11-82,-3-7 1,-3 6-301,3-6 0,1 0 76,-1-5 1,5 1 465,-5-1 1,6-1-100,-1-4 0,1 2 400,-1-7 0,3 6-153,-3-6 0,-2 6-167,2-6 0,-2 7-109,2-1 0,-2 4 232,-3 5 0,-2-1-157,7 6 311,-7 0 0,10 7 86,-3 2 1,2 5-183,-2 5 0,7 6-38,-2 0 0,3 6-2,-3-2 1,0 9-189,-1 1 1,1 5-54,0-4 0,-1-1 29,1-5 1,-2 1-593,-3-1 0,1 1-436,-6-1 0,0-6 24,-5-4 1000,7 4 0,-6-6 1,6 4-1</inkml:trace>
+  <inkml:trace contextRef="#ctx0" brushRef="#br0">587 292 17055,'15'-16'-2090,"0"-4"726,-7 4 939,-2-5 1,-6 11-308,0 0 668,0 1 1,-6-5-63,-4 5 0,-8 2 378,-2 7 0,-6-5-345,2 0 0,-4 0 330,-1 5 0,3 0 113,-4 0 0,4 0 96,-8 0 1,-2 7 60,1 3 0,-4 3-175,5 2 1,-5 1-146,4 3 1,3-1-422,7 7 0,2-5 88,4 4 1,7-1-294,-2 1 0,9 3-76,0-8 0,10 6 55,5-6 1,4-1 287,6-8 0,4 1 184,11-6 0,-3 0 111,8-5 1,-6 0 58,5 0 1,-5 0 75,6 0 0,-8-6 20,3-4 1,0-3 61,0-2 0,-3-1-129,-7-4 1,1 2-260,-6-6 0,4-1-173,-4-4 1,-2 6-113,-8 3 0,-4-1-238,-6 2-470,0-1 435,0 5 286,-6 7 0,-3 2 532,-5 6 1,4 4-44,0 1 1,2 7-66,-2-2 0,-1 3-151,6 1 0,0-4 86,5 0 0,0 0-55,0 4 0,0 1 49,0 0 0,1-2-47,4-3 0,4 1-76,5-6 0,1 5 60,0-5 1,6 5 127,3-6 0,-1 6 49,2-5 0,-2 2 167,1-2 1,2-4 103,-6 4 1,4 2-1,-4-2 0,4 4-115,-4-4 0,-5 7-317,-5-3 0,-1 0-63,6 0 1,-7 1-245,-3 5-32,-3 0 1,-2-1-480,0 1-70,0-7 63,0 5 405,0-11 410,-7 4 1,4-10 13,-7-1 0,7-7-71,-2 2 1,-2-3 139,3-1 1,-1-6-2,5 0 1,0-4-24,0 4 0,6-4 84,4 4 0,3-6 66,2 2 0,1-3-308,4 3 0,-2-2 92,6 6 1,-1-3-85,1 9 1,4-4-48,-3 8 0,3 3 41,1 2 0,-1 4 355,-4 1 1,10 6 0,-3 3-1</inkml:trace>
+  <inkml:trace contextRef="#ctx0" brushRef="#br0" timeOffset="576">1646 263 11904,'9'-5'-500,"1"0"253,-7-6 1,6 4 588,-4-3-492,-4-3-100,6 5 355,-7 0-684,0 2-167,0 6 823,-7 0 1,-1 0 68,-7 0 1,1 1-14,-1 4 0,-1 3-190,-4 7 0,4 0 134,-4-1 1,4 3-93,1 2 0,0-1 37,1 7 1,1-6-3,3 6 0,-2-2-295,7 1 1,0-1 67,5-3 0,0-4 29,0 4 0,7-9 145,3-1 0,3-7 101,2 2 1,-1-3 52,1-2 0,0-2-15,-1-3 0,1-3-24,0-7 1,-1 1-26,1-1 0,0-5 26,0 1 0,-6-3-38,1 3 1,-2 2-91,2-2 1,2 3-83,-8 1 0,3 2-120,-2 3 166,-3-3 0,6 11 178,-3-3 1,-4 10-58,4 5 0,2 8 132,-2 2 0,6 6 48,-1-2 0,3 4-128,2 1 1,-4 2 166,4 4 0,-7-3-145,11 8 1,-7-1 70,3 5 0,-1 7-153,-4 2 0,-3-2-20,-2-2 1,-4-3-19,-1-2 1,-13-2-3,-7-2 0,-7-6 94,-8-10 1,-4 1 47,-10-10 0,-5 1-152,-9-11 0,2 0 131,-2-5 1,4-2-378,5-3 0,3-3 174,7-7 0,7-1-209,2-4 1,16 2-79,4-6 1,10-1 22,0-4 1,17 1-191,7 4 0,9-6 466,6 1 0,5-2 39,10-8 1,4 6 0,5-3 0</inkml:trace>
+  <inkml:trace contextRef="#ctx0" brushRef="#br0" timeOffset="1289">2087 263 17819,'0'-16'-4418,"0"-4"2731,0-3 724,0 7 815,0-4 355,-7 12 0,-1 0 108,-7 3 0,-4 10-169,-1 5 1,-1 9-493,1 6 0,4 3 286,-4 1 0,4 0 154,1 1 0,2 4-112,3 0 0,4 6-55,6-6 0,0 5-232,0-5 0,0-1-58,0-8 0,0 1-491,0-7 569,6 1 221,2-12 1,6-3 280,-5-10 1,-1-10-278,-3-9 0,-3-4 23,3-1 0,-3-2 29,-2-4 0,6 3-6,4-7 0,-2 4 67,2-4 1,5 0-43,4-5 0,2 1 112,-1 4 1,-4 3-300,4 7 1,-4 6 393,-1 3 0,0 10 30,-1 6 0,1 8 84,0 6 1,-5 10-199,-1 4 0,-4-1-5,5 2 0,-5 4-106,5 5 1,-7 1-52,2-6 0,-3-4-10,-2-1 0,0-4-152,0 4 1,0-6-368,0 2 193,0-10 509,0-4-260,0-6 0,0-6-105,0-4 1,0-8 123,0-2 1,0-6 5,0 2 1,1 1-79,4-2 0,3 1 145,7-6 1,5 1 151,-1 0 0,6 6-112,-6 3 0,6 4 383,-6 1 0,6 7 64,-6 3 1,3 5 71,-3 5 0,-2 10-275,2 9 0,-2-1-70,-3 1 0,-1 1-77,-3 4 1,2 1-87,-8-1 0,1-4-419,-5-1 1,5-6 90,0 2 1,2 1-406,-2-1 0,-2-1 33,7-4 1,-2-5-338,2-1 1047,3-5 0,1 9 0,9-5 0</inkml:trace>
+  <inkml:trace contextRef="#ctx0" brushRef="#br0" timeOffset="1746">3013 145 12419,'14'-6'-534,"1"3"213,0-7 0,-1 0 317,1-5 1,-5 2 760,0 3-419,-7-3-308,3 5 0,-12 0-47,-4 3 0,-3 4 85,-2 1 1,-4 0-45,-1 0 0,-1 6 9,1 4 0,4 3-136,-4 2 0,2 6-54,-1 3 0,3-1 43,-4 2 0,4-6 67,1 6 1,5-6-334,0 6 0,5-5-66,-4 4 0,5-6 108,-1 2 1,5-4 91,5-1 0,4-1 147,5 1 1,7-7 230,4-3 1,3-3-53,1-2 1,0 0 18,1 0 1,-1-7-5,1-3 1,4-3 3,0-1 1,-4-1 115,-6 0 1,-4 1-161,4-1 0,-6 2 127,2 3 0,-9-1-315,-1 6 519,-7 0-254,10 5 51,-4 6 1,4 2-148,-4 7 1,5 0-9,-5 0 1,-1-1-40,2 1 1,0 0 94,5-1 1,-1-1-94,1-3 0,1 2 49,4-7 1,-4 4-7,4-4 0,1 0-191,-1-5 1,4 0-132,-4 0 1,1 0 119,-1 0 1,-4 0-155,4 0 0,-4-6-127,-1-4 438,-1 3 1,1-6 0,0 5 0</inkml:trace>
+  <inkml:trace contextRef="#ctx0" brushRef="#br0" timeOffset="2009">3718 72 12419,'8'-23'-1920,"0"7"612,-3 6 1107,-3 0 447,5 2 0,-6 3 194,4 10 1,-3 5-392,3 9 0,1-1 23,-1 7 1,6-1-119,-1 6 1,5-1 159,5 1 1,-2 2 48,6-2 1,-4 2-184,4-7 1,1-2 154,4 1 0,0-6-340,1 2 0,-1-4 268,1-1 0,-1-2-214,0-3 0,-1 1-131,-3-6 0,-4 0-16,-6-5 112,-1 0 1,-4-2 177,0-3 1,-7-3 0,4-7-1</inkml:trace>
+  <inkml:trace contextRef="#ctx0" brushRef="#br0" timeOffset="2226">4159 101 12398,'0'-14'-1763,"0"-1"1267,0 0 788,-6 1 0,2 0 55,-5 5 1,-1 2-1,-5 7 1,-1 2 27,-4 3 1,-3 3-107,-6 7 1,-1 6-239,1 3 1,0 6-47,-1 4 0,1-1 136,-1 6 0,3-7-280,2 3 0,2 1-452,4-2 0,4 0 154,0-4 1,2-1-455,8 1 1,0-1 266,5 0 0,2-6 616,3-3 0,3 3 0,7 0 0</inkml:trace>
+  <inkml:trace contextRef="#ctx0" brushRef="#br0" timeOffset="3119">1925 1542 11831,'0'-15'-1648,"5"5"1318,0 1 490,0-1 307,-5-5-196,0 7 105,0 1-373,0 7 79,0 0 1,0 7 118,0 3 0,0 3-318,0 1 1,4 1 160,1 0 0,5 4-137,-5 1 0,6 5 2,-1-6 1,3 1 174,2-6 0,5 3-93,-1 2 1,6-4-178,-6 0 1,7-2 184,-1-8 1,-2 0 168,1-5 1,1-2-135,4-3 0,-6-5-9,-3-9 1,-2-4-188,1-7 1,-7 1 23,2 0 0,-9-6-63,0 1 1,2-5-35,-2 5 0,-2-1 10,-8 6 1,2 6 266,-7 3 1,2 4-66,-2 1 396,-3 7-66,5 2 0,0 12-16,3 4 0,3 3-129,2 2 0,0 4 57,0 1 1,2 6-47,3-1 0,3 2-12,6 3 1,-4 1 53,0 3 1,0-1-102,5 6 0,-1 0-152,1 5 0,1 7 168,4 3 1,-4 5-107,4 4 1,-6 3-1,-4 2 1,-2 2-101,-3-6 1,-3 5-88,3-6 1,-15-1-83,-5-8 1,-4-5 63,-1-9 1,-1-1 102,-4-10 0,-2-3 108,2-11 0,-3-5 74,-1 0 1,1-7 149,4 2 0,3-4-32,6-1 1,0-5 172,0 1 1,6-13-200,-1 3 0,5-6 179,-5 0 1,7 2-148,-2-6 1,3-1-183,2-4 0,7-5-334,3-1 1,9-1 35,6 2 1,3-3-288,1-7 0,2 4 111,3 1 0,-1 6 99,6-1 0,0 3-210,5 2 1,-4 11 164,-1 3 0,-8 10-1464,-2 0 1852,1 4 1,-7 14 0,6 3 0</inkml:trace>
 </inkml:ink>
 </file>
 
@@ -3937,15 +3866,21 @@
           <inkml:channelProperty channel="F" name="resolution" value="0" units="1/dev"/>
         </inkml:channelProperties>
       </inkml:inkSource>
-      <inkml:timestamp xml:id="ts0" timeString="2020-05-06T14:31:32.215"/>
+      <inkml:timestamp xml:id="ts0" timeString="2020-05-06T14:34:57.981"/>
     </inkml:context>
     <inkml:brush xml:id="br0">
+      <inkml:brushProperty name="width" value="0.08571" units="cm"/>
+      <inkml:brushProperty name="height" value="0.08571" units="cm"/>
+    </inkml:brush>
+    <inkml:brush xml:id="br1">
       <inkml:brushProperty name="width" value="0.11429" units="cm"/>
       <inkml:brushProperty name="height" value="0.11429" units="cm"/>
     </inkml:brush>
   </inkml:definitions>
-  <inkml:trace contextRef="#ctx0" brushRef="#br0">398 265 21775,'14'-2'-2332,"1"-3"1746,0-3 1,-2-6-214,-3-1 1,1 5 566,-6 0 1,5 0-48,-5-4 0,0 4-86,-5 0 0,0 5-78,0-5 1,-7 2 72,-3-1 1,-3 0 96,-1 4 0,-3 4 441,-2-4 1,1 3 165,-7 2 1,2 0 35,-1 0 1,-4 0 73,4 0 1,-9 7 44,-1 3 0,-1 3-16,6 1 1,4 8-488,1 2 0,1 2-207,-1-1 0,2 3-131,8-4 0,5 4-273,5 1 0,2 1 62,2-1 1,8-1 102,7-4 0,6 2 305,8-6 1,1-2 191,-1-8 1,1 1 220,-1-6 0,0 0 95,1-5 1,-1 0 75,1 0 1,-3-7-75,-2-2 1,1-6 0,-6-5 0,-1 2-341,-4-6 1,0-1-262,-1-4 0,1 0-148,0-1 1,-2 1-117,-3-1 1,1 3-110,-6 2 1,0 2-576,-5 4 157,0 9 840,0-3 1,-5 14 318,0 4 1,-2 3 119,3 7 1,2 5-202,-3-1 1,3 8-53,2-3 1,0 2-58,0-1 1,2 2 92,3-2 1,1-2-56,4 1 1,3-1 177,-3 2 0,3-4-418,2-6 1,0-1 425,-1 1 1,1-2-61,0-3 0,-1-4 569,1-6-167,0 0 0,-1-6-172,1-4 0,-5-8-326,0-2 1,-5-6-17,4 2 1,-4 1-227,5-2 1,-5 3 147,5-3 1,-5-1-147,5 6 0,-6 2 82,6 9 1,-5-3-55,5 7 0,-5 0 425,5 5 0,-1 2 283,6 3 1,0 3-44,0 7 0,4 1-117,1 4 0,-1-4-9,-4 4 0,-2 1-240,-3-2 1,1 1 172,-6-5-728,7-1 193,-11-5-10,6-3 1,-14-7 363,-3-4 1,2-8-254,-1-7 1,0-6-134,0 1 0,-3-2 210,7-3 0,0-1-341,5-3 0,0 1 83,0-6 0,7 6-193,3-1 1,8 3 290,1 2 0,7 1-170,-1 3 1,3 9 406,1 6 0,0 7 866,1-2-609,6 3 1,-5 2-1,5 0 1</inkml:trace>
-  <inkml:trace contextRef="#ctx0" brushRef="#br0" timeOffset="501">1647 147 26903,'0'-14'-4022,"0"-1"1,0 0 2774,0 1 1,0 4 778,0 0 0,-6 5 856,-4-5 1,2 7-16,-2-2 0,5 3 224,-5 2 0,5-4-680,-5-1 0,6 0-1270,-6 5 1765,7 0 0,-11 5-187,5 0 0,0 6-270,0-1 1,4 5-457,-5 4 0,0-1-92,-5 7 1,2-6-106,4 6 1,-4-6 211,3 6 1,2-7 95,-2 1 0,7-2-1079,-2-3 988,3 1 0,4-5 440,3 0 1,4-7 630,11 2 1,-2-5-132,6-5 0,-4-3-165,4-7 0,1 0 188,4 1 0,-6-1-200,-3 0 0,-2 1 109,1-1 1,-4 0-80,0 0 0,-2 1-301,-8-1 0,1 5-962,-1 0 6,-3 7 838,4-3 1,-6 12-227,0 4 0,-5 5 237,1 4 0,-1 1-116,5 9 0,-5-3 194,0 9 1,0 2 52,5 2 0,0 10 96,0 5 0,0 4-77,0 0 0,0 1-117,0 0 0,0 0-26,0 0 0,-8 3 83,-7-4 0,-6-2-64,-9-12 0,-5-8 370,-5-7 1,-9-6-61,-5-8 0,-4-7-79,-6-3 0,2-8-52,-7-2 0,7-7 721,-1 3-620,9 2 0,3-6 0,7 5 0</inkml:trace>
+  <inkml:trace contextRef="#ctx0" brushRef="#br0">265 1072 8558,'0'-34'0,"0"-1"0,0-1 51,0 2 1,0 3 289,0-3-175,0 9 0,-1-1 71,-4 7 0,1 4 257,-5 5-452,5 0 170,-2 2 0,4 2-123,-3 6-36,4 0 1,-6 1 42,7 4 1,0-2-290,0 7 0,0 0 20,0 5 0,0-1 78,0 1 1,0 5 109,0-1 1,2 9 30,3 1 1,3 3-1,6 7 0,1-2-9,0 2 1,0 4 19,-1-4 1,1 4-49,0 1 1,1-2 50,4-3 1,-2 2-173,6-7 1,-6 4 146,2-9 0,-4 1-361,-1-15 245,6 3 1,-5-17 55,4 4 0,-5-10 2,-6-5 0,-1-4-7,-3-6 0,-1-3 38,5-6 0,-5-2-34,1-4 1,-4 3 60,-1-7 0,5 1-40,0-1 1,0 3 31,-5 6 1,0 1 16,0 0 1,0 1 339,0 3-231,0 11-47,0 7-87,0 7 1,2 7 37,2 3 1,0 4 56,6 6 1,-2 1-56,1 4 1,5 2 110,-5-2 1,4 3-31,2 1 1,0 7-4,0 3 0,-1-1-20,1 1 1,0 7 30,-1 8 0,-1 3-150,-3 1 0,2 6 109,-7 0 0,-2 6-120,-8-1 0,-5-6 94,-10-4 0,-4-7-175,-10-7 1,-10-8 26,-10-3 0,1-9 25,0-6 0,-1-4-2,-5-5 0,2-3-10,3-7 0,-2-9-93,7-5 0,5-8 131,5-7 1,6 0-140,-1-1 1,11-1 120,8-3 0,7 1-167,8-6 0,0 0 72,0-5 0,13-2-157,7-3 1,6 2 124,3-7 0,9 5-135,6-5 0,0 8 123,5 2 1,-1 11 7,1 9 1,-2 8-139,7 1 1,-7 2 136,2 8 0,2 2-239,-2 8 0,1-2 129,-1 7 0,-3-2-316,3 2 592,-3 3 0,5-5 0,1 6 0</inkml:trace>
+  <inkml:trace contextRef="#ctx0" brushRef="#br1" timeOffset="604">1 513 9438,'0'-14'-388,"0"-1"423,0 0 164,6 1 0,-4 4-73,3 0 1,-4 5 107,-1-5 1,5 5-164,0-4 1,7 4 176,-3-5 0,4 5-507,2-5 1,5-1 164,-1-9 0,7 2-28,-1-6 0,3-1 162,1-4 0,-4-1-140,-1 1 0,1 0 104,4-1 0,-5 1 23,1-1 1,-7 8 310,2 2-290,-4 4 0,-1 8 32,-1 3 1,-4 10 25,0 4 0,-2 11-4,2 4 0,3 4-19,-3 2 0,3 4 4,1 0 1,-4 7-99,0-2 0,0-1 81,5 1 0,-1-1-232,1 1 1,-5-2 108,0-2 1,-6-4-434,6 3 0,-7-8 91,2-1 0,-3-8-76,-2 3 1,2-8 473,3-3 0,3 1 0,6 5 1</inkml:trace>
+  <inkml:trace contextRef="#ctx0" brushRef="#br0" timeOffset="1048">1720 1131 8570,'0'-15'0,"0"0"-187,7 7 114,-5-5 1,4 10 163,-6-7 1,7 7-10,2-2 1,0 2-118,0-2 1,6 3 106,5-3 0,1 4-298,-2 1 1,4 0-80,7 0 1,-1 0-376,1 0 680,-1 0 0,7 0 0,1 0 0</inkml:trace>
+  <inkml:trace contextRef="#ctx0" brushRef="#br1" timeOffset="1261">1794 1381 14591,'8'-10'-621,"-3"0"0,3 5 1164,2-5 1,-2 5-128,2-4 1,-5 5-827,5 0 0,-1-3 285,6 2 0,1 0-1021,4 5 1,-2 0 1119,6 0 0,7 7 0,7 1 1</inkml:trace>
 </inkml:ink>
 </file>
 
@@ -3965,15 +3900,14 @@
           <inkml:channelProperty channel="F" name="resolution" value="0" units="1/dev"/>
         </inkml:channelProperties>
       </inkml:inkSource>
-      <inkml:timestamp xml:id="ts0" timeString="2020-05-06T14:31:30.547"/>
+      <inkml:timestamp xml:id="ts0" timeString="2020-05-06T14:35:05.560"/>
     </inkml:context>
     <inkml:brush xml:id="br0">
-      <inkml:brushProperty name="width" value="0.11429" units="cm"/>
-      <inkml:brushProperty name="height" value="0.11429" units="cm"/>
+      <inkml:brushProperty name="width" value="0.08571" units="cm"/>
+      <inkml:brushProperty name="height" value="0.08571" units="cm"/>
     </inkml:brush>
   </inkml:definitions>
-  <inkml:trace contextRef="#ctx0" brushRef="#br0">89 118 19973,'0'-15'-5370,"2"0"4506,3 1 1,-2-1 349,7 0 0,-5 2 809,4 4 1,-4-3 65,5 7 1,0 0-244,5 5 1,-1 0 92,1 0 0,0 0-615,-1 0 0,6 0 647,0 0 0,6 0 270,-2 0-279,-3 7 0,7-6 0,-5 6 0</inkml:trace>
-  <inkml:trace contextRef="#ctx0" brushRef="#br0" timeOffset="208">1 324 13670,'15'0'0,"-1"0"-220,1-7 0,5 1 79,-1-4 0,1 3 316,-6 7 1,6-5 252,0 0-1015,6 1 456,-3 4 0,11 0 191,0 0-1041,7 6 988,-3 2 0,6 7 0,0 0 0</inkml:trace>
+  <inkml:trace contextRef="#ctx0" brushRef="#br0">89 74 8546,'0'-14'0,"0"-1"0,0 0-955,0 1 294,0 5 1135,-7 3 0,1 14-72,-4 7 1,-3 6-127,3 8 0,2 7-96,-2 4 0,5 9 11,-4 4 0,5 3-137,-1-2 0,4 8 95,1-3 1,3 11-113,7 3 0,0 1-71,9 4 1,3-3-114,-3-1 0,1-7-95,-6-3 0,-1-17-84,-3-8 1,-3-8 22,-7-6 1,-2-11-137,-3-9 1,2-3-62,-7-2 0,0-11-182,-4-4 682,-1-10 0,-6-4 0,-2-9 0</inkml:trace>
 </inkml:ink>
 </file>
 
@@ -3993,14 +3927,14 @@
           <inkml:channelProperty channel="F" name="resolution" value="0" units="1/dev"/>
         </inkml:channelProperties>
       </inkml:inkSource>
-      <inkml:timestamp xml:id="ts0" timeString="2020-05-06T14:31:35.942"/>
+      <inkml:timestamp xml:id="ts0" timeString="2020-05-06T14:35:05.811"/>
     </inkml:context>
     <inkml:brush xml:id="br0">
-      <inkml:brushProperty name="width" value="0.11429" units="cm"/>
-      <inkml:brushProperty name="height" value="0.11429" units="cm"/>
+      <inkml:brushProperty name="width" value="0.08571" units="cm"/>
+      <inkml:brushProperty name="height" value="0.08571" units="cm"/>
     </inkml:brush>
   </inkml:definitions>
-  <inkml:trace contextRef="#ctx0" brushRef="#br0">236 273 16287,'8'-21'-3999,"-1"4"2350,-7-4 791,0 7 1,1-1 1472,4 0 1,-3 5-146,3 1 92,-4 5-586,-1-2 1,0 12-454,0 4 0,-5 3 458,1 2 0,-1 4-60,5 1 1,0 1 1,0-1 0,0-4 83,0 4 1,0-4-358,0-1 211,0-1 0,1 0 208,4-5 115,3-2-9,7-7 0,0-7-55,-1-2 1,1-9-11,0-2 0,0-8-178,-1-1 0,1-1 128,0-4 0,-1-2-106,1 2 0,-5 1 113,0 9 1,-5 1 77,4 3 0,-4 9-343,5-4 211,-7 10 1,5 5 225,-3 10 1,-1 8-152,5 2 0,-4 7 90,5 3 0,-5 1-100,5 8 0,-2-1 21,2 1 0,-2 8-61,-3-3 0,-2 7-127,7 3 1,-7 0 3,2 9 0,-3-2-83,-2-2 0,0-1-29,0 1 1,-2-2 180,-3-3 0,-3-3 105,-7-7 0,-8-2-18,-6-2 0,0-6 64,-6-10 0,-2-2 61,-2-8 0,-5-5-9,-5-5 1,8-4 26,-3-4 1,9-6-94,1-10 1,3 2-5,2-6 0,7 1-78,8-2 1,1-2-134,8 2 1,0-1-62,5 1 0,6-2-288,4 2 1,10 2 144,4-1 0,6-1-202,4-4 0,3 1 50,8 4 1,7 1-123,7 3 0,3 4-117,11-4 429,-3 4 1,17 1 0,-5 0 0</inkml:trace>
+  <inkml:trace contextRef="#ctx0" brushRef="#br0">119 162 8546,'14'-36'0,"6"5"56,-1-3 1,6 10 202,-5 4 0,6 10-353,-2 5 1,2 4 68,-1 1 1,3 1-133,-4 4 0,9 3 165,1 7 0,0 5-54,-4-1 1,-1 7 158,1-1 1,-1-2 9,0 1 1,-1 6-84,-3 4 0,-4 0-33,-7-4 1,-5-1 47,-4 0 1,-10 4 17,-5-4 0,-11 4-16,-9-8 0,-12-4 18,-12-2 0,-5 3-166,-5-3 0,-1-1 137,-4-8 0,2 3-1250,4-3 1030,2 3 1,3 2 0,7-1 0</inkml:trace>
 </inkml:ink>
 </file>
 
@@ -4020,17 +3954,14 @@
           <inkml:channelProperty channel="F" name="resolution" value="0" units="1/dev"/>
         </inkml:channelProperties>
       </inkml:inkSource>
-      <inkml:timestamp xml:id="ts0" timeString="2020-05-06T14:31:34.333"/>
+      <inkml:timestamp xml:id="ts0" timeString="2020-05-06T14:35:06.319"/>
     </inkml:context>
     <inkml:brush xml:id="br0">
       <inkml:brushProperty name="width" value="0.11429" units="cm"/>
       <inkml:brushProperty name="height" value="0.11429" units="cm"/>
     </inkml:brush>
   </inkml:definitions>
-  <inkml:trace contextRef="#ctx0" brushRef="#br0">118 324 22559,'14'-23'-3268,"-5"1"1,-1 9 1448,-3 4 2469,-4-4-823,6 11 1563,-7-5-1650,0 7 513,0 7-1050,-7 1 1,4 7 105,-7-1 497,7 8 0,-10-4 188,3 6 1,-1 1-8,1 4 1,-3-4-456,3-1 0,2-1 642,-2 1 0,5 3-990,-5-8 0,7 1 645,-2-6 0,-1 1-124,1 0 202,0 0-73,5-7 0,0-3 537,0-10 1,-5-8-529,0-7 1,0-6 8,5 1 0,0-7-39,0-3 1,7-5 247,2 0 0,4 3-69,2-2 1,6 4 264,4-4 0,1 7-8,-1-3 0,2 11-248,-2 4 1,4 9 462,5 1 0,-4 8 322,-1 2 1,1 8-369,-6 12 0,-3 3-135,-1 6 0,0 1-219,-6-1 1,4 0-16,-8 1 0,-3-4-342,-3 3 0,-2-7-126,-2 7 0,0-9-276,0-1 1,0-2-674,0-3-17,-6 1 1322,-3-7 1,-5-3 393,-1-10 1,7-3-359,3-7 0,2-6-57,-2-3 0,3 1 114,-3-2 0,5 1 23,5-6 0,3 1 116,7-1 1,1 4 98,4-3 0,-2 9-149,6-4 0,-4 6-124,5 3 1,-6 5 349,6 1 1,-7 7 360,1 2 0,-1 8-273,2 12 0,-4-2-210,4 6 0,-9 2-194,-1 9 0,-5-4-124,5 3 1,-5-3-114,4-2 0,-5-4-306,0-1 0,-2-4-251,-2 4 0,2-6-873,3 2 231,-4-4 242,6-1 1270,-1-7 1,3-1 0,5-7 0</inkml:trace>
-  <inkml:trace contextRef="#ctx0" brushRef="#br0" timeOffset="430">1117 265 18244,'8'-15'-3553,"5"5"3036,-3 0 433,3 1 297,2-6 1,-2 5-69,-3 0 49,-4 7-421,-6-10 1,-1 11 98,-4-2 0,2 2 482,-7 2 1,0 0-94,-5 0 1,-4 2-89,-1 2 1,-4 5-55,4 5 1,-5 3-259,6 2 0,-2-1 28,1 7 1,4-6 244,-4 6 0,4-6-456,1 6 0,5-2-222,0 1 1,7 2-193,-2-6 1,4 0 172,1-6 0,6-6 472,4-3 1,8 2 177,2-2 0,6-2 145,-2-8 0,-1-3-66,2-7 0,-1-4-92,5-1 1,-4-4 113,-1 4 0,-4-6 9,5 1 0,-7 2 37,1-1 0,-4 6-359,-5-2 1,1 4-372,-6 1-312,0 7 532,-5 2 731,6 12 1,-4 4-619,3 10 0,-3-4-8,-2 4 0,4-2 114,1 1 1,2-3-50,-2 4 0,3-4 124,7-1 1,-1 5-84,1-1 1,1-4 167,4-5 1,-4-2-575,4 2 1,3-2 408,1-3 0,-1-4 322,2 4 0,-7-10 0,3-3 0</inkml:trace>
-  <inkml:trace contextRef="#ctx0" brushRef="#br0" timeOffset="647">1543 132 18074,'9'-14'-4476,"-4"-1"3710,3 7 1,-5 0 895,7 3 1,-5 3 164,4-3 0,1 10 182,5 5 0,0 5-394,-1 4 1,8-1 5,2 7 1,4-6-371,1 6 1,1-2 552,-1 1 0,2 2-217,3-6 0,-4 0-63,-1-6 0,1 1-319,-6 0 1,2-2 160,-1-3 0,-4 1-24,-6-6 0,-1 0 318,1-5 1,0 0 0,-1 0 0</inkml:trace>
-  <inkml:trace contextRef="#ctx0" brushRef="#br0" timeOffset="808">2073 30 17972,'-10'-10'-910,"0"0"0,5 7 952,-5-2 0,-1 3 465,-9 2 1,2 8-520,-6 7 1,-1 6-30,-4 9 1,-5 4-215,-1 0 1,1 7-402,5-2 1,-1 4 157,1 1 0,1 0-15,4 0 1,-3 0-378,8 0 661,-1 0 0,-1 0 1,-2 1-1</inkml:trace>
+  <inkml:trace contextRef="#ctx0" brushRef="#br0">456 84 14342,'15'-15'-753,"-1"0"0,-5 0-8,-4 1 1,-4 4-236,-1 0 1056,0 7 1,-11 1 388,-4 7 1,-14 11-48,-1-1 1,-2 10-149,2-1 0,-4 6-120,0 4 0,-6 3-117,6 8 1,0 5 142,4 4 0,-2 3-67,2 2 0,-1 11 62,12 4 1,1 3-789,8-4 0,3 1 401,7-1 0,4 4 313,5-4 1,8-3-135,12-11 0,1-11-75,-1-4 0,0-10-58,1 0 0,-1-9 173,1-6 0,-6-2-460,1-3 0,-3-4 261,3 0 0,-2-7-795,-4 2 1130,-2-3 1,10-9-1,-4-1 1</inkml:trace>
 </inkml:ink>
 </file>
 
@@ -4050,21 +3981,14 @@
           <inkml:channelProperty channel="F" name="resolution" value="0" units="1/dev"/>
         </inkml:channelProperties>
       </inkml:inkSource>
-      <inkml:timestamp xml:id="ts0" timeString="2020-05-06T14:31:40.955"/>
+      <inkml:timestamp xml:id="ts0" timeString="2020-05-06T14:35:06.706"/>
     </inkml:context>
     <inkml:brush xml:id="br0">
-      <inkml:brushProperty name="width" value="0.11429" units="cm"/>
-      <inkml:brushProperty name="height" value="0.11429" units="cm"/>
-    </inkml:brush>
-    <inkml:brush xml:id="br1">
       <inkml:brushProperty name="width" value="0.08571" units="cm"/>
       <inkml:brushProperty name="height" value="0.08571" units="cm"/>
     </inkml:brush>
   </inkml:definitions>
-  <inkml:trace contextRef="#ctx0" brushRef="#br0">412 74 10127,'8'-6'-347,"-2"2"-325,-6-6 195,0 7 301,7-10-63,-5 5 347,4 0 1,-6 0-315,0 3-138,0 3 382,-6-4 0,-3 6 13,-5 0 0,-1 0-9,0 0 1,1 4 84,-1 1 0,-1 7-113,-4-2 0,4 4 23,-4 6 0,-1-4-154,1 4 0,-6 3 102,2 1 0,-3 2-61,3-1 1,-2 3-22,6-4 1,-4 4-17,4 1 0,0 1 65,6-1 0,6 0-39,3 1 0,3-6 51,2 1 0,2-7-17,3 1 0,4-2 210,11-3 1,-2 1-46,6 0 0,-1 0-30,2-1 0,1 1-36,-6 0 0,4 6-3,-4 3 1,-1-1-142,-4 2 1,-5-2 138,0 1 1,-7 9-221,2-4 1,-4 2 110,-1-6-1,-6 2-90,-4-2 0,-3 1 70,-2-1 0,1-4 8,-1-6 0,-1-1 46,-4 1 50,4-7 0,-6-1 139,8-7 0,4 0-100,0 0 1,7-2 141,-2-3 0,3 2-133,2-7 0,0 5 38,0-5-130,0 7 36,7-3 0,1 7 65,7 4 1,-6 3-80,1 7 1,0 0 79,5-1 1,-5 8-73,-1 2 1,-4 10-21,5 6 0,-7 4 55,2 5 1,-3 3-70,-2 7 1,0 4 8,0 1 1,-2 1-73,-3-1 1,-3-2 52,-7 7 0,-4-2-8,-1 1 1,1-2 90,4-8 0,2-4-50,3 0 0,-1-3 43,6-2 0,0-7-22,5-12 0,2-3 92,2-2 1,5-4 36,5-6 0,8-2 173,2-3 0,5-4-232,6-6 0,-3 0-25,8 0 1,-1-1-408,5-4 0,6-2 143,4-3 1,4-3-299,0 4 1,1 0 497,0 0 0,6-1 1,2-5-1</inkml:trace>
-  <inkml:trace contextRef="#ctx0" brushRef="#br0" timeOffset="507">1602 1000 10200,'8'0'-670,"6"-6"0,-8 10 343,4 1 1,-4 13 444,-6 7 1,0 4-125,0 6 1,0 2 209,0 7 0,0 7-200,0 3 0,2 3-27,3 2 1,1-5-211,4-1 1,8-4 162,-3 5 1,3-6-184,-3 1 1,-1-8 136,1-2 1,-5-11-113,0 1 0,-7-9-198,2-1 251,-4-9 1,-9-5 144,-6-10 19,-1-10 0,-13-8 1,5-6-1</inkml:trace>
-  <inkml:trace contextRef="#ctx0" brushRef="#br1" timeOffset="753">1573 838 8547,'21'-52'-228,"4"3"0,4 3-285,5 2 1,-3 12 1306,4 2 0,1 16-175,-2-1 0,7 10-725,-2 0 0,-2 3-105,3 2 0,-8 2-33,3 3 1,1 5 194,-2 9 0,0-1-113,-4 7 1,-6 1 135,1 8 1,-7-1-1,1 6 0,-4-5-20,-5 6 0,-4-6 56,-6 5 0,-6-5 19,-4 6 0,-11-8 20,-9 3 1,-7-4 12,-12-2 1,-5-6-207,-10-4 1,2-2 156,-7-2 1,7-2-232,-1-4 0,1 3 218,-2-7 0,10 6 0,-3-3 0</inkml:trace>
-  <inkml:trace contextRef="#ctx0" brushRef="#br0" timeOffset="1107">3116 221 15162,'28'-24'-863,"-3"-1"0,-6-4 183,-9 9 1023,3 7-491,-11 6 1,-1 9 101,-6 3 0,-13 10 100,-1 9 76,-7 11-253,-4 2 1,1 7-39,-1 0 1,-4 5 63,0 0 1,-5 12-44,4-3 0,-1 13-270,2 2 1,3 7 317,-3 8 1,16-38-1,2 0-19,1 1 1,0 1 0,-1-1-1,1-1 56,-4 48 1,5-8-177,10-2 0,2-8 46,2-11 1,8-12 5,7-13 0,1-6 103,9-9 1,-1-3 40,6-6 1,-1-2-72,0-13 0,-4 4 4,-1-4 0,6 2 545,4-2-443,0-4 0,-4 6 0,-1-7 0</inkml:trace>
+  <inkml:trace contextRef="#ctx0" brushRef="#br0">1 162 8468,'0'-14'-663,"0"6"0,4-6 545,1 5 0,0 1 995,-5-2-639,0 6 0,2-7 138,3 6-221,-4-6 1,6 7 4,-7-5 1,0 4 144,0-5-129,6 7 0,-2-9-93,6 7 1,-6-1-15,6 1 0,-5 3-194,5-3 0,-5 4 84,5 1 0,-5 0-147,4 0 1,1 5 11,5 0 1,0 6 184,-1-1 1,1 3 41,0 2 0,-1 4-83,1 1 0,5 1 150,-1-1 1,2-4-66,-1 3 1,-4 3-25,4-3 0,-4 1-45,-1-5 1,5 1-110,-1 4 1,1-9-102,-5 4 0,-1-6-102,1 1-13,6 3 0,-5-11 66,4 3 1,-4-4-65,-1-1 0,-5-1 83,0-4 1,-2-3 255,2-7 0,3-6 0,-5-2 0</inkml:trace>
 </inkml:ink>
 </file>
 
@@ -4084,22 +4008,14 @@
           <inkml:channelProperty channel="F" name="resolution" value="0" units="1/dev"/>
         </inkml:channelProperties>
       </inkml:inkSource>
-      <inkml:timestamp xml:id="ts0" timeString="2020-05-06T14:31:46.123"/>
+      <inkml:timestamp xml:id="ts0" timeString="2020-05-06T14:35:06.894"/>
     </inkml:context>
     <inkml:brush xml:id="br0">
       <inkml:brushProperty name="width" value="0.08571" units="cm"/>
       <inkml:brushProperty name="height" value="0.08571" units="cm"/>
     </inkml:brush>
-    <inkml:brush xml:id="br1">
-      <inkml:brushProperty name="width" value="0.11429" units="cm"/>
-      <inkml:brushProperty name="height" value="0.11429" units="cm"/>
-    </inkml:brush>
   </inkml:definitions>
-  <inkml:trace contextRef="#ctx0" brushRef="#br0">15 1044 8536,'-6'-15'0,"4"1"-80,-3-1 0,4-5 221,1 1 1,0-1 309,0 5-31,0 1-462,0 5 163,6-4-101,-4 12 0,11-4-253,-3 10 1,0 5 274,4 9 1,-2-1-74,7 7 1,4-1-72,2 6 0,-2 1 102,1 3 0,5-3-6,6 3 1,-1 2-41,-5-2 1,6 6 12,-1-6 0,0 5-44,-4-5 0,-1 1-184,1-6 1,-6-1-105,1-4 0,-7-2-130,1-8-116,-3-6 397,-7-1 214,-3-7 0,-6-13 0,0-3 0</inkml:trace>
-  <inkml:trace contextRef="#ctx0" brushRef="#br0" timeOffset="200">427 985 8536,'0'-23'-1298,"0"4"1603,0 2 514,-6 9 0,-3 8-660,-5 10 0,-6 10 1,0 4 0,-1 4-253,2 1 0,1 6 89,-7-1 0,7 7-129,-1-2 0,1-2 18,-2 3 0,9-1-3,-4 5 0,3-7-333,-2-2 0,6-4 162,3-2 0,3 1-550,2-1 839,0-6 0,0-2 0,0-6 0</inkml:trace>
-  <inkml:trace contextRef="#ctx0" brushRef="#br1" timeOffset="1004">1294 235 12730,'0'-14'-880,"0"-1"0,0 5-309,0 0 870,0 1-138,0 1 443,0 1 1,-1 7 348,-4 0 1,1 8-198,-5 7 0,4 6-211,-5 8 1,5 7 189,-5 4 1,5 9 8,-4 4 1,4 10-68,-5 0 1,7 12 55,-2-1 0,3 11-342,2 3 0,0 5 8,0 5 0,0 2 67,0-7 1,2-2 188,3-7 1,-4-6-138,4-9 0,-3-11 37,-2-9 0,0-5 79,0-4 0,0-1-173,0-10 0,0-3 94,0-11-438,0 0 116,0-7 232,0-2 147,0-19 0,0-3 0,0-13 0</inkml:trace>
-  <inkml:trace contextRef="#ctx0" brushRef="#br1" timeOffset="1617">1618 1059 12785,'5'-15'-1744,"-1"0"0,1 5 1369,-5 1 1,2 5 1108,3-1-422,-3 4-307,4 1 1,-8 6 131,-2 4 1,2 10-139,-3 4 0,-2 1-49,3 4 1,-1-3 70,5 9 0,0 1 24,0-2 0,0 5-31,0-5 1,1 1-46,4-6 1,2 0-77,3 1 0,3-2 8,-4-4 1,6-8 174,5-6 1,-4-7 186,4 2 1,1-5-120,-2-5 1,3-9-77,-3-11 0,-2-3-83,2-1 0,-4-2-10,-5-3 0,3 1-39,-3-6 1,1 0-63,-1-5 0,1 1-78,-6 4 0,2 3-94,-2 7 1,-4-1 50,4 1 1,-3 11 429,-2 3-91,-7 10 0,1 0 329,-4 10 1,-2 5-276,8 10 1,-1 3 154,5 6 1,-5 7-114,0 3 1,0-1-68,5 1 0,0 5 25,0 5 0,0 5 3,0-5 1,6 6-235,4-1 1,-2 5-156,2 5 1,5 3 78,5 6 0,-1-4 151,-4-1 1,-5-6-140,-1 2 0,-5-5 102,1-5 1,-4-10 14,-1-10 1,-6-4 5,-4-6 1,-5 1 19,-4-11 1,1 4 207,-7-8 1,1-3 1,-6-3 1,-6-2 29,-3-2 1,2 0-163,-3 0 1,6-6-186,-5-4 0,6 2-77,-1-2 1,8 5-658,1-5 877,7 7 1,-3-10 0,6 5 0</inkml:trace>
-  <inkml:trace contextRef="#ctx0" brushRef="#br1" timeOffset="2213">2411 103 10786,'5'-15'-939,"0"1"829,7-1 0,-11 0-1295,4 1 634,3-1 117,-6 7 1406,5 1-403,-1 7 0,-3 2-106,7 3 0,-2 10-97,2 9 0,3 5 105,-3 6 0,3 2-71,2 7 0,-1 7-18,1 3 0,5 14 39,-1 6 0,1 6-357,-5 3 0,4 2 69,1 13 0,-1-1 18,-4 1 0,-8-48 1,-1-1 52,4 44 0,1-5 21,-6-4 0,-1-4-158,-9-2 1,-5-6 119,-10-13 1,2-2 60,-6-3 1,-2 1-151,-9-6 0,4-6 89,-3-9 1,3-3-159,2-1 1,-6-3 28,1-2 0,1-4 192,9-6 1,-2-2-215,6-3 1,-4 1-41,4-6 1,5 2-413,6-3 621,5-2 0,-2 5 1,6-7-1</inkml:trace>
+  <inkml:trace contextRef="#ctx0" brushRef="#br0">323 1 8468,'-9'0'193,"-1"0"1,0 1 134,-5 4 0,1 5 34,-1 10 0,-5 4-251,1 10 0,-6-1 106,6 6 1,-6-4-248,6 4 1,-6 0-135,5 5 1,-2-2-119,7-2 0,-3-4 161,8-7 1,4 0-473,1 1-40,3-7 1,2-7 7,0-6 625,7-7 0,1 4 0,6-7 0</inkml:trace>
 </inkml:ink>
 </file>
 
@@ -4119,14 +4035,14 @@
           <inkml:channelProperty channel="F" name="resolution" value="0" units="1/dev"/>
         </inkml:channelProperties>
       </inkml:inkSource>
-      <inkml:timestamp xml:id="ts0" timeString="2020-05-06T14:31:50.429"/>
+      <inkml:timestamp xml:id="ts0" timeString="2020-05-06T14:35:07.166"/>
     </inkml:context>
     <inkml:brush xml:id="br0">
       <inkml:brushProperty name="width" value="0.08571" units="cm"/>
       <inkml:brushProperty name="height" value="0.08571" units="cm"/>
     </inkml:brush>
   </inkml:definitions>
-  <inkml:trace contextRef="#ctx0" brushRef="#br0">1 148 8562,'8'-30'-804,"5"6"321,-3-1 758,-4 7 1,6-3 1211,-7 6-697,0 7-189,-5 2-1015,0 6 1,0 6 265,0 4 0,0 5 23,0 4 1,-2 4 99,-3 6 1,3 2 49,-2 4 1,-3 2-25,2 7 1,0 1-61,5-1 1,-5 1 9,0 4 1,1 4 75,4 5 0,0 6-163,0 0 1,0 1 41,0-1 0,4 1-83,1 4 0,0-10-87,-5-10 1,2-5-167,3-5-6,-4-3-9,6-20 1,-5-4 444,2-17 0,5-17 0,5-9 0</inkml:trace>
+  <inkml:trace contextRef="#ctx0" brushRef="#br0">0 0 8400,'9'0'422,"4"0"-99,-4 0 0,-2 7-17,-2 3 1,-2 3-238,2 1 1,-3 8 85,3 2 0,-4 4-118,-1 1 1,0 2 100,0 4 1,0-3-737,0 7 0,2-6 107,3 1 0,-2 2-176,7-1 1,1-1 666,9-5 0,-4 1 0,5-1 0</inkml:trace>
 </inkml:ink>
 </file>
 
@@ -4146,14 +4062,14 @@
           <inkml:channelProperty channel="F" name="resolution" value="0" units="1/dev"/>
         </inkml:channelProperties>
       </inkml:inkSource>
-      <inkml:timestamp xml:id="ts0" timeString="2020-05-06T14:31:50.792"/>
+      <inkml:timestamp xml:id="ts0" timeString="2020-05-06T14:35:07.666"/>
     </inkml:context>
     <inkml:brush xml:id="br0">
       <inkml:brushProperty name="width" value="0.08571" units="cm"/>
       <inkml:brushProperty name="height" value="0.08571" units="cm"/>
     </inkml:brush>
   </inkml:definitions>
-  <inkml:trace contextRef="#ctx0" brushRef="#br0">206 133 8296,'15'-30'0,"0"3"118,-1 2 0,-1 4 395,-3 6-548,-3 7 35,-7 2-414,0 6 242,0 0-334,0 6 443,6 2 0,4 2 69,10 0 1,-2-5 191,6 5 1,1-2-93,4 2 1,0 3 143,1-4 0,4 4-163,0 2 0,1 0 38,-6 0 0,-4 6-134,-1 3 1,-6-1 116,2 2 1,-10-1-243,-6 6 0,-2-1 124,-2 0 0,-8 6-77,-7-1 0,-8 0 11,-11-4 1,-4-1 40,-6 0 1,-1-4-53,-4-1 1,3-6 5,-3 2 0,2-9-85,-2-1 1,3-2 83,-3 2 1,10-3-620,4-7 701,4 0 0,2 0 0,0 0 0</inkml:trace>
+  <inkml:trace contextRef="#ctx0" brushRef="#br0">118 30 8438,'0'-15'-1164,"0"7"2376,0 2 1,-1 19-420,-4 6-959,3 1 187,-11 8 1,5-5-257,-7 6 184,7 0 0,-5 6 46,3-1 1,2 2-109,-2-2 0,5-1-239,-4 6 0,5-6 142,-1 1 0,4 0-70,1-4 0,0 2 29,0-7 0,0-4 251,0-1 0,6-10 0,3-4 0</inkml:trace>
 </inkml:ink>
 </file>
 
@@ -4173,14 +4089,16 @@
           <inkml:channelProperty channel="F" name="resolution" value="0" units="1/dev"/>
         </inkml:channelProperties>
       </inkml:inkSource>
-      <inkml:timestamp xml:id="ts0" timeString="2020-05-06T14:31:51.263"/>
+      <inkml:timestamp xml:id="ts0" timeString="2020-05-06T14:35:14.570"/>
     </inkml:context>
     <inkml:brush xml:id="br0">
       <inkml:brushProperty name="width" value="0.08571" units="cm"/>
       <inkml:brushProperty name="height" value="0.08571" units="cm"/>
     </inkml:brush>
   </inkml:definitions>
-  <inkml:trace contextRef="#ctx0" brushRef="#br0">382 66 8465,'15'0'-102,"0"-6"51,-1-4 1,1-2 532,0 3-190,-7-4-135,-2 4 0,-12 3-116,-4 6 1,-9 8-14,-6 12 1,-3 4 17,-1 10 0,-5 4-19,-1 6 1,1 0 1,5 0 0,-1 7-95,1 3 1,-1 10-98,1 4 1,6 4-84,3 2 1,4 1 93,1 3 0,7-3 69,3 4 0,-1-9 26,1-2 1,0-10 64,5 0 1,2-10 165,3-4 1,-2-7-316,7-7 1,-5-2 127,4-4 1,1-3-403,5-6 0,0 0-123,-1-1 635,7 1 0,2 0 1,7-1-1</inkml:trace>
+  <inkml:trace contextRef="#ctx0" brushRef="#br0">1 89 8535,'6'-15'-1010,"-4"6"757,3-1 1,-2 5 2142,2-5-949,-4 7-976,6-10 75,0 11 0,-4-4-250,7 6 1,-6 0 10,6 0 1,-2-2 220,2-3 1,3 3-103,-3-2 0,3 2 2,2 2 0,0 0 38,-1 0 1,6 0 65,-1 0 0,3 0 17,-3 0 0,-1 0 11,7 0 1,-7 0-37,1 0 1,-2 6-24,-3 4 0,1 3 25,0 2 1,-1 0-44,1-1 0,-5 1 40,0 0 0,-2 4-42,2 1 1,3 5 28,-3-6 0,-2 6-1,2-6 1,-1 2 28,6-1 1,0 1-27,-1 4 1,1-2-1,0-4 0,1-1 3,4 7 0,-2-7-245,6 1 0,-6-7 146,2-2 0,-4-1-368,-1 6 1,0-7-198,-1-3-3,1-3 434,0-2 1,-2-7 223,-3-3 0,3-9 0,-5-4 0</inkml:trace>
+  <inkml:trace contextRef="#ctx0" brushRef="#br0" timeOffset="199">750 104 8535,'-14'-15'0,"4"-4"-95,0-1 1,5 2 290,-5 8-3,7 4 0,-5 6 104,3 0 1,2 0-303,-7 0 0,0 6 100,-5 4 1,1 5-103,-1 4 0,-1-1 17,-4 7 1,4-1-79,-4 6 0,-1 4-164,1 0 1,1 1 102,4-6 1,5 5-14,0 1 0,2-1 80,-2-5 1,2-1-238,3-4 1,4 3-50,-4-8 0,3 1-438,2-6 786,0 1 0,7 0 0,1 0 0</inkml:trace>
+  <inkml:trace contextRef="#ctx0" brushRef="#br0" timeOffset="646">956 618 8514,'10'8'-997,"0"-3"1064,-7 4 1,8-6 350,-6 7 0,0-6-134,-5 6-376,7 0 176,-6 5 1,6-1-46,-7 1 0,0 0-42,0 0-190,0-1 118,-7 1 1,6 5 162,-4-1-353,3-6-3,2 0 296,0-5-289,0 1 209,0-3-41,0-6 0,0-1-7,0-4 0,2-4 90,3-5-28,-4-7 1,12-2 11,-3-7 1,8 1 6,2-1 1,-1 1 118,-4 0 0,0 1-73,-1 3 1,1 3 227,0 2 0,-5 5-78,-1 1 1,-4 0 38,5 10 1,-5-1-155,5 5-47,0 0 1,3 6 40,-4 4 0,5 5-17,-5 4 0,-2-1 3,-2 7 0,1-1 8,-1 6 0,5-1-167,-5 0 1,0 1 129,-5-1 0,0 1-236,0-1 0,0 0 143,0 1 0,0-1-898,0 1 978,0-7 0,-7 4 0,-1-4 0</inkml:trace>
 </inkml:ink>
 </file>
 
@@ -4200,14 +4118,24 @@
           <inkml:channelProperty channel="F" name="resolution" value="0" units="1/dev"/>
         </inkml:channelProperties>
       </inkml:inkSource>
-      <inkml:timestamp xml:id="ts0" timeString="2020-05-06T14:31:51.763"/>
+      <inkml:timestamp xml:id="ts0" timeString="2020-05-06T14:35:12.458"/>
     </inkml:context>
     <inkml:brush xml:id="br0">
       <inkml:brushProperty name="width" value="0.08571" units="cm"/>
       <inkml:brushProperty name="height" value="0.08571" units="cm"/>
     </inkml:brush>
+    <inkml:brush xml:id="br1">
+      <inkml:brushProperty name="width" value="0.11429" units="cm"/>
+      <inkml:brushProperty name="height" value="0.11429" units="cm"/>
+    </inkml:brush>
   </inkml:definitions>
-  <inkml:trace contextRef="#ctx0" brushRef="#br0">148 190 8314,'14'-15'0,"1"0"0,-5 1 863,0-1-564,-7 7 0,4 8-192,-7 10 0,-5 9-35,0 6 0,-2 2-275,2 3 0,4-1-21,-4 1 0,5-1 143,5 0 1,3-4 50,7-1 0,1-6 85,3 2 0,4-9 48,7-1 0,-1-6-24,1 0 0,-1-4 24,0-4 0,1-6-94,-1-10 0,-4 2 21,-1-6 1,-6-2-74,2-9 1,-4 4 95,-1-3 0,-2-2-232,-3 2 0,1-6 54,-6 6 0,0 0 50,-5 5 0,-2 6 106,-3 3 0,-3 10 113,-7 5 0,-1 5-118,-4 5 1,4 5 135,-3 10 0,2 7 14,3 8 1,-1 6-130,0-2 1,2 3-36,3 2 0,4 0 60,6 0 0,0 2 197,0 3 0,3-1-90,7 5 0,6 8-70,14 7 0,7-1-14,7 2 1,2-7-104,8 2 1,-2 0 136,2-6 0,-10 3-9,-10-12 0,-16-5-212,-8-5 1,-8-8 59,-7-2 1,-11-1-326,-14-8 0,-7-2-21,-12-8 0,-4-4-136,-5-6 0,-3 0 214,-3 0 0,2-6-73,-6-4 0,2-8-139,3-2 0,6 1 75,12 4 0,8 0 437,3 1 0,3 0 0,4 5 0,8 4 0,6 3 0</inkml:trace>
+  <inkml:trace contextRef="#ctx0" brushRef="#br0">60 251 8530,'0'-15'0,"-5"0"-159,0 1 0,-2-3 213,2-2 0,2 2 272,-7-2 0,7 7-107,-2 3 0,-1-1-84,1-5 183,0 0 148,5 1-402,0-1 1,0 5 233,0 0-391,6 7 0,3-5-82,5 3 1,-4 3-90,0-3 0,0 4 189,4 1 1,1 0-74,0 0 1,0 1-2,-1 4 1,1-1 28,0 5 0,1-4 195,4 5 1,-7 0-61,6 5 1,-6 4 180,7 1 0,-4 6-159,-1-2 1,-2-1 21,-3 2 1,3-1-35,-3 6 0,3 1 29,1 3 0,1-3-143,0 3 1,-2-3 119,-3-1 0,3-2-279,-3-4 1,3-3-30,1-6 1,1 0-163,0-1 0,-1-1 87,1-3 0,0-3-74,-1-7 0,1 0 426,0 0 0,0-7 0,-1-1 0</inkml:trace>
+  <inkml:trace contextRef="#ctx0" brushRef="#br0" timeOffset="209">442 177 8530,'13'-6'88,"-3"-4"430,3-3 330,-5-2-688,0 7 0,-1 3-173,-7 10 0,-2 5 99,-3 9 1,2-1 32,-7 7 0,2-2-174,-2 1 0,-3 7 67,3-6 1,-1 6-385,1-7 1,-3 4 205,3 1 1,2 1-417,-2-1 1,7-4 198,-2-1 1,-2-4-12,3 4 0,-1-6 394,5 2 0,6-4 0,2-1 0</inkml:trace>
+  <inkml:trace contextRef="#ctx0" brushRef="#br0" timeOffset="654">721 530 7559,'0'-8'712,"0"-5"-634,0 11 0,0-6-300,0 3 199,0 3 2,0-4 0,7 6 35,3 0 0,3 0-7,1 0 1,3-5-10,2 0 1,4 0-41,6 5 1,1 0 156,-1 0 1,1 5-107,-1 0 0,0 5 137,1-5 0,-7 6-112,-4-1 0,-2 3 13,-3 2 0,-4-1-46,0 1 1,-7 0-6,2-1 0,-10 1 22,-5 0 1,-3 0-20,-1-1 0,-3 1-113,-2 0 1,2-1 110,-2 1 0,-1-5-27,5 0 0,-2-2 27,7 2 1,3-2 0,2-3 151,4-4-62,1 6 1,6-7-145,4 0 1,3 0 77,2 0 1,6-2-388,3-3 1,6 2 106,4-7 0,4 2 259,6-2 0,6-9 0,3 2 0</inkml:trace>
+  <inkml:trace contextRef="#ctx0" brushRef="#br0" timeOffset="894">1603 486 8440,'15'-5'-570,"0"0"0,-6 0 801,1 5 0,-5 2 570,5 3 0,-7 5-755,2 9 1,-3 4 17,-2 6 1,0 1-225,0-1 1,0 2 89,0 4 1,0-4-225,0 3 1,0-1-30,0 1 1,-5-8-43,0 3 0,-5-9 117,5 0 1,-6-4 247,1-1 0,-3-1 0,-2 1 0</inkml:trace>
+  <inkml:trace contextRef="#ctx0" brushRef="#br1" timeOffset="1123">2118 236 13453,'14'0'-123,"1"-5"-353,0 0 475,-1 0 0,-4 5-341,0 0 1,-7 2-180,2 3-399,-3 3 830,-2 7 0,0-1 0,0 1 0</inkml:trace>
+  <inkml:trace contextRef="#ctx0" brushRef="#br1" timeOffset="1273">2367 265 11616,'22'-6'-212,"-6"-2"0,5 0-1358,-6 3 1102,0-4 1,-6 8 320,1-4 169,-6 10 0,9 3 0,-5 7 1</inkml:trace>
+  <inkml:trace contextRef="#ctx0" brushRef="#br1" timeOffset="1423">2676 265 14339,'15'0'-945,"0"0"372,-1 0 0,-6-1-348,-3-4 592,-3 3 426,-2-4 0,6 12 1,3 2-1</inkml:trace>
 </inkml:ink>
 </file>
 
@@ -4254,15 +4182,25 @@
           <inkml:channelProperty channel="F" name="resolution" value="0" units="1/dev"/>
         </inkml:channelProperties>
       </inkml:inkSource>
-      <inkml:timestamp xml:id="ts0" timeString="2020-05-06T14:31:56.250"/>
+      <inkml:timestamp xml:id="ts0" timeString="2020-05-06T14:35:16.331"/>
     </inkml:context>
     <inkml:brush xml:id="br0">
       <inkml:brushProperty name="width" value="0.08571" units="cm"/>
       <inkml:brushProperty name="height" value="0.08571" units="cm"/>
     </inkml:brush>
+    <inkml:brush xml:id="br1">
+      <inkml:brushProperty name="width" value="0.11429" units="cm"/>
+      <inkml:brushProperty name="height" value="0.11429" units="cm"/>
+    </inkml:brush>
   </inkml:definitions>
-  <inkml:trace contextRef="#ctx0" brushRef="#br0">1 280 8500,'15'0'0,"-1"-5"-291,1 0 1,0-6-356,-1 1 0,-5 2 422,-4-2 368,3 0 1,-7-4-52,4-1 1,-3 5 36,-2 0 373,0 7-355,0-10 0,0 10 290,0-7-254,0 7 53,0-4-156,6 7 1,-4 7-128,3 2 1,3 6 26,2 5 0,-2 3 97,2 6 1,1 2-78,9 3 1,-2 6 44,6 9 0,-4 3-62,4 7 1,1-1 46,4 1 1,-1 5-1,-3 0 0,-4 4-97,-6-4 1,3 1 97,-4-1 0,4 1 27,-8 4 0,-3-9 6,-3-6 1,-2 0-70,-2 5 1,0-2 43,0-3 1,-6-3-178,-4-7 0,-3-2 171,-2-3 0,0 2-103,1-7 0,-6-4-3,0-6 0,-1-7-20,2-3 0,2-1-5,-2-8 0,2 0-855,3-5 952,5 0 0,3 0 0,6 0 0</inkml:trace>
-  <inkml:trace contextRef="#ctx0" brushRef="#br0" timeOffset="1157">692 1 8533,'6'10'-462,"4"-1"0,-2-5 231,2 1 0,0-2 403,5 2 1,1-4-54,4 4 0,-2 2-345,6-2 1,-1 6 81,1-1 0,9-2-40,-4 2 0,11-5 223,-1 5 1,8-7 4,2 2 1,0-4 84,-5-1 0,-1 0-177,-4 0 1,2 0 233,-7 0 1,0-4-81,-4-1 0,-7-5-53,-4 5 0,-2-5-25,-3 5 0,-6-1 13,-3 1-15,-3 3-39,-2-4 1,-2 6-93,-3 0 0,-3 0 109,-6 0 1,-1 0-25,0 0 0,-1 6 18,-4 4 0,-1-2-72,-3 2 0,-3 5 63,8 4 0,-7 6-6,1-6 1,2 9 12,-1 2 1,6 1 4,-2 8 1,4-2 36,1 3 1,2 4-45,3 0 0,4 0 12,6 5 0,0-5-4,0-5 0,8 2 43,7-7 0,1-1 49,9-9 0,-1-2 11,5-8 0,-2 1-22,2 0 0,-5-7 13,6-3 0,-1 1-89,-4-1 0,4 0 48,5-5 1,-7 2-112,2 3 0,-5-4 103,1 4 1,-2 2-97,-4-2 1,-7 0 55,3-5 1,-9 0-6,4 0-80,-7 0 41,4 6 0,-7 2-9,0 7 1,0 0 40,0-1 0,-5 6 4,0 0 0,-2 6-9,2-2 0,4 4 16,-4 1 1,-2 1-13,2-1 0,1 2 2,4 3 0,0-1 22,0 6 0,0-4 7,0 4 1,6 0 16,4 5 0,-2 0 8,2 0 1,0 0 11,4 0 1,-4 1-40,0-1 0,-7 5 58,2 0 0,2 0-38,-2-5 1,-1 0 5,-4 0 1,-1 0 9,-4 0 0,-3-5 0,-7 1 0,0-8-66,1 2 1,-8 2 46,-2-1 1,-5-1-84,-6-5 1,-2-1 73,-7-3 0,-12 1-144,-3-7 0,-9 1-198,-1-5 0,-3 4 129,-1 1 1,-1 6 0,1-3-1</inkml:trace>
+  <inkml:trace contextRef="#ctx0" brushRef="#br0">0 354 8545,'8'-15'279,"4"0"142,-7 1-332,0 5 25,-5 3 1,0 7-42,0 4-28,0 10 1,0 13 93,0 6 0,0 9-77,0 1 0,0 3-110,0 12 1,0-8 68,0 7 1,0 3-29,0 2 1,4 6-27,1-5 1,2 4-31,-2-4 0,1 0 134,4-5 1,-2 1 43,-3 4 1,-2-4-43,7 4-619,-6-10 592,2 3 1,-4-10-52,3 7 1,-4-8 66,4-2 1,-3-2-479,-2-7 1,-5-1 56,0-5 136,0-6-667,-1-2 970,4-6-80,-5-7 0,1-1 0,-2-7 0</inkml:trace>
+  <inkml:trace contextRef="#ctx0" brushRef="#br0" timeOffset="2208">618 1000 8357,'6'-14'208,"-4"-1"-110,4 7 1,-6 0 170,0 3 22,7 3-356,-6-4 197,6 12 0,-7 2-103,0 7 1,0 0 75,0-1 0,0 1-44,0 0 1,5 4-36,0 1 1,1 1-31,-1-1 1,3-2 54,7 6 1,0-4 13,-1 4 0,6-6-170,0 2 1,6-4 96,-2-1 1,-1-2-73,2-3 1,-3-4 93,3-6 0,1-6-124,-6-4 1,4-5 95,-4-4 0,4 1-8,-4-7 0,0-1 2,-6-8 0,1 3 24,0-3 0,-6 4 161,1 6 0,-7-2-99,2 6 1,-3-5 74,-2 6 1,-2 4-103,-3 5 0,2 2-39,-7-2 1,6 4 1,-6 6-120,6 0 0,-7 1 140,6 4 1,-5 4-22,5 5 1,1 3 182,4 2 0,-5 4-120,0 6 1,0 1 126,5-1 0,0 6-90,0-1 0,0 8 95,0 2 0,1 2-116,4 8 1,2-2-175,3 2 1,3 8 154,-3-3 0,8 8-41,1-3 0,6 4 336,-6-4 0,-1-5-102,-8-5 1,-3-14-308,-7 0 1,-7-14 88,-3-7 1,-11-7-258,-8-2 1,-2-7-108,-9 2 1,1-10-138,-5-5 0,-7-5-7,-3-4 0,4-4-260,1-6 1,5 4 214,5 1 0,4 1-90,11-2 1,4-1 606,10 6 0,4-6 0,6 3 0</inkml:trace>
+  <inkml:trace contextRef="#ctx0" brushRef="#br0" timeOffset="2846">1544 89 8441,'13'-20'0,"-4"1"0,5-1 175,-13 6 44,12 5 1,-10 3 220,7 6-418,-6 0 50,9 0 0,-10 13-234,7 7 97,-1 6 0,6 10 85,0 3 1,4 5-85,1 5 0,6 3 247,-1 7 0,2 1-78,3 4 1,-6-2-17,1 7 1,-1 4-18,6 6 0,-2-1 36,-4-4 1,-4-3 6,-11-2 0,3-2 6,-7-3 0,0-4-54,-5 4 1,-7-9-115,-3-1 1,-4-6-35,-6 1 0,2-10 85,-6-5 0,6-3-171,-2-2 0,-1-1 111,1-3 1,1-4-488,4-6 0,0-2-494,0-3 144,7 3 893,2-12 0,-1-1 0,-1-8 0</inkml:trace>
+  <inkml:trace contextRef="#ctx0" brushRef="#br0" timeOffset="3249">2720 604 8364,'13'-2'-229,"-4"-3"305,4 3 141,-11-4 0,5 14 285,-7 7 1,-2 8-322,-3 11 1,2 3-51,-7 8 1,0 4-224,-4 0 0,0 8 81,5 1 1,2 3-110,7 8 1,2-3 133,3 3 0,8-4-179,6-6 1,7-7-87,-1-3 1,-4-6-67,-1-9 0,-4-8-118,-1-16 112,-7 3 1,3-13-182,-6 0 0,0-3 504,-5-12 0,-6-3 0,-3-11 0</inkml:trace>
+  <inkml:trace contextRef="#ctx0" brushRef="#br0" timeOffset="3605">2675 530 8356,'10'-31'-447,"0"-3"1,0 9 222,5 1 1,-1 6 608,1 3 0,-5 5 393,0 0-566,-1 7 1,6-3-116,0 6 0,-1 1-169,1 4 1,5 2 110,-1 3 0,7 3 82,-1-4 0,3 4-52,1 2 0,0 0 33,1 0 1,-6 4-38,1 1 0,-6 1-11,6-1 1,-9-2 25,-1 6 0,-2-1-44,-8 1 1,0 3-18,-5-8 1,-13 6-97,-7-6 0,-8 6 132,-6-6 1,-3 1-256,-8-5 1,-4-6 134,0 1 0,0-7-166,5 2 0,0 2-168,0-2 0,7 0-153,2-5 1,6 0 58,4 0 493,-2-7 0,10-1 0,-4-7 0</inkml:trace>
+  <inkml:trace contextRef="#ctx0" brushRef="#br1" timeOffset="3947">3734 295 10231,'29'-23'-447,"-6"-5"1,-2 12-780,-6-4 627,-7 11 1626,-1 2-690,-14 7 1,-1 2 28,-7 3-231,-6 3 0,-3 11-79,-11 1 0,3 6 75,-8-2 1,6 4 1,-5 2 0,0 1-35,-5 3 1,4 4-48,1 6 1,2 3 67,-3 7 0,0 3-268,5 17 1,8-4-212,7 8 0,10-3 97,5-1 0,4-2 134,1-4 1,8-6-137,6-13 1,3-1 170,7-14 1,-4-1-19,4-9 0,-4-3-136,4-6 0,-4-5 90,5 0 1,-1-7 157,5 2 0,7 3 0,2 0 0</inkml:trace>
+  <inkml:trace contextRef="#ctx0" brushRef="#br0" timeOffset="4482">3895 986 8531,'23'-7'0,"-1"1"278,-8-4 698,-6 3-871,5 7 1,-11 8-301,3 7 1,-3 2-22,-2 7 0,0 1 148,0 4 1,0-1-88,0-4 0,0 4 136,0-4 1,5-1 263,-1 2 1,8-7-90,-2 1 0,8-4-99,1-5 0,2 1 60,-1-6 1,-4 0-36,4-5 0,1-2-48,-1-2 1,4-6 67,-4-10 1,0 2-162,-6-6 1,6-1 29,-1-4 1,1-5-101,-5-1 0,-1-4 94,1 5 0,0-1-5,0 6 0,-6 1-8,1 4-2,-7 3-32,4 6 1,-9 7 62,-3 3 0,2 10-110,-7 4 0,5 11 175,-4 5 1,4 2 188,-5 3 0,7 6-224,-2 3 1,3-2 8,2 3 1,0 4 54,0 5 1,2 1-58,3-1 0,3 5 191,7 10 1,-1 3-134,1 6 1,0-1 149,-1-3 1,-1 1-119,-3-6 1,-3 3-205,-7-8 0,-2-10-50,-3-15 1,-8-5 74,-7-4 1,-11-6-50,2-9 1,-5-3 127,-1-7 1,-4 0-223,-10 0 0,8-7-29,-3-3 0,8-3-398,-3-1 1,7-1 106,-3 0 0,6-4 27,4-1 1,2-6 506,4 1 0,3-9 0,-6-4 0</inkml:trace>
+  <inkml:trace contextRef="#ctx0" brushRef="#br1" timeOffset="4892">4704 133 9145,'21'0'-118,"4"0"1,-3 0 286,3 0 1,-5 2 410,4 3 0,-6 5-339,2 9 0,-6 4-150,-4 6 0,2 9 17,-8 6 0,8 8 100,-2 12 1,3 3-424,1 6 0,-4 7-2,0 4 1,3 6 63,2-2 1,3 2 30,-8-12 1,-4 0-31,-1-4 0,-5-2 92,-5-4 0,-5-4-32,-9-10 1,-9 3 18,-6-3 1,-7 2-121,2-3 1,-5-2 14,-5-7 0,1 0 81,-6 0 0,-5 7 97,-4 3 0,-4-2 0,1 2 0,-2 2 0,3 1 0,3 2 0</inkml:trace>
 </inkml:ink>
 </file>
 
@@ -4282,7 +4220,7 @@
           <inkml:channelProperty channel="F" name="resolution" value="0" units="1/dev"/>
         </inkml:channelProperties>
       </inkml:inkSource>
-      <inkml:timestamp xml:id="ts0" timeString="2020-05-06T14:32:14.467"/>
+      <inkml:timestamp xml:id="ts0" timeString="2020-05-06T14:35:38.572"/>
     </inkml:context>
     <inkml:brush xml:id="br0">
       <inkml:brushProperty name="width" value="0.11429" units="cm"/>
@@ -4290,7 +4228,7 @@
       <inkml:brushProperty name="color" value="#004F8B"/>
     </inkml:brush>
   </inkml:definitions>
-  <inkml:trace contextRef="#ctx0" brushRef="#br0">2397 2131 9840,'22'0'-102,"5"0"109,-8 0 1,7 2 141,-1 3 1,-4-3 313,-1 2-127,-4 5-472,-1-1 92,-7 7 1,-2-6 86,-6 1 0,-5-5 102,1 5-97,-8 0 1,4 4 60,-7 1 0,1 0-143,-1-1 0,0-4 82,0 0 0,-4-2-120,-1 2 1,-8 1 88,-1-6 0,-2 0 16,-8-5 0,-5-1 55,-5-4 0,-7-8-104,2-7 0,-4-8 48,-6-1 0,-1-7-175,-4-8 0,-5-5 290,1 0 0,1-5-428,-1 5 1,-1-5 218,5 5 0,-9-2 15,-5 2 1,8 2-10,1-7 1,6 5 48,-1-5 1,2 5 14,3-5 1,6 5 31,-1-5 1,6 7-73,9-2 0,0-3 119,0-2 0,7 2-37,2-2 0,4 2 210,2-2 0,-1-4-124,1 5 1,6 2-56,4 2 1,1 5 9,-2 5 0,4-4 11,-4 4 1,4 1 91,1-1 1,0 7-92,1-3 1,4 6 293,0 4 0,7 3-316,-2 2 0,2 4-14,-2-4 0,3-1-84,-3 1 1,4 1-5,1 4 0,-5 0 25,0 0 0,0 1-23,5-1 1,-2 0 10,-3 1 1,4 4 31,-4 0 1,3 5-75,2-5 60,0 7 1,0-5-18,0 3 4,0 3-2,0-4-88,0 6-2040,0 0 1978,0 6 1,0-2 76,0 5 0,-5-4-76,0 5 249,0 0 1,5 5-120,0-1 1,-1 1 111,-4 0 1,3-1-60,-3 1 1,2 5-46,-2-1 0,4 1-1,-4-5 0,-2-1-9,2 1 0,-1 0 27,1-1 0,2 4-21,-7-3 0,7 3 37,-2-8 1,1-2-45,-1 2 0,4-5 122,-4 5-110,3-7 1,1 3 464,-4-6-28,3 0 207,-4 0-423,6-6 1,0-2-94,0-7 0,4-1 64,1-4 1,2 2-17,-2-6 1,1 4-180,4-5 0,2 3 39,-8-3 0,6-3-109,-5 4 1,5 1 128,-5-2 1,5 7-23,-5-1 0,4 1-71,-4-2 0,2 9 122,-2-4-86,-4 4 1,8 3 42,-5 3 0,0 3-244,5 2 1,-4 0-15,5 0 1,0 5 54,5 0 0,-1 6 67,1-1 1,0 8-131,-1 2 0,6 1-100,0-2 1,1-1 71,-1 7 0,-4-7-326,3 2 1,-2 1 133,-3-2 0,1 6-64,0-6 1,-5 1 522,-1-5 0,-5 6 0,2 2 0</inkml:trace>
+  <inkml:trace contextRef="#ctx0" brushRef="#br0">456 250 12831,'0'-21'-905,"0"-4"0,2 4 223,2 2 613,-2-4 0,5 5 455,-7-7 0,0 7-22,0-1 1,5 2-63,-1 3 1,1 4 659,-5 0-797,0 7-250,0-4 200,0 7 1,0 7 35,0 3 0,0 3 68,0 1 0,0 8-51,0 2 0,0 2 41,0-1 0,5 2 34,0-2 0,0 3-47,-5 1 1,0 1-6,0-1 1,0 0-64,0 1 0,0 1 126,0 3 1,0-3-264,0 3 1,0-1 122,0 1 1,0-1-167,0 6 0,0-5-7,0 6 1,-5-6-78,0 5 1,-1-1 138,1 1 1,3 2-17,-3-7 0,4 2 69,1-2 1,0-3-20,0 4 1,0-4-85,0-2 1,0 0 85,0 1 1,-2-1-96,-3 1 1,3-6 102,-2 1 1,2-2 27,2 1 1,0 4-64,0-4 0,0-3-28,0-1 0,0 1-6,0-1 0,0 4 26,0-4 0,0 0-177,0-6 0,0 6 113,0 0 0,0 4 2,0-4 1,0 4 63,0-4 1,0 4 90,0-4 1,0 4-79,0-4 1,0 4 18,0-4 1,0 5-49,0-6 0,0 6 5,0-6 1,0 7 33,0-1 1,0-2-16,0 1 1,0-1 44,0 2 0,0 1-103,0-7 0,0 7-6,0-1 0,0 1-28,0-1 0,0-3 73,0-2 0,0-4-142,0 4 1,0-4 132,0-1 0,0-5-179,0 0 1,0-6 86,0 6 1,0-5-227,0 5 121,0-7 4,0 10 0,0-9-123,0 5 42,0-5 1,0 4-461,0-3 273,0-4-388,0 6 255,0-7-540,0 0 844,-7 0 0,4 0-117,-7 0 0,1-5-243,-6 0 0,-1-6 160,-4 1 1,2-3 503,-7-2 0,1-5 0,-5 1 0,-1-2 0,1 1 0,-1 2 0,1-6 0,1 6 0,4-2 0,1-1 0,3 1 0,4 1 99,-4 4 1,10 0 66,6 0 1,-3 1 470,2-1 1,0 5-219,5 0 0,0 6 129,0-6 1,2 7 269,3-2-12,-4 3-391,12 2-380,-11 0 69,11 0 1,-10 0-133,7 0 0,-5 7-131,5 2 0,-5-1 120,5 2 1,-5 2-73,4 7 1,0-2 54,0 2 0,4 2 150,-3-1 0,2 1-39,-3-1 0,4 1 15,-3 4 0,3 2 45,2-2 1,0 3 16,-1 1 0,1 0-94,0 1 1,0-1 33,-1 1 0,1-1-111,0 0 0,-1-6 59,1-3 1,0-4-13,-1-1 0,-4-2 14,0-3 1,-5-4-16,5-6 1,-5 0 283,4 0-255,-5 0 1,9-5 159,-3 1 0,-2-13-135,2 3 0,-1-4 191,6 3 0,0-5-214,-1 1 1,1-7 3,0 1 1,4 2 66,1-1 1,0-1-17,-6-4 0,1 1-134,0 4 0,1-4 121,4 3 0,-2-3 104,6-1 0,-6 1-123,2 4 1,1-2 59,-1 6 1,-1-4-57,-4 4 1,0 0 7,-1 6 1,-1-1-15,-3 0 0,2 5-184,-8 1 102,1 5 0,-3-2-344,3 6-590,-4-7 392,6 6-357,-7-6 0,-2 7 99,-3 0 1,2 2-854,-7 3 1676,1-4 0,-13 12 0,0-4 0</inkml:trace>
 </inkml:ink>
 </file>
 
@@ -4310,15 +4248,21 @@
           <inkml:channelProperty channel="F" name="resolution" value="0" units="1/dev"/>
         </inkml:channelProperties>
       </inkml:inkSource>
-      <inkml:timestamp xml:id="ts0" timeString="2020-05-06T14:32:21.901"/>
+      <inkml:timestamp xml:id="ts0" timeString="2020-05-06T14:35:42.220"/>
     </inkml:context>
     <inkml:brush xml:id="br0">
+      <inkml:brushProperty name="width" value="0.11429" units="cm"/>
+      <inkml:brushProperty name="height" value="0.11429" units="cm"/>
+      <inkml:brushProperty name="color" value="#004F8B"/>
+    </inkml:brush>
+    <inkml:brush xml:id="br1">
       <inkml:brushProperty name="width" value="0.08571" units="cm"/>
       <inkml:brushProperty name="height" value="0.08571" units="cm"/>
       <inkml:brushProperty name="color" value="#004F8B"/>
     </inkml:brush>
   </inkml:definitions>
-  <inkml:trace contextRef="#ctx0" brushRef="#br0">1 1073 8205,'9'0'-80,"1"0"0,-5 0 340,5 0-219,0 0 175,-2 0 0,5 0 21,-3 0-52,3-6 1,6 2 109,1-5 0,4-6-49,-4-5 0,6-6-22,-1 2 0,7-6 50,3-4 1,5-4-2,0-6 1,-4-1-122,-2-4 0,2 1-121,-2-6 0,0 0 302,-4-4-1768,-1 5 1286,1-4 1,-8 10-218,-2-7 0,-4 3 182,-1 2 0,-5 2-30,0 13 0,-7 1 113,2 9 0,-4-3-101,-1 8 0,-6 6 71,-4 8 1,-5 3 0,-4 2 1,1 0 464,-7 0 1,6 2-364,-6 3 0,6 5 78,-6 9 0,1 4-115,-6 6 0,6 2 180,-1 4 0,6 7-106,-6 7 1,7 12 33,-1-3 0,4 6-39,5 0 1,-1-2 17,6 6 0,0 6-74,5 4 0,0-4-132,0-6 0,0-7 141,0-2 1,5-9 9,0-10 0,6-11 154,-1-9 1,-2-6-99,2-4 157,0-3 1,4-7-24,1 0 1,0-7 122,-1-3 0,6-3-200,0-2 0,-1-1-25,-4-3 1,5-4-184,-1-7 0,7 6 126,-1-1 1,-2 1-247,1-6 1,-4-1 83,4-3 1,-6 8 170,2-4 1,-4 13-28,-1 2 1,-7 0 3,-3 5-296,-3 4 236,-2-1 77,0 20 1,0-1-31,0 12 1,0-4 176,0 4 0,0-4-92,0 4 0,0-4-38,0 5 1,0-6-23,0 6 1,0-6 14,0 6 0,4-7 22,1 1 0,0-2 1,-3-4 44,3-3-26,-4 3 177,6-12 0,-5 6-26,3-7-366,-4-7 1,6-1 128,-7-7-395,6 1 0,-3-1-391,7 0 264,-6 1 0,7-1 115,-6 0 441,0 7 0,1-5 0,2 5 0</inkml:trace>
+  <inkml:trace contextRef="#ctx0" brushRef="#br0">0 44 9759,'7'-14'-268,"-4"6"576,7 3 1,-5 1-151,5-1 1,-1 4 13,6-4 0,0 3-66,-1 2 0,3 2-211,2 3 0,1-4-218,9 4 1,-7-1 134,7 1 1,-1-4-22,6 4 0,-3-3-146,3-2 0,-3 0-237,-1 0 1,-1 0 38,1 0 553,-8 0 0,6 0 0,-5 0 0</inkml:trace>
+  <inkml:trace contextRef="#ctx0" brushRef="#br1" timeOffset="205">59 397 8363,'15'-13'0,"1"3"304,4-9 0,6 4 494,3 5 1,4 4-281,-9 6 1,6 0-158,4 0 1,-3 5-924,3-1 0,-3 8 322,-1-2 0,-1-2-729,1 2 0,4-5 969,0 4 0,0-5 0,-4 2 0</inkml:trace>
 </inkml:ink>
 </file>
 
@@ -4338,15 +4282,21 @@
           <inkml:channelProperty channel="F" name="resolution" value="0" units="1/dev"/>
         </inkml:channelProperties>
       </inkml:inkSource>
-      <inkml:timestamp xml:id="ts0" timeString="2020-05-06T14:32:22.610"/>
+      <inkml:timestamp xml:id="ts0" timeString="2020-05-06T14:35:40.981"/>
     </inkml:context>
     <inkml:brush xml:id="br0">
       <inkml:brushProperty name="width" value="0.08571" units="cm"/>
       <inkml:brushProperty name="height" value="0.08571" units="cm"/>
       <inkml:brushProperty name="color" value="#004F8B"/>
     </inkml:brush>
+    <inkml:brush xml:id="br1">
+      <inkml:brushProperty name="width" value="0.11429" units="cm"/>
+      <inkml:brushProperty name="height" value="0.11429" units="cm"/>
+      <inkml:brushProperty name="color" value="#004F8B"/>
+    </inkml:brush>
   </inkml:definitions>
-  <inkml:trace contextRef="#ctx0" brushRef="#br0">88 15 8320,'-8'-8'-600,"2"2"491,6 6 1179,0 0 0,0 6-916,0 4 74,0 3-58,0 2 1,0 6-154,0 3 3,0 4 1,0 6-43,0 1 1,-2 6 132,-3-2 0,3 8-327,-3 2 1,2 5 53,-2-5 1,4 2-185,-4-2 0,-2 0 57,2 0 0,0 0 123,5-10 1,-1-3 30,-4-2 1,3-5-136,-3-4-36,4-4 1,-1-8-80,-3-3-108,4-3 328,-6-7 0,7-2 165,0-3 0,7-3 0,1-7 0,6 0 0</inkml:trace>
+  <inkml:trace contextRef="#ctx0" brushRef="#br0">30 1234 8186,'0'-17'-510,"0"-2"0,-5 3 214,0-4 1022,0 4-381,5 1 1,0 0-73,0 1 1,0-1-67,0 0 0,0 5 900,0 1-169,0 5-853,0-2-142,0 6-152,0 0 144,0 6 1,0-2 122,0 5 0,0 6 9,0 5 1,2 6-8,3-2 0,-2 4-86,7 1 1,-2 2 88,2 4 1,3-4-148,-3 3 0,3-3 77,1-1 1,1 4-10,0 0 0,1-5-2,4-4 0,-4-2-141,4 1 1,1-4 129,-2-10 0,1 1 3,-5-6 1,3-2 37,-4-8 1,4-4-36,-8-11 1,8 0 57,2-9 0,-1 1-88,-4-11 1,5 0-2,-1-5 0,6 0 110,-6 0 1,3 4 3,-3 1 1,-4 7 83,0-3 1,-1 6-87,-4 4 0,-3 4 182,-3 6-154,-2 7 394,-2 2-411,0 6 0,0 1-172,0 4 0,0-1 113,0 5 1,5 1-29,0 5 0,1 1 89,-1 4 0,-3-2-48,3 6 0,1-4 9,-1 4 1,5 6-20,-5 4 1,5 5 87,-5-4 0,4 7-44,-4 2 0,7 2 37,-2 8 1,-4 0-103,-1 4 1,2-4 54,-3 0 1,1-5-81,-5 5 1,0-7 66,0 2 1,-6-4-89,-4-6 0,-8-3 48,-2-7 1,-6 0-11,2 1 1,-6-7 13,-4-4 1,1-7-3,-6-2 1,5-7-4,-5 2 1,0-5 3,-5-5 0,4-3-21,1-7 1,6-5 22,-1 1 0,5-6-25,4 6 1,6-3 20,9 3 0,-2 2-42,8-2 1,-1 1-10,5-2 0,1 4-7,4-4 0,3-1-42,7 2 1,0-8-181,-1 3 1,8-4-24,2-1 1,4-1 123,1 1 1,6 0-162,-1-1 0,0 1 96,-4-1 0,-1 8-62,0 2 1,-4 4-65,-1 1 0,-4 2-121,4 3 1,-6 3 10,2 7 485,-4 0 0,-1 0 0,0 0 0</inkml:trace>
+  <inkml:trace contextRef="#ctx0" brushRef="#br1" timeOffset="605">0 572 14163,'15'0'-78,"-5"0"2,0 0 1,-5 0 379,4 0 324,-5 0-505,9-6 0,-12 3-361,4-7 322,3 0 1,-4-5-287,6 1 0,-7-6 40,2 0 1,1-1-4,-1 2 1,7-4 70,-3-7 0,4-1 27,2-3 1,1 1-99,4-6 1,-2 5 236,7-5 1,-6 6-216,6-1 0,-7 4 178,1 6 1,-2 2 151,-3 8-113,1 6 0,0 3 60,-1 10 1,-4 8-81,0 6 0,0 7-10,4-1 0,-4 4 7,0 6 1,0-3 11,5 7 0,-2-4-1,-4 4 0,4-5-33,-3 5 0,3-6-221,2 1 1,0-3 46,-1-1 0,-4-7-285,0-4 1,-5-2-844,5-3 458,-7 1 0,5-5-267,-3 0-116,-3-7 1220,4 3 0,-6-6 0,0 0 0</inkml:trace>
 </inkml:ink>
 </file>
 
@@ -4366,15 +4316,25 @@
           <inkml:channelProperty channel="F" name="resolution" value="0" units="1/dev"/>
         </inkml:channelProperties>
       </inkml:inkSource>
-      <inkml:timestamp xml:id="ts0" timeString="2020-05-06T14:32:23.131"/>
+      <inkml:timestamp xml:id="ts0" timeString="2020-05-06T14:35:44.070"/>
     </inkml:context>
     <inkml:brush xml:id="br0">
       <inkml:brushProperty name="width" value="0.08571" units="cm"/>
       <inkml:brushProperty name="height" value="0.08571" units="cm"/>
       <inkml:brushProperty name="color" value="#004F8B"/>
     </inkml:brush>
+    <inkml:brush xml:id="br1">
+      <inkml:brushProperty name="width" value="0.11429" units="cm"/>
+      <inkml:brushProperty name="height" value="0.11429" units="cm"/>
+      <inkml:brushProperty name="color" value="#004F8B"/>
+    </inkml:brush>
   </inkml:definitions>
-  <inkml:trace contextRef="#ctx0" brushRef="#br0">103 45 8320,'5'-10'-299,"2"2"1,-1 0 90,1-1 738,4 6-361,-9-3-305,4 6 230,-6 0 1,-5 1-11,0 4 1,-1-2-6,1 7 1,2-5-20,-7 5 0,2 0-82,-2 4 1,-3-4-2,3 0 0,2 0-5,-2 4 0,5 0-143,-5-5 0,6 4 105,-6-3 1,5-2 47,-5 2 446,7-7-297,-4 10 198,7-11-233,0 11 1,7-11-58,3 3 1,3-4 24,1-1 1,3-1-116,2-4 1,-1 3-35,7-3 1,-1 4 122,6 1 1,-3-5 34,-2 0 1,3 0-77,-4 5 0,-1-5 45,2 0 1,-7-1-81,1 1 1,-3 3-2,-1-3 1,0-1 27,0 1 1,-6-2-12,1 2 1,-7 2-347,2-7 283,-3 0 1,-2-4-163,0-1 1,0 5 29,0 0 0,-7 2 53,-2-2 0,0-1 50,0 6 1,-1-1 139,-5 1 0,0 3-37,1-3 1,4 4 79,0 1 1,0 6-67,-4 4 1,4 3 4,0 2 0,5-1 97,-5 1 1,7 5-84,-2-1 0,4 2 4,1-1 0,0-2 49,0 7 1,1-7 5,4 1 1,-2-3-11,7-1 1,2-5 129,7 0 0,-1-7-189,7 2 1,-3-3 49,3-2 0,8 0-341,-4 0 0,5-7 111,1-3 1,-3-1 167,8 1 0,-1-10 0,5 4 0</inkml:trace>
+  <inkml:trace contextRef="#ctx0" brushRef="#br0">441 250 8468,'2'-13'-361,"3"3"-451,-3-3 899,11 5 1,-10-5 1069,7 3-846,-7-3 1,5 10-113,-3-7 0,-3 5-66,3-4 0,-4 4 277,-1-5-403,-6 0-1,-2-5 81,-7 1 0,-6 4 9,-4 0 0,2 7-11,-1-2 0,-1 3-159,-4 2 1,-1 2 44,1 3 0,-5 3 104,-1 7 1,1 1-109,5 4 1,1 4 93,3 10 0,-1-3-90,7 4 1,4 1 4,5-2 0,7 0 0,-2-4 0,3-1-7,2 0 1,7-6-6,3-3 0,8-4-93,1-1 1,7-7 112,-1-3 1,3-3-156,1-2 0,1-5 81,-1 0 0,0-12-1,1 3 0,-1-6 56,1 1 1,-3-6-10,-2-9 0,1 3 100,-6-4 0,-1 3-104,-4-2 1,-5 7 128,-1-2 0,-5 4-102,1 1 0,-4 8 426,-1 6-211,-6 7-179,-2-4 1,-2 9 104,0 3 0,7 3 9,-2 6 0,3 6-69,2 0 0,0 1 6,0-2 1,2 3-78,3 2 0,3 2 65,7-6 1,-1 4-134,1-4 1,1 5 121,4-6 1,-2 1-124,6-6 0,-4 1-9,4 0 1,-6-5-180,2-1 1,-4-5-54,-1 1 20,0-4 1,-2-2-155,-3-4 1,-4 1-307,-6-5 359,7-1 0,-6-5 15,4 0 0,-3 6 302,-2-1 0,0 0 85,0-5 0,0 6 0,0-1 118,0 0 68,0-5 136,0 1-173,0 5 0,1-2 288,4 6 0,-1 0-93,5 5 0,0 2 57,0 3 1,4 1-114,-3 4 1,5 3-38,5-3 1,-4 5-65,3 4 1,-2-2 2,-3 2 0,-4-3-157,0-1 1,-2-5 186,2 0-212,3 0 0,-11-1 171,3 1-68,-4-7 1,-1 2-53,0-10 1,-6 2-149,-4-7 1,2-4-164,-2-6 1,2-4 91,-2 4 0,-1-6 39,6 1 0,0-2 117,5-3 1,0 1-16,0-1 0,6 1-1,4 0 0,5-1 115,4 1 0,-1 4-81,7 1 1,-6 6 6,6-2 0,-2 5-264,1 6 0,2-3-57,-6 7 1,5 0-422,-6 5 1,1 0 287,-6 0 0,1 0 433,0 0 0,0 7 0,-1 1 0</inkml:trace>
+  <inkml:trace contextRef="#ctx0" brushRef="#br1" timeOffset="726">1676 265 9954,'10'0'-93,"0"0"0,-5-5-19,4 0 159,1 0 129,-2-1 1,-1 3-70,-7-7-369,0 6 303,0-9 0,-2 7-6,-3-4 1,2-1 67,-7 6 1,1-5-91,-6 5 1,0-5 33,0 5 0,-1-4 5,-4 4 0,4 0 15,-3 5 0,1 0 41,-2 0 0,2 0-61,-6 0 1,6 6 41,-2 4 0,4 3-203,1 2 1,0 4 61,1 1 1,0 6-26,5-1 0,2-2 41,7 1 0,0-4-17,0 4 0,2-8 59,3-1 0,3 0 318,7-5-166,-1-4 1,1 1-51,0-7 0,-1 0-10,1 0 1,0-7-59,-1-3 0,3-4-1,2-6 0,-2 4 15,2-4 0,-2-3-51,-3-1 1,3 1 97,2-2 1,-2 1-114,2-5 0,-4 6 321,-5 3-77,3 4 311,-12 1-513,12 7 0,-11 3 72,3 10 1,-3 8-44,-2 7 1,0 4 24,0-4 1,0 6 10,0-2 1,0 4-42,0 1 1,0 1 193,0-1 1,5 1-111,-1-1 0,8 7 74,-2 3 1,3 4-168,1 1 1,-1 5 86,-3 0 0,3 5-55,-3-5 1,-3 0-218,-2-5 0,-5 0-19,-5 0 1,-10-7 141,-10-2 0,-2-9-97,-3-2 0,-6-11 80,-3 2 1,-8-10-160,-2 0 0,0-3 30,5-2 1,1-7-118,4-3 1,3-8 38,7-1 1,6-6 131,3 6 0,10-8-263,6 3 1,2-4 81,2-1 0,6-1 56,4 1 1,12-2-97,7-3 0,5-2 35,5-3 0,9-2-11,-4 6 1,10-4 8,0 5 0,1-4 173,-1 9 1,-5 0-63,-10 14 1,-3-1-173,-6 11 0,-3 0 64,-2 5 294,-4 6 1,-6 9 0,0 8-1</inkml:trace>
+  <inkml:trace contextRef="#ctx0" brushRef="#br0" timeOffset="2114">2176 192 8337,'0'-15'23,"0"0"1,0-4 183,0-1 621,0 0-139,0 6-705,0-1 1,-2 7 49,-3 3 0,4 10 59,-4 5 1,3 8 102,2 1 1,0 7-9,0-1 0,0 3 9,0 1 0,0 5-107,0 1 0,0-1-101,0-5 1,0 2 103,0 4 1,0-4-172,0 3 1,5-8 78,0-1 1,0-6-269,-5 6 0,5-7-152,0 1-112,0-9 286,-5-3 1,0-16-66,0-5 0,0-3 13,0-7 0,0-6 77,0-4 0,0-7 86,0 2 0,6-3-31,4-2 0,5-2 192,4-3 1,-1 3 36,7-3 0,-6 7 154,6 7 0,-6 4-132,6 17 0,-6-3 0,4 14 0,0 5 189,0 6 1,-3 11 35,4 6 0,-6 4 8,2 6 1,1-4-76,-1 3 1,-6 2-92,-4-2 1,-2 5-73,2-4 1,-3-3-148,-7-7 1,0 1-181,0-6 177,0 6 0,-2-12-242,-3 1 184,3-7 1,-9-9-164,6-4 1,-6-3-50,1-7 1,2-5-55,-2 1 0,7-7 184,-2 1 1,3-3 24,2-1 0,2-2 176,3-3 1,3 2-91,6-2 0,3-2 418,2 2 0,-1 5-183,7 4 0,-6 14 80,6 1 0,-7 7 61,2 3 0,1 6 90,-2 4 0,1 9-150,-5 6 0,-1 3-83,1 1 1,-2 2-137,-3 3 0,1-2 140,-6 2 0,0-3-246,-5-2 0,5 1 42,0-1 1,0-4-146,-5-1 0,0-6-196,0 2 0,0-9-918,0-1 844,0 0 480,0-2 0,6-2 0,3-6 0</inkml:trace>
+  <inkml:trace contextRef="#ctx0" brushRef="#br0" timeOffset="2568">3205 177 8453,'15'-13'-251,"-1"1"251,1-12 0,-7 6 396,-3-2 0,-3 9-124,-2 1 1,0 5-116,0-5-54,0 7 1,-7-3 5,-3 6 1,2 0-43,-2 0 0,1 6-13,-6 4 0,-5 3 141,1 2 0,-1 4-80,5 1 0,1 4-194,-1-4 0,2 6 96,3-1 0,-3 1-220,3-2 1,2 2 19,-2-6 1,5 4 138,-4-4 1,5 0-102,-1-6-53,4 1 166,1-7 1,1-1-16,4-7 1,3-7-207,7-3 1,0-8 130,0-1 1,4-7 129,1 1 0,-1-1-11,-4 2 1,0-4 107,-1 3 1,6 2-89,0-1 1,-6 6 328,-4-2-226,0 4-81,5 8 1,-2 3 228,-4 10 0,3 10-50,-7 9 0,6-1-129,-1 1 0,-2 1-23,2 4 0,-5 1-2,5-1 0,0 1-49,4-1 1,1-5-5,0 1 1,4-7-78,1 2 1,4-4 104,-4-1 1,4-7-470,-4-3 1,1-4 162,-1-1 1,-4-5-421,4 0 1,-6-8 103,-4-1 1,3-1 582,-3-5 0,-3-2 0,-1-1 0</inkml:trace>
+  <inkml:trace contextRef="#ctx0" brushRef="#br0" timeOffset="2947">3661 45 8453,'8'-7'1142,"5"5"-911,-5-4 1,5 7 17,-3 4 0,3 4-21,-3 5 0,-2 6-140,2-1 0,4 8 86,6-3 0,1 4-183,-1 1 0,-2-1-305,6-3 1,1 1 163,4-7 1,-3 6-348,4-6 0,-9 1 224,8-5 1,-4-6-348,-1 1 0,-3-6 175,-6 0 1,-2-4-1,-3-4 0,1-5 445,-6-5 0,7-6 0,-2 0 0,-2-4 0,2 4 0,-2-6 0,2 2 0,1-7 0,-6 1 0,0-2 0,-5 7 0,0-1 197,0 1 1,-7 4 188,-3 7 0,-1 4 227,1 0 1,-8 7-255,4-2 1,-6 10 45,0 4 0,-1 6 74,-3 5 0,-4-2-61,3 6 1,-2 1-410,-3 4 0,1 1 192,-1-1 1,1 0-555,0 1 0,-1 4-44,1 0 0,-1 6-239,1-6 1,4 7 98,1-2 1,0 2-981,-6-2 1517,7-3 0,-5-7 0,6 1 0</inkml:trace>
+  <inkml:trace contextRef="#ctx0" brushRef="#br0" timeOffset="3835">2205 1603 8408,'0'-28'0,"0"3"0,0-2 399,0 2 1,0 2-55,0-1 0,0 11 369,0-2-414,0 10 1,0 0-348,0 10 0,2 3 126,3 7 0,-4 6-34,4 4 1,-3 7-11,-2 3 1,5-1 8,0-5 1,5 6-156,-6-1 0,6 5 9,-5-5 0,7-4 7,-3-6 0,4-1 162,2 2 0,0-4-138,0-6 0,-6-7-4,1-3 0,0-4-91,5-1 0,-2-13 95,-3-6 1,3-9-128,-4-6 0,0 1 161,0-6 1,0-5-15,0-5 1,4 0 37,-3 5 1,3-5-57,2 0 0,-2 1 275,-3 9 0,1 5 16,-6 9 1,0 4 570,-5 6-631,7 7 0,-6 3-143,4 10 0,-3 5 132,-2 10 1,1 2-20,4 8 1,-1-1 148,5 1 1,-4 6-140,5 3 1,-5 3 112,5 2 0,-2 0-109,2 0 0,3 2-11,-3 3 1,8 3 62,1 7 0,2 2 138,-1 2 1,-4 4-365,4 7 0,-10-2 51,-5-4 1,-4-2-98,-1-8 1,-8 1 44,-7 0 0,-11-12-378,-8-3 1,-7-9 90,2-1 1,-5-5-34,-5-4 0,-2-5 35,-3-11 1,4-2-103,6-7 1,4-7 31,1-2 0,13-6 174,2-5 0,6-4 116,3-11 1,7 3-114,3-7 0,5-1 286,5-4 1,5 0-40,9 0 0,4-2-117,6-3 1,6 5 101,-1 0 0,7 2 188,-2 7 1,10-1-32,5 2 0,-2 8 95,2-3 0,0 9-158,5 0 1,1 9-67,4 1 0,-12 7-490,-3-2 1,-5 3 90,-9 2 1,-8 0-487,-7 0 832,-10 0 0,-4 0 0,-6 0 0</inkml:trace>
 </inkml:ink>
 </file>
 
@@ -4394,7 +4354,7 @@
           <inkml:channelProperty channel="F" name="resolution" value="0" units="1/dev"/>
         </inkml:channelProperties>
       </inkml:inkSource>
-      <inkml:timestamp xml:id="ts0" timeString="2020-05-06T14:32:23.460"/>
+      <inkml:timestamp xml:id="ts0" timeString="2020-05-06T14:36:04.006"/>
     </inkml:context>
     <inkml:brush xml:id="br0">
       <inkml:brushProperty name="width" value="0.08571" units="cm"/>
@@ -4402,7 +4362,9 @@
       <inkml:brushProperty name="color" value="#004F8B"/>
     </inkml:brush>
   </inkml:definitions>
-  <inkml:trace contextRef="#ctx0" brushRef="#br0">74 23 8464,'9'-6'-1035,"-3"4"1380,-6-11 309,0 11 0,0 2-167,0 10 0,-2 5-137,-2 4 0,0 11-470,-6 9 1,2 5 42,-1 5 0,-5 0 74,5 10 0,0 3-30,0 11 0,5 1-379,0-1 0,2 8-136,2 2 0,0-8 222,0-2 0,0-11-89,0-3 1,0-8 73,0-12 1,0-9-199,0-11 512,0-9 1,2-4 26,2-6 0,-2-6 0,3-4 0,-3-9 0,-2-4 0,0-7 0</inkml:trace>
+  <inkml:trace contextRef="#ctx0" brushRef="#br0">236 839 8558,'0'-9'-1836,"2"1"2845,3 3-52,-4 4-402,6-6 1,-7 9-46,0 3 1,0 3-103,0 7 0,-5 1-162,0 4 1,-2 2 31,3 8 1,0 4-26,-6 0 0,7 7-30,-2-2 1,2 7-167,-2 8 1,3 0 120,-2 10 0,2-2-39,2 1 0,0 1-160,0 10 1,5-12 96,0 1 0,5-2-161,-6-7 1,1-4 123,-5-1 0,0-5-213,0-4 0,0-5-14,0-5 0,0-6 11,0 1 0,0-7-299,0 1 1,0-2 176,0-3 1,0-4-795,0 0 350,0-7-606,0 4 348,0-7 1001,0 0 0,0-13 0,0-4 0</inkml:trace>
+  <inkml:trace contextRef="#ctx0" brushRef="#br0" timeOffset="617">30 809 7215,'0'-15'526,"0"1"324,0-1-420,-6 7 1,4-5-72,-3 3-27,4 4-58,1-8-315,0 6-8,0-6 169,0-1 0,1 2-75,4 3 1,8-1 52,7 6 1,8 0-1,1 5 1,2-2-53,8-3 1,5 4 2,5-4 1,7 5 85,-2 5 0,-2 3-27,2 6 0,-2 3-3,2 2 0,-5-1-1,-10 7 0,-1-1-90,-4 6 0,-9 1 173,-1 3 0,-8-3 167,-6 3 1,-3 2-225,-7-1 0,-2-1-47,-3-5 1,-10-1-104,-9-3 0,-5 1 96,-6-7 0,-4 1-142,-10-5 0,-3-6 111,-7 1 0,0-5-505,0 5 1,1-7-128,-1 2 1,5-3-370,0-2 0,12 5 218,-2 0 1,11-1 737,3-4 0,8 7 0,7 1 0</inkml:trace>
+  <inkml:trace contextRef="#ctx0" brushRef="#br0" timeOffset="1287">1485 118 8681,'2'-14'558,"3"-1"-558,-3-6-495,4 4 20,-6-4 536,0 6 1,-6 7 438,-4 3 0,-3 4-222,-2 1 1,-5 8-118,1 7 1,-6 7 38,6 13 1,-7-3-86,1 8 0,2 4-144,-1 5 1,4 8 144,-4 2 0,6 1-151,-2 9 1,4-1-84,1 6 0,7 6 119,3 3 0,3-1 118,2 1 1,0-6 153,0 1 1,2-6-239,3-8 1,-2-7 13,7-13 0,-7-6-230,2-4 0,2-5 158,-2-4 0,4-4-754,-4-6-272,0-1-300,-5-5 943,0-3 406,0-6 0,0 0 0,0 0 0</inkml:trace>
 </inkml:ink>
 </file>
 
@@ -4422,15 +4384,16 @@
           <inkml:channelProperty channel="F" name="resolution" value="0" units="1/dev"/>
         </inkml:channelProperties>
       </inkml:inkSource>
-      <inkml:timestamp xml:id="ts0" timeString="2020-05-06T14:32:23.615"/>
+      <inkml:timestamp xml:id="ts0" timeString="2020-05-06T14:36:10.109"/>
     </inkml:context>
     <inkml:brush xml:id="br0">
-      <inkml:brushProperty name="width" value="0.08571" units="cm"/>
-      <inkml:brushProperty name="height" value="0.08571" units="cm"/>
+      <inkml:brushProperty name="width" value="0.11429" units="cm"/>
+      <inkml:brushProperty name="height" value="0.11429" units="cm"/>
       <inkml:brushProperty name="color" value="#004F8B"/>
     </inkml:brush>
   </inkml:definitions>
-  <inkml:trace contextRef="#ctx0" brushRef="#br0">1 28 8420,'5'-10'0,"1"2"139,2 1 0,-4 4-35,1 8 0,1 3-9,-1 7 0,0 0 31,-5-1 0,0 6-19,0 0 1,2 4-248,3-4 1,-4 4-131,4-4 1,-3 1-171,-2-1 1,0-9-634,0 4 593,0-4 480,0-3 0,0-1 0,0-7 0</inkml:trace>
+  <inkml:trace contextRef="#ctx0" brushRef="#br0">206 750 10140,'8'0'66,"-1"0"1,-6 0 97,4 0-52,-3 0 0,4-2 256,-6-3-712,0 4 522,7-6-88,-5 7-119,4 0 238,-6-6-359,0 4 15,0-5 60,7 7 554,-6 7-308,6 1 0,-7 7-172,0-1 1,0-4-96,0 0 0,0 0-60,0 5 0,0 4 174,0 1 0,1 1 4,4-1 1,-3-2 19,3 6 1,-4-6-214,-1 2 1,5 1 46,0-2 0,2 1 198,-2-5 1,-2-2-58,7-3 1,-5 3 77,4-4 1,-4-2 15,5-2 0,-5-3 59,5-2 0,-5 0-14,5 0 0,-6 0 9,6 0 1,-6-2-138,0-3 0,3 2-27,-2-7 1,1 0-79,-1-5 1,-3 1-35,3-1 0,1-1-49,-1-4 1,2 4 24,-2-4 1,-4 4-48,4 1 1,2 0 31,-2 1 1,1-1 151,-1 0 0,-3 6 35,3-1 0,1 0 57,-1-5 0,0 5-42,-5 1 1,0 4 232,0-5-194,6 7 1,-4-5 187,3 3 66,-3 3 11,-2-5-335,0 7 36,0 0-1,0 7 0,0 1 50,0 7-108,0 0 1,1 1 210,4 4 0,-3-4-141,3 3 0,-4 3-4,-1-3 0,0 7 81,0-1 1,2 3-206,3 1 0,-3 5 68,2 1 1,-2 5 74,-2 0 1,0 7 34,0 2 1,0 5-75,0-5 1,0 5-43,0-5 0,-2 5 43,-2-5 1,-5 5-18,-5-5 0,2 1-77,-2-1 1,2-3 9,-8 3 1,3 0-114,-3-5 0,2 2 129,-7-12 1,6 0-105,-6-4 0,6-2 96,-6-4 1,2-3-70,-1-6 75,-4-7 79,5-1 0,-6-9 2,-1-3 1,3-5-88,2-9 0,-1-4-71,6-7 0,3-4 83,7 0 1,3-2-130,7 2 0,8-4-149,7-6 0,1 2 99,9 2 1,-1-2 12,6 3 0,4-2-69,0 2 0,6-2 57,-6 7 1,5-1 72,-5 6 0,6 6 38,-6 3 0,5 4-262,-5 1 0,1 7 99,-6 3 1,-4 5 260,-1 5 0,-6 3 0,3 7 1</inkml:trace>
+  <inkml:trace contextRef="#ctx0" brushRef="#br0" timeOffset="548">867 0 12204,'15'0'-315,"-7"0"0,5 0-446,-3 0 0,3 0 788,2 0 0,1 7 905,4 2 1,1 11-383,4 5 1,2 9-264,-2 5 0,4 10 9,6 5 1,-4 11-134,3 9 0,-5 6-228,-4 8 1,-4 0 102,-6 0 1,-2 1 57,-3-1 0,1 3-56,-6-3 0,0-4 46,-5-16 0,0-2 2,0-8 0,-7 0-172,-3-5 1,-3-7-101,-1-7 0,-6-4 134,1 4 0,-8-2-511,3 3 0,-4-4 287,-1-7 1,-6 0-598,1 1 0,1-1 885,9 1 1,-4-1-1,5 0 1</inkml:trace>
 </inkml:ink>
 </file>
 
@@ -4450,15 +4413,22 @@
           <inkml:channelProperty channel="F" name="resolution" value="0" units="1/dev"/>
         </inkml:channelProperties>
       </inkml:inkSource>
-      <inkml:timestamp xml:id="ts0" timeString="2020-05-06T14:32:23.762"/>
+      <inkml:timestamp xml:id="ts0" timeString="2020-05-06T14:36:12.102"/>
     </inkml:context>
     <inkml:brush xml:id="br0">
       <inkml:brushProperty name="width" value="0.08571" units="cm"/>
       <inkml:brushProperty name="height" value="0.08571" units="cm"/>
       <inkml:brushProperty name="color" value="#004F8B"/>
     </inkml:brush>
+    <inkml:brush xml:id="br1">
+      <inkml:brushProperty name="width" value="0.11429" units="cm"/>
+      <inkml:brushProperty name="height" value="0.11429" units="cm"/>
+      <inkml:brushProperty name="color" value="#004F8B"/>
+    </inkml:brush>
   </inkml:definitions>
-  <inkml:trace contextRef="#ctx0" brushRef="#br0">16 52 8321,'6'-14'384,"-4"-1"298,11 7-890,-12-5-980,6 11 512,-7 2 1,-7 8 675,-2 7 0,-4 0 0,-2-1 0</inkml:trace>
+  <inkml:trace contextRef="#ctx0" brushRef="#br0">427 515 8466,'9'-21'-564,"1"6"1,-5 0 281,5 5 0,-5 2 1290,5-1-208,-7-1-54,10 2-453,-12 1-166,6 7 0,-7 11 132,0 4 0,0 5-62,0-1 1,0 6-57,0 9 1,0-1 61,0 6 1,0 2-11,0 8 0,0 3 36,0 7 1,0 1 21,0 4 0,0 5-160,0 9 1,0-3-342,0 4 1,0-9 59,0-2 0,0 1 134,0 4 0,0-6-188,0-3 1,0-10 74,0-5 1,0-2-89,0 2 1,0-9-43,0-1 1,0-11-246,0-4 1,0-6-470,0 2-380,-7-11 1464,6-2 0,-6-20 0,7-3 0</inkml:trace>
+  <inkml:trace contextRef="#ctx0" brushRef="#br1" timeOffset="363">1161 574 16589,'15'0'-330,"0"0"1,0 1 39,-1 4 1,-4 3 910,0 7 1,-2 6-329,2 4 0,-4 9-251,-6 5 1,-1 5-18,-4 5 1,-3 2-72,-7 3 1,0 3-227,1-3 1,-1 3-123,0 2 0,0 0-47,1 0 0,4-9-44,0-6 0,5 0 182,-5-4 1,7-4 258,-2-2 0,-1-3-356,1-2 1,-5-4 92,5-1 1,-1-7-1086,1-3 123,3 1-119,-11-13 1092,11 4 423,-11-12 1,5-3 0,-7-5 0</inkml:trace>
+  <inkml:trace contextRef="#ctx0" brushRef="#br1" timeOffset="1181">0 383 14096,'0'-9'-535,"0"-4"0,0 10 628,0-7-204,0 7 329,0-10 1,2 10-184,3-7 0,-2 7 352,7-2 0,0-2-278,4 2 1,3-1-146,2 1 1,11 3 118,9-3 1,5-3-16,5-2 0,11 2 191,14-2 0,4 2-101,6-2 1,2-3-98,-3 4 0,6-4 98,4-2 0,-15 2-94,1 3 1,-9-3-55,-2 3 1,-1 2-102,-3-2 0,-5 5 58,0-5 0,-7 7-3,-8-2 0,0 2 44,0-2 0,0 3-77,0-2 1,-4 0 62,-1-1 1,-7 2 252,3-7 1,-4 5-273,-2-4 0,-6 4 12,-3-5 0,-4 5-524,-1-5-662,-7 7 1081,-2-4 1,-12 7-1,-2 0 1</inkml:trace>
 </inkml:ink>
 </file>
 
@@ -4478,15 +4448,15 @@
           <inkml:channelProperty channel="F" name="resolution" value="0" units="1/dev"/>
         </inkml:channelProperties>
       </inkml:inkSource>
-      <inkml:timestamp xml:id="ts0" timeString="2020-05-06T14:32:24.799"/>
+      <inkml:timestamp xml:id="ts0" timeString="2020-05-06T14:36:26.490"/>
     </inkml:context>
     <inkml:brush xml:id="br0">
-      <inkml:brushProperty name="width" value="0.08571" units="cm"/>
-      <inkml:brushProperty name="height" value="0.08571" units="cm"/>
+      <inkml:brushProperty name="width" value="0.11429" units="cm"/>
+      <inkml:brushProperty name="height" value="0.11429" units="cm"/>
       <inkml:brushProperty name="color" value="#004F8B"/>
     </inkml:brush>
   </inkml:definitions>
-  <inkml:trace contextRef="#ctx0" brushRef="#br0">45 59 8255,'8'-15'0,"4"5"98,-8 1 63,8-1 101,-10 2 35,4 1-330,-6 14 0,0 7 112,0 11 0,-2 3-187,-2 1 1,0 7 108,-6 3 0,6 8-12,-6 2 0,5 7 86,-5-2 0,7 3-184,-2 2 1,-2 0-69,2-1 1,1 1 149,4 0 0,0-7-44,0-3 0,0-5-116,0-4 0,-5-11-140,0-9 232,0-4 307,5-8 0,0-8-55,0-10 1,0-4-130,0-6 0,1 2 0,4-7 1,2 1 22,3-5 0,8-1 16,-4 1 0,4-1-26,-3 1 0,1 6 34,4 3 1,-9 4-24,4 1 0,-3 2-49,2 4 1,-4-3 9,0 7 1,-5 7-45,5 8 0,-7 4 31,2 6 0,1 3-6,-1 6 1,5-1-36,-5-3 1,1 2-156,-1-2 0,-3 1 151,3-2 1,1-1-35,-1-3 220,7-4 1,-4 1-112,7-8 1,-6-5 161,1 1 0,0-5-101,5-5 1,-6 1-42,1-5 1,0-6 10,5-5 1,-1-1-16,1 1 0,-2 2-26,-3-6 1,3 4 32,-3-4 1,1 6-60,-1-2 1,2 9 27,-8 1 0,1 5-411,-5-5 274,0 7 1,0-2-46,0 10 1,0 8 144,0 7 1,0 6-33,0-2 0,0-1-63,0 2 1,5-1 34,0 6 0,5-3 148,-5-2 0,6-4-118,-1-6 1,1 0 84,-1-1 0,3-1 12,-3-3 0,-2-3-1,2-7 0,0 0-35,5 0 0,-6-12 13,1-2 0,-7-6-95,2 0 0,2 2 74,-2-6 1,0 1-223,-5-2 0,-2-1 62,-3 7 1,-3-6-235,-7 6 0,-6-1 5,-3 5 1,-4 2 380,-2 3 0,1-3 0,-7 5 0,-1-6 0</inkml:trace>
+  <inkml:trace contextRef="#ctx0" brushRef="#br0">0 221 12949,'0'-15'-829,"0"7"1,0-5 823,0 3 0,0 2 256,0-2-47,0 1 1,0-1-63,0 0 368,0 7-490,0-10-184,0 11 93,0 2 0,5 10 104,0 10 1,2-4-6,-3 3 1,0 4 49,6 2 1,-6-2-145,6 1 0,-5-4 10,5 4 0,-7-4 82,2 4 1,-2-6-407,2 2 185,-3-4-16,4-1 110,-6 0 0,0-9-194,0-6 118,0-6 0,0-14-14,0 0 1,2-6 167,3 2 1,3-4-84,7-1 1,0-1 199,-1 1 0,3-2-137,2-3 0,-1 3 265,7-4 0,-6 9 4,6 2 0,-6 6-21,6-2 1,-7 10 42,1 5 1,-2 4 223,-3 1 1,1 1-36,0 4 1,0 8-199,-1 7 0,-4 4-105,0-4 0,-2 6 15,2-1 1,1 2-245,-6 3 0,5-6 27,-5 1 0,5-2-136,-5 1 1,-1 2-210,-4-6 0,0 4-418,0-4 1,0 4-1243,0-4 2015,0 0 1,-6 1 0,-2 2 0</inkml:trace>
 </inkml:ink>
 </file>
 
@@ -4506,7 +4476,7 @@
           <inkml:channelProperty channel="F" name="resolution" value="0" units="1/dev"/>
         </inkml:channelProperties>
       </inkml:inkSource>
-      <inkml:timestamp xml:id="ts0" timeString="2020-05-06T14:32:25.205"/>
+      <inkml:timestamp xml:id="ts0" timeString="2020-05-06T14:36:24.642"/>
     </inkml:context>
     <inkml:brush xml:id="br0">
       <inkml:brushProperty name="width" value="0.08571" units="cm"/>
@@ -4514,7 +4484,11 @@
       <inkml:brushProperty name="color" value="#004F8B"/>
     </inkml:brush>
   </inkml:definitions>
-  <inkml:trace contextRef="#ctx0" brushRef="#br0">0 162 8255,'20'-13'-102,"-1"3"1,1-3-432,-5 3 572,-1-3 0,1 3 269,0 1 0,-2 4-285,-3-5 26,3 7 0,-10-4-99,7 7 132,-7-6-326,4 4 58,-7-5 121,0 7 0,-2 5 23,-3 0 0,-2 11-1,-2-1 1,-4 3-201,3-3 1,-2 4 110,3 1 1,-3 6 10,7-1 0,-5-2 38,6 1 1,-1-4 165,5 4 0,0-6 31,0 2 0,0-4 176,0-1 1,0-5-188,0-1 0,6-5 72,4 1 1,3-4-29,2-1 0,-1-6-34,1-4 1,0-3-165,0-2 1,-1-5 148,1 1 0,-5-7-227,0 1 1,-2-3-59,1-1 0,-2 1-65,-7 4 0,0-4-37,0 4 0,-7 1 93,-2-2 1,-4 9 22,-2 1 0,-1 2 24,-4 8 1,4 0 148,-4 5 0,4 0 0,1 0 0,0 7 0,1 1 0</inkml:trace>
+  <inkml:trace contextRef="#ctx0" brushRef="#br0">1 309 8426,'8'-15'-375,"5"0"1,-10 2 1950,7 4-398,-7 2-739,4 1-35,-1 4-371,-4-5 1,4 9 103,-6 3 0,0-2-52,0 7 0,0 0 129,0 4 1,0 6-26,0 0 1,0 4-52,0-4 1,0 4-203,0-4 1,0 6 127,0-2 0,0-1-174,0 2 0,0-6 65,0 6 1,5-7 136,0 2 0,0-4-578,-5-1 85,0-1-306,0 1-205,0-7 357,7-1 1,1-9-318,6-3 1,1-3 316,0-7 1,0 1 554,-1-1 0,7-6 0,2-2 0</inkml:trace>
+  <inkml:trace contextRef="#ctx0" brushRef="#br0" timeOffset="176">148 103 8426,'0'-15'0,"0"-4"-409,0-1 1002,-7 1 1002,5 4-712,-4 7-1019,6 1-46,0 7-1245,0 0 1112,0 7 1,0-4-339,0 7 1,0 0 112,0 4 540,0-6 0,6 12 0,3-4 0</inkml:trace>
+  <inkml:trace contextRef="#ctx0" brushRef="#br0" timeOffset="531">309 382 8495,'15'0'0,"0"-1"133,-1-4 1,1 3 207,0-3 0,-5 4 89,-1 1 1,1-5-92,5 0 1,-5 0-305,-1 5 1,1 0-55,5 0 1,0 0-127,-1 0 0,-4 0-17,0 0-483,0 0 0,4 0-632,1 0 698,0 0-224,-7 0 803,-1 0 0,-1 6 0,2 3 0</inkml:trace>
+  <inkml:trace contextRef="#ctx0" brushRef="#br0" timeOffset="716">442 559 8495,'14'0'429,"1"-2"-119,0-3 1,-6 4 25,1-4 0,-5 1-60,5 0 0,-5 2-359,5-3 1,-5 2 81,4-2 1,-4 3-667,5-3 0,-5 4-171,5 1 421,0 0 1,4 0 416,1 0 0,6 0 0,2 0 0</inkml:trace>
+  <inkml:trace contextRef="#ctx0" brushRef="#br0" timeOffset="997">1132 132 8509,'10'-9'-501,"0"-1"0,-5 7 342,5-2 0,-2 5 739,2 5 1,1 3-123,-6 6 0,5 8-172,-5 2 1,6 4-285,-1 1 1,1 2 91,-1 4 0,3-3-444,-3 8 1,1-6-147,-1 5 0,-2-6-655,-3 1 1151,-3-3 0,11-2 0,-5 1 0</inkml:trace>
 </inkml:ink>
 </file>
 
@@ -4561,15 +4535,29 @@
           <inkml:channelProperty channel="F" name="resolution" value="0" units="1/dev"/>
         </inkml:channelProperties>
       </inkml:inkSource>
-      <inkml:timestamp xml:id="ts0" timeString="2020-05-06T14:32:25.651"/>
+      <inkml:timestamp xml:id="ts0" timeString="2020-05-06T14:36:28.824"/>
     </inkml:context>
     <inkml:brush xml:id="br0">
       <inkml:brushProperty name="width" value="0.08571" units="cm"/>
       <inkml:brushProperty name="height" value="0.08571" units="cm"/>
       <inkml:brushProperty name="color" value="#004F8B"/>
     </inkml:brush>
+    <inkml:brush xml:id="br1">
+      <inkml:brushProperty name="width" value="0.11429" units="cm"/>
+      <inkml:brushProperty name="height" value="0.11429" units="cm"/>
+      <inkml:brushProperty name="color" value="#004F8B"/>
+    </inkml:brush>
   </inkml:definitions>
-  <inkml:trace contextRef="#ctx0" brushRef="#br0">44 590 8255,'22'-6'-62,"-4"2"80,6-5 0,-6 0 61,2 0 1,-4-4 141,-1 3 0,-1 2 31,1-2 0,-5 2 284,0-2-949,-7-3 339,4 5-181,-7 0 117,0 1 1,-2 7-83,-3 0 0,-3 7 67,-7 2 0,-1 4 102,-4 2 0,4 1-17,-4 4 1,2-2 44,-1 6 1,2-1-104,-2 2 0,4 1 92,5-6 1,-3 6-85,3-2 1,4-1 110,1 2 0,3-7-7,2 1 1,0-3 214,0-1 1,2-7-146,3-3 1,5-3 158,9-2 0,-2-2-100,2-3 0,4-9 50,2-11 1,-3-3-69,3-1 1,-5-7 37,4-3 1,1-9-47,4-1 1,0-6-4,1 1 0,-6-10-224,1-4 1,-4-7 115,-1 1 1,-6 10-100,-9 15 178,-3 10-238,-2 10 1,-8 21 132,-7 13 1,0 14 58,1 11 0,4 5-115,0 10 1,7-1-70,-2 0 104,3 6 0,2 3-104,0 5 0,5-4 115,0 0-511,6-6 304,-2 9 0,12-3-34,3 9 299,-2-9 0,12 10 0,-3-12 0</inkml:trace>
+  <inkml:trace contextRef="#ctx0" brushRef="#br0">147 632 8500,'7'-15'456,"-6"1"1,8 1 27,-4 3-126,-4-3 57,6 11 0,-7-4-436,-7 6 0,4 11 184,-7 4 0,0 11 64,-4 3 0,4 4-316,0 11 0,5-1 127,-5 10 1,7-4-71,-2 5 0,4 2-3,1 8 0,6 3-139,4 6 1,3-6-82,2-3 0,-2-6-71,-4-4 0,5 2 109,-5-7 1,-2-2-127,-2-8 0,-4-4-396,-1-11 508,0-2 1,-1-14-204,-4-3 1,-3-5-336,-7-5 769,-6-3 0,-2-20 0,-6-3 0</inkml:trace>
+  <inkml:trace contextRef="#ctx0" brushRef="#br0" timeOffset="339">74 617 8556,'13'-16'0,"-3"-3"0,6 1-123,-6-7 1,6 7 129,-6-1 0,-2 7 490,2 2 1,0 2-225,4-2 0,-4 2-340,0 3 0,0 4 97,4-4 0,6 3-147,0 2 0,1 5 165,-1 0 0,2 6 69,8-1 0,-1 3 48,1 2 1,4 1-104,0 4 0,0-2 182,-4 6 0,-2 1-80,-4 4 0,-3 1-20,-6-1 1,-2 0-87,-3 1 0,1-2-18,-6-4 0,-1 2-126,-9-6 0,-10 4 109,-10-4 0,-4-2 3,-5-8 1,-5 1 8,-10-6 1,-5 1-260,-10-1 0,-1-3-282,-4 3 0,4-2 506,6 2 0,0 3 0,0 7 0</inkml:trace>
+  <inkml:trace contextRef="#ctx0" brushRef="#br1" timeOffset="1160">1500 59 13512,'14'0'-123,"-4"-5"-242,0 0 0,-5-5 237,5 5 0,-7-1 56,2 1 0,-4 2-156,-1-7 401,0 7-229,0-4 6,0 7 1,0 2 189,0 3 1,-4 3-24,-1 7 0,-7 1 80,2 3 1,-4 4-15,-6 7 1,-1 1 62,-4 3 0,-2-1-274,2 6 0,-8 2 142,-1 8 1,-5 3-245,5 7 0,-6 6 59,6 4 1,0 3-389,4 1 1,8 1 245,2-1 1,5 5-43,5 1 1,6-9 57,8-11 1,5-2-124,5-8 0,6-2 124,0-7 1,6-4 93,-2-7 0,4-6-140,1-4 1,2 3 80,4-3 1,-3 1-366,8-5 0,-1-6-311,5 1 837,6-7 0,-1 9 0,4-7 0,-4-2 0,3-1 0,4-2 0</inkml:trace>
+  <inkml:trace contextRef="#ctx0" brushRef="#br0" timeOffset="1648">1661 897 10555,'0'-8'-53,"0"-5"0,0 9-75,0-6 0,5 6 195,0-6 0,8 2-15,2-2 1,0-3 25,4 3 0,4-3-18,2-2 0,2 0-26,3 1 1,-1 1 34,0 3 0,1-2-15,-1 8 0,-4-3-21,-1 2 0,-6 4-141,2-4 1,-9 10-23,-1 4 0,0 6 82,5 5 0,-7 1-5,-3 3 0,1 4 35,-1-3 1,2 7-6,-2 3 0,-4-1-3,4-5 0,2 1-100,-3-1 1,8-4 34,-2-1 0,-2-4-4,2 4 0,-2-6-103,2 2 1,3-9-289,-3-1 0,3-2-248,1 2 0,3 1 734,2-6 0,4 7 0,6-4 0</inkml:trace>
+  <inkml:trace contextRef="#ctx0" brushRef="#br0" timeOffset="1894">2411 720 8578,'8'0'939,"-3"0"-384,-10 0 1,-3 7-26,-7 3 1,-4 4-377,-1 6 0,-4 3-161,4 6 1,-6 2-118,1 4 1,2-3 3,-1 7 1,4 1-269,-4 4 1,6-5 253,-2 0 0,6-8-194,4-1 0,-2-3-273,7-7-596,1 6 187,4-10 1010,0 6 0,0-8 0,0 1 0</inkml:trace>
+  <inkml:trace contextRef="#ctx0" brushRef="#br1" timeOffset="2768">2558 1352 11775,'5'-14'-766,"0"-1"-27,0 0 443,-5 7 372,0 2 1,0 7 39,0 4 1,0 3 32,0 7 1,1 1 7,4 4 1,-3-4-255,3 4 0,-4 1 267,-1-1 0,5 1-162,0-1 0,2-4 64,-2 3 0,-4 3-111,4-3 1,3 1 70,2-5 1,-2-2-158,2-4 1,-5 3 15,5-7 0,0 5 101,4-5 0,1-1-392,0-4 1,1 0 146,4 0 1,-2-6-701,6-4 1007,1-3 0,4-8 0,0-2 0</inkml:trace>
+  <inkml:trace contextRef="#ctx0" brushRef="#br1" timeOffset="2932">2808 985 9870,'0'-15'-45,"0"-4"484,0-1 1,0 0-180,0 6 0,0 4 46,0 0 1,-2 7-477,-3-2 0,2 3 243,-7 2 0,7 7-1833,-2 3 1735,3-4 0,2 14 0,0-4 1</inkml:trace>
+  <inkml:trace contextRef="#ctx0" brushRef="#br1" timeOffset="3489">3352 323 14521,'14'-6'-862,"1"-4"0,-2 2-367,-3-2 914,3 7 1019,-11-4 1,4 14 648,-6 3-1786,0 9 294,-6 4 1,2 8-151,-5 4 498,-1-4-180,-5 11 0,0 0-186,1 7 245,6 7 1,-6 1-329,5 7 0,-3 6 254,2-1 1,4-2-24,6 1 1,0-2 100,0-3 0,0-6-122,0-12 0,2-8 74,2-3 0,-2-4-454,3-6-151,-3-2-274,4-14 348,-4-2 598,4-6 1,7 0-1,4 0 1</inkml:trace>
+  <inkml:trace contextRef="#ctx0" brushRef="#br1" timeOffset="4223">3807 853 13873,'9'-7'-2815,"4"-1"2681,-12 0 755,6 1-795,-7 7 1,0 7 154,0 3 0,0 3 174,0 1 1,0 3-67,0 2 0,0 3-187,0 2 0,0 2 203,0-6 0,0 4-34,0-4 1,1 4 39,4-4 1,-1 1 68,5-1 1,-4-4-164,5 4 1,0-6 440,5-4-215,-1 3 0,3-11 34,2 3 1,-6-5-164,7-5 0,-7-3-142,7-7 1,-4-1-119,-1-4 0,-1-3-126,1-6 1,1 4 1,4 1 0,-4-1-61,4-4 1,-9 4-73,-1 1 0,-5 6 114,5-2 1,-7 4-192,2 1 502,3 7 1,-6 0 107,3 3 61,-4 3-225,-1-4 46,-6 12 1,4 3 178,-3 5 1,4 3-124,1 2 1,0-1 192,0 7 1,0-1-89,0 6 0,0-1 58,0 0 0,4 6-2,1-1 0,5 7 98,-5-2 0,5 4-278,-5 1 0,6 0 360,-1 0 1,-2 0-383,2 0 0,-5 0 129,5 0 1,-7-5-55,2 1 1,-4-1 15,-1 5 1,-6-7-284,-4-2 0,-5-4-11,-4-2 1,-4-1-63,-6-4 1,-1-1 96,1-3 1,-7-9-128,-3 4 0,-4-4-57,-1 4 1,0-7 148,0-3 0,0-3-20,0-2 1,0 0-25,-1 0 1,8 0-182,3 0 1,3-7 6,1-2 1,7-6 423,4-5 1,2-3 0,3-6 0</inkml:trace>
+  <inkml:trace contextRef="#ctx0" brushRef="#br1" timeOffset="4815">4675 103 20411,'14'-2'-1169,"1"-3"-28,-7-3-1197,5 0 1770,-5 2 0,2 4 778,0-3 1,-5 3 15,5-2-307,-7 2-98,10 2 0,-6 6 136,2 4 1,4 3 195,-3 2 1,3 5 315,2-1 1,0 7-130,-1-1 0,1 7-122,0 3 0,0 7-28,-1 2 0,6 7 55,-1 8 1,-1 1-289,-8 4 1,2 3 44,-8 6 0,1 1-115,-5-1 0,0 1-6,0-1 1,-6-6-45,-4-3 1,-3 0 98,-2-6 0,1-4-10,-1-14 1,-5 0-187,1-5 0,-6 4 153,6-5 1,-3 1-142,3-6 0,-2-1 168,-4-4 0,-1 1-17,6-11 1,-4 4 72,4-8 1,-4-3-580,4-2 0,-4 1 724,4-1 1,0 0 0,6-5-1</inkml:trace>
 </inkml:ink>
 </file>
 
@@ -4589,15 +4577,15 @@
           <inkml:channelProperty channel="F" name="resolution" value="0" units="1/dev"/>
         </inkml:channelProperties>
       </inkml:inkSource>
-      <inkml:timestamp xml:id="ts0" timeString="2020-05-06T14:32:26.479"/>
+      <inkml:timestamp xml:id="ts0" timeString="2020-05-06T14:31:28.772"/>
     </inkml:context>
     <inkml:brush xml:id="br0">
-      <inkml:brushProperty name="width" value="0.08571" units="cm"/>
-      <inkml:brushProperty name="height" value="0.08571" units="cm"/>
-      <inkml:brushProperty name="color" value="#004F8B"/>
+      <inkml:brushProperty name="width" value="0.11429" units="cm"/>
+      <inkml:brushProperty name="height" value="0.11429" units="cm"/>
     </inkml:brush>
   </inkml:definitions>
-  <inkml:trace contextRef="#ctx0" brushRef="#br0">0 689 8440,'15'0'0,"0"0"0,0 0 296,-1 0 1,-4 0 115,0 0-319,-7 0 1,5 0 101,-3 0 1,-3 7-213,3 3 1,-4 3-101,-1 1 1,-1 3 107,-4 2 1,3-1-112,-3 7 0,4-6 41,1 6 0,0-6-13,0 6 1,5-7 82,-1 2 1,8-9-4,-2-1 0,-2-5 20,2 4 0,-1-5-1,6 1 1,0-10-16,0-5 1,-1-3 5,1-2 0,0-1-230,-1-4 1,-1 2 72,-3-6 0,2-1-9,-7-4 0,-1 4 20,-4 1 0,0 6-20,0-2 0,-8 4 92,-6 1 0,-3 2 22,-7 3 0,4-1-75,-4 6 0,6 0 35,-2 5 1,-1 0 115,1 0 0,1 0-169,4 0 251,0 0 0,2-1-123,3-4 1,4 1-1,6-5 1,0 4 38,0-5 0,0 0 22,0-5 0,6 6 95,4-1 1,8-5-72,2-5 0,6 1 178,-2 4 1,4 0-120,2 1 0,5-7 121,5-4 0,2-3-90,2-1 1,5-2 8,0-3 0,5-4-49,-5-6 1,0 5 3,-5-1 0,-8 8-131,-6-2 1,-3 9 65,-7 5 0,-7 9 218,-8 1-273,-4 7 1,-1-2-173,0 10 0,-1 3 251,-4 7 0,-3 6 0,-7 4 0,4-3 93,-4 3 0,4 4-118,-9 6 0,2 7 23,-2 2 1,-1 2-26,-3 8 0,1 0-108,3 4 0,4 9 43,-4 7 1,6 6-434,4 8 1,3 5 413,7 0 0,0 5-204,0-5 1,12-8 281,2-11 0,6-14-94,0-11 1,1-14 260,3-6 0,-3-16-77,-6-3 0,0-7 11,0-3 0,-1-6 15,1-4 1,-2-5 1,-3-5 1,1-2 114,-6-8 1,5-6-488,-5-3 0,-8-3-163,-12-2 1,-6-1 145,-9 1 1,-7 5-135,-7 0 0,0 1 57,-5-1 0,3 5-459,2 9 761,0 4 0,-7 0 0,-1-2 0</inkml:trace>
+  <inkml:trace contextRef="#ctx0" brushRef="#br0">265 1074 25327,'0'-15'-8084,"0"-4"6576,0-1 0,0 0 318,0 6 974,0 6 433,0 1-150,0 7 121,0 0 0,0 7-1209,0 2 0,0 11 1152,0 5 0,0-3-8,0 3 0,0 1 6,0 8 0,7-1-37,3 6 1,1-1 77,-1 1 0,3-2-100,-3-2 1,4-4-579,6 3 1,-2-3 802,7-1 1,-1-3 24,5-2 1,-4-4 113,-1-6 1,-1-7 160,2-3 1,1-5 36,-6-5 0,-1-3-345,-4-7 1,0-6-159,-1-4 1,1-2-136,0-3 1,-1-6-93,1-3 0,0 3-88,-1 2 0,-1-2-100,-3 2 0,-2-6-176,-3 6 0,-3 1-191,3 9 1,-3-2 232,-2 6 0,0 5 152,0 6 17,-7 5 430,5-2 1,-4 12-54,6 4 1,0 8 62,0 2 0,5 8-21,0 1 1,6 2-15,-1 8 0,-2-5 29,2 6 1,-2-1 14,2 5 1,1 7-240,-6 2 1,7 5-194,-3 0 1,0 8-7,0 2 1,-1 11-26,2 4 0,2-1 167,-7 1 1,0 0 20,-5 6 1,-2-5 47,-3-5 0,-5-12 2,-9-13 1,-6-13 275,-9-2 1,1-3-14,-6-7 0,0-3 244,-5-11 1,0-7 133,-1-3 1,-4-3-41,0-2 0,0-2 171,5-3 1,2-3-492,3-7 1,-7 0-7,7 1 1,0-1-594,9 0 1,1 1-8,-1-1 0,-2 0-203,2 1 1,4 4-331,11 0 0,7 5-1274,3-5 593,4 7 1475,14-10 1,3 5-1,14-7 1</inkml:trace>
+  <inkml:trace contextRef="#ctx0" brushRef="#br0" timeOffset="624">162 368 19772,'9'0'35,"-3"0"-80,1-6-904,-6 4 735,6-4 0,-7 4-990,0-3 88,6 4 936,-4-13 0,6 11-82,-3-7 1,-3 6-301,3-6 0,1 0 76,-1-5 1,5 1 465,-5-1 1,6-1-100,-1-4 0,1 2 400,-1-7 0,3 6-153,-3-6 0,-2 6-167,2-6 0,-2 7-109,2-1 0,-2 4 232,-3 5 0,-2-1-157,7 6 311,-7 0 0,10 7 86,-3 2 1,2 5-183,-2 5 0,7 6-38,-2 0 0,3 6-2,-3-2 1,0 9-189,-1 1 1,1 5-54,0-4 0,-1-1 29,1-5 1,-2 1-593,-3-1 0,1 1-436,-6-1 0,0-6 24,-5-4 1000,7 4 0,-6-6 1,6 4-1</inkml:trace>
 </inkml:ink>
 </file>
 
@@ -4617,15 +4605,15 @@
           <inkml:channelProperty channel="F" name="resolution" value="0" units="1/dev"/>
         </inkml:channelProperties>
       </inkml:inkSource>
-      <inkml:timestamp xml:id="ts0" timeString="2020-05-06T14:32:27.301"/>
+      <inkml:timestamp xml:id="ts0" timeString="2020-05-06T14:31:32.215"/>
     </inkml:context>
     <inkml:brush xml:id="br0">
-      <inkml:brushProperty name="width" value="0.08571" units="cm"/>
-      <inkml:brushProperty name="height" value="0.08571" units="cm"/>
-      <inkml:brushProperty name="color" value="#004F8B"/>
+      <inkml:brushProperty name="width" value="0.11429" units="cm"/>
+      <inkml:brushProperty name="height" value="0.11429" units="cm"/>
     </inkml:brush>
   </inkml:definitions>
-  <inkml:trace contextRef="#ctx0" brushRef="#br0">278 234 8536,'7'-21'-7,"-6"5"0,8-4 6,-5 10 1,-2-3 2176,5 11-1784,-7-4 1,0 8-676,0 2 0,0 6 227,0 10 0,0-2-59,0 6 0,5-1 128,-1 2 1,6 2 49,-5-2 1,5 1-124,-5-1 1,5-4 85,-5-7 0,4 1 27,-4 0 191,7 0-126,-4-7 0,7-2-120,-1-6 1,-4-6-6,0-4 1,0-8-57,4-2 1,-4-6 98,0 2 1,5-9-192,4-1 1,1-2 110,-5 2 1,1 1 8,3-6 1,-2 6 39,2-1 0,-4 8-10,-5 1 1,1 12 64,-6-2 94,0 10 1,-5 1-167,0 8 0,5 11 6,0 10 1,1 9 66,-1 5 0,-1 5-29,5 5 0,-4 3 65,5 7 0,-5-5-67,5 0 1,-5 5 174,5 5 0,-6 3-130,6 1 0,-7-4-108,2 9 0,-3-2 81,-2 2 0,-8 1-192,-7-1 0,-8-6-46,-11-3 0,-5-7 62,-10-8 0,-3-3-207,-7-17 1,-2-5 71,-2-14 0,7-3 75,-3-7 1,5-2 88,0-3 0,10-5 10,10-9 1,10-4-2,4-6 0,5-6 165,5 1 0,6-7 131,8 2 1,11 1 61,10-1 0,11 0 39,8-5 0,1 5-56,9 0 1,2 1-285,8-1 1,9-9 95,10 4 0,-1-3-316,1 3 0,1 5 181,4-1 1,-8 8 99,-7-3 1,-19 13-914,-15 7 357,-12 7-1265,-6 8 1793,-13 6 0,-8 9 0,-8 8 0</inkml:trace>
+  <inkml:trace contextRef="#ctx0" brushRef="#br0">398 265 21775,'14'-2'-2332,"1"-3"1746,0-3 1,-2-6-214,-3-1 1,1 5 566,-6 0 1,5 0-48,-5-4 0,0 4-86,-5 0 0,0 5-78,0-5 1,-7 2 72,-3-1 1,-3 0 96,-1 4 0,-3 4 441,-2-4 1,1 3 165,-7 2 1,2 0 35,-1 0 1,-4 0 73,4 0 1,-9 7 44,-1 3 0,-1 3-16,6 1 1,4 8-488,1 2 0,1 2-207,-1-1 0,2 3-131,8-4 0,5 4-273,5 1 0,2 1 62,2-1 1,8-1 102,7-4 0,6 2 305,8-6 1,1-2 191,-1-8 1,1 1 220,-1-6 0,0 0 95,1-5 1,-1 0 75,1 0 1,-3-7-75,-2-2 1,1-6 0,-6-5 0,-1 2-341,-4-6 1,0-1-262,-1-4 0,1 0-148,0-1 1,-2 1-117,-3-1 1,1 3-110,-6 2 1,0 2-576,-5 4 157,0 9 840,0-3 1,-5 14 318,0 4 1,-2 3 119,3 7 1,2 5-202,-3-1 1,3 8-53,2-3 1,0 2-58,0-1 1,2 2 92,3-2 1,1-2-56,4 1 1,3-1 177,-3 2 0,3-4-418,2-6 1,0-1 425,-1 1 1,1-2-61,0-3 0,-1-4 569,1-6-167,0 0 0,-1-6-172,1-4 0,-5-8-326,0-2 1,-5-6-17,4 2 1,-4 1-227,5-2 1,-5 3 147,5-3 1,-5-1-147,5 6 0,-6 2 82,6 9 1,-5-3-55,5 7 0,-5 0 425,5 5 0,-1 2 283,6 3 1,0 3-44,0 7 0,4 1-117,1 4 0,-1-4-9,-4 4 0,-2 1-240,-3-2 1,1 1 172,-6-5-728,7-1 193,-11-5-10,6-3 1,-14-7 363,-3-4 1,2-8-254,-1-7 1,0-6-134,0 1 0,-3-2 210,7-3 0,0-1-341,5-3 0,0 1 83,0-6 0,7 6-193,3-1 1,8 3 290,1 2 0,7 1-170,-1 3 1,3 9 406,1 6 0,0 7 866,1-2-609,6 3 1,-5 2-1,5 0 1</inkml:trace>
+  <inkml:trace contextRef="#ctx0" brushRef="#br0" timeOffset="501">1647 147 26903,'0'-14'-4022,"0"-1"1,0 0 2774,0 1 1,0 4 778,0 0 0,-6 5 856,-4-5 1,2 7-16,-2-2 0,5 3 224,-5 2 0,5-4-680,-5-1 0,6 0-1270,-6 5 1765,7 0 0,-11 5-187,5 0 0,0 6-270,0-1 1,4 5-457,-5 4 0,0-1-92,-5 7 1,2-6-106,4 6 1,-4-6 211,3 6 1,2-7 95,-2 1 0,7-2-1079,-2-3 988,3 1 0,4-5 440,3 0 1,4-7 630,11 2 1,-2-5-132,6-5 0,-4-3-165,4-7 0,1 0 188,4 1 0,-6-1-200,-3 0 0,-2 1 109,1-1 1,-4 0-80,0 0 0,-2 1-301,-8-1 0,1 5-962,-1 0 6,-3 7 838,4-3 1,-6 12-227,0 4 0,-5 5 237,1 4 0,-1 1-116,5 9 0,-5-3 194,0 9 1,0 2 52,5 2 0,0 10 96,0 5 0,0 4-77,0 0 0,0 1-117,0 0 0,0 0-26,0 0 0,-8 3 83,-7-4 0,-6-2-64,-9-12 0,-5-8 370,-5-7 1,-9-6-61,-5-8 0,-4-7-79,-6-3 0,2-8-52,-7-2 0,7-7 721,-1 3-620,9 2 0,3-6 0,7 5 0</inkml:trace>
 </inkml:ink>
 </file>
 
@@ -4645,15 +4633,15 @@
           <inkml:channelProperty channel="F" name="resolution" value="0" units="1/dev"/>
         </inkml:channelProperties>
       </inkml:inkSource>
-      <inkml:timestamp xml:id="ts0" timeString="2020-05-06T14:32:28.157"/>
+      <inkml:timestamp xml:id="ts0" timeString="2020-05-06T14:31:30.547"/>
     </inkml:context>
     <inkml:brush xml:id="br0">
-      <inkml:brushProperty name="width" value="0.08571" units="cm"/>
-      <inkml:brushProperty name="height" value="0.08571" units="cm"/>
-      <inkml:brushProperty name="color" value="#004F8B"/>
+      <inkml:brushProperty name="width" value="0.11429" units="cm"/>
+      <inkml:brushProperty name="height" value="0.11429" units="cm"/>
     </inkml:brush>
   </inkml:definitions>
-  <inkml:trace contextRef="#ctx0" brushRef="#br0">280 74 8289,'6'-23'0,"4"3"0,-3 9 233,-3 1 60,-2 7-316,-2-4 0,-6 9 163,-4 3 1,-3 8 5,-2 7 1,0 4 7,1-4 1,-3 6-13,-2-2 1,1 4-29,-7 1 0,7 3 35,-1 2 0,-3 3-132,3 7 1,-1 1 64,6-1 1,-1 1-107,0 4 1,7-3-45,3 3 0,3-8 81,2-2 0,9-5 0,5 4 0,9-4 0,5-6 0,1-7-306,1-4 299,6-3 0,-5-1-753,3-3 490,4-3 1,-6-7-473,7 0 1,-3 0 728,8 0 0,-3-7 0,10-1 0</inkml:trace>
+  <inkml:trace contextRef="#ctx0" brushRef="#br0">89 118 19973,'0'-15'-5370,"2"0"4506,3 1 1,-2-1 349,7 0 0,-5 2 809,4 4 1,-4-3 65,5 7 1,0 0-244,5 5 1,-1 0 92,1 0 0,0 0-615,-1 0 0,6 0 647,0 0 0,6 0 270,-2 0-279,-3 7 0,7-6 0,-5 6 0</inkml:trace>
+  <inkml:trace contextRef="#ctx0" brushRef="#br0" timeOffset="208">1 324 13670,'15'0'0,"-1"0"-220,1-7 0,5 1 79,-1-4 0,1 3 316,-6 7 1,6-5 252,0 0-1015,6 1 456,-3 4 0,11 0 191,0 0-1041,7 6 988,-3 2 0,6 7 0,0 0 0</inkml:trace>
 </inkml:ink>
 </file>
 
@@ -4673,15 +4661,14 @@
           <inkml:channelProperty channel="F" name="resolution" value="0" units="1/dev"/>
         </inkml:channelProperties>
       </inkml:inkSource>
-      <inkml:timestamp xml:id="ts0" timeString="2020-05-06T14:32:28.432"/>
+      <inkml:timestamp xml:id="ts0" timeString="2020-05-06T14:31:35.942"/>
     </inkml:context>
     <inkml:brush xml:id="br0">
-      <inkml:brushProperty name="width" value="0.08571" units="cm"/>
-      <inkml:brushProperty name="height" value="0.08571" units="cm"/>
-      <inkml:brushProperty name="color" value="#004F8B"/>
+      <inkml:brushProperty name="width" value="0.11429" units="cm"/>
+      <inkml:brushProperty name="height" value="0.11429" units="cm"/>
     </inkml:brush>
   </inkml:definitions>
-  <inkml:trace contextRef="#ctx0" brushRef="#br0">0 1 8467,'0'15'276,"0"-1"-43,0 1 0,0 6 290,0 4 0,0 9-351,0 5 1,0 5 17,0 5 1,0 4-269,0 5 1,7 1 75,3 0 0,3-5-264,1 0 0,1-7 109,0 2 1,4-6-93,1-9 0,-5-3-311,-6-16-216,-5-4 375,2-11 0,-6-6 66,0-4 0,-1-10 22,-4-4 0,-2-9 313,-3-1 0,-3-14 0,5 3 0</inkml:trace>
+  <inkml:trace contextRef="#ctx0" brushRef="#br0">236 273 16287,'8'-21'-3999,"-1"4"2350,-7-4 791,0 7 1,1-1 1472,4 0 1,-3 5-146,3 1 92,-4 5-586,-1-2 1,0 12-454,0 4 0,-5 3 458,1 2 0,-1 4-60,5 1 1,0 1 1,0-1 0,0-4 83,0 4 1,0-4-358,0-1 211,0-1 0,1 0 208,4-5 115,3-2-9,7-7 0,0-7-55,-1-2 1,1-9-11,0-2 0,0-8-178,-1-1 0,1-1 128,0-4 0,-1-2-106,1 2 0,-5 1 113,0 9 1,-5 1 77,4 3 0,-4 9-343,5-4 211,-7 10 1,5 5 225,-3 10 1,-1 8-152,5 2 0,-4 7 90,5 3 0,-5 1-100,5 8 0,-2-1 21,2 1 0,-2 8-61,-3-3 0,-2 7-127,7 3 1,-7 0 3,2 9 0,-3-2-83,-2-2 0,0-1-29,0 1 1,-2-2 180,-3-3 0,-3-3 105,-7-7 0,-8-2-18,-6-2 0,0-6 64,-6-10 0,-2-2 61,-2-8 0,-5-5-9,-5-5 1,8-4 26,-3-4 1,9-6-94,1-10 1,3 2-5,2-6 0,7 1-78,8-2 1,1-2-134,8 2 1,0-1-62,5 1 0,6-2-288,4 2 1,10 2 144,4-1 0,6-1-202,4-4 0,3 1 50,8 4 1,7 1-123,7 3 0,3 4-117,11-4 429,-3 4 1,17 1 0,-5 0 0</inkml:trace>
 </inkml:ink>
 </file>
 
@@ -4701,15 +4688,17 @@
           <inkml:channelProperty channel="F" name="resolution" value="0" units="1/dev"/>
         </inkml:channelProperties>
       </inkml:inkSource>
-      <inkml:timestamp xml:id="ts0" timeString="2020-05-06T14:32:28.649"/>
+      <inkml:timestamp xml:id="ts0" timeString="2020-05-06T14:31:34.333"/>
     </inkml:context>
     <inkml:brush xml:id="br0">
-      <inkml:brushProperty name="width" value="0.08571" units="cm"/>
-      <inkml:brushProperty name="height" value="0.08571" units="cm"/>
-      <inkml:brushProperty name="color" value="#004F8B"/>
+      <inkml:brushProperty name="width" value="0.11429" units="cm"/>
+      <inkml:brushProperty name="height" value="0.11429" units="cm"/>
     </inkml:brush>
   </inkml:definitions>
-  <inkml:trace contextRef="#ctx0" brushRef="#br0">45 163 8215,'6'-38'0,"4"5"0,3 6 0,2 4 0,0 3 795,-1 7-504,1 5 0,0 8-100,-1 0 1,6 2-143,0 2 1,4 5-160,-4 5 0,6 1 142,-2 0 0,-2 4-18,-3 1 1,-3 6 107,-1-1 0,-7-1-237,-3 5 1,-3-7-48,-2 7 1,-2-3 10,-3 4 1,-4-6 60,-11 1 0,2-7-57,-7 1 1,1-3-161,-5-1 1,-2 0 84,-4 0 0,9-7-48,-3-3 0,3-4 20,-4-1 0,7 0 250,4 0 0,2-6 0,3-2 0</inkml:trace>
+  <inkml:trace contextRef="#ctx0" brushRef="#br0">118 324 22559,'14'-23'-3268,"-5"1"1,-1 9 1448,-3 4 2469,-4-4-823,6 11 1563,-7-5-1650,0 7 513,0 7-1050,-7 1 1,4 7 105,-7-1 497,7 8 0,-10-4 188,3 6 1,-1 1-8,1 4 1,-3-4-456,3-1 0,2-1 642,-2 1 0,5 3-990,-5-8 0,7 1 645,-2-6 0,-1 1-124,1 0 202,0 0-73,5-7 0,0-3 537,0-10 1,-5-8-529,0-7 1,0-6 8,5 1 0,0-7-39,0-3 1,7-5 247,2 0 0,4 3-69,2-2 1,6 4 264,4-4 0,1 7-8,-1-3 0,2 11-248,-2 4 1,4 9 462,5 1 0,-4 8 322,-1 2 1,1 8-369,-6 12 0,-3 3-135,-1 6 0,0 1-219,-6-1 1,4 0-16,-8 1 0,-3-4-342,-3 3 0,-2-7-126,-2 7 0,0-9-276,0-1 1,0-2-674,0-3-17,-6 1 1322,-3-7 1,-5-3 393,-1-10 1,7-3-359,3-7 0,2-6-57,-2-3 0,3 1 114,-3-2 0,5 1 23,5-6 0,3 1 116,7-1 1,1 4 98,4-3 0,-2 9-149,6-4 0,-4 6-124,5 3 1,-6 5 349,6 1 1,-7 7 360,1 2 0,-1 8-273,2 12 0,-4-2-210,4 6 0,-9 2-194,-1 9 0,-5-4-124,5 3 1,-5-3-114,4-2 0,-5-4-306,0-1 0,-2-4-251,-2 4 0,2-6-873,3 2 231,-4-4 242,6-1 1270,-1-7 1,3-1 0,5-7 0</inkml:trace>
+  <inkml:trace contextRef="#ctx0" brushRef="#br0" timeOffset="430">1117 265 18244,'8'-15'-3553,"5"5"3036,-3 0 433,3 1 297,2-6 1,-2 5-69,-3 0 49,-4 7-421,-6-10 1,-1 11 98,-4-2 0,2 2 482,-7 2 1,0 0-94,-5 0 1,-4 2-89,-1 2 1,-4 5-55,4 5 1,-5 3-259,6 2 0,-2-1 28,1 7 1,4-6 244,-4 6 0,4-6-456,1 6 0,5-2-222,0 1 1,7 2-193,-2-6 1,4 0 172,1-6 0,6-6 472,4-3 1,8 2 177,2-2 0,6-2 145,-2-8 0,-1-3-66,2-7 0,-1-4-92,5-1 1,-4-4 113,-1 4 0,-4-6 9,5 1 0,-7 2 37,1-1 0,-4 6-359,-5-2 1,1 4-372,-6 1-312,0 7 532,-5 2 731,6 12 1,-4 4-619,3 10 0,-3-4-8,-2 4 0,4-2 114,1 1 1,2-3-50,-2 4 0,3-4 124,7-1 1,-1 5-84,1-1 1,1-4 167,4-5 1,-4-2-575,4 2 1,3-2 408,1-3 0,-1-4 322,2 4 0,-7-10 0,3-3 0</inkml:trace>
+  <inkml:trace contextRef="#ctx0" brushRef="#br0" timeOffset="647">1543 132 18074,'9'-14'-4476,"-4"-1"3710,3 7 1,-5 0 895,7 3 1,-5 3 164,4-3 0,1 10 182,5 5 0,0 5-394,-1 4 1,8-1 5,2 7 1,4-6-371,1 6 1,1-2 552,-1 1 0,2 2-217,3-6 0,-4 0-63,-1-6 0,1 1-319,-6 0 1,2-2 160,-1-3 0,-4 1-24,-6-6 0,-1 0 318,1-5 1,0 0 0,-1 0 0</inkml:trace>
+  <inkml:trace contextRef="#ctx0" brushRef="#br0" timeOffset="808">2073 30 17972,'-10'-10'-910,"0"0"0,5 7 952,-5-2 0,-1 3 465,-9 2 1,2 8-520,-6 7 1,-1 6-30,-4 9 1,-5 4-215,-1 0 1,1 7-402,5-2 1,-1 4 157,1 1 0,1 0-15,4 0 1,-3 0-378,8 0 661,-1 0 0,-1 0 1,-2 1-1</inkml:trace>
 </inkml:ink>
 </file>
 
@@ -4729,15 +4718,21 @@
           <inkml:channelProperty channel="F" name="resolution" value="0" units="1/dev"/>
         </inkml:channelProperties>
       </inkml:inkSource>
-      <inkml:timestamp xml:id="ts0" timeString="2020-05-06T14:32:28.932"/>
+      <inkml:timestamp xml:id="ts0" timeString="2020-05-06T14:31:40.955"/>
     </inkml:context>
     <inkml:brush xml:id="br0">
+      <inkml:brushProperty name="width" value="0.11429" units="cm"/>
+      <inkml:brushProperty name="height" value="0.11429" units="cm"/>
+    </inkml:brush>
+    <inkml:brush xml:id="br1">
       <inkml:brushProperty name="width" value="0.08571" units="cm"/>
       <inkml:brushProperty name="height" value="0.08571" units="cm"/>
-      <inkml:brushProperty name="color" value="#004F8B"/>
     </inkml:brush>
   </inkml:definitions>
-  <inkml:trace contextRef="#ctx0" brushRef="#br0">1 221 8103,'21'0'0,"-5"0"-41,4 0 1,-4 0-82,-1 0 1,-5 2 314,0 3 0,-7 4-86,2 11 1,-4-4 184,-1 4 0,0 1-116,0-1 0,0 6-184,0-2 1,0-1-2,0 2 1,-1-7 34,-4 1 1,3-2-153,-3-3-451,4 1 66,-6 0 314,6-7 1,-6-10 148,7-12 1,0-3-63,0-7 1,7-1 168,2-4 1,6-2-128,5-3 0,3 1-128,6-6 1,2-1 11,3-4 1,-1 5 98,6 0 0,-6 8-68,1 2 0,-3 1 47,-1 8 1,-8 7 105,-2 8 0,-4 4 0,-1 1 0</inkml:trace>
+  <inkml:trace contextRef="#ctx0" brushRef="#br0">412 74 10127,'8'-6'-347,"-2"2"-325,-6-6 195,0 7 301,7-10-63,-5 5 347,4 0 1,-6 0-315,0 3-138,0 3 382,-6-4 0,-3 6 13,-5 0 0,-1 0-9,0 0 1,1 4 84,-1 1 0,-1 7-113,-4-2 0,4 4 23,-4 6 0,-1-4-154,1 4 0,-6 3 102,2 1 0,-3 2-61,3-1 1,-2 3-22,6-4 1,-4 4-17,4 1 0,0 1 65,6-1 0,6 0-39,3 1 0,3-6 51,2 1 0,2-7-17,3 1 0,4-2 210,11-3 1,-2 1-46,6 0 0,-1 0-30,2-1 0,1 1-36,-6 0 0,4 6-3,-4 3 1,-1-1-142,-4 2 1,-5-2 138,0 1 1,-7 9-221,2-4 1,-4 2 110,-1-6-1,-6 2-90,-4-2 0,-3 1 70,-2-1 0,1-4 8,-1-6 0,-1-1 46,-4 1 50,4-7 0,-6-1 139,8-7 0,4 0-100,0 0 1,7-2 141,-2-3 0,3 2-133,2-7 0,0 5 38,0-5-130,0 7 36,7-3 0,1 7 65,7 4 1,-6 3-80,1 7 1,0 0 79,5-1 1,-5 8-73,-1 2 1,-4 10-21,5 6 0,-7 4 55,2 5 1,-3 3-70,-2 7 1,0 4 8,0 1 1,-2 1-73,-3-1 1,-3-2 52,-7 7 0,-4-2-8,-1 1 1,1-2 90,4-8 0,2-4-50,3 0 0,-1-3 43,6-2 0,0-7-22,5-12 0,2-3 92,2-2 1,5-4 36,5-6 0,8-2 173,2-3 0,5-4-232,6-6 0,-3 0-25,8 0 1,-1-1-408,5-4 0,6-2 143,4-3 1,4-3-299,0 4 1,1 0 497,0 0 0,6-1 1,2-5-1</inkml:trace>
+  <inkml:trace contextRef="#ctx0" brushRef="#br0" timeOffset="507">1602 1000 10200,'8'0'-670,"6"-6"0,-8 10 343,4 1 1,-4 13 444,-6 7 1,0 4-125,0 6 1,0 2 209,0 7 0,0 7-200,0 3 0,2 3-27,3 2 1,1-5-211,4-1 1,8-4 162,-3 5 1,3-6-184,-3 1 1,-1-8 136,1-2 1,-5-11-113,0 1 0,-7-9-198,2-1 251,-4-9 1,-9-5 144,-6-10 19,-1-10 0,-13-8 1,5-6-1</inkml:trace>
+  <inkml:trace contextRef="#ctx0" brushRef="#br1" timeOffset="753">1573 838 8547,'21'-52'-228,"4"3"0,4 3-285,5 2 1,-3 12 1306,4 2 0,1 16-175,-2-1 0,7 10-725,-2 0 0,-2 3-105,3 2 0,-8 2-33,3 3 1,1 5 194,-2 9 0,0-1-113,-4 7 1,-6 1 135,1 8 1,-7-1-1,1 6 0,-4-5-20,-5 6 0,-4-6 56,-6 5 0,-6-5 19,-4 6 0,-11-8 20,-9 3 1,-7-4 12,-12-2 1,-5-6-207,-10-4 1,2-2 156,-7-2 1,7-2-232,-1-4 0,1 3 218,-2-7 0,10 6 0,-3-3 0</inkml:trace>
+  <inkml:trace contextRef="#ctx0" brushRef="#br0" timeOffset="1107">3116 221 15162,'28'-24'-863,"-3"-1"0,-6-4 183,-9 9 1023,3 7-491,-11 6 1,-1 9 101,-6 3 0,-13 10 100,-1 9 76,-7 11-253,-4 2 1,1 7-39,-1 0 1,-4 5 63,0 0 1,-5 12-44,4-3 0,-1 13-270,2 2 1,3 7 317,-3 8 1,16-38-1,2 0-19,1 1 1,0 1 0,-1-1-1,1-1 56,-4 48 1,5-8-177,10-2 0,2-8 46,2-11 1,8-12 5,7-13 0,1-6 103,9-9 1,-1-3 40,6-6 1,-1-2-72,0-13 0,-4 4 4,-1-4 0,6 2 545,4-2-443,0-4 0,-4 6 0,-1-7 0</inkml:trace>
 </inkml:ink>
 </file>
 
@@ -4757,15 +4752,22 @@
           <inkml:channelProperty channel="F" name="resolution" value="0" units="1/dev"/>
         </inkml:channelProperties>
       </inkml:inkSource>
-      <inkml:timestamp xml:id="ts0" timeString="2020-05-06T14:32:29.322"/>
+      <inkml:timestamp xml:id="ts0" timeString="2020-05-06T14:31:46.123"/>
     </inkml:context>
     <inkml:brush xml:id="br0">
       <inkml:brushProperty name="width" value="0.08571" units="cm"/>
       <inkml:brushProperty name="height" value="0.08571" units="cm"/>
-      <inkml:brushProperty name="color" value="#004F8B"/>
+    </inkml:brush>
+    <inkml:brush xml:id="br1">
+      <inkml:brushProperty name="width" value="0.11429" units="cm"/>
+      <inkml:brushProperty name="height" value="0.11429" units="cm"/>
     </inkml:brush>
   </inkml:definitions>
-  <inkml:trace contextRef="#ctx0" brushRef="#br0">44 29 8058,'8'-8'1118,"-1"-5"-720,-7 12-341,0-6 1,0 9-52,0 3 0,-5 3 120,0 6 1,-5 3-279,5 2 0,-4-2 5,4 2 1,-2-2-3,2-3 0,4 1 98,-4 0 0,3-1-64,2 1 0,0-5 66,0 0 1,2-7 24,3 2 0,-2-3-70,7-2 1,-1 0 67,6 0 1,0-7-81,0-3 1,-1-3 97,1-2 0,5 1-5,-1-1 1,-1 0 48,-8 1 0,3-1 142,-3 0 1,-2 5 236,2 1-105,-7-1 57,10 2-195,-11 1 42,4 7-24,-6 0 1,0 0-349,0 7 0,-1-4-339,-4 7 1,3-5 230,-3 4 1,2-5-413,-2 1 1,2 1-23,-7-1 700,7 6 0,-10-9 0,4 5 0</inkml:trace>
+  <inkml:trace contextRef="#ctx0" brushRef="#br0">15 1044 8536,'-6'-15'0,"4"1"-80,-3-1 0,4-5 221,1 1 1,0-1 309,0 5-31,0 1-462,0 5 163,6-4-101,-4 12 0,11-4-253,-3 10 1,0 5 274,4 9 1,-2-1-74,7 7 1,4-1-72,2 6 0,-2 1 102,1 3 0,5-3-6,6 3 1,-1 2-41,-5-2 1,6 6 12,-1-6 0,0 5-44,-4-5 0,-1 1-184,1-6 1,-6-1-105,1-4 0,-7-2-130,1-8-116,-3-6 397,-7-1 214,-3-7 0,-6-13 0,0-3 0</inkml:trace>
+  <inkml:trace contextRef="#ctx0" brushRef="#br0" timeOffset="200">427 985 8536,'0'-23'-1298,"0"4"1603,0 2 514,-6 9 0,-3 8-660,-5 10 0,-6 10 1,0 4 0,-1 4-253,2 1 0,1 6 89,-7-1 0,7 7-129,-1-2 0,1-2 18,-2 3 0,9-1-3,-4 5 0,3-7-333,-2-2 0,6-4 162,3-2 0,3 1-550,2-1 839,0-6 0,0-2 0,0-6 0</inkml:trace>
+  <inkml:trace contextRef="#ctx0" brushRef="#br1" timeOffset="1004">1294 235 12730,'0'-14'-880,"0"-1"0,0 5-309,0 0 870,0 1-138,0 1 443,0 1 1,-1 7 348,-4 0 1,1 8-198,-5 7 0,4 6-211,-5 8 1,5 7 189,-5 4 1,5 9 8,-4 4 1,4 10-68,-5 0 1,7 12 55,-2-1 0,3 11-342,2 3 0,0 5 8,0 5 0,0 2 67,0-7 1,2-2 188,3-7 1,-4-6-138,4-9 0,-3-11 37,-2-9 0,0-5 79,0-4 0,0-1-173,0-10 0,0-3 94,0-11-438,0 0 116,0-7 232,0-2 147,0-19 0,0-3 0,0-13 0</inkml:trace>
+  <inkml:trace contextRef="#ctx0" brushRef="#br1" timeOffset="1617">1618 1059 12785,'5'-15'-1744,"-1"0"0,1 5 1369,-5 1 1,2 5 1108,3-1-422,-3 4-307,4 1 1,-8 6 131,-2 4 1,2 10-139,-3 4 0,-2 1-49,3 4 1,-1-3 70,5 9 0,0 1 24,0-2 0,0 5-31,0-5 1,1 1-46,4-6 1,2 0-77,3 1 0,3-2 8,-4-4 1,6-8 174,5-6 1,-4-7 186,4 2 1,1-5-120,-2-5 1,3-9-77,-3-11 0,-2-3-83,2-1 0,-4-2-10,-5-3 0,3 1-39,-3-6 1,1 0-63,-1-5 0,1 1-78,-6 4 0,2 3-94,-2 7 1,-4-1 50,4 1 1,-3 11 429,-2 3-91,-7 10 0,1 0 329,-4 10 1,-2 5-276,8 10 1,-1 3 154,5 6 1,-5 7-114,0 3 1,0-1-68,5 1 0,0 5 25,0 5 0,0 5 3,0-5 1,6 6-235,4-1 1,-2 5-156,2 5 1,5 3 78,5 6 0,-1-4 151,-4-1 1,-5-6-140,-1 2 0,-5-5 102,1-5 1,-4-10 14,-1-10 1,-6-4 5,-4-6 1,-5 1 19,-4-11 1,1 4 207,-7-8 1,1-3 1,-6-3 1,-6-2 29,-3-2 1,2 0-163,-3 0 1,6-6-186,-5-4 0,6 2-77,-1-2 1,8 5-658,1-5 877,7 7 1,-3-10 0,6 5 0</inkml:trace>
+  <inkml:trace contextRef="#ctx0" brushRef="#br1" timeOffset="2213">2411 103 10786,'5'-15'-939,"0"1"829,7-1 0,-11 0-1295,4 1 634,3-1 117,-6 7 1406,5 1-403,-1 7 0,-3 2-106,7 3 0,-2 10-97,2 9 0,3 5 105,-3 6 0,3 2-71,2 7 0,-1 7-18,1 3 0,5 14 39,-1 6 0,1 6-357,-5 3 0,4 2 69,1 13 0,-1-1 18,-4 1 0,-8-48 1,-1-1 52,4 44 0,1-5 21,-6-4 0,-1-4-158,-9-2 1,-5-6 119,-10-13 1,2-2 60,-6-3 1,-2 1-151,-9-6 0,4-6 89,-3-9 1,3-3-159,2-1 1,-6-3 28,1-2 0,1-4 192,9-6 1,-2-2-215,6-3 1,-4 1-41,4-6 1,5 2-413,6-3 621,5-2 0,-2 5 1,6-7-1</inkml:trace>
 </inkml:ink>
 </file>
 
@@ -4785,15 +4787,14 @@
           <inkml:channelProperty channel="F" name="resolution" value="0" units="1/dev"/>
         </inkml:channelProperties>
       </inkml:inkSource>
-      <inkml:timestamp xml:id="ts0" timeString="2020-05-06T14:32:29.822"/>
+      <inkml:timestamp xml:id="ts0" timeString="2020-05-06T14:31:50.429"/>
     </inkml:context>
     <inkml:brush xml:id="br0">
       <inkml:brushProperty name="width" value="0.08571" units="cm"/>
       <inkml:brushProperty name="height" value="0.08571" units="cm"/>
-      <inkml:brushProperty name="color" value="#004F8B"/>
     </inkml:brush>
   </inkml:definitions>
-  <inkml:trace contextRef="#ctx0" brushRef="#br0">1 74 8339,'1'-14'0,"4"-1"0,-3 0 0,4 5 470,-6 1 1,2 5 250,3-1-626,-4 4-256,6 1-414,-7 0 1,-2 6-749,-3 4 1323,4 3 0,-6 2 0,7 0 0</inkml:trace>
+  <inkml:trace contextRef="#ctx0" brushRef="#br0">1 148 8562,'8'-30'-804,"5"6"321,-3-1 758,-4 7 1,6-3 1211,-7 6-697,0 7-189,-5 2-1015,0 6 1,0 6 265,0 4 0,0 5 23,0 4 1,-2 4 99,-3 6 1,3 2 49,-2 4 1,-3 2-25,2 7 1,0 1-61,5-1 1,-5 1 9,0 4 1,1 4 75,4 5 0,0 6-163,0 0 1,0 1 41,0-1 0,4 1-83,1 4 0,0-10-87,-5-10 1,2-5-167,3-5-6,-4-3-9,6-20 1,-5-4 444,2-17 0,5-17 0,5-9 0</inkml:trace>
 </inkml:ink>
 </file>
 
@@ -4813,15 +4814,14 @@
           <inkml:channelProperty channel="F" name="resolution" value="0" units="1/dev"/>
         </inkml:channelProperties>
       </inkml:inkSource>
-      <inkml:timestamp xml:id="ts0" timeString="2020-05-06T14:32:30.311"/>
+      <inkml:timestamp xml:id="ts0" timeString="2020-05-06T14:31:50.792"/>
     </inkml:context>
     <inkml:brush xml:id="br0">
       <inkml:brushProperty name="width" value="0.08571" units="cm"/>
       <inkml:brushProperty name="height" value="0.08571" units="cm"/>
-      <inkml:brushProperty name="color" value="#004F8B"/>
     </inkml:brush>
   </inkml:definitions>
-  <inkml:trace contextRef="#ctx0" brushRef="#br0">74 103 8291,'8'-15'-235,"5"1"1,-7-1 404,4 0 1,-3 5 770,-7 1-874,0 5 157,0-2-127,0 6 1,-2 0-36,-3 0 0,2 6-158,-7 4 1,0 5 134,-4 4 0,4-2-143,0 2 1,2 3 111,-2-3 1,-1 6-191,6-6 1,-5 1-14,5-5 0,0-1 131,5 1 0,0 0-11,0-1 34,0 1 1,2-2-113,3-3 1,3-4 100,6-6 0,8 0-101,2 0 0,-1 0 96,2 0 1,-3-6 27,3-4 1,3-8-41,-4-1 0,-3-6-6,-1 5 1,-4-4 23,-1 4 0,-7-4 17,-3 4 1,-3-1-67,-2 1 1,-2 4 46,-3-3 0,-8 2-142,-6 2 0,-8 7 118,3 3 1,-4-1 76,-1 1 0,4 0 0,1 5 0,6 7 0,-3 1 0</inkml:trace>
+  <inkml:trace contextRef="#ctx0" brushRef="#br0">206 133 8296,'15'-30'0,"0"3"118,-1 2 0,-1 4 395,-3 6-548,-3 7 35,-7 2-414,0 6 242,0 0-334,0 6 443,6 2 0,4 2 69,10 0 1,-2-5 191,6 5 1,1-2-93,4 2 1,0 3 143,1-4 0,4 4-163,0 2 0,1 0 38,-6 0 0,-4 6-134,-1 3 1,-6-1 116,2 2 1,-10-1-243,-6 6 0,-2-1 124,-2 0 0,-8 6-77,-7-1 0,-8 0 11,-11-4 1,-4-1 40,-6 0 1,-1-4-53,-4-1 1,3-6 5,-3 2 0,2-9-85,-2-1 1,3-2 83,-3 2 1,10-3-620,4-7 701,4 0 0,2 0 0,0 0 0</inkml:trace>
 </inkml:ink>
 </file>
 
@@ -4907,7 +4907,7 @@
           <a:p>
             <a:fld id="{E50CF968-FEF3-EB46-B83A-6265E01A661D}" type="datetimeFigureOut">
               <a:rPr lang="en-US" smtClean="0"/>
-              <a:t>10/25/22</a:t>
+              <a:t>10/27/25</a:t>
             </a:fld>
             <a:endParaRPr lang="en-US"/>
           </a:p>
@@ -5321,7 +5321,7 @@
           <a:p>
             <a:fld id="{8185FBBC-6FD9-0C44-8F9C-D1B26DF66FB3}" type="datetimeFigureOut">
               <a:rPr lang="en-US" smtClean="0"/>
-              <a:t>10/25/22</a:t>
+              <a:t>10/27/25</a:t>
             </a:fld>
             <a:endParaRPr lang="en-US"/>
           </a:p>
@@ -5519,7 +5519,7 @@
           <a:p>
             <a:fld id="{8185FBBC-6FD9-0C44-8F9C-D1B26DF66FB3}" type="datetimeFigureOut">
               <a:rPr lang="en-US" smtClean="0"/>
-              <a:t>10/25/22</a:t>
+              <a:t>10/27/25</a:t>
             </a:fld>
             <a:endParaRPr lang="en-US"/>
           </a:p>
@@ -5727,7 +5727,7 @@
           <a:p>
             <a:fld id="{8185FBBC-6FD9-0C44-8F9C-D1B26DF66FB3}" type="datetimeFigureOut">
               <a:rPr lang="en-US" smtClean="0"/>
-              <a:t>10/25/22</a:t>
+              <a:t>10/27/25</a:t>
             </a:fld>
             <a:endParaRPr lang="en-US"/>
           </a:p>
@@ -5925,7 +5925,7 @@
           <a:p>
             <a:fld id="{8185FBBC-6FD9-0C44-8F9C-D1B26DF66FB3}" type="datetimeFigureOut">
               <a:rPr lang="en-US" smtClean="0"/>
-              <a:t>10/25/22</a:t>
+              <a:t>10/27/25</a:t>
             </a:fld>
             <a:endParaRPr lang="en-US"/>
           </a:p>
@@ -6200,7 +6200,7 @@
           <a:p>
             <a:fld id="{8185FBBC-6FD9-0C44-8F9C-D1B26DF66FB3}" type="datetimeFigureOut">
               <a:rPr lang="en-US" smtClean="0"/>
-              <a:t>10/25/22</a:t>
+              <a:t>10/27/25</a:t>
             </a:fld>
             <a:endParaRPr lang="en-US"/>
           </a:p>
@@ -6465,7 +6465,7 @@
           <a:p>
             <a:fld id="{8185FBBC-6FD9-0C44-8F9C-D1B26DF66FB3}" type="datetimeFigureOut">
               <a:rPr lang="en-US" smtClean="0"/>
-              <a:t>10/25/22</a:t>
+              <a:t>10/27/25</a:t>
             </a:fld>
             <a:endParaRPr lang="en-US"/>
           </a:p>
@@ -6877,7 +6877,7 @@
           <a:p>
             <a:fld id="{8185FBBC-6FD9-0C44-8F9C-D1B26DF66FB3}" type="datetimeFigureOut">
               <a:rPr lang="en-US" smtClean="0"/>
-              <a:t>10/25/22</a:t>
+              <a:t>10/27/25</a:t>
             </a:fld>
             <a:endParaRPr lang="en-US"/>
           </a:p>
@@ -7018,7 +7018,7 @@
           <a:p>
             <a:fld id="{8185FBBC-6FD9-0C44-8F9C-D1B26DF66FB3}" type="datetimeFigureOut">
               <a:rPr lang="en-US" smtClean="0"/>
-              <a:t>10/25/22</a:t>
+              <a:t>10/27/25</a:t>
             </a:fld>
             <a:endParaRPr lang="en-US"/>
           </a:p>
@@ -7131,7 +7131,7 @@
           <a:p>
             <a:fld id="{8185FBBC-6FD9-0C44-8F9C-D1B26DF66FB3}" type="datetimeFigureOut">
               <a:rPr lang="en-US" smtClean="0"/>
-              <a:t>10/25/22</a:t>
+              <a:t>10/27/25</a:t>
             </a:fld>
             <a:endParaRPr lang="en-US"/>
           </a:p>
@@ -7442,7 +7442,7 @@
           <a:p>
             <a:fld id="{8185FBBC-6FD9-0C44-8F9C-D1B26DF66FB3}" type="datetimeFigureOut">
               <a:rPr lang="en-US" smtClean="0"/>
-              <a:t>10/25/22</a:t>
+              <a:t>10/27/25</a:t>
             </a:fld>
             <a:endParaRPr lang="en-US"/>
           </a:p>
@@ -7730,7 +7730,7 @@
           <a:p>
             <a:fld id="{8185FBBC-6FD9-0C44-8F9C-D1B26DF66FB3}" type="datetimeFigureOut">
               <a:rPr lang="en-US" smtClean="0"/>
-              <a:t>10/25/22</a:t>
+              <a:t>10/27/25</a:t>
             </a:fld>
             <a:endParaRPr lang="en-US"/>
           </a:p>
@@ -7971,7 +7971,7 @@
           <a:p>
             <a:fld id="{8185FBBC-6FD9-0C44-8F9C-D1B26DF66FB3}" type="datetimeFigureOut">
               <a:rPr lang="en-US" smtClean="0"/>
-              <a:t>10/25/22</a:t>
+              <a:t>10/27/25</a:t>
             </a:fld>
             <a:endParaRPr lang="en-US"/>
           </a:p>
@@ -8512,8 +8512,138 @@
             </a:r>
             <a:r>
               <a:rPr lang="en-US" dirty="0"/>
-              <a:t> Bayes Classifier</a:t>
+              <a:t> Bayes: Independence Assumptions</a:t>
             </a:r>
+          </a:p>
+        </p:txBody>
+      </p:sp>
+      <p:sp>
+        <p:nvSpPr>
+          <p:cNvPr id="12" name="Rectangle 3"/>
+          <p:cNvSpPr>
+            <a:spLocks noGrp="1" noChangeArrowheads="1"/>
+          </p:cNvSpPr>
+          <p:nvPr>
+            <p:ph idx="1"/>
+          </p:nvPr>
+        </p:nvSpPr>
+        <p:spPr>
+          <a:xfrm>
+            <a:off x="838200" y="2063619"/>
+            <a:ext cx="10515600" cy="4351338"/>
+          </a:xfrm>
+        </p:spPr>
+        <p:txBody>
+          <a:bodyPr/>
+          <a:lstStyle/>
+          <a:p>
+            <a:r>
+              <a:rPr lang="en-US" b="1" dirty="0">
+                <a:solidFill>
+                  <a:srgbClr val="C00000"/>
+                </a:solidFill>
+                <a:latin typeface="Calibri" charset="0"/>
+                <a:sym typeface="Symbol" charset="2"/>
+              </a:rPr>
+              <a:t>Conditional Independence</a:t>
+            </a:r>
+            <a:r>
+              <a:rPr lang="en-US" dirty="0">
+                <a:solidFill>
+                  <a:srgbClr val="C00000"/>
+                </a:solidFill>
+                <a:latin typeface="Calibri" charset="0"/>
+                <a:sym typeface="Symbol" charset="2"/>
+              </a:rPr>
+              <a:t>: </a:t>
+            </a:r>
+            <a:r>
+              <a:rPr lang="en-US" dirty="0">
+                <a:latin typeface="Calibri" charset="0"/>
+                <a:sym typeface="Symbol" charset="2"/>
+              </a:rPr>
+              <a:t>Assume the feature probabilities </a:t>
+            </a:r>
+            <a:r>
+              <a:rPr lang="en-US" i="1" dirty="0">
+                <a:latin typeface="Calibri" charset="0"/>
+                <a:sym typeface="Symbol" charset="2"/>
+              </a:rPr>
+              <a:t>P</a:t>
+            </a:r>
+            <a:r>
+              <a:rPr lang="en-US" dirty="0">
+                <a:latin typeface="Calibri" charset="0"/>
+                <a:sym typeface="Symbol" charset="2"/>
+              </a:rPr>
+              <a:t>(</a:t>
+            </a:r>
+            <a:r>
+              <a:rPr lang="en-US" i="1" dirty="0" err="1">
+                <a:latin typeface="Calibri" charset="0"/>
+                <a:sym typeface="Symbol" charset="2"/>
+              </a:rPr>
+              <a:t>x</a:t>
+            </a:r>
+            <a:r>
+              <a:rPr lang="en-US" i="1" baseline="-25000" dirty="0" err="1">
+                <a:latin typeface="Calibri" charset="0"/>
+                <a:sym typeface="Symbol" charset="2"/>
+              </a:rPr>
+              <a:t>i</a:t>
+            </a:r>
+            <a:r>
+              <a:rPr lang="en-US" dirty="0" err="1">
+                <a:latin typeface="Calibri" charset="0"/>
+                <a:sym typeface="Symbol" charset="2"/>
+              </a:rPr>
+              <a:t>|</a:t>
+            </a:r>
+            <a:r>
+              <a:rPr lang="en-US" i="1" dirty="0" err="1">
+                <a:latin typeface="Calibri" charset="0"/>
+                <a:sym typeface="Symbol" charset="2"/>
+              </a:rPr>
+              <a:t>y</a:t>
+            </a:r>
+            <a:r>
+              <a:rPr lang="en-US">
+                <a:latin typeface="Calibri" charset="0"/>
+                <a:sym typeface="Symbol" charset="2"/>
+              </a:rPr>
+              <a:t>) </a:t>
+            </a:r>
+            <a:r>
+              <a:rPr lang="en-US" dirty="0">
+                <a:latin typeface="Calibri" charset="0"/>
+                <a:sym typeface="Symbol" charset="2"/>
+              </a:rPr>
+              <a:t>are independent given the </a:t>
+            </a:r>
+            <a:r>
+              <a:rPr lang="en-US">
+                <a:latin typeface="Calibri" charset="0"/>
+                <a:sym typeface="Symbol" charset="2"/>
+              </a:rPr>
+              <a:t>class </a:t>
+            </a:r>
+            <a:r>
+              <a:rPr lang="en-US" i="1" dirty="0">
+                <a:latin typeface="Calibri" charset="0"/>
+                <a:sym typeface="Symbol" charset="2"/>
+              </a:rPr>
+              <a:t>y</a:t>
+            </a:r>
+            <a:r>
+              <a:rPr lang="en-US" i="1">
+                <a:latin typeface="Calibri" charset="0"/>
+                <a:sym typeface="Symbol" charset="2"/>
+              </a:rPr>
+              <a:t>.</a:t>
+            </a:r>
+            <a:endParaRPr lang="en-US" i="1" dirty="0">
+              <a:latin typeface="Times New Roman" charset="0"/>
+            </a:endParaRPr>
           </a:p>
         </p:txBody>
       </p:sp>
@@ -8521,10 +8651,10 @@
         <mc:Choice Requires="p14">
           <p:contentPart p14:bwMode="auto" r:id="rId2">
             <p14:nvContentPartPr>
-              <p14:cNvPr id="15" name="Ink 16">
+              <p14:cNvPr id="7" name="Ink 7">
                 <a:extLst>
                   <a:ext uri="{FF2B5EF4-FFF2-40B4-BE49-F238E27FC236}">
-                    <a16:creationId xmlns:a16="http://schemas.microsoft.com/office/drawing/2014/main" id="{1417CF4B-34DE-2E4D-8E0A-78AE79B99D94}"/>
+                    <a16:creationId xmlns:a16="http://schemas.microsoft.com/office/drawing/2014/main" id="{058F06BF-D018-8C4D-BB73-BB790B7F1868}"/>
                   </a:ext>
                 </a:extLst>
               </p14:cNvPr>
@@ -8532,18 +8662,18 @@
               <p14:nvPr/>
             </p14:nvContentPartPr>
             <p14:xfrm>
-              <a:off x="2773093" y="1947893"/>
-              <a:ext cx="1540080" cy="968040"/>
+              <a:off x="2370613" y="3180533"/>
+              <a:ext cx="1117080" cy="631440"/>
             </p14:xfrm>
           </p:contentPart>
         </mc:Choice>
         <mc:Fallback xmlns="">
           <p:pic>
             <p:nvPicPr>
-              <p:cNvPr id="15" name="Ink 16">
+              <p:cNvPr id="7" name="Ink 7">
                 <a:extLst>
                   <a:ext uri="{FF2B5EF4-FFF2-40B4-BE49-F238E27FC236}">
-                    <a16:creationId xmlns:a16="http://schemas.microsoft.com/office/drawing/2014/main" id="{1417CF4B-34DE-2E4D-8E0A-78AE79B99D94}"/>
+                    <a16:creationId xmlns:a16="http://schemas.microsoft.com/office/drawing/2014/main" id="{058F06BF-D018-8C4D-BB73-BB790B7F1868}"/>
                   </a:ext>
                 </a:extLst>
               </p:cNvPr>
@@ -8551,15 +8681,15 @@
               <p:nvPr/>
             </p:nvPicPr>
             <p:blipFill>
-              <a:blip r:embed="rId6"/>
+              <a:blip r:embed="rId3"/>
               <a:stretch>
                 <a:fillRect/>
               </a:stretch>
             </p:blipFill>
             <p:spPr>
               <a:xfrm>
-                <a:off x="2752928" y="1927373"/>
-                <a:ext cx="1580770" cy="1009080"/>
+                <a:off x="2350093" y="3160361"/>
+                <a:ext cx="1152720" cy="667100"/>
               </a:xfrm>
               <a:prstGeom prst="rect">
                 <a:avLst/>
@@ -8570,12 +8700,12 @@
       </mc:AlternateContent>
       <mc:AlternateContent xmlns:mc="http://schemas.openxmlformats.org/markup-compatibility/2006" xmlns:p14="http://schemas.microsoft.com/office/powerpoint/2010/main">
         <mc:Choice Requires="p14">
-          <p:contentPart p14:bwMode="auto" r:id="rId7">
+          <p:contentPart p14:bwMode="auto" r:id="rId4">
             <p14:nvContentPartPr>
-              <p14:cNvPr id="16" name="Ink 17">
+              <p14:cNvPr id="21" name="Ink 22">
                 <a:extLst>
                   <a:ext uri="{FF2B5EF4-FFF2-40B4-BE49-F238E27FC236}">
-                    <a16:creationId xmlns:a16="http://schemas.microsoft.com/office/drawing/2014/main" id="{074F3C13-0144-4844-9D0D-703092280A5B}"/>
+                    <a16:creationId xmlns:a16="http://schemas.microsoft.com/office/drawing/2014/main" id="{B8121231-3A5D-024F-8E43-5CEA438F2C26}"/>
                   </a:ext>
                 </a:extLst>
               </p14:cNvPr>
@@ -8583,18 +8713,18 @@
               <p14:nvPr/>
             </p14:nvContentPartPr>
             <p14:xfrm>
-              <a:off x="1677253" y="1815413"/>
-              <a:ext cx="741240" cy="798840"/>
+              <a:off x="4465813" y="3428933"/>
+              <a:ext cx="508680" cy="344160"/>
             </p14:xfrm>
           </p:contentPart>
         </mc:Choice>
         <mc:Fallback xmlns="">
           <p:pic>
             <p:nvPicPr>
-              <p:cNvPr id="16" name="Ink 17">
+              <p:cNvPr id="21" name="Ink 22">
                 <a:extLst>
                   <a:ext uri="{FF2B5EF4-FFF2-40B4-BE49-F238E27FC236}">
-                    <a16:creationId xmlns:a16="http://schemas.microsoft.com/office/drawing/2014/main" id="{074F3C13-0144-4844-9D0D-703092280A5B}"/>
+                    <a16:creationId xmlns:a16="http://schemas.microsoft.com/office/drawing/2014/main" id="{B8121231-3A5D-024F-8E43-5CEA438F2C26}"/>
                   </a:ext>
                 </a:extLst>
               </p:cNvPr>
@@ -8602,15 +8732,15 @@
               <p:nvPr/>
             </p:nvPicPr>
             <p:blipFill>
-              <a:blip r:embed="rId8"/>
+              <a:blip r:embed="rId5"/>
               <a:stretch>
                 <a:fillRect/>
               </a:stretch>
             </p:blipFill>
             <p:spPr>
               <a:xfrm>
-                <a:off x="1656733" y="1794893"/>
-                <a:ext cx="776880" cy="834480"/>
+                <a:off x="4445639" y="3408413"/>
+                <a:ext cx="544345" cy="379800"/>
               </a:xfrm>
               <a:prstGeom prst="rect">
                 <a:avLst/>
@@ -8621,12 +8751,12 @@
       </mc:AlternateContent>
       <mc:AlternateContent xmlns:mc="http://schemas.openxmlformats.org/markup-compatibility/2006" xmlns:p14="http://schemas.microsoft.com/office/powerpoint/2010/main">
         <mc:Choice Requires="p14">
-          <p:contentPart p14:bwMode="auto" r:id="rId9">
+          <p:contentPart p14:bwMode="auto" r:id="rId6">
             <p14:nvContentPartPr>
-              <p14:cNvPr id="19" name="Ink 18">
+              <p14:cNvPr id="22" name="Ink 23">
                 <a:extLst>
                   <a:ext uri="{FF2B5EF4-FFF2-40B4-BE49-F238E27FC236}">
-                    <a16:creationId xmlns:a16="http://schemas.microsoft.com/office/drawing/2014/main" id="{28F4956C-F4E4-7D44-AE86-58DD26A4FDB7}"/>
+                    <a16:creationId xmlns:a16="http://schemas.microsoft.com/office/drawing/2014/main" id="{1949ABCF-0909-C743-93F8-3B8FAC61C1B8}"/>
                   </a:ext>
                 </a:extLst>
               </p14:cNvPr>
@@ -8634,18 +8764,18 @@
               <p14:nvPr/>
             </p14:nvContentPartPr>
             <p14:xfrm>
-              <a:off x="4767493" y="1920533"/>
-              <a:ext cx="53280" cy="439560"/>
+              <a:off x="3587413" y="3547733"/>
+              <a:ext cx="677880" cy="272880"/>
             </p14:xfrm>
           </p:contentPart>
         </mc:Choice>
         <mc:Fallback xmlns="">
           <p:pic>
             <p:nvPicPr>
-              <p:cNvPr id="19" name="Ink 18">
+              <p:cNvPr id="22" name="Ink 23">
                 <a:extLst>
                   <a:ext uri="{FF2B5EF4-FFF2-40B4-BE49-F238E27FC236}">
-                    <a16:creationId xmlns:a16="http://schemas.microsoft.com/office/drawing/2014/main" id="{28F4956C-F4E4-7D44-AE86-58DD26A4FDB7}"/>
+                    <a16:creationId xmlns:a16="http://schemas.microsoft.com/office/drawing/2014/main" id="{1949ABCF-0909-C743-93F8-3B8FAC61C1B8}"/>
                   </a:ext>
                 </a:extLst>
               </p:cNvPr>
@@ -8653,15 +8783,15 @@
               <p:nvPr/>
             </p:nvPicPr>
             <p:blipFill>
-              <a:blip r:embed="rId10"/>
+              <a:blip r:embed="rId7"/>
               <a:stretch>
                 <a:fillRect/>
               </a:stretch>
             </p:blipFill>
             <p:spPr>
               <a:xfrm>
-                <a:off x="4752013" y="1905053"/>
-                <a:ext cx="83880" cy="470160"/>
+                <a:off x="3567242" y="3532273"/>
+                <a:ext cx="713539" cy="308473"/>
               </a:xfrm>
               <a:prstGeom prst="rect">
                 <a:avLst/>
@@ -8672,12 +8802,12 @@
       </mc:AlternateContent>
       <mc:AlternateContent xmlns:mc="http://schemas.openxmlformats.org/markup-compatibility/2006" xmlns:p14="http://schemas.microsoft.com/office/powerpoint/2010/main">
         <mc:Choice Requires="p14">
-          <p:contentPart p14:bwMode="auto" r:id="rId11">
+          <p:contentPart p14:bwMode="auto" r:id="rId8">
             <p14:nvContentPartPr>
-              <p14:cNvPr id="20" name="Ink 19">
+              <p14:cNvPr id="26" name="Ink 25">
                 <a:extLst>
                   <a:ext uri="{FF2B5EF4-FFF2-40B4-BE49-F238E27FC236}">
-                    <a16:creationId xmlns:a16="http://schemas.microsoft.com/office/drawing/2014/main" id="{177F202E-56A1-1049-B0C1-17C17380E1CF}"/>
+                    <a16:creationId xmlns:a16="http://schemas.microsoft.com/office/drawing/2014/main" id="{2394279B-F51B-F74E-9D89-8B0B5E8611C1}"/>
                   </a:ext>
                 </a:extLst>
               </p14:cNvPr>
@@ -8685,18 +8815,18 @@
               <p14:nvPr/>
             </p14:nvContentPartPr>
             <p14:xfrm>
-              <a:off x="4730413" y="1873013"/>
-              <a:ext cx="259200" cy="233280"/>
+              <a:off x="5127493" y="3211853"/>
+              <a:ext cx="32040" cy="545400"/>
             </p14:xfrm>
           </p:contentPart>
         </mc:Choice>
         <mc:Fallback xmlns="">
           <p:pic>
             <p:nvPicPr>
-              <p:cNvPr id="20" name="Ink 19">
+              <p:cNvPr id="26" name="Ink 25">
                 <a:extLst>
                   <a:ext uri="{FF2B5EF4-FFF2-40B4-BE49-F238E27FC236}">
-                    <a16:creationId xmlns:a16="http://schemas.microsoft.com/office/drawing/2014/main" id="{177F202E-56A1-1049-B0C1-17C17380E1CF}"/>
+                    <a16:creationId xmlns:a16="http://schemas.microsoft.com/office/drawing/2014/main" id="{2394279B-F51B-F74E-9D89-8B0B5E8611C1}"/>
                   </a:ext>
                 </a:extLst>
               </p:cNvPr>
@@ -8704,15 +8834,15 @@
               <p:nvPr/>
             </p:nvPicPr>
             <p:blipFill>
-              <a:blip r:embed="rId12"/>
+              <a:blip r:embed="rId9"/>
               <a:stretch>
                 <a:fillRect/>
               </a:stretch>
             </p:blipFill>
             <p:spPr>
               <a:xfrm>
-                <a:off x="4714933" y="1857509"/>
-                <a:ext cx="289800" cy="263927"/>
+                <a:off x="5112373" y="3196733"/>
+                <a:ext cx="62640" cy="576000"/>
               </a:xfrm>
               <a:prstGeom prst="rect">
                 <a:avLst/>
@@ -8723,12 +8853,12 @@
       </mc:AlternateContent>
       <mc:AlternateContent xmlns:mc="http://schemas.openxmlformats.org/markup-compatibility/2006" xmlns:p14="http://schemas.microsoft.com/office/powerpoint/2010/main">
         <mc:Choice Requires="p14">
-          <p:contentPart p14:bwMode="auto" r:id="rId13">
+          <p:contentPart p14:bwMode="auto" r:id="rId10">
             <p14:nvContentPartPr>
-              <p14:cNvPr id="21" name="Ink 20">
+              <p14:cNvPr id="29" name="Ink 29">
                 <a:extLst>
                   <a:ext uri="{FF2B5EF4-FFF2-40B4-BE49-F238E27FC236}">
-                    <a16:creationId xmlns:a16="http://schemas.microsoft.com/office/drawing/2014/main" id="{2B68790F-14B1-624B-A42A-D7A82229673C}"/>
+                    <a16:creationId xmlns:a16="http://schemas.microsoft.com/office/drawing/2014/main" id="{2A6CECB4-07A2-E84D-B557-EA9559E37EDC}"/>
                   </a:ext>
                 </a:extLst>
               </p14:cNvPr>
@@ -8736,18 +8866,18 @@
               <p14:nvPr/>
             </p14:nvContentPartPr>
             <p14:xfrm>
-              <a:off x="5127493" y="1827293"/>
-              <a:ext cx="180360" cy="517320"/>
+              <a:off x="5550853" y="3190613"/>
+              <a:ext cx="513720" cy="741240"/>
             </p14:xfrm>
           </p:contentPart>
         </mc:Choice>
         <mc:Fallback xmlns="">
           <p:pic>
             <p:nvPicPr>
-              <p:cNvPr id="21" name="Ink 20">
+              <p:cNvPr id="29" name="Ink 29">
                 <a:extLst>
                   <a:ext uri="{FF2B5EF4-FFF2-40B4-BE49-F238E27FC236}">
-                    <a16:creationId xmlns:a16="http://schemas.microsoft.com/office/drawing/2014/main" id="{2B68790F-14B1-624B-A42A-D7A82229673C}"/>
+                    <a16:creationId xmlns:a16="http://schemas.microsoft.com/office/drawing/2014/main" id="{2A6CECB4-07A2-E84D-B557-EA9559E37EDC}"/>
                   </a:ext>
                 </a:extLst>
               </p:cNvPr>
@@ -8755,15 +8885,15 @@
               <p:nvPr/>
             </p:nvPicPr>
             <p:blipFill>
-              <a:blip r:embed="rId14"/>
+              <a:blip r:embed="rId11"/>
               <a:stretch>
                 <a:fillRect/>
               </a:stretch>
             </p:blipFill>
             <p:spPr>
               <a:xfrm>
-                <a:off x="5106973" y="1806773"/>
-                <a:ext cx="221040" cy="558000"/>
+                <a:off x="5530333" y="3170453"/>
+                <a:ext cx="554400" cy="781920"/>
               </a:xfrm>
               <a:prstGeom prst="rect">
                 <a:avLst/>
@@ -8774,12 +8904,12 @@
       </mc:AlternateContent>
       <mc:AlternateContent xmlns:mc="http://schemas.openxmlformats.org/markup-compatibility/2006" xmlns:p14="http://schemas.microsoft.com/office/powerpoint/2010/main">
         <mc:Choice Requires="p14">
-          <p:contentPart p14:bwMode="auto" r:id="rId15">
+          <p:contentPart p14:bwMode="auto" r:id="rId12">
             <p14:nvContentPartPr>
-              <p14:cNvPr id="22" name="Ink 21">
+              <p14:cNvPr id="33" name="Ink 33">
                 <a:extLst>
                   <a:ext uri="{FF2B5EF4-FFF2-40B4-BE49-F238E27FC236}">
-                    <a16:creationId xmlns:a16="http://schemas.microsoft.com/office/drawing/2014/main" id="{C32EE529-B443-0B45-BDB0-5667E7836BDC}"/>
+                    <a16:creationId xmlns:a16="http://schemas.microsoft.com/office/drawing/2014/main" id="{1AAF8666-5D2E-9049-B403-954D8412AF45}"/>
                   </a:ext>
                 </a:extLst>
               </p14:cNvPr>
@@ -8787,18 +8917,18 @@
               <p14:nvPr/>
             </p14:nvContentPartPr>
             <p14:xfrm>
-              <a:off x="5317933" y="2100533"/>
-              <a:ext cx="222480" cy="127440"/>
+              <a:off x="3212293" y="4365293"/>
+              <a:ext cx="269640" cy="175320"/>
             </p14:xfrm>
           </p:contentPart>
         </mc:Choice>
         <mc:Fallback xmlns="">
           <p:pic>
             <p:nvPicPr>
-              <p:cNvPr id="22" name="Ink 21">
+              <p:cNvPr id="33" name="Ink 33">
                 <a:extLst>
                   <a:ext uri="{FF2B5EF4-FFF2-40B4-BE49-F238E27FC236}">
-                    <a16:creationId xmlns:a16="http://schemas.microsoft.com/office/drawing/2014/main" id="{C32EE529-B443-0B45-BDB0-5667E7836BDC}"/>
+                    <a16:creationId xmlns:a16="http://schemas.microsoft.com/office/drawing/2014/main" id="{1AAF8666-5D2E-9049-B403-954D8412AF45}"/>
                   </a:ext>
                 </a:extLst>
               </p:cNvPr>
@@ -8806,15 +8936,15 @@
               <p:nvPr/>
             </p:nvPicPr>
             <p:blipFill>
-              <a:blip r:embed="rId16"/>
+              <a:blip r:embed="rId13"/>
               <a:stretch>
                 <a:fillRect/>
               </a:stretch>
             </p:blipFill>
             <p:spPr>
               <a:xfrm>
-                <a:off x="5302453" y="2085009"/>
-                <a:ext cx="253080" cy="158127"/>
+                <a:off x="3197173" y="4350142"/>
+                <a:ext cx="305280" cy="211033"/>
               </a:xfrm>
               <a:prstGeom prst="rect">
                 <a:avLst/>
@@ -8825,12 +8955,12 @@
       </mc:AlternateContent>
       <mc:AlternateContent xmlns:mc="http://schemas.openxmlformats.org/markup-compatibility/2006" xmlns:p14="http://schemas.microsoft.com/office/powerpoint/2010/main">
         <mc:Choice Requires="p14">
-          <p:contentPart p14:bwMode="auto" r:id="rId17">
+          <p:contentPart p14:bwMode="auto" r:id="rId14">
             <p14:nvContentPartPr>
-              <p14:cNvPr id="23" name="Ink 22">
+              <p14:cNvPr id="37" name="Ink 37">
                 <a:extLst>
                   <a:ext uri="{FF2B5EF4-FFF2-40B4-BE49-F238E27FC236}">
-                    <a16:creationId xmlns:a16="http://schemas.microsoft.com/office/drawing/2014/main" id="{9B8CAEEC-4D26-0149-AB27-48DA9FDAE0FD}"/>
+                    <a16:creationId xmlns:a16="http://schemas.microsoft.com/office/drawing/2014/main" id="{EB0D1E08-2AC2-F94C-A819-D0F7DBAC7F79}"/>
                   </a:ext>
                 </a:extLst>
               </p14:cNvPr>
@@ -8838,18 +8968,18 @@
               <p14:nvPr/>
             </p14:nvContentPartPr>
             <p14:xfrm>
-              <a:off x="5397493" y="2084693"/>
-              <a:ext cx="116640" cy="212040"/>
+              <a:off x="3794053" y="4217333"/>
+              <a:ext cx="291240" cy="470880"/>
             </p14:xfrm>
           </p:contentPart>
         </mc:Choice>
         <mc:Fallback xmlns="">
           <p:pic>
             <p:nvPicPr>
-              <p:cNvPr id="23" name="Ink 22">
+              <p:cNvPr id="37" name="Ink 37">
                 <a:extLst>
                   <a:ext uri="{FF2B5EF4-FFF2-40B4-BE49-F238E27FC236}">
-                    <a16:creationId xmlns:a16="http://schemas.microsoft.com/office/drawing/2014/main" id="{9B8CAEEC-4D26-0149-AB27-48DA9FDAE0FD}"/>
+                    <a16:creationId xmlns:a16="http://schemas.microsoft.com/office/drawing/2014/main" id="{EB0D1E08-2AC2-F94C-A819-D0F7DBAC7F79}"/>
                   </a:ext>
                 </a:extLst>
               </p:cNvPr>
@@ -8857,15 +8987,15 @@
               <p:nvPr/>
             </p:nvPicPr>
             <p:blipFill>
-              <a:blip r:embed="rId18"/>
+              <a:blip r:embed="rId15"/>
               <a:stretch>
                 <a:fillRect/>
               </a:stretch>
             </p:blipFill>
             <p:spPr>
               <a:xfrm>
-                <a:off x="5382013" y="2069213"/>
-                <a:ext cx="147240" cy="242640"/>
+                <a:off x="3778573" y="4201853"/>
+                <a:ext cx="321840" cy="501120"/>
               </a:xfrm>
               <a:prstGeom prst="rect">
                 <a:avLst/>
@@ -8876,12 +9006,12 @@
       </mc:AlternateContent>
       <mc:AlternateContent xmlns:mc="http://schemas.openxmlformats.org/markup-compatibility/2006" xmlns:p14="http://schemas.microsoft.com/office/powerpoint/2010/main">
         <mc:Choice Requires="p14">
-          <p:contentPart p14:bwMode="auto" r:id="rId19">
+          <p:contentPart p14:bwMode="auto" r:id="rId16">
             <p14:nvContentPartPr>
-              <p14:cNvPr id="24" name="Ink 23">
+              <p14:cNvPr id="46" name="Ink 45">
                 <a:extLst>
                   <a:ext uri="{FF2B5EF4-FFF2-40B4-BE49-F238E27FC236}">
-                    <a16:creationId xmlns:a16="http://schemas.microsoft.com/office/drawing/2014/main" id="{3C98CEE4-E31C-5645-813F-FB5CEDD0B3EB}"/>
+                    <a16:creationId xmlns:a16="http://schemas.microsoft.com/office/drawing/2014/main" id="{26962B7F-4BE0-8447-8491-BA7048986613}"/>
                   </a:ext>
                 </a:extLst>
               </p14:cNvPr>
@@ -8889,18 +9019,18 @@
               <p14:nvPr/>
             </p14:nvContentPartPr>
             <p14:xfrm>
-              <a:off x="5619613" y="2233013"/>
-              <a:ext cx="53280" cy="196200"/>
+              <a:off x="5709613" y="4360253"/>
+              <a:ext cx="21600" cy="10800"/>
             </p14:xfrm>
           </p:contentPart>
         </mc:Choice>
         <mc:Fallback xmlns="">
           <p:pic>
             <p:nvPicPr>
-              <p:cNvPr id="24" name="Ink 23">
+              <p:cNvPr id="46" name="Ink 45">
                 <a:extLst>
                   <a:ext uri="{FF2B5EF4-FFF2-40B4-BE49-F238E27FC236}">
-                    <a16:creationId xmlns:a16="http://schemas.microsoft.com/office/drawing/2014/main" id="{3C98CEE4-E31C-5645-813F-FB5CEDD0B3EB}"/>
+                    <a16:creationId xmlns:a16="http://schemas.microsoft.com/office/drawing/2014/main" id="{26962B7F-4BE0-8447-8491-BA7048986613}"/>
                   </a:ext>
                 </a:extLst>
               </p:cNvPr>
@@ -8908,15 +9038,15 @@
               <p:nvPr/>
             </p:nvPicPr>
             <p:blipFill>
-              <a:blip r:embed="rId20"/>
+              <a:blip r:embed="rId17"/>
               <a:stretch>
                 <a:fillRect/>
               </a:stretch>
             </p:blipFill>
             <p:spPr>
               <a:xfrm>
-                <a:off x="5604133" y="2217533"/>
-                <a:ext cx="83880" cy="226800"/>
+                <a:off x="5689093" y="4339733"/>
+                <a:ext cx="62280" cy="51840"/>
               </a:xfrm>
               <a:prstGeom prst="rect">
                 <a:avLst/>
@@ -8927,12 +9057,12 @@
       </mc:AlternateContent>
       <mc:AlternateContent xmlns:mc="http://schemas.openxmlformats.org/markup-compatibility/2006" xmlns:p14="http://schemas.microsoft.com/office/powerpoint/2010/main">
         <mc:Choice Requires="p14">
-          <p:contentPart p14:bwMode="auto" r:id="rId21">
+          <p:contentPart p14:bwMode="auto" r:id="rId18">
             <p14:nvContentPartPr>
-              <p14:cNvPr id="25" name="Ink 24">
+              <p14:cNvPr id="54" name="Ink 56">
                 <a:extLst>
                   <a:ext uri="{FF2B5EF4-FFF2-40B4-BE49-F238E27FC236}">
-                    <a16:creationId xmlns:a16="http://schemas.microsoft.com/office/drawing/2014/main" id="{F8CEEC08-81A0-974B-A042-CC02C4509C18}"/>
+                    <a16:creationId xmlns:a16="http://schemas.microsoft.com/office/drawing/2014/main" id="{59A03EFA-4597-D74D-B2D4-E6AF2579EFEB}"/>
                   </a:ext>
                 </a:extLst>
               </p14:cNvPr>
@@ -8940,18 +9070,18 @@
               <p14:nvPr/>
             </p14:nvContentPartPr>
             <p14:xfrm>
-              <a:off x="5804653" y="2259293"/>
-              <a:ext cx="42840" cy="222480"/>
+              <a:off x="5947573" y="4080173"/>
+              <a:ext cx="1137960" cy="629640"/>
             </p14:xfrm>
           </p:contentPart>
         </mc:Choice>
         <mc:Fallback xmlns="">
           <p:pic>
             <p:nvPicPr>
-              <p:cNvPr id="25" name="Ink 24">
+              <p:cNvPr id="54" name="Ink 56">
                 <a:extLst>
                   <a:ext uri="{FF2B5EF4-FFF2-40B4-BE49-F238E27FC236}">
-                    <a16:creationId xmlns:a16="http://schemas.microsoft.com/office/drawing/2014/main" id="{F8CEEC08-81A0-974B-A042-CC02C4509C18}"/>
+                    <a16:creationId xmlns:a16="http://schemas.microsoft.com/office/drawing/2014/main" id="{59A03EFA-4597-D74D-B2D4-E6AF2579EFEB}"/>
                   </a:ext>
                 </a:extLst>
               </p:cNvPr>
@@ -8959,15 +9089,15 @@
               <p:nvPr/>
             </p:nvPicPr>
             <p:blipFill>
-              <a:blip r:embed="rId22"/>
+              <a:blip r:embed="rId19"/>
               <a:stretch>
                 <a:fillRect/>
               </a:stretch>
             </p:blipFill>
             <p:spPr>
               <a:xfrm>
-                <a:off x="5789042" y="2243813"/>
-                <a:ext cx="73699" cy="253080"/>
+                <a:off x="5932453" y="4060013"/>
+                <a:ext cx="1168560" cy="665280"/>
               </a:xfrm>
               <a:prstGeom prst="rect">
                 <a:avLst/>
@@ -8978,12 +9108,12 @@
       </mc:AlternateContent>
       <mc:AlternateContent xmlns:mc="http://schemas.openxmlformats.org/markup-compatibility/2006" xmlns:p14="http://schemas.microsoft.com/office/powerpoint/2010/main">
         <mc:Choice Requires="p14">
-          <p:contentPart p14:bwMode="auto" r:id="rId23">
+          <p:contentPart p14:bwMode="auto" r:id="rId20">
             <p14:nvContentPartPr>
-              <p14:cNvPr id="46" name="Ink 47">
+              <p14:cNvPr id="55" name="Ink 57">
                 <a:extLst>
                   <a:ext uri="{FF2B5EF4-FFF2-40B4-BE49-F238E27FC236}">
-                    <a16:creationId xmlns:a16="http://schemas.microsoft.com/office/drawing/2014/main" id="{1A5BBA0C-94C3-5347-B3E3-FA958806C10D}"/>
+                    <a16:creationId xmlns:a16="http://schemas.microsoft.com/office/drawing/2014/main" id="{E157F028-0236-E84B-9938-AE409157F5F3}"/>
                   </a:ext>
                 </a:extLst>
               </p14:cNvPr>
@@ -8991,18 +9121,18 @@
               <p14:nvPr/>
             </p14:nvContentPartPr>
             <p14:xfrm>
-              <a:off x="7233493" y="2026373"/>
-              <a:ext cx="471600" cy="365400"/>
+              <a:off x="4937053" y="4053893"/>
+              <a:ext cx="471240" cy="713880"/>
             </p14:xfrm>
           </p:contentPart>
         </mc:Choice>
         <mc:Fallback xmlns="">
           <p:pic>
             <p:nvPicPr>
-              <p:cNvPr id="46" name="Ink 47">
+              <p:cNvPr id="55" name="Ink 57">
                 <a:extLst>
                   <a:ext uri="{FF2B5EF4-FFF2-40B4-BE49-F238E27FC236}">
-                    <a16:creationId xmlns:a16="http://schemas.microsoft.com/office/drawing/2014/main" id="{1A5BBA0C-94C3-5347-B3E3-FA958806C10D}"/>
+                    <a16:creationId xmlns:a16="http://schemas.microsoft.com/office/drawing/2014/main" id="{E157F028-0236-E84B-9938-AE409157F5F3}"/>
                   </a:ext>
                 </a:extLst>
               </p:cNvPr>
@@ -9010,15 +9140,15 @@
               <p:nvPr/>
             </p:nvPicPr>
             <p:blipFill>
-              <a:blip r:embed="rId24"/>
+              <a:blip r:embed="rId21"/>
               <a:stretch>
                 <a:fillRect/>
               </a:stretch>
             </p:blipFill>
             <p:spPr>
               <a:xfrm>
-                <a:off x="7218361" y="2011253"/>
-                <a:ext cx="502223" cy="396000"/>
+                <a:off x="4916533" y="4033383"/>
+                <a:ext cx="512280" cy="749502"/>
               </a:xfrm>
               <a:prstGeom prst="rect">
                 <a:avLst/>
@@ -9029,12 +9159,12 @@
       </mc:AlternateContent>
       <mc:AlternateContent xmlns:mc="http://schemas.openxmlformats.org/markup-compatibility/2006" xmlns:p14="http://schemas.microsoft.com/office/powerpoint/2010/main">
         <mc:Choice Requires="p14">
-          <p:contentPart p14:bwMode="auto" r:id="rId25">
+          <p:contentPart p14:bwMode="auto" r:id="rId22">
             <p14:nvContentPartPr>
-              <p14:cNvPr id="47" name="Ink 48">
+              <p14:cNvPr id="56" name="Ink 58">
                 <a:extLst>
                   <a:ext uri="{FF2B5EF4-FFF2-40B4-BE49-F238E27FC236}">
-                    <a16:creationId xmlns:a16="http://schemas.microsoft.com/office/drawing/2014/main" id="{613266D2-316D-174A-AFE4-D065F26D55E6}"/>
+                    <a16:creationId xmlns:a16="http://schemas.microsoft.com/office/drawing/2014/main" id="{3383BA02-F642-1649-B718-91A2142E694A}"/>
                   </a:ext>
                 </a:extLst>
               </p14:cNvPr>
@@ -9042,18 +9172,18 @@
               <p14:nvPr/>
             </p14:nvContentPartPr>
             <p14:xfrm>
-              <a:off x="5979253" y="2063453"/>
-              <a:ext cx="990000" cy="349920"/>
+              <a:off x="4244413" y="4100693"/>
+              <a:ext cx="502560" cy="503280"/>
             </p14:xfrm>
           </p:contentPart>
         </mc:Choice>
         <mc:Fallback xmlns="">
           <p:pic>
             <p:nvPicPr>
-              <p:cNvPr id="47" name="Ink 48">
+              <p:cNvPr id="56" name="Ink 58">
                 <a:extLst>
                   <a:ext uri="{FF2B5EF4-FFF2-40B4-BE49-F238E27FC236}">
-                    <a16:creationId xmlns:a16="http://schemas.microsoft.com/office/drawing/2014/main" id="{613266D2-316D-174A-AFE4-D065F26D55E6}"/>
+                    <a16:creationId xmlns:a16="http://schemas.microsoft.com/office/drawing/2014/main" id="{3383BA02-F642-1649-B718-91A2142E694A}"/>
                   </a:ext>
                 </a:extLst>
               </p:cNvPr>
@@ -9061,15 +9191,15 @@
               <p:nvPr/>
             </p:nvPicPr>
             <p:blipFill>
-              <a:blip r:embed="rId26"/>
+              <a:blip r:embed="rId23"/>
               <a:stretch>
                 <a:fillRect/>
               </a:stretch>
             </p:blipFill>
             <p:spPr>
               <a:xfrm>
-                <a:off x="5964133" y="2048317"/>
-                <a:ext cx="1025640" cy="380552"/>
+                <a:off x="4223893" y="4080519"/>
+                <a:ext cx="538200" cy="538946"/>
               </a:xfrm>
               <a:prstGeom prst="rect">
                 <a:avLst/>
@@ -9080,12 +9210,12 @@
       </mc:AlternateContent>
       <mc:AlternateContent xmlns:mc="http://schemas.openxmlformats.org/markup-compatibility/2006" xmlns:p14="http://schemas.microsoft.com/office/powerpoint/2010/main">
         <mc:Choice Requires="p14">
-          <p:contentPart p14:bwMode="auto" r:id="rId27">
+          <p:contentPart p14:bwMode="auto" r:id="rId24">
             <p14:nvContentPartPr>
-              <p14:cNvPr id="57" name="Ink 57">
+              <p14:cNvPr id="62" name="Ink 61">
                 <a:extLst>
                   <a:ext uri="{FF2B5EF4-FFF2-40B4-BE49-F238E27FC236}">
-                    <a16:creationId xmlns:a16="http://schemas.microsoft.com/office/drawing/2014/main" id="{C0FD3AC3-D96A-BE41-9DC5-73673193B54A}"/>
+                    <a16:creationId xmlns:a16="http://schemas.microsoft.com/office/drawing/2014/main" id="{15F6CB92-CB31-3B49-8013-BF561EFF5175}"/>
                   </a:ext>
                 </a:extLst>
               </p14:cNvPr>
@@ -9093,18 +9223,18 @@
               <p14:nvPr/>
             </p14:nvContentPartPr>
             <p14:xfrm>
-              <a:off x="7926853" y="1745933"/>
-              <a:ext cx="1820160" cy="815400"/>
+              <a:off x="7878973" y="4434413"/>
+              <a:ext cx="21600" cy="32040"/>
             </p14:xfrm>
           </p:contentPart>
         </mc:Choice>
         <mc:Fallback xmlns="">
           <p:pic>
             <p:nvPicPr>
-              <p:cNvPr id="57" name="Ink 57">
+              <p:cNvPr id="62" name="Ink 61">
                 <a:extLst>
                   <a:ext uri="{FF2B5EF4-FFF2-40B4-BE49-F238E27FC236}">
-                    <a16:creationId xmlns:a16="http://schemas.microsoft.com/office/drawing/2014/main" id="{C0FD3AC3-D96A-BE41-9DC5-73673193B54A}"/>
+                    <a16:creationId xmlns:a16="http://schemas.microsoft.com/office/drawing/2014/main" id="{15F6CB92-CB31-3B49-8013-BF561EFF5175}"/>
                   </a:ext>
                 </a:extLst>
               </p:cNvPr>
@@ -9112,15 +9242,15 @@
               <p:nvPr/>
             </p:nvPicPr>
             <p:blipFill>
-              <a:blip r:embed="rId28"/>
+              <a:blip r:embed="rId25"/>
               <a:stretch>
                 <a:fillRect/>
               </a:stretch>
             </p:blipFill>
             <p:spPr>
               <a:xfrm>
-                <a:off x="7911373" y="1730813"/>
-                <a:ext cx="1855800" cy="851040"/>
+                <a:off x="7863853" y="4418933"/>
+                <a:ext cx="52200" cy="62640"/>
               </a:xfrm>
               <a:prstGeom prst="rect">
                 <a:avLst/>
@@ -9131,12 +9261,12 @@
       </mc:AlternateContent>
       <mc:AlternateContent xmlns:mc="http://schemas.openxmlformats.org/markup-compatibility/2006" xmlns:p14="http://schemas.microsoft.com/office/powerpoint/2010/main">
         <mc:Choice Requires="p14">
-          <p:contentPart p14:bwMode="auto" r:id="rId29">
+          <p:contentPart p14:bwMode="auto" r:id="rId26">
             <p14:nvContentPartPr>
-              <p14:cNvPr id="59" name="Ink 58">
+              <p14:cNvPr id="63" name="Ink 41983">
                 <a:extLst>
                   <a:ext uri="{FF2B5EF4-FFF2-40B4-BE49-F238E27FC236}">
-                    <a16:creationId xmlns:a16="http://schemas.microsoft.com/office/drawing/2014/main" id="{A060592E-686D-4243-B257-DFC5569C18ED}"/>
+                    <a16:creationId xmlns:a16="http://schemas.microsoft.com/office/drawing/2014/main" id="{45FF2F5E-592D-B74C-912E-961D27EE3997}"/>
                   </a:ext>
                 </a:extLst>
               </p14:cNvPr>
@@ -9144,18 +9274,18 @@
               <p14:nvPr/>
             </p14:nvContentPartPr>
             <p14:xfrm>
-              <a:off x="5164573" y="2672213"/>
-              <a:ext cx="339120" cy="947520"/>
+              <a:off x="7196413" y="4137773"/>
+              <a:ext cx="449640" cy="719640"/>
             </p14:xfrm>
           </p:contentPart>
         </mc:Choice>
         <mc:Fallback xmlns="">
           <p:pic>
             <p:nvPicPr>
-              <p:cNvPr id="59" name="Ink 58">
+              <p:cNvPr id="63" name="Ink 41983">
                 <a:extLst>
                   <a:ext uri="{FF2B5EF4-FFF2-40B4-BE49-F238E27FC236}">
-                    <a16:creationId xmlns:a16="http://schemas.microsoft.com/office/drawing/2014/main" id="{A060592E-686D-4243-B257-DFC5569C18ED}"/>
+                    <a16:creationId xmlns:a16="http://schemas.microsoft.com/office/drawing/2014/main" id="{45FF2F5E-592D-B74C-912E-961D27EE3997}"/>
                   </a:ext>
                 </a:extLst>
               </p:cNvPr>
@@ -9163,15 +9293,15 @@
               <p:nvPr/>
             </p:nvPicPr>
             <p:blipFill>
-              <a:blip r:embed="rId30"/>
+              <a:blip r:embed="rId27"/>
               <a:stretch>
                 <a:fillRect/>
               </a:stretch>
             </p:blipFill>
             <p:spPr>
               <a:xfrm>
-                <a:off x="5144053" y="2651693"/>
-                <a:ext cx="379800" cy="988200"/>
+                <a:off x="7181293" y="4117603"/>
+                <a:ext cx="485280" cy="755298"/>
               </a:xfrm>
               <a:prstGeom prst="rect">
                 <a:avLst/>
@@ -9182,12 +9312,12 @@
       </mc:AlternateContent>
       <mc:AlternateContent xmlns:mc="http://schemas.openxmlformats.org/markup-compatibility/2006" xmlns:p14="http://schemas.microsoft.com/office/powerpoint/2010/main">
         <mc:Choice Requires="p14">
-          <p:contentPart p14:bwMode="auto" r:id="rId31">
+          <p:contentPart p14:bwMode="auto" r:id="rId28">
             <p14:nvContentPartPr>
-              <p14:cNvPr id="41984" name="Ink 41985">
+              <p14:cNvPr id="41990" name="Ink 41990">
                 <a:extLst>
                   <a:ext uri="{FF2B5EF4-FFF2-40B4-BE49-F238E27FC236}">
-                    <a16:creationId xmlns:a16="http://schemas.microsoft.com/office/drawing/2014/main" id="{C456E356-D779-504C-AAF3-4C5854A9A7A3}"/>
+                    <a16:creationId xmlns:a16="http://schemas.microsoft.com/office/drawing/2014/main" id="{6973EDA8-2A17-A24D-AA51-25394F731C5F}"/>
                   </a:ext>
                 </a:extLst>
               </p14:cNvPr>
@@ -9195,18 +9325,18 @@
               <p14:nvPr/>
             </p14:nvContentPartPr>
             <p14:xfrm>
-              <a:off x="3090253" y="4376093"/>
-              <a:ext cx="217440" cy="142920"/>
+              <a:off x="8159413" y="4413173"/>
+              <a:ext cx="312840" cy="26640"/>
             </p14:xfrm>
           </p:contentPart>
         </mc:Choice>
         <mc:Fallback xmlns="">
           <p:pic>
             <p:nvPicPr>
-              <p:cNvPr id="41984" name="Ink 41985">
+              <p:cNvPr id="41990" name="Ink 41990">
                 <a:extLst>
                   <a:ext uri="{FF2B5EF4-FFF2-40B4-BE49-F238E27FC236}">
-                    <a16:creationId xmlns:a16="http://schemas.microsoft.com/office/drawing/2014/main" id="{C456E356-D779-504C-AAF3-4C5854A9A7A3}"/>
+                    <a16:creationId xmlns:a16="http://schemas.microsoft.com/office/drawing/2014/main" id="{6973EDA8-2A17-A24D-AA51-25394F731C5F}"/>
                   </a:ext>
                 </a:extLst>
               </p:cNvPr>
@@ -9214,15 +9344,15 @@
               <p:nvPr/>
             </p:nvPicPr>
             <p:blipFill>
-              <a:blip r:embed="rId32"/>
+              <a:blip r:embed="rId29"/>
               <a:stretch>
                 <a:fillRect/>
               </a:stretch>
             </p:blipFill>
             <p:spPr>
               <a:xfrm>
-                <a:off x="3069733" y="4355625"/>
-                <a:ext cx="253080" cy="178470"/>
+                <a:off x="8144276" y="4397693"/>
+                <a:ext cx="343475" cy="57240"/>
               </a:xfrm>
               <a:prstGeom prst="rect">
                 <a:avLst/>
@@ -9233,12 +9363,12 @@
       </mc:AlternateContent>
       <mc:AlternateContent xmlns:mc="http://schemas.openxmlformats.org/markup-compatibility/2006" xmlns:p14="http://schemas.microsoft.com/office/powerpoint/2010/main">
         <mc:Choice Requires="p14">
-          <p:contentPart p14:bwMode="auto" r:id="rId33">
+          <p:contentPart p14:bwMode="auto" r:id="rId30">
             <p14:nvContentPartPr>
-              <p14:cNvPr id="41985" name="Ink 41986">
+              <p14:cNvPr id="41994" name="Ink 41994">
                 <a:extLst>
                   <a:ext uri="{FF2B5EF4-FFF2-40B4-BE49-F238E27FC236}">
-                    <a16:creationId xmlns:a16="http://schemas.microsoft.com/office/drawing/2014/main" id="{A890BA7D-8AEF-7441-8945-F502915ED805}"/>
+                    <a16:creationId xmlns:a16="http://schemas.microsoft.com/office/drawing/2014/main" id="{08A30D60-ED2B-3B44-9721-A9B094523685}"/>
                   </a:ext>
                 </a:extLst>
               </p14:cNvPr>
@@ -9246,18 +9376,18 @@
               <p14:nvPr/>
             </p14:nvContentPartPr>
             <p14:xfrm>
-              <a:off x="2471053" y="3958493"/>
-              <a:ext cx="264960" cy="803520"/>
+              <a:off x="8641093" y="4328573"/>
+              <a:ext cx="69120" cy="21240"/>
             </p14:xfrm>
           </p:contentPart>
         </mc:Choice>
         <mc:Fallback xmlns="">
           <p:pic>
             <p:nvPicPr>
-              <p:cNvPr id="41985" name="Ink 41986">
+              <p:cNvPr id="41994" name="Ink 41994">
                 <a:extLst>
                   <a:ext uri="{FF2B5EF4-FFF2-40B4-BE49-F238E27FC236}">
-                    <a16:creationId xmlns:a16="http://schemas.microsoft.com/office/drawing/2014/main" id="{A890BA7D-8AEF-7441-8945-F502915ED805}"/>
+                    <a16:creationId xmlns:a16="http://schemas.microsoft.com/office/drawing/2014/main" id="{08A30D60-ED2B-3B44-9721-A9B094523685}"/>
                   </a:ext>
                 </a:extLst>
               </p:cNvPr>
@@ -9265,15 +9395,15 @@
               <p:nvPr/>
             </p:nvPicPr>
             <p:blipFill>
-              <a:blip r:embed="rId34"/>
+              <a:blip r:embed="rId31"/>
               <a:stretch>
                 <a:fillRect/>
               </a:stretch>
             </p:blipFill>
             <p:spPr>
               <a:xfrm>
-                <a:off x="2450533" y="3938333"/>
-                <a:ext cx="300600" cy="839160"/>
+                <a:off x="8625973" y="4313351"/>
+                <a:ext cx="99720" cy="51330"/>
               </a:xfrm>
               <a:prstGeom prst="rect">
                 <a:avLst/>
@@ -9284,12 +9414,12 @@
       </mc:AlternateContent>
       <mc:AlternateContent xmlns:mc="http://schemas.openxmlformats.org/markup-compatibility/2006" xmlns:p14="http://schemas.microsoft.com/office/powerpoint/2010/main">
         <mc:Choice Requires="p14">
-          <p:contentPart p14:bwMode="auto" r:id="rId35">
+          <p:contentPart p14:bwMode="auto" r:id="rId32">
             <p14:nvContentPartPr>
-              <p14:cNvPr id="41995" name="Ink 41995">
+              <p14:cNvPr id="42005" name="Ink 42005">
                 <a:extLst>
                   <a:ext uri="{FF2B5EF4-FFF2-40B4-BE49-F238E27FC236}">
-                    <a16:creationId xmlns:a16="http://schemas.microsoft.com/office/drawing/2014/main" id="{8BB5217E-F06E-FF49-816A-E43DB7A2096A}"/>
+                    <a16:creationId xmlns:a16="http://schemas.microsoft.com/office/drawing/2014/main" id="{98BCB049-D288-EA40-9920-AC832D1205DE}"/>
                   </a:ext>
                 </a:extLst>
               </p14:cNvPr>
@@ -9297,18 +9427,18 @@
               <p14:nvPr/>
             </p14:nvContentPartPr>
             <p14:xfrm>
-              <a:off x="3614053" y="4127333"/>
-              <a:ext cx="1524240" cy="995400"/>
+              <a:off x="8958613" y="4106813"/>
+              <a:ext cx="1635480" cy="888840"/>
             </p14:xfrm>
           </p:contentPart>
         </mc:Choice>
         <mc:Fallback xmlns="">
           <p:pic>
             <p:nvPicPr>
-              <p:cNvPr id="41995" name="Ink 41995">
+              <p:cNvPr id="42005" name="Ink 42005">
                 <a:extLst>
                   <a:ext uri="{FF2B5EF4-FFF2-40B4-BE49-F238E27FC236}">
-                    <a16:creationId xmlns:a16="http://schemas.microsoft.com/office/drawing/2014/main" id="{8BB5217E-F06E-FF49-816A-E43DB7A2096A}"/>
+                    <a16:creationId xmlns:a16="http://schemas.microsoft.com/office/drawing/2014/main" id="{98BCB049-D288-EA40-9920-AC832D1205DE}"/>
                   </a:ext>
                 </a:extLst>
               </p:cNvPr>
@@ -9316,321 +9446,15 @@
               <p:nvPr/>
             </p:nvPicPr>
             <p:blipFill>
-              <a:blip r:embed="rId36"/>
+              <a:blip r:embed="rId33"/>
               <a:stretch>
                 <a:fillRect/>
               </a:stretch>
             </p:blipFill>
             <p:spPr>
               <a:xfrm>
-                <a:off x="3598933" y="4112208"/>
-                <a:ext cx="1554840" cy="1026011"/>
-              </a:xfrm>
-              <a:prstGeom prst="rect">
-                <a:avLst/>
-              </a:prstGeom>
-            </p:spPr>
-          </p:pic>
-        </mc:Fallback>
-      </mc:AlternateContent>
-      <mc:AlternateContent xmlns:mc="http://schemas.openxmlformats.org/markup-compatibility/2006" xmlns:p14="http://schemas.microsoft.com/office/powerpoint/2010/main">
-        <mc:Choice Requires="p14">
-          <p:contentPart p14:bwMode="auto" r:id="rId37">
-            <p14:nvContentPartPr>
-              <p14:cNvPr id="42000" name="Ink 42000">
-                <a:extLst>
-                  <a:ext uri="{FF2B5EF4-FFF2-40B4-BE49-F238E27FC236}">
-                    <a16:creationId xmlns:a16="http://schemas.microsoft.com/office/drawing/2014/main" id="{7094141F-F7FA-3148-B068-B0DC7499AB56}"/>
-                  </a:ext>
-                </a:extLst>
-              </p14:cNvPr>
-              <p14:cNvContentPartPr/>
-              <p14:nvPr/>
-            </p14:nvContentPartPr>
-            <p14:xfrm>
-              <a:off x="5645893" y="3788573"/>
-              <a:ext cx="540360" cy="789120"/>
-            </p14:xfrm>
-          </p:contentPart>
-        </mc:Choice>
-        <mc:Fallback xmlns="">
-          <p:pic>
-            <p:nvPicPr>
-              <p:cNvPr id="42000" name="Ink 42000">
-                <a:extLst>
-                  <a:ext uri="{FF2B5EF4-FFF2-40B4-BE49-F238E27FC236}">
-                    <a16:creationId xmlns:a16="http://schemas.microsoft.com/office/drawing/2014/main" id="{7094141F-F7FA-3148-B068-B0DC7499AB56}"/>
-                  </a:ext>
-                </a:extLst>
-              </p:cNvPr>
-              <p:cNvPicPr/>
-              <p:nvPr/>
-            </p:nvPicPr>
-            <p:blipFill>
-              <a:blip r:embed="rId38"/>
-              <a:stretch>
-                <a:fillRect/>
-              </a:stretch>
-            </p:blipFill>
-            <p:spPr>
-              <a:xfrm>
-                <a:off x="5630763" y="3773446"/>
-                <a:ext cx="570980" cy="819734"/>
-              </a:xfrm>
-              <a:prstGeom prst="rect">
-                <a:avLst/>
-              </a:prstGeom>
-            </p:spPr>
-          </p:pic>
-        </mc:Fallback>
-      </mc:AlternateContent>
-      <mc:AlternateContent xmlns:mc="http://schemas.openxmlformats.org/markup-compatibility/2006" xmlns:p14="http://schemas.microsoft.com/office/powerpoint/2010/main">
-        <mc:Choice Requires="p14">
-          <p:contentPart p14:bwMode="auto" r:id="rId39">
-            <p14:nvContentPartPr>
-              <p14:cNvPr id="42004" name="Ink 42004">
-                <a:extLst>
-                  <a:ext uri="{FF2B5EF4-FFF2-40B4-BE49-F238E27FC236}">
-                    <a16:creationId xmlns:a16="http://schemas.microsoft.com/office/drawing/2014/main" id="{AB92C17A-BD1D-A347-A5F6-357875EC8894}"/>
-                  </a:ext>
-                </a:extLst>
-              </p14:cNvPr>
-              <p14:cNvContentPartPr/>
-              <p14:nvPr/>
-            </p14:nvContentPartPr>
-            <p14:xfrm>
-              <a:off x="6132973" y="3799373"/>
-              <a:ext cx="481680" cy="799200"/>
-            </p14:xfrm>
-          </p:contentPart>
-        </mc:Choice>
-        <mc:Fallback xmlns="">
-          <p:pic>
-            <p:nvPicPr>
-              <p:cNvPr id="42004" name="Ink 42004">
-                <a:extLst>
-                  <a:ext uri="{FF2B5EF4-FFF2-40B4-BE49-F238E27FC236}">
-                    <a16:creationId xmlns:a16="http://schemas.microsoft.com/office/drawing/2014/main" id="{AB92C17A-BD1D-A347-A5F6-357875EC8894}"/>
-                  </a:ext>
-                </a:extLst>
-              </p:cNvPr>
-              <p:cNvPicPr/>
-              <p:nvPr/>
-            </p:nvPicPr>
-            <p:blipFill>
-              <a:blip r:embed="rId40"/>
-              <a:stretch>
-                <a:fillRect/>
-              </a:stretch>
-            </p:blipFill>
-            <p:spPr>
-              <a:xfrm>
-                <a:off x="6112468" y="3778862"/>
-                <a:ext cx="522330" cy="839862"/>
-              </a:xfrm>
-              <a:prstGeom prst="rect">
-                <a:avLst/>
-              </a:prstGeom>
-            </p:spPr>
-          </p:pic>
-        </mc:Fallback>
-      </mc:AlternateContent>
-      <mc:AlternateContent xmlns:mc="http://schemas.openxmlformats.org/markup-compatibility/2006" xmlns:p14="http://schemas.microsoft.com/office/powerpoint/2010/main">
-        <mc:Choice Requires="p14">
-          <p:contentPart p14:bwMode="auto" r:id="rId41">
-            <p14:nvContentPartPr>
-              <p14:cNvPr id="42009" name="Ink 42009">
-                <a:extLst>
-                  <a:ext uri="{FF2B5EF4-FFF2-40B4-BE49-F238E27FC236}">
-                    <a16:creationId xmlns:a16="http://schemas.microsoft.com/office/drawing/2014/main" id="{832D4573-9A0E-244D-976E-84A90D0F7E95}"/>
-                  </a:ext>
-                </a:extLst>
-              </p14:cNvPr>
-              <p14:cNvContentPartPr/>
-              <p14:nvPr/>
-            </p14:nvContentPartPr>
-            <p14:xfrm>
-              <a:off x="6905533" y="3741053"/>
-              <a:ext cx="720000" cy="730800"/>
-            </p14:xfrm>
-          </p:contentPart>
-        </mc:Choice>
-        <mc:Fallback xmlns="">
-          <p:pic>
-            <p:nvPicPr>
-              <p:cNvPr id="42009" name="Ink 42009">
-                <a:extLst>
-                  <a:ext uri="{FF2B5EF4-FFF2-40B4-BE49-F238E27FC236}">
-                    <a16:creationId xmlns:a16="http://schemas.microsoft.com/office/drawing/2014/main" id="{832D4573-9A0E-244D-976E-84A90D0F7E95}"/>
-                  </a:ext>
-                </a:extLst>
-              </p:cNvPr>
-              <p:cNvPicPr/>
-              <p:nvPr/>
-            </p:nvPicPr>
-            <p:blipFill>
-              <a:blip r:embed="rId42"/>
-              <a:stretch>
-                <a:fillRect/>
-              </a:stretch>
-            </p:blipFill>
-            <p:spPr>
-              <a:xfrm>
-                <a:off x="6885013" y="3720523"/>
-                <a:ext cx="760680" cy="766458"/>
-              </a:xfrm>
-              <a:prstGeom prst="rect">
-                <a:avLst/>
-              </a:prstGeom>
-            </p:spPr>
-          </p:pic>
-        </mc:Fallback>
-      </mc:AlternateContent>
-      <mc:AlternateContent xmlns:mc="http://schemas.openxmlformats.org/markup-compatibility/2006" xmlns:p14="http://schemas.microsoft.com/office/powerpoint/2010/main">
-        <mc:Choice Requires="p14">
-          <p:contentPart p14:bwMode="auto" r:id="rId43">
-            <p14:nvContentPartPr>
-              <p14:cNvPr id="42024" name="Ink 42023">
-                <a:extLst>
-                  <a:ext uri="{FF2B5EF4-FFF2-40B4-BE49-F238E27FC236}">
-                    <a16:creationId xmlns:a16="http://schemas.microsoft.com/office/drawing/2014/main" id="{FCA988EA-2B55-AE4A-A8A7-43E755155584}"/>
-                  </a:ext>
-                </a:extLst>
-              </p14:cNvPr>
-              <p14:cNvContentPartPr/>
-              <p14:nvPr/>
-            </p14:nvContentPartPr>
-            <p14:xfrm>
-              <a:off x="7011373" y="3349373"/>
-              <a:ext cx="190800" cy="174960"/>
-            </p14:xfrm>
-          </p:contentPart>
-        </mc:Choice>
-        <mc:Fallback xmlns="">
-          <p:pic>
-            <p:nvPicPr>
-              <p:cNvPr id="42024" name="Ink 42023">
-                <a:extLst>
-                  <a:ext uri="{FF2B5EF4-FFF2-40B4-BE49-F238E27FC236}">
-                    <a16:creationId xmlns:a16="http://schemas.microsoft.com/office/drawing/2014/main" id="{FCA988EA-2B55-AE4A-A8A7-43E755155584}"/>
-                  </a:ext>
-                </a:extLst>
-              </p:cNvPr>
-              <p:cNvPicPr/>
-              <p:nvPr/>
-            </p:nvPicPr>
-            <p:blipFill>
-              <a:blip r:embed="rId44"/>
-              <a:stretch>
-                <a:fillRect/>
-              </a:stretch>
-            </p:blipFill>
-            <p:spPr>
-              <a:xfrm>
-                <a:off x="6990853" y="3329213"/>
-                <a:ext cx="231480" cy="215640"/>
-              </a:xfrm>
-              <a:prstGeom prst="rect">
-                <a:avLst/>
-              </a:prstGeom>
-            </p:spPr>
-          </p:pic>
-        </mc:Fallback>
-      </mc:AlternateContent>
-      <mc:AlternateContent xmlns:mc="http://schemas.openxmlformats.org/markup-compatibility/2006" xmlns:p14="http://schemas.microsoft.com/office/powerpoint/2010/main">
-        <mc:Choice Requires="p14">
-          <p:contentPart p14:bwMode="auto" r:id="rId45">
-            <p14:nvContentPartPr>
-              <p14:cNvPr id="42025" name="Ink 42025">
-                <a:extLst>
-                  <a:ext uri="{FF2B5EF4-FFF2-40B4-BE49-F238E27FC236}">
-                    <a16:creationId xmlns:a16="http://schemas.microsoft.com/office/drawing/2014/main" id="{35DBCA11-01B7-E244-A69F-2D9B84C6772C}"/>
-                  </a:ext>
-                </a:extLst>
-              </p14:cNvPr>
-              <p14:cNvContentPartPr/>
-              <p14:nvPr/>
-            </p14:nvContentPartPr>
-            <p14:xfrm>
-              <a:off x="7005973" y="4624853"/>
-              <a:ext cx="482040" cy="238320"/>
-            </p14:xfrm>
-          </p:contentPart>
-        </mc:Choice>
-        <mc:Fallback xmlns="">
-          <p:pic>
-            <p:nvPicPr>
-              <p:cNvPr id="42025" name="Ink 42025">
-                <a:extLst>
-                  <a:ext uri="{FF2B5EF4-FFF2-40B4-BE49-F238E27FC236}">
-                    <a16:creationId xmlns:a16="http://schemas.microsoft.com/office/drawing/2014/main" id="{35DBCA11-01B7-E244-A69F-2D9B84C6772C}"/>
-                  </a:ext>
-                </a:extLst>
-              </p:cNvPr>
-              <p:cNvPicPr/>
-              <p:nvPr/>
-            </p:nvPicPr>
-            <p:blipFill>
-              <a:blip r:embed="rId46"/>
-              <a:stretch>
-                <a:fillRect/>
-              </a:stretch>
-            </p:blipFill>
-            <p:spPr>
-              <a:xfrm>
-                <a:off x="6990853" y="4609373"/>
-                <a:ext cx="512280" cy="268920"/>
-              </a:xfrm>
-              <a:prstGeom prst="rect">
-                <a:avLst/>
-              </a:prstGeom>
-            </p:spPr>
-          </p:pic>
-        </mc:Fallback>
-      </mc:AlternateContent>
-      <mc:AlternateContent xmlns:mc="http://schemas.openxmlformats.org/markup-compatibility/2006" xmlns:p14="http://schemas.microsoft.com/office/powerpoint/2010/main">
-        <mc:Choice Requires="p14">
-          <p:contentPart p14:bwMode="auto" r:id="rId47">
-            <p14:nvContentPartPr>
-              <p14:cNvPr id="42037" name="Ink 42037">
-                <a:extLst>
-                  <a:ext uri="{FF2B5EF4-FFF2-40B4-BE49-F238E27FC236}">
-                    <a16:creationId xmlns:a16="http://schemas.microsoft.com/office/drawing/2014/main" id="{A1504857-E3BC-FD42-8259-1ACB58FCC7D4}"/>
-                  </a:ext>
-                </a:extLst>
-              </p14:cNvPr>
-              <p14:cNvContentPartPr/>
-              <p14:nvPr/>
-            </p14:nvContentPartPr>
-            <p14:xfrm>
-              <a:off x="7731013" y="3852293"/>
-              <a:ext cx="1810080" cy="725400"/>
-            </p14:xfrm>
-          </p:contentPart>
-        </mc:Choice>
-        <mc:Fallback xmlns="">
-          <p:pic>
-            <p:nvPicPr>
-              <p:cNvPr id="42037" name="Ink 42037">
-                <a:extLst>
-                  <a:ext uri="{FF2B5EF4-FFF2-40B4-BE49-F238E27FC236}">
-                    <a16:creationId xmlns:a16="http://schemas.microsoft.com/office/drawing/2014/main" id="{A1504857-E3BC-FD42-8259-1ACB58FCC7D4}"/>
-                  </a:ext>
-                </a:extLst>
-              </p:cNvPr>
-              <p:cNvPicPr/>
-              <p:nvPr/>
-            </p:nvPicPr>
-            <p:blipFill>
-              <a:blip r:embed="rId48"/>
-              <a:stretch>
-                <a:fillRect/>
-              </a:stretch>
-            </p:blipFill>
-            <p:spPr>
-              <a:xfrm>
-                <a:off x="7715533" y="3831773"/>
-                <a:ext cx="1845720" cy="766080"/>
+                <a:off x="8943493" y="4091333"/>
+                <a:ext cx="1671120" cy="924480"/>
               </a:xfrm>
               <a:prstGeom prst="rect">
                 <a:avLst/>
@@ -9642,7 +9466,7 @@
     </p:spTree>
     <p:extLst>
       <p:ext uri="{BB962C8B-B14F-4D97-AF65-F5344CB8AC3E}">
-        <p14:creationId xmlns:p14="http://schemas.microsoft.com/office/powerpoint/2010/main" val="1165918562"/>
+        <p14:creationId xmlns:p14="http://schemas.microsoft.com/office/powerpoint/2010/main" val="1941614609"/>
       </p:ext>
     </p:extLst>
   </p:cSld>
@@ -9684,7 +9508,11 @@
                                           </p:stCondLst>
                                         </p:cTn>
                                         <p:tgtEl>
-                                          <p:spTgt spid="15"/>
+                                          <p:spTgt spid="12">
+                                            <p:txEl>
+                                              <p:pRg st="0" end="0"/>
+                                            </p:txEl>
+                                          </p:spTgt>
                                         </p:tgtEl>
                                         <p:attrNameLst>
                                           <p:attrName>style.visibility</p:attrName>
@@ -9697,35 +9525,26 @@
                                   </p:childTnLst>
                                 </p:cTn>
                               </p:par>
+                            </p:childTnLst>
+                          </p:cTn>
+                        </p:par>
+                      </p:childTnLst>
+                    </p:cTn>
+                  </p:par>
+                  <p:par>
+                    <p:cTn id="7" fill="hold">
+                      <p:stCondLst>
+                        <p:cond delay="indefinite"/>
+                      </p:stCondLst>
+                      <p:childTnLst>
+                        <p:par>
+                          <p:cTn id="8" fill="hold">
+                            <p:stCondLst>
+                              <p:cond delay="0"/>
+                            </p:stCondLst>
+                            <p:childTnLst>
                               <p:par>
-                                <p:cTn id="7" presetID="1" presetClass="entr" presetSubtype="0" fill="hold" nodeType="withEffect">
-                                  <p:stCondLst>
-                                    <p:cond delay="0"/>
-                                  </p:stCondLst>
-                                  <p:childTnLst>
-                                    <p:set>
-                                      <p:cBhvr>
-                                        <p:cTn id="8" dur="1" fill="hold">
-                                          <p:stCondLst>
-                                            <p:cond delay="0"/>
-                                          </p:stCondLst>
-                                        </p:cTn>
-                                        <p:tgtEl>
-                                          <p:spTgt spid="16"/>
-                                        </p:tgtEl>
-                                        <p:attrNameLst>
-                                          <p:attrName>style.visibility</p:attrName>
-                                        </p:attrNameLst>
-                                      </p:cBhvr>
-                                      <p:to>
-                                        <p:strVal val="visible"/>
-                                      </p:to>
-                                    </p:set>
-                                  </p:childTnLst>
-                                </p:cTn>
-                              </p:par>
-                              <p:par>
-                                <p:cTn id="9" presetID="1" presetClass="entr" presetSubtype="0" fill="hold" nodeType="withEffect">
+                                <p:cTn id="9" presetID="1" presetClass="entr" presetSubtype="0" fill="hold" nodeType="clickEffect">
                                   <p:stCondLst>
                                     <p:cond delay="0"/>
                                   </p:stCondLst>
@@ -9738,7 +9557,7 @@
                                           </p:stCondLst>
                                         </p:cTn>
                                         <p:tgtEl>
-                                          <p:spTgt spid="19"/>
+                                          <p:spTgt spid="7"/>
                                         </p:tgtEl>
                                         <p:attrNameLst>
                                           <p:attrName>style.visibility</p:attrName>
@@ -9765,7 +9584,7 @@
                                           </p:stCondLst>
                                         </p:cTn>
                                         <p:tgtEl>
-                                          <p:spTgt spid="20"/>
+                                          <p:spTgt spid="21"/>
                                         </p:tgtEl>
                                         <p:attrNameLst>
                                           <p:attrName>style.visibility</p:attrName>
@@ -9792,7 +9611,7 @@
                                           </p:stCondLst>
                                         </p:cTn>
                                         <p:tgtEl>
-                                          <p:spTgt spid="21"/>
+                                          <p:spTgt spid="22"/>
                                         </p:tgtEl>
                                         <p:attrNameLst>
                                           <p:attrName>style.visibility</p:attrName>
@@ -9819,7 +9638,7 @@
                                           </p:stCondLst>
                                         </p:cTn>
                                         <p:tgtEl>
-                                          <p:spTgt spid="22"/>
+                                          <p:spTgt spid="26"/>
                                         </p:tgtEl>
                                         <p:attrNameLst>
                                           <p:attrName>style.visibility</p:attrName>
@@ -9846,7 +9665,7 @@
                                           </p:stCondLst>
                                         </p:cTn>
                                         <p:tgtEl>
-                                          <p:spTgt spid="23"/>
+                                          <p:spTgt spid="29"/>
                                         </p:tgtEl>
                                         <p:attrNameLst>
                                           <p:attrName>style.visibility</p:attrName>
@@ -9859,35 +9678,26 @@
                                   </p:childTnLst>
                                 </p:cTn>
                               </p:par>
+                            </p:childTnLst>
+                          </p:cTn>
+                        </p:par>
+                      </p:childTnLst>
+                    </p:cTn>
+                  </p:par>
+                  <p:par>
+                    <p:cTn id="19" fill="hold">
+                      <p:stCondLst>
+                        <p:cond delay="indefinite"/>
+                      </p:stCondLst>
+                      <p:childTnLst>
+                        <p:par>
+                          <p:cTn id="20" fill="hold">
+                            <p:stCondLst>
+                              <p:cond delay="0"/>
+                            </p:stCondLst>
+                            <p:childTnLst>
                               <p:par>
-                                <p:cTn id="19" presetID="1" presetClass="entr" presetSubtype="0" fill="hold" nodeType="withEffect">
-                                  <p:stCondLst>
-                                    <p:cond delay="0"/>
-                                  </p:stCondLst>
-                                  <p:childTnLst>
-                                    <p:set>
-                                      <p:cBhvr>
-                                        <p:cTn id="20" dur="1" fill="hold">
-                                          <p:stCondLst>
-                                            <p:cond delay="0"/>
-                                          </p:stCondLst>
-                                        </p:cTn>
-                                        <p:tgtEl>
-                                          <p:spTgt spid="24"/>
-                                        </p:tgtEl>
-                                        <p:attrNameLst>
-                                          <p:attrName>style.visibility</p:attrName>
-                                        </p:attrNameLst>
-                                      </p:cBhvr>
-                                      <p:to>
-                                        <p:strVal val="visible"/>
-                                      </p:to>
-                                    </p:set>
-                                  </p:childTnLst>
-                                </p:cTn>
-                              </p:par>
-                              <p:par>
-                                <p:cTn id="21" presetID="1" presetClass="entr" presetSubtype="0" fill="hold" nodeType="withEffect">
+                                <p:cTn id="21" presetID="1" presetClass="entr" presetSubtype="0" fill="hold" nodeType="clickEffect">
                                   <p:stCondLst>
                                     <p:cond delay="0"/>
                                   </p:stCondLst>
@@ -9900,7 +9710,7 @@
                                           </p:stCondLst>
                                         </p:cTn>
                                         <p:tgtEl>
-                                          <p:spTgt spid="25"/>
+                                          <p:spTgt spid="33"/>
                                         </p:tgtEl>
                                         <p:attrNameLst>
                                           <p:attrName>style.visibility</p:attrName>
@@ -9927,7 +9737,7 @@
                                           </p:stCondLst>
                                         </p:cTn>
                                         <p:tgtEl>
-                                          <p:spTgt spid="46"/>
+                                          <p:spTgt spid="37"/>
                                         </p:tgtEl>
                                         <p:attrNameLst>
                                           <p:attrName>style.visibility</p:attrName>
@@ -9954,7 +9764,7 @@
                                           </p:stCondLst>
                                         </p:cTn>
                                         <p:tgtEl>
-                                          <p:spTgt spid="47"/>
+                                          <p:spTgt spid="46"/>
                                         </p:tgtEl>
                                         <p:attrNameLst>
                                           <p:attrName>style.visibility</p:attrName>
@@ -9981,120 +9791,7 @@
                                           </p:stCondLst>
                                         </p:cTn>
                                         <p:tgtEl>
-                                          <p:spTgt spid="57"/>
-                                        </p:tgtEl>
-                                        <p:attrNameLst>
-                                          <p:attrName>style.visibility</p:attrName>
-                                        </p:attrNameLst>
-                                      </p:cBhvr>
-                                      <p:to>
-                                        <p:strVal val="visible"/>
-                                      </p:to>
-                                    </p:set>
-                                  </p:childTnLst>
-                                </p:cTn>
-                              </p:par>
-                            </p:childTnLst>
-                          </p:cTn>
-                        </p:par>
-                      </p:childTnLst>
-                    </p:cTn>
-                  </p:par>
-                  <p:par>
-                    <p:cTn id="29" fill="hold">
-                      <p:stCondLst>
-                        <p:cond delay="indefinite"/>
-                      </p:stCondLst>
-                      <p:childTnLst>
-                        <p:par>
-                          <p:cTn id="30" fill="hold">
-                            <p:stCondLst>
-                              <p:cond delay="0"/>
-                            </p:stCondLst>
-                            <p:childTnLst>
-                              <p:par>
-                                <p:cTn id="31" presetID="63" presetClass="entr" presetSubtype="0" fill="hold" nodeType="clickEffect">
-                                  <p:stCondLst>
-                                    <p:cond delay="0"/>
-                                  </p:stCondLst>
-                                  <p:childTnLst>
-                                    <p:set>
-                                      <p:cBhvr>
-                                        <p:cTn id="32" dur="1" fill="hold">
-                                          <p:stCondLst>
-                                            <p:cond delay="0"/>
-                                          </p:stCondLst>
-                                        </p:cTn>
-                                        <p:tgtEl>
-                                          <p:spTgt spid="59"/>
-                                        </p:tgtEl>
-                                        <p:attrNameLst>
-                                          <p:attrName>style.visibility</p:attrName>
-                                        </p:attrNameLst>
-                                      </p:cBhvr>
-                                      <p:to>
-                                        <p:strVal val="visible"/>
-                                      </p:to>
-                                    </p:set>
-                                    <p:anim calcmode="lin" valueType="num">
-                                      <p:cBhvr>
-                                        <p:cTn id="33" dur="500" fill="hold"/>
-                                        <p:tgtEl>
-                                          <p:spTgt spid="59"/>
-                                        </p:tgtEl>
-                                        <p:attrNameLst>
-                                          <p:attrName>drawProgress</p:attrName>
-                                        </p:attrNameLst>
-                                      </p:cBhvr>
-                                      <p:tavLst>
-                                        <p:tav tm="0">
-                                          <p:val>
-                                            <p:fltVal val="0"/>
-                                          </p:val>
-                                        </p:tav>
-                                        <p:tav tm="100000">
-                                          <p:val>
-                                            <p:fltVal val="1"/>
-                                          </p:val>
-                                        </p:tav>
-                                      </p:tavLst>
-                                    </p:anim>
-                                  </p:childTnLst>
-                                </p:cTn>
-                              </p:par>
-                            </p:childTnLst>
-                          </p:cTn>
-                        </p:par>
-                      </p:childTnLst>
-                    </p:cTn>
-                  </p:par>
-                  <p:par>
-                    <p:cTn id="34" fill="hold">
-                      <p:stCondLst>
-                        <p:cond delay="indefinite"/>
-                      </p:stCondLst>
-                      <p:childTnLst>
-                        <p:par>
-                          <p:cTn id="35" fill="hold">
-                            <p:stCondLst>
-                              <p:cond delay="0"/>
-                            </p:stCondLst>
-                            <p:childTnLst>
-                              <p:par>
-                                <p:cTn id="36" presetID="1" presetClass="entr" presetSubtype="0" fill="hold" nodeType="clickEffect">
-                                  <p:stCondLst>
-                                    <p:cond delay="0"/>
-                                  </p:stCondLst>
-                                  <p:childTnLst>
-                                    <p:set>
-                                      <p:cBhvr>
-                                        <p:cTn id="37" dur="1" fill="hold">
-                                          <p:stCondLst>
-                                            <p:cond delay="0"/>
-                                          </p:stCondLst>
-                                        </p:cTn>
-                                        <p:tgtEl>
-                                          <p:spTgt spid="41984"/>
+                                          <p:spTgt spid="54"/>
                                         </p:tgtEl>
                                         <p:attrNameLst>
                                           <p:attrName>style.visibility</p:attrName>
@@ -10108,20 +9805,20 @@
                                 </p:cTn>
                               </p:par>
                               <p:par>
-                                <p:cTn id="38" presetID="1" presetClass="entr" presetSubtype="0" fill="hold" nodeType="withEffect">
+                                <p:cTn id="29" presetID="1" presetClass="entr" presetSubtype="0" fill="hold" nodeType="withEffect">
                                   <p:stCondLst>
                                     <p:cond delay="0"/>
                                   </p:stCondLst>
                                   <p:childTnLst>
                                     <p:set>
                                       <p:cBhvr>
-                                        <p:cTn id="39" dur="1" fill="hold">
+                                        <p:cTn id="30" dur="1" fill="hold">
                                           <p:stCondLst>
                                             <p:cond delay="0"/>
                                           </p:stCondLst>
                                         </p:cTn>
                                         <p:tgtEl>
-                                          <p:spTgt spid="41985"/>
+                                          <p:spTgt spid="55"/>
                                         </p:tgtEl>
                                         <p:attrNameLst>
                                           <p:attrName>style.visibility</p:attrName>
@@ -10135,20 +9832,20 @@
                                 </p:cTn>
                               </p:par>
                               <p:par>
-                                <p:cTn id="40" presetID="1" presetClass="entr" presetSubtype="0" fill="hold" nodeType="withEffect">
+                                <p:cTn id="31" presetID="1" presetClass="entr" presetSubtype="0" fill="hold" nodeType="withEffect">
                                   <p:stCondLst>
                                     <p:cond delay="0"/>
                                   </p:stCondLst>
                                   <p:childTnLst>
                                     <p:set>
                                       <p:cBhvr>
-                                        <p:cTn id="41" dur="1" fill="hold">
+                                        <p:cTn id="32" dur="1" fill="hold">
                                           <p:stCondLst>
                                             <p:cond delay="0"/>
                                           </p:stCondLst>
                                         </p:cTn>
                                         <p:tgtEl>
-                                          <p:spTgt spid="41995"/>
+                                          <p:spTgt spid="56"/>
                                         </p:tgtEl>
                                         <p:attrNameLst>
                                           <p:attrName>style.visibility</p:attrName>
@@ -10162,20 +9859,20 @@
                                 </p:cTn>
                               </p:par>
                               <p:par>
-                                <p:cTn id="42" presetID="1" presetClass="entr" presetSubtype="0" fill="hold" nodeType="withEffect">
+                                <p:cTn id="33" presetID="1" presetClass="entr" presetSubtype="0" fill="hold" nodeType="withEffect">
                                   <p:stCondLst>
                                     <p:cond delay="0"/>
                                   </p:stCondLst>
                                   <p:childTnLst>
                                     <p:set>
                                       <p:cBhvr>
-                                        <p:cTn id="43" dur="1" fill="hold">
+                                        <p:cTn id="34" dur="1" fill="hold">
                                           <p:stCondLst>
                                             <p:cond delay="0"/>
                                           </p:stCondLst>
                                         </p:cTn>
                                         <p:tgtEl>
-                                          <p:spTgt spid="42000"/>
+                                          <p:spTgt spid="62"/>
                                         </p:tgtEl>
                                         <p:attrNameLst>
                                           <p:attrName>style.visibility</p:attrName>
@@ -10189,20 +9886,20 @@
                                 </p:cTn>
                               </p:par>
                               <p:par>
-                                <p:cTn id="44" presetID="1" presetClass="entr" presetSubtype="0" fill="hold" nodeType="withEffect">
+                                <p:cTn id="35" presetID="1" presetClass="entr" presetSubtype="0" fill="hold" nodeType="withEffect">
                                   <p:stCondLst>
                                     <p:cond delay="0"/>
                                   </p:stCondLst>
                                   <p:childTnLst>
                                     <p:set>
                                       <p:cBhvr>
-                                        <p:cTn id="45" dur="1" fill="hold">
+                                        <p:cTn id="36" dur="1" fill="hold">
                                           <p:stCondLst>
                                             <p:cond delay="0"/>
                                           </p:stCondLst>
                                         </p:cTn>
                                         <p:tgtEl>
-                                          <p:spTgt spid="42004"/>
+                                          <p:spTgt spid="63"/>
                                         </p:tgtEl>
                                         <p:attrNameLst>
                                           <p:attrName>style.visibility</p:attrName>
@@ -10216,20 +9913,20 @@
                                 </p:cTn>
                               </p:par>
                               <p:par>
-                                <p:cTn id="46" presetID="1" presetClass="entr" presetSubtype="0" fill="hold" nodeType="withEffect">
+                                <p:cTn id="37" presetID="1" presetClass="entr" presetSubtype="0" fill="hold" nodeType="withEffect">
                                   <p:stCondLst>
                                     <p:cond delay="0"/>
                                   </p:stCondLst>
                                   <p:childTnLst>
                                     <p:set>
                                       <p:cBhvr>
-                                        <p:cTn id="47" dur="1" fill="hold">
+                                        <p:cTn id="38" dur="1" fill="hold">
                                           <p:stCondLst>
                                             <p:cond delay="0"/>
                                           </p:stCondLst>
                                         </p:cTn>
                                         <p:tgtEl>
-                                          <p:spTgt spid="42009"/>
+                                          <p:spTgt spid="41990"/>
                                         </p:tgtEl>
                                         <p:attrNameLst>
                                           <p:attrName>style.visibility</p:attrName>
@@ -10243,20 +9940,20 @@
                                 </p:cTn>
                               </p:par>
                               <p:par>
-                                <p:cTn id="48" presetID="1" presetClass="entr" presetSubtype="0" fill="hold" nodeType="withEffect">
+                                <p:cTn id="39" presetID="1" presetClass="entr" presetSubtype="0" fill="hold" nodeType="withEffect">
                                   <p:stCondLst>
                                     <p:cond delay="0"/>
                                   </p:stCondLst>
                                   <p:childTnLst>
                                     <p:set>
                                       <p:cBhvr>
-                                        <p:cTn id="49" dur="1" fill="hold">
+                                        <p:cTn id="40" dur="1" fill="hold">
                                           <p:stCondLst>
                                             <p:cond delay="0"/>
                                           </p:stCondLst>
                                         </p:cTn>
                                         <p:tgtEl>
-                                          <p:spTgt spid="42024"/>
+                                          <p:spTgt spid="41994"/>
                                         </p:tgtEl>
                                         <p:attrNameLst>
                                           <p:attrName>style.visibility</p:attrName>
@@ -10270,47 +9967,20 @@
                                 </p:cTn>
                               </p:par>
                               <p:par>
-                                <p:cTn id="50" presetID="1" presetClass="entr" presetSubtype="0" fill="hold" nodeType="withEffect">
+                                <p:cTn id="41" presetID="1" presetClass="entr" presetSubtype="0" fill="hold" nodeType="withEffect">
                                   <p:stCondLst>
                                     <p:cond delay="0"/>
                                   </p:stCondLst>
                                   <p:childTnLst>
                                     <p:set>
                                       <p:cBhvr>
-                                        <p:cTn id="51" dur="1" fill="hold">
+                                        <p:cTn id="42" dur="1" fill="hold">
                                           <p:stCondLst>
                                             <p:cond delay="0"/>
                                           </p:stCondLst>
                                         </p:cTn>
                                         <p:tgtEl>
-                                          <p:spTgt spid="42025"/>
-                                        </p:tgtEl>
-                                        <p:attrNameLst>
-                                          <p:attrName>style.visibility</p:attrName>
-                                        </p:attrNameLst>
-                                      </p:cBhvr>
-                                      <p:to>
-                                        <p:strVal val="visible"/>
-                                      </p:to>
-                                    </p:set>
-                                  </p:childTnLst>
-                                </p:cTn>
-                              </p:par>
-                              <p:par>
-                                <p:cTn id="52" presetID="1" presetClass="entr" presetSubtype="0" fill="hold" nodeType="withEffect">
-                                  <p:stCondLst>
-                                    <p:cond delay="0"/>
-                                  </p:stCondLst>
-                                  <p:childTnLst>
-                                    <p:set>
-                                      <p:cBhvr>
-                                        <p:cTn id="53" dur="1" fill="hold">
-                                          <p:stCondLst>
-                                            <p:cond delay="0"/>
-                                          </p:stCondLst>
-                                        </p:cTn>
-                                        <p:tgtEl>
-                                          <p:spTgt spid="42037"/>
+                                          <p:spTgt spid="42005"/>
                                         </p:tgtEl>
                                         <p:attrNameLst>
                                           <p:attrName>style.visibility</p:attrName>
@@ -17351,6 +17021,1896 @@
       </p:grpSpPr>
       <p:sp>
         <p:nvSpPr>
+          <p:cNvPr id="41988" name="Rectangle 2"/>
+          <p:cNvSpPr>
+            <a:spLocks noGrp="1" noChangeArrowheads="1"/>
+          </p:cNvSpPr>
+          <p:nvPr>
+            <p:ph type="title"/>
+          </p:nvPr>
+        </p:nvSpPr>
+        <p:spPr/>
+        <p:txBody>
+          <a:bodyPr>
+            <a:normAutofit/>
+          </a:bodyPr>
+          <a:lstStyle/>
+          <a:p>
+            <a:r>
+              <a:rPr lang="en-US" dirty="0"/>
+              <a:t>Na</a:t>
+            </a:r>
+            <a:r>
+              <a:rPr lang="fr-FR" dirty="0" err="1"/>
+              <a:t>ï</a:t>
+            </a:r>
+            <a:r>
+              <a:rPr lang="en-US" dirty="0" err="1"/>
+              <a:t>ve</a:t>
+            </a:r>
+            <a:r>
+              <a:rPr lang="en-US" dirty="0"/>
+              <a:t> Bayes Classifier</a:t>
+            </a:r>
+          </a:p>
+        </p:txBody>
+      </p:sp>
+      <mc:AlternateContent xmlns:mc="http://schemas.openxmlformats.org/markup-compatibility/2006" xmlns:p14="http://schemas.microsoft.com/office/powerpoint/2010/main">
+        <mc:Choice Requires="p14">
+          <p:contentPart p14:bwMode="auto" r:id="rId2">
+            <p14:nvContentPartPr>
+              <p14:cNvPr id="15" name="Ink 16">
+                <a:extLst>
+                  <a:ext uri="{FF2B5EF4-FFF2-40B4-BE49-F238E27FC236}">
+                    <a16:creationId xmlns:a16="http://schemas.microsoft.com/office/drawing/2014/main" id="{1417CF4B-34DE-2E4D-8E0A-78AE79B99D94}"/>
+                  </a:ext>
+                </a:extLst>
+              </p14:cNvPr>
+              <p14:cNvContentPartPr/>
+              <p14:nvPr/>
+            </p14:nvContentPartPr>
+            <p14:xfrm>
+              <a:off x="2773093" y="1947893"/>
+              <a:ext cx="1540080" cy="968040"/>
+            </p14:xfrm>
+          </p:contentPart>
+        </mc:Choice>
+        <mc:Fallback xmlns="">
+          <p:pic>
+            <p:nvPicPr>
+              <p:cNvPr id="15" name="Ink 16">
+                <a:extLst>
+                  <a:ext uri="{FF2B5EF4-FFF2-40B4-BE49-F238E27FC236}">
+                    <a16:creationId xmlns:a16="http://schemas.microsoft.com/office/drawing/2014/main" id="{1417CF4B-34DE-2E4D-8E0A-78AE79B99D94}"/>
+                  </a:ext>
+                </a:extLst>
+              </p:cNvPr>
+              <p:cNvPicPr/>
+              <p:nvPr/>
+            </p:nvPicPr>
+            <p:blipFill>
+              <a:blip r:embed="rId6"/>
+              <a:stretch>
+                <a:fillRect/>
+              </a:stretch>
+            </p:blipFill>
+            <p:spPr>
+              <a:xfrm>
+                <a:off x="2752928" y="1927373"/>
+                <a:ext cx="1580770" cy="1009080"/>
+              </a:xfrm>
+              <a:prstGeom prst="rect">
+                <a:avLst/>
+              </a:prstGeom>
+            </p:spPr>
+          </p:pic>
+        </mc:Fallback>
+      </mc:AlternateContent>
+      <mc:AlternateContent xmlns:mc="http://schemas.openxmlformats.org/markup-compatibility/2006" xmlns:p14="http://schemas.microsoft.com/office/powerpoint/2010/main">
+        <mc:Choice Requires="p14">
+          <p:contentPart p14:bwMode="auto" r:id="rId7">
+            <p14:nvContentPartPr>
+              <p14:cNvPr id="16" name="Ink 17">
+                <a:extLst>
+                  <a:ext uri="{FF2B5EF4-FFF2-40B4-BE49-F238E27FC236}">
+                    <a16:creationId xmlns:a16="http://schemas.microsoft.com/office/drawing/2014/main" id="{074F3C13-0144-4844-9D0D-703092280A5B}"/>
+                  </a:ext>
+                </a:extLst>
+              </p14:cNvPr>
+              <p14:cNvContentPartPr/>
+              <p14:nvPr/>
+            </p14:nvContentPartPr>
+            <p14:xfrm>
+              <a:off x="1677253" y="1815413"/>
+              <a:ext cx="741240" cy="798840"/>
+            </p14:xfrm>
+          </p:contentPart>
+        </mc:Choice>
+        <mc:Fallback xmlns="">
+          <p:pic>
+            <p:nvPicPr>
+              <p:cNvPr id="16" name="Ink 17">
+                <a:extLst>
+                  <a:ext uri="{FF2B5EF4-FFF2-40B4-BE49-F238E27FC236}">
+                    <a16:creationId xmlns:a16="http://schemas.microsoft.com/office/drawing/2014/main" id="{074F3C13-0144-4844-9D0D-703092280A5B}"/>
+                  </a:ext>
+                </a:extLst>
+              </p:cNvPr>
+              <p:cNvPicPr/>
+              <p:nvPr/>
+            </p:nvPicPr>
+            <p:blipFill>
+              <a:blip r:embed="rId8"/>
+              <a:stretch>
+                <a:fillRect/>
+              </a:stretch>
+            </p:blipFill>
+            <p:spPr>
+              <a:xfrm>
+                <a:off x="1656733" y="1794893"/>
+                <a:ext cx="776880" cy="834480"/>
+              </a:xfrm>
+              <a:prstGeom prst="rect">
+                <a:avLst/>
+              </a:prstGeom>
+            </p:spPr>
+          </p:pic>
+        </mc:Fallback>
+      </mc:AlternateContent>
+      <mc:AlternateContent xmlns:mc="http://schemas.openxmlformats.org/markup-compatibility/2006" xmlns:p14="http://schemas.microsoft.com/office/powerpoint/2010/main">
+        <mc:Choice Requires="p14">
+          <p:contentPart p14:bwMode="auto" r:id="rId9">
+            <p14:nvContentPartPr>
+              <p14:cNvPr id="19" name="Ink 18">
+                <a:extLst>
+                  <a:ext uri="{FF2B5EF4-FFF2-40B4-BE49-F238E27FC236}">
+                    <a16:creationId xmlns:a16="http://schemas.microsoft.com/office/drawing/2014/main" id="{28F4956C-F4E4-7D44-AE86-58DD26A4FDB7}"/>
+                  </a:ext>
+                </a:extLst>
+              </p14:cNvPr>
+              <p14:cNvContentPartPr/>
+              <p14:nvPr/>
+            </p14:nvContentPartPr>
+            <p14:xfrm>
+              <a:off x="4767493" y="1920533"/>
+              <a:ext cx="53280" cy="439560"/>
+            </p14:xfrm>
+          </p:contentPart>
+        </mc:Choice>
+        <mc:Fallback xmlns="">
+          <p:pic>
+            <p:nvPicPr>
+              <p:cNvPr id="19" name="Ink 18">
+                <a:extLst>
+                  <a:ext uri="{FF2B5EF4-FFF2-40B4-BE49-F238E27FC236}">
+                    <a16:creationId xmlns:a16="http://schemas.microsoft.com/office/drawing/2014/main" id="{28F4956C-F4E4-7D44-AE86-58DD26A4FDB7}"/>
+                  </a:ext>
+                </a:extLst>
+              </p:cNvPr>
+              <p:cNvPicPr/>
+              <p:nvPr/>
+            </p:nvPicPr>
+            <p:blipFill>
+              <a:blip r:embed="rId10"/>
+              <a:stretch>
+                <a:fillRect/>
+              </a:stretch>
+            </p:blipFill>
+            <p:spPr>
+              <a:xfrm>
+                <a:off x="4752013" y="1905053"/>
+                <a:ext cx="83880" cy="470160"/>
+              </a:xfrm>
+              <a:prstGeom prst="rect">
+                <a:avLst/>
+              </a:prstGeom>
+            </p:spPr>
+          </p:pic>
+        </mc:Fallback>
+      </mc:AlternateContent>
+      <mc:AlternateContent xmlns:mc="http://schemas.openxmlformats.org/markup-compatibility/2006" xmlns:p14="http://schemas.microsoft.com/office/powerpoint/2010/main">
+        <mc:Choice Requires="p14">
+          <p:contentPart p14:bwMode="auto" r:id="rId11">
+            <p14:nvContentPartPr>
+              <p14:cNvPr id="20" name="Ink 19">
+                <a:extLst>
+                  <a:ext uri="{FF2B5EF4-FFF2-40B4-BE49-F238E27FC236}">
+                    <a16:creationId xmlns:a16="http://schemas.microsoft.com/office/drawing/2014/main" id="{177F202E-56A1-1049-B0C1-17C17380E1CF}"/>
+                  </a:ext>
+                </a:extLst>
+              </p14:cNvPr>
+              <p14:cNvContentPartPr/>
+              <p14:nvPr/>
+            </p14:nvContentPartPr>
+            <p14:xfrm>
+              <a:off x="4730413" y="1873013"/>
+              <a:ext cx="259200" cy="233280"/>
+            </p14:xfrm>
+          </p:contentPart>
+        </mc:Choice>
+        <mc:Fallback xmlns="">
+          <p:pic>
+            <p:nvPicPr>
+              <p:cNvPr id="20" name="Ink 19">
+                <a:extLst>
+                  <a:ext uri="{FF2B5EF4-FFF2-40B4-BE49-F238E27FC236}">
+                    <a16:creationId xmlns:a16="http://schemas.microsoft.com/office/drawing/2014/main" id="{177F202E-56A1-1049-B0C1-17C17380E1CF}"/>
+                  </a:ext>
+                </a:extLst>
+              </p:cNvPr>
+              <p:cNvPicPr/>
+              <p:nvPr/>
+            </p:nvPicPr>
+            <p:blipFill>
+              <a:blip r:embed="rId12"/>
+              <a:stretch>
+                <a:fillRect/>
+              </a:stretch>
+            </p:blipFill>
+            <p:spPr>
+              <a:xfrm>
+                <a:off x="4714933" y="1857509"/>
+                <a:ext cx="289800" cy="263927"/>
+              </a:xfrm>
+              <a:prstGeom prst="rect">
+                <a:avLst/>
+              </a:prstGeom>
+            </p:spPr>
+          </p:pic>
+        </mc:Fallback>
+      </mc:AlternateContent>
+      <mc:AlternateContent xmlns:mc="http://schemas.openxmlformats.org/markup-compatibility/2006" xmlns:p14="http://schemas.microsoft.com/office/powerpoint/2010/main">
+        <mc:Choice Requires="p14">
+          <p:contentPart p14:bwMode="auto" r:id="rId13">
+            <p14:nvContentPartPr>
+              <p14:cNvPr id="21" name="Ink 20">
+                <a:extLst>
+                  <a:ext uri="{FF2B5EF4-FFF2-40B4-BE49-F238E27FC236}">
+                    <a16:creationId xmlns:a16="http://schemas.microsoft.com/office/drawing/2014/main" id="{2B68790F-14B1-624B-A42A-D7A82229673C}"/>
+                  </a:ext>
+                </a:extLst>
+              </p14:cNvPr>
+              <p14:cNvContentPartPr/>
+              <p14:nvPr/>
+            </p14:nvContentPartPr>
+            <p14:xfrm>
+              <a:off x="5127493" y="1827293"/>
+              <a:ext cx="180360" cy="517320"/>
+            </p14:xfrm>
+          </p:contentPart>
+        </mc:Choice>
+        <mc:Fallback xmlns="">
+          <p:pic>
+            <p:nvPicPr>
+              <p:cNvPr id="21" name="Ink 20">
+                <a:extLst>
+                  <a:ext uri="{FF2B5EF4-FFF2-40B4-BE49-F238E27FC236}">
+                    <a16:creationId xmlns:a16="http://schemas.microsoft.com/office/drawing/2014/main" id="{2B68790F-14B1-624B-A42A-D7A82229673C}"/>
+                  </a:ext>
+                </a:extLst>
+              </p:cNvPr>
+              <p:cNvPicPr/>
+              <p:nvPr/>
+            </p:nvPicPr>
+            <p:blipFill>
+              <a:blip r:embed="rId14"/>
+              <a:stretch>
+                <a:fillRect/>
+              </a:stretch>
+            </p:blipFill>
+            <p:spPr>
+              <a:xfrm>
+                <a:off x="5106973" y="1806773"/>
+                <a:ext cx="221040" cy="558000"/>
+              </a:xfrm>
+              <a:prstGeom prst="rect">
+                <a:avLst/>
+              </a:prstGeom>
+            </p:spPr>
+          </p:pic>
+        </mc:Fallback>
+      </mc:AlternateContent>
+      <mc:AlternateContent xmlns:mc="http://schemas.openxmlformats.org/markup-compatibility/2006" xmlns:p14="http://schemas.microsoft.com/office/powerpoint/2010/main">
+        <mc:Choice Requires="p14">
+          <p:contentPart p14:bwMode="auto" r:id="rId15">
+            <p14:nvContentPartPr>
+              <p14:cNvPr id="22" name="Ink 21">
+                <a:extLst>
+                  <a:ext uri="{FF2B5EF4-FFF2-40B4-BE49-F238E27FC236}">
+                    <a16:creationId xmlns:a16="http://schemas.microsoft.com/office/drawing/2014/main" id="{C32EE529-B443-0B45-BDB0-5667E7836BDC}"/>
+                  </a:ext>
+                </a:extLst>
+              </p14:cNvPr>
+              <p14:cNvContentPartPr/>
+              <p14:nvPr/>
+            </p14:nvContentPartPr>
+            <p14:xfrm>
+              <a:off x="5317933" y="2100533"/>
+              <a:ext cx="222480" cy="127440"/>
+            </p14:xfrm>
+          </p:contentPart>
+        </mc:Choice>
+        <mc:Fallback xmlns="">
+          <p:pic>
+            <p:nvPicPr>
+              <p:cNvPr id="22" name="Ink 21">
+                <a:extLst>
+                  <a:ext uri="{FF2B5EF4-FFF2-40B4-BE49-F238E27FC236}">
+                    <a16:creationId xmlns:a16="http://schemas.microsoft.com/office/drawing/2014/main" id="{C32EE529-B443-0B45-BDB0-5667E7836BDC}"/>
+                  </a:ext>
+                </a:extLst>
+              </p:cNvPr>
+              <p:cNvPicPr/>
+              <p:nvPr/>
+            </p:nvPicPr>
+            <p:blipFill>
+              <a:blip r:embed="rId16"/>
+              <a:stretch>
+                <a:fillRect/>
+              </a:stretch>
+            </p:blipFill>
+            <p:spPr>
+              <a:xfrm>
+                <a:off x="5302453" y="2085009"/>
+                <a:ext cx="253080" cy="158127"/>
+              </a:xfrm>
+              <a:prstGeom prst="rect">
+                <a:avLst/>
+              </a:prstGeom>
+            </p:spPr>
+          </p:pic>
+        </mc:Fallback>
+      </mc:AlternateContent>
+      <mc:AlternateContent xmlns:mc="http://schemas.openxmlformats.org/markup-compatibility/2006" xmlns:p14="http://schemas.microsoft.com/office/powerpoint/2010/main">
+        <mc:Choice Requires="p14">
+          <p:contentPart p14:bwMode="auto" r:id="rId17">
+            <p14:nvContentPartPr>
+              <p14:cNvPr id="23" name="Ink 22">
+                <a:extLst>
+                  <a:ext uri="{FF2B5EF4-FFF2-40B4-BE49-F238E27FC236}">
+                    <a16:creationId xmlns:a16="http://schemas.microsoft.com/office/drawing/2014/main" id="{9B8CAEEC-4D26-0149-AB27-48DA9FDAE0FD}"/>
+                  </a:ext>
+                </a:extLst>
+              </p14:cNvPr>
+              <p14:cNvContentPartPr/>
+              <p14:nvPr/>
+            </p14:nvContentPartPr>
+            <p14:xfrm>
+              <a:off x="5397493" y="2084693"/>
+              <a:ext cx="116640" cy="212040"/>
+            </p14:xfrm>
+          </p:contentPart>
+        </mc:Choice>
+        <mc:Fallback xmlns="">
+          <p:pic>
+            <p:nvPicPr>
+              <p:cNvPr id="23" name="Ink 22">
+                <a:extLst>
+                  <a:ext uri="{FF2B5EF4-FFF2-40B4-BE49-F238E27FC236}">
+                    <a16:creationId xmlns:a16="http://schemas.microsoft.com/office/drawing/2014/main" id="{9B8CAEEC-4D26-0149-AB27-48DA9FDAE0FD}"/>
+                  </a:ext>
+                </a:extLst>
+              </p:cNvPr>
+              <p:cNvPicPr/>
+              <p:nvPr/>
+            </p:nvPicPr>
+            <p:blipFill>
+              <a:blip r:embed="rId18"/>
+              <a:stretch>
+                <a:fillRect/>
+              </a:stretch>
+            </p:blipFill>
+            <p:spPr>
+              <a:xfrm>
+                <a:off x="5382013" y="2069213"/>
+                <a:ext cx="147240" cy="242640"/>
+              </a:xfrm>
+              <a:prstGeom prst="rect">
+                <a:avLst/>
+              </a:prstGeom>
+            </p:spPr>
+          </p:pic>
+        </mc:Fallback>
+      </mc:AlternateContent>
+      <mc:AlternateContent xmlns:mc="http://schemas.openxmlformats.org/markup-compatibility/2006" xmlns:p14="http://schemas.microsoft.com/office/powerpoint/2010/main">
+        <mc:Choice Requires="p14">
+          <p:contentPart p14:bwMode="auto" r:id="rId19">
+            <p14:nvContentPartPr>
+              <p14:cNvPr id="24" name="Ink 23">
+                <a:extLst>
+                  <a:ext uri="{FF2B5EF4-FFF2-40B4-BE49-F238E27FC236}">
+                    <a16:creationId xmlns:a16="http://schemas.microsoft.com/office/drawing/2014/main" id="{3C98CEE4-E31C-5645-813F-FB5CEDD0B3EB}"/>
+                  </a:ext>
+                </a:extLst>
+              </p14:cNvPr>
+              <p14:cNvContentPartPr/>
+              <p14:nvPr/>
+            </p14:nvContentPartPr>
+            <p14:xfrm>
+              <a:off x="5619613" y="2233013"/>
+              <a:ext cx="53280" cy="196200"/>
+            </p14:xfrm>
+          </p:contentPart>
+        </mc:Choice>
+        <mc:Fallback xmlns="">
+          <p:pic>
+            <p:nvPicPr>
+              <p:cNvPr id="24" name="Ink 23">
+                <a:extLst>
+                  <a:ext uri="{FF2B5EF4-FFF2-40B4-BE49-F238E27FC236}">
+                    <a16:creationId xmlns:a16="http://schemas.microsoft.com/office/drawing/2014/main" id="{3C98CEE4-E31C-5645-813F-FB5CEDD0B3EB}"/>
+                  </a:ext>
+                </a:extLst>
+              </p:cNvPr>
+              <p:cNvPicPr/>
+              <p:nvPr/>
+            </p:nvPicPr>
+            <p:blipFill>
+              <a:blip r:embed="rId20"/>
+              <a:stretch>
+                <a:fillRect/>
+              </a:stretch>
+            </p:blipFill>
+            <p:spPr>
+              <a:xfrm>
+                <a:off x="5604133" y="2217533"/>
+                <a:ext cx="83880" cy="226800"/>
+              </a:xfrm>
+              <a:prstGeom prst="rect">
+                <a:avLst/>
+              </a:prstGeom>
+            </p:spPr>
+          </p:pic>
+        </mc:Fallback>
+      </mc:AlternateContent>
+      <mc:AlternateContent xmlns:mc="http://schemas.openxmlformats.org/markup-compatibility/2006" xmlns:p14="http://schemas.microsoft.com/office/powerpoint/2010/main">
+        <mc:Choice Requires="p14">
+          <p:contentPart p14:bwMode="auto" r:id="rId21">
+            <p14:nvContentPartPr>
+              <p14:cNvPr id="25" name="Ink 24">
+                <a:extLst>
+                  <a:ext uri="{FF2B5EF4-FFF2-40B4-BE49-F238E27FC236}">
+                    <a16:creationId xmlns:a16="http://schemas.microsoft.com/office/drawing/2014/main" id="{F8CEEC08-81A0-974B-A042-CC02C4509C18}"/>
+                  </a:ext>
+                </a:extLst>
+              </p14:cNvPr>
+              <p14:cNvContentPartPr/>
+              <p14:nvPr/>
+            </p14:nvContentPartPr>
+            <p14:xfrm>
+              <a:off x="5804653" y="2259293"/>
+              <a:ext cx="42840" cy="222480"/>
+            </p14:xfrm>
+          </p:contentPart>
+        </mc:Choice>
+        <mc:Fallback xmlns="">
+          <p:pic>
+            <p:nvPicPr>
+              <p:cNvPr id="25" name="Ink 24">
+                <a:extLst>
+                  <a:ext uri="{FF2B5EF4-FFF2-40B4-BE49-F238E27FC236}">
+                    <a16:creationId xmlns:a16="http://schemas.microsoft.com/office/drawing/2014/main" id="{F8CEEC08-81A0-974B-A042-CC02C4509C18}"/>
+                  </a:ext>
+                </a:extLst>
+              </p:cNvPr>
+              <p:cNvPicPr/>
+              <p:nvPr/>
+            </p:nvPicPr>
+            <p:blipFill>
+              <a:blip r:embed="rId22"/>
+              <a:stretch>
+                <a:fillRect/>
+              </a:stretch>
+            </p:blipFill>
+            <p:spPr>
+              <a:xfrm>
+                <a:off x="5789042" y="2243813"/>
+                <a:ext cx="73699" cy="253080"/>
+              </a:xfrm>
+              <a:prstGeom prst="rect">
+                <a:avLst/>
+              </a:prstGeom>
+            </p:spPr>
+          </p:pic>
+        </mc:Fallback>
+      </mc:AlternateContent>
+      <mc:AlternateContent xmlns:mc="http://schemas.openxmlformats.org/markup-compatibility/2006" xmlns:p14="http://schemas.microsoft.com/office/powerpoint/2010/main">
+        <mc:Choice Requires="p14">
+          <p:contentPart p14:bwMode="auto" r:id="rId23">
+            <p14:nvContentPartPr>
+              <p14:cNvPr id="46" name="Ink 47">
+                <a:extLst>
+                  <a:ext uri="{FF2B5EF4-FFF2-40B4-BE49-F238E27FC236}">
+                    <a16:creationId xmlns:a16="http://schemas.microsoft.com/office/drawing/2014/main" id="{1A5BBA0C-94C3-5347-B3E3-FA958806C10D}"/>
+                  </a:ext>
+                </a:extLst>
+              </p14:cNvPr>
+              <p14:cNvContentPartPr/>
+              <p14:nvPr/>
+            </p14:nvContentPartPr>
+            <p14:xfrm>
+              <a:off x="7233493" y="2026373"/>
+              <a:ext cx="471600" cy="365400"/>
+            </p14:xfrm>
+          </p:contentPart>
+        </mc:Choice>
+        <mc:Fallback xmlns="">
+          <p:pic>
+            <p:nvPicPr>
+              <p:cNvPr id="46" name="Ink 47">
+                <a:extLst>
+                  <a:ext uri="{FF2B5EF4-FFF2-40B4-BE49-F238E27FC236}">
+                    <a16:creationId xmlns:a16="http://schemas.microsoft.com/office/drawing/2014/main" id="{1A5BBA0C-94C3-5347-B3E3-FA958806C10D}"/>
+                  </a:ext>
+                </a:extLst>
+              </p:cNvPr>
+              <p:cNvPicPr/>
+              <p:nvPr/>
+            </p:nvPicPr>
+            <p:blipFill>
+              <a:blip r:embed="rId24"/>
+              <a:stretch>
+                <a:fillRect/>
+              </a:stretch>
+            </p:blipFill>
+            <p:spPr>
+              <a:xfrm>
+                <a:off x="7218361" y="2011253"/>
+                <a:ext cx="502223" cy="396000"/>
+              </a:xfrm>
+              <a:prstGeom prst="rect">
+                <a:avLst/>
+              </a:prstGeom>
+            </p:spPr>
+          </p:pic>
+        </mc:Fallback>
+      </mc:AlternateContent>
+      <mc:AlternateContent xmlns:mc="http://schemas.openxmlformats.org/markup-compatibility/2006" xmlns:p14="http://schemas.microsoft.com/office/powerpoint/2010/main">
+        <mc:Choice Requires="p14">
+          <p:contentPart p14:bwMode="auto" r:id="rId25">
+            <p14:nvContentPartPr>
+              <p14:cNvPr id="47" name="Ink 48">
+                <a:extLst>
+                  <a:ext uri="{FF2B5EF4-FFF2-40B4-BE49-F238E27FC236}">
+                    <a16:creationId xmlns:a16="http://schemas.microsoft.com/office/drawing/2014/main" id="{613266D2-316D-174A-AFE4-D065F26D55E6}"/>
+                  </a:ext>
+                </a:extLst>
+              </p14:cNvPr>
+              <p14:cNvContentPartPr/>
+              <p14:nvPr/>
+            </p14:nvContentPartPr>
+            <p14:xfrm>
+              <a:off x="5979253" y="2063453"/>
+              <a:ext cx="990000" cy="349920"/>
+            </p14:xfrm>
+          </p:contentPart>
+        </mc:Choice>
+        <mc:Fallback xmlns="">
+          <p:pic>
+            <p:nvPicPr>
+              <p:cNvPr id="47" name="Ink 48">
+                <a:extLst>
+                  <a:ext uri="{FF2B5EF4-FFF2-40B4-BE49-F238E27FC236}">
+                    <a16:creationId xmlns:a16="http://schemas.microsoft.com/office/drawing/2014/main" id="{613266D2-316D-174A-AFE4-D065F26D55E6}"/>
+                  </a:ext>
+                </a:extLst>
+              </p:cNvPr>
+              <p:cNvPicPr/>
+              <p:nvPr/>
+            </p:nvPicPr>
+            <p:blipFill>
+              <a:blip r:embed="rId26"/>
+              <a:stretch>
+                <a:fillRect/>
+              </a:stretch>
+            </p:blipFill>
+            <p:spPr>
+              <a:xfrm>
+                <a:off x="5964133" y="2048317"/>
+                <a:ext cx="1025640" cy="380552"/>
+              </a:xfrm>
+              <a:prstGeom prst="rect">
+                <a:avLst/>
+              </a:prstGeom>
+            </p:spPr>
+          </p:pic>
+        </mc:Fallback>
+      </mc:AlternateContent>
+      <mc:AlternateContent xmlns:mc="http://schemas.openxmlformats.org/markup-compatibility/2006" xmlns:p14="http://schemas.microsoft.com/office/powerpoint/2010/main">
+        <mc:Choice Requires="p14">
+          <p:contentPart p14:bwMode="auto" r:id="rId27">
+            <p14:nvContentPartPr>
+              <p14:cNvPr id="57" name="Ink 57">
+                <a:extLst>
+                  <a:ext uri="{FF2B5EF4-FFF2-40B4-BE49-F238E27FC236}">
+                    <a16:creationId xmlns:a16="http://schemas.microsoft.com/office/drawing/2014/main" id="{C0FD3AC3-D96A-BE41-9DC5-73673193B54A}"/>
+                  </a:ext>
+                </a:extLst>
+              </p14:cNvPr>
+              <p14:cNvContentPartPr/>
+              <p14:nvPr/>
+            </p14:nvContentPartPr>
+            <p14:xfrm>
+              <a:off x="7926853" y="1745933"/>
+              <a:ext cx="1820160" cy="815400"/>
+            </p14:xfrm>
+          </p:contentPart>
+        </mc:Choice>
+        <mc:Fallback xmlns="">
+          <p:pic>
+            <p:nvPicPr>
+              <p:cNvPr id="57" name="Ink 57">
+                <a:extLst>
+                  <a:ext uri="{FF2B5EF4-FFF2-40B4-BE49-F238E27FC236}">
+                    <a16:creationId xmlns:a16="http://schemas.microsoft.com/office/drawing/2014/main" id="{C0FD3AC3-D96A-BE41-9DC5-73673193B54A}"/>
+                  </a:ext>
+                </a:extLst>
+              </p:cNvPr>
+              <p:cNvPicPr/>
+              <p:nvPr/>
+            </p:nvPicPr>
+            <p:blipFill>
+              <a:blip r:embed="rId28"/>
+              <a:stretch>
+                <a:fillRect/>
+              </a:stretch>
+            </p:blipFill>
+            <p:spPr>
+              <a:xfrm>
+                <a:off x="7911373" y="1730813"/>
+                <a:ext cx="1855800" cy="851040"/>
+              </a:xfrm>
+              <a:prstGeom prst="rect">
+                <a:avLst/>
+              </a:prstGeom>
+            </p:spPr>
+          </p:pic>
+        </mc:Fallback>
+      </mc:AlternateContent>
+      <mc:AlternateContent xmlns:mc="http://schemas.openxmlformats.org/markup-compatibility/2006" xmlns:p14="http://schemas.microsoft.com/office/powerpoint/2010/main">
+        <mc:Choice Requires="p14">
+          <p:contentPart p14:bwMode="auto" r:id="rId29">
+            <p14:nvContentPartPr>
+              <p14:cNvPr id="59" name="Ink 58">
+                <a:extLst>
+                  <a:ext uri="{FF2B5EF4-FFF2-40B4-BE49-F238E27FC236}">
+                    <a16:creationId xmlns:a16="http://schemas.microsoft.com/office/drawing/2014/main" id="{A060592E-686D-4243-B257-DFC5569C18ED}"/>
+                  </a:ext>
+                </a:extLst>
+              </p14:cNvPr>
+              <p14:cNvContentPartPr/>
+              <p14:nvPr/>
+            </p14:nvContentPartPr>
+            <p14:xfrm>
+              <a:off x="5164573" y="2672213"/>
+              <a:ext cx="339120" cy="947520"/>
+            </p14:xfrm>
+          </p:contentPart>
+        </mc:Choice>
+        <mc:Fallback xmlns="">
+          <p:pic>
+            <p:nvPicPr>
+              <p:cNvPr id="59" name="Ink 58">
+                <a:extLst>
+                  <a:ext uri="{FF2B5EF4-FFF2-40B4-BE49-F238E27FC236}">
+                    <a16:creationId xmlns:a16="http://schemas.microsoft.com/office/drawing/2014/main" id="{A060592E-686D-4243-B257-DFC5569C18ED}"/>
+                  </a:ext>
+                </a:extLst>
+              </p:cNvPr>
+              <p:cNvPicPr/>
+              <p:nvPr/>
+            </p:nvPicPr>
+            <p:blipFill>
+              <a:blip r:embed="rId30"/>
+              <a:stretch>
+                <a:fillRect/>
+              </a:stretch>
+            </p:blipFill>
+            <p:spPr>
+              <a:xfrm>
+                <a:off x="5144053" y="2651693"/>
+                <a:ext cx="379800" cy="988200"/>
+              </a:xfrm>
+              <a:prstGeom prst="rect">
+                <a:avLst/>
+              </a:prstGeom>
+            </p:spPr>
+          </p:pic>
+        </mc:Fallback>
+      </mc:AlternateContent>
+      <mc:AlternateContent xmlns:mc="http://schemas.openxmlformats.org/markup-compatibility/2006" xmlns:p14="http://schemas.microsoft.com/office/powerpoint/2010/main">
+        <mc:Choice Requires="p14">
+          <p:contentPart p14:bwMode="auto" r:id="rId31">
+            <p14:nvContentPartPr>
+              <p14:cNvPr id="41984" name="Ink 41985">
+                <a:extLst>
+                  <a:ext uri="{FF2B5EF4-FFF2-40B4-BE49-F238E27FC236}">
+                    <a16:creationId xmlns:a16="http://schemas.microsoft.com/office/drawing/2014/main" id="{C456E356-D779-504C-AAF3-4C5854A9A7A3}"/>
+                  </a:ext>
+                </a:extLst>
+              </p14:cNvPr>
+              <p14:cNvContentPartPr/>
+              <p14:nvPr/>
+            </p14:nvContentPartPr>
+            <p14:xfrm>
+              <a:off x="3090253" y="4376093"/>
+              <a:ext cx="217440" cy="142920"/>
+            </p14:xfrm>
+          </p:contentPart>
+        </mc:Choice>
+        <mc:Fallback xmlns="">
+          <p:pic>
+            <p:nvPicPr>
+              <p:cNvPr id="41984" name="Ink 41985">
+                <a:extLst>
+                  <a:ext uri="{FF2B5EF4-FFF2-40B4-BE49-F238E27FC236}">
+                    <a16:creationId xmlns:a16="http://schemas.microsoft.com/office/drawing/2014/main" id="{C456E356-D779-504C-AAF3-4C5854A9A7A3}"/>
+                  </a:ext>
+                </a:extLst>
+              </p:cNvPr>
+              <p:cNvPicPr/>
+              <p:nvPr/>
+            </p:nvPicPr>
+            <p:blipFill>
+              <a:blip r:embed="rId32"/>
+              <a:stretch>
+                <a:fillRect/>
+              </a:stretch>
+            </p:blipFill>
+            <p:spPr>
+              <a:xfrm>
+                <a:off x="3069733" y="4355625"/>
+                <a:ext cx="253080" cy="178470"/>
+              </a:xfrm>
+              <a:prstGeom prst="rect">
+                <a:avLst/>
+              </a:prstGeom>
+            </p:spPr>
+          </p:pic>
+        </mc:Fallback>
+      </mc:AlternateContent>
+      <mc:AlternateContent xmlns:mc="http://schemas.openxmlformats.org/markup-compatibility/2006" xmlns:p14="http://schemas.microsoft.com/office/powerpoint/2010/main">
+        <mc:Choice Requires="p14">
+          <p:contentPart p14:bwMode="auto" r:id="rId33">
+            <p14:nvContentPartPr>
+              <p14:cNvPr id="41985" name="Ink 41986">
+                <a:extLst>
+                  <a:ext uri="{FF2B5EF4-FFF2-40B4-BE49-F238E27FC236}">
+                    <a16:creationId xmlns:a16="http://schemas.microsoft.com/office/drawing/2014/main" id="{A890BA7D-8AEF-7441-8945-F502915ED805}"/>
+                  </a:ext>
+                </a:extLst>
+              </p14:cNvPr>
+              <p14:cNvContentPartPr/>
+              <p14:nvPr/>
+            </p14:nvContentPartPr>
+            <p14:xfrm>
+              <a:off x="2471053" y="3958493"/>
+              <a:ext cx="264960" cy="803520"/>
+            </p14:xfrm>
+          </p:contentPart>
+        </mc:Choice>
+        <mc:Fallback xmlns="">
+          <p:pic>
+            <p:nvPicPr>
+              <p:cNvPr id="41985" name="Ink 41986">
+                <a:extLst>
+                  <a:ext uri="{FF2B5EF4-FFF2-40B4-BE49-F238E27FC236}">
+                    <a16:creationId xmlns:a16="http://schemas.microsoft.com/office/drawing/2014/main" id="{A890BA7D-8AEF-7441-8945-F502915ED805}"/>
+                  </a:ext>
+                </a:extLst>
+              </p:cNvPr>
+              <p:cNvPicPr/>
+              <p:nvPr/>
+            </p:nvPicPr>
+            <p:blipFill>
+              <a:blip r:embed="rId34"/>
+              <a:stretch>
+                <a:fillRect/>
+              </a:stretch>
+            </p:blipFill>
+            <p:spPr>
+              <a:xfrm>
+                <a:off x="2450533" y="3938333"/>
+                <a:ext cx="300600" cy="839160"/>
+              </a:xfrm>
+              <a:prstGeom prst="rect">
+                <a:avLst/>
+              </a:prstGeom>
+            </p:spPr>
+          </p:pic>
+        </mc:Fallback>
+      </mc:AlternateContent>
+      <mc:AlternateContent xmlns:mc="http://schemas.openxmlformats.org/markup-compatibility/2006" xmlns:p14="http://schemas.microsoft.com/office/powerpoint/2010/main">
+        <mc:Choice Requires="p14">
+          <p:contentPart p14:bwMode="auto" r:id="rId35">
+            <p14:nvContentPartPr>
+              <p14:cNvPr id="41995" name="Ink 41995">
+                <a:extLst>
+                  <a:ext uri="{FF2B5EF4-FFF2-40B4-BE49-F238E27FC236}">
+                    <a16:creationId xmlns:a16="http://schemas.microsoft.com/office/drawing/2014/main" id="{8BB5217E-F06E-FF49-816A-E43DB7A2096A}"/>
+                  </a:ext>
+                </a:extLst>
+              </p14:cNvPr>
+              <p14:cNvContentPartPr/>
+              <p14:nvPr/>
+            </p14:nvContentPartPr>
+            <p14:xfrm>
+              <a:off x="3614053" y="4127333"/>
+              <a:ext cx="1524240" cy="995400"/>
+            </p14:xfrm>
+          </p:contentPart>
+        </mc:Choice>
+        <mc:Fallback xmlns="">
+          <p:pic>
+            <p:nvPicPr>
+              <p:cNvPr id="41995" name="Ink 41995">
+                <a:extLst>
+                  <a:ext uri="{FF2B5EF4-FFF2-40B4-BE49-F238E27FC236}">
+                    <a16:creationId xmlns:a16="http://schemas.microsoft.com/office/drawing/2014/main" id="{8BB5217E-F06E-FF49-816A-E43DB7A2096A}"/>
+                  </a:ext>
+                </a:extLst>
+              </p:cNvPr>
+              <p:cNvPicPr/>
+              <p:nvPr/>
+            </p:nvPicPr>
+            <p:blipFill>
+              <a:blip r:embed="rId36"/>
+              <a:stretch>
+                <a:fillRect/>
+              </a:stretch>
+            </p:blipFill>
+            <p:spPr>
+              <a:xfrm>
+                <a:off x="3598933" y="4112208"/>
+                <a:ext cx="1554840" cy="1026011"/>
+              </a:xfrm>
+              <a:prstGeom prst="rect">
+                <a:avLst/>
+              </a:prstGeom>
+            </p:spPr>
+          </p:pic>
+        </mc:Fallback>
+      </mc:AlternateContent>
+      <mc:AlternateContent xmlns:mc="http://schemas.openxmlformats.org/markup-compatibility/2006" xmlns:p14="http://schemas.microsoft.com/office/powerpoint/2010/main">
+        <mc:Choice Requires="p14">
+          <p:contentPart p14:bwMode="auto" r:id="rId37">
+            <p14:nvContentPartPr>
+              <p14:cNvPr id="42000" name="Ink 42000">
+                <a:extLst>
+                  <a:ext uri="{FF2B5EF4-FFF2-40B4-BE49-F238E27FC236}">
+                    <a16:creationId xmlns:a16="http://schemas.microsoft.com/office/drawing/2014/main" id="{7094141F-F7FA-3148-B068-B0DC7499AB56}"/>
+                  </a:ext>
+                </a:extLst>
+              </p14:cNvPr>
+              <p14:cNvContentPartPr/>
+              <p14:nvPr/>
+            </p14:nvContentPartPr>
+            <p14:xfrm>
+              <a:off x="5645893" y="3788573"/>
+              <a:ext cx="540360" cy="789120"/>
+            </p14:xfrm>
+          </p:contentPart>
+        </mc:Choice>
+        <mc:Fallback xmlns="">
+          <p:pic>
+            <p:nvPicPr>
+              <p:cNvPr id="42000" name="Ink 42000">
+                <a:extLst>
+                  <a:ext uri="{FF2B5EF4-FFF2-40B4-BE49-F238E27FC236}">
+                    <a16:creationId xmlns:a16="http://schemas.microsoft.com/office/drawing/2014/main" id="{7094141F-F7FA-3148-B068-B0DC7499AB56}"/>
+                  </a:ext>
+                </a:extLst>
+              </p:cNvPr>
+              <p:cNvPicPr/>
+              <p:nvPr/>
+            </p:nvPicPr>
+            <p:blipFill>
+              <a:blip r:embed="rId38"/>
+              <a:stretch>
+                <a:fillRect/>
+              </a:stretch>
+            </p:blipFill>
+            <p:spPr>
+              <a:xfrm>
+                <a:off x="5630763" y="3773446"/>
+                <a:ext cx="570980" cy="819734"/>
+              </a:xfrm>
+              <a:prstGeom prst="rect">
+                <a:avLst/>
+              </a:prstGeom>
+            </p:spPr>
+          </p:pic>
+        </mc:Fallback>
+      </mc:AlternateContent>
+      <mc:AlternateContent xmlns:mc="http://schemas.openxmlformats.org/markup-compatibility/2006" xmlns:p14="http://schemas.microsoft.com/office/powerpoint/2010/main">
+        <mc:Choice Requires="p14">
+          <p:contentPart p14:bwMode="auto" r:id="rId39">
+            <p14:nvContentPartPr>
+              <p14:cNvPr id="42004" name="Ink 42004">
+                <a:extLst>
+                  <a:ext uri="{FF2B5EF4-FFF2-40B4-BE49-F238E27FC236}">
+                    <a16:creationId xmlns:a16="http://schemas.microsoft.com/office/drawing/2014/main" id="{AB92C17A-BD1D-A347-A5F6-357875EC8894}"/>
+                  </a:ext>
+                </a:extLst>
+              </p14:cNvPr>
+              <p14:cNvContentPartPr/>
+              <p14:nvPr/>
+            </p14:nvContentPartPr>
+            <p14:xfrm>
+              <a:off x="6132973" y="3799373"/>
+              <a:ext cx="481680" cy="799200"/>
+            </p14:xfrm>
+          </p:contentPart>
+        </mc:Choice>
+        <mc:Fallback xmlns="">
+          <p:pic>
+            <p:nvPicPr>
+              <p:cNvPr id="42004" name="Ink 42004">
+                <a:extLst>
+                  <a:ext uri="{FF2B5EF4-FFF2-40B4-BE49-F238E27FC236}">
+                    <a16:creationId xmlns:a16="http://schemas.microsoft.com/office/drawing/2014/main" id="{AB92C17A-BD1D-A347-A5F6-357875EC8894}"/>
+                  </a:ext>
+                </a:extLst>
+              </p:cNvPr>
+              <p:cNvPicPr/>
+              <p:nvPr/>
+            </p:nvPicPr>
+            <p:blipFill>
+              <a:blip r:embed="rId40"/>
+              <a:stretch>
+                <a:fillRect/>
+              </a:stretch>
+            </p:blipFill>
+            <p:spPr>
+              <a:xfrm>
+                <a:off x="6112468" y="3778862"/>
+                <a:ext cx="522330" cy="839862"/>
+              </a:xfrm>
+              <a:prstGeom prst="rect">
+                <a:avLst/>
+              </a:prstGeom>
+            </p:spPr>
+          </p:pic>
+        </mc:Fallback>
+      </mc:AlternateContent>
+      <mc:AlternateContent xmlns:mc="http://schemas.openxmlformats.org/markup-compatibility/2006" xmlns:p14="http://schemas.microsoft.com/office/powerpoint/2010/main">
+        <mc:Choice Requires="p14">
+          <p:contentPart p14:bwMode="auto" r:id="rId41">
+            <p14:nvContentPartPr>
+              <p14:cNvPr id="42009" name="Ink 42009">
+                <a:extLst>
+                  <a:ext uri="{FF2B5EF4-FFF2-40B4-BE49-F238E27FC236}">
+                    <a16:creationId xmlns:a16="http://schemas.microsoft.com/office/drawing/2014/main" id="{832D4573-9A0E-244D-976E-84A90D0F7E95}"/>
+                  </a:ext>
+                </a:extLst>
+              </p14:cNvPr>
+              <p14:cNvContentPartPr/>
+              <p14:nvPr/>
+            </p14:nvContentPartPr>
+            <p14:xfrm>
+              <a:off x="6905533" y="3741053"/>
+              <a:ext cx="720000" cy="730800"/>
+            </p14:xfrm>
+          </p:contentPart>
+        </mc:Choice>
+        <mc:Fallback xmlns="">
+          <p:pic>
+            <p:nvPicPr>
+              <p:cNvPr id="42009" name="Ink 42009">
+                <a:extLst>
+                  <a:ext uri="{FF2B5EF4-FFF2-40B4-BE49-F238E27FC236}">
+                    <a16:creationId xmlns:a16="http://schemas.microsoft.com/office/drawing/2014/main" id="{832D4573-9A0E-244D-976E-84A90D0F7E95}"/>
+                  </a:ext>
+                </a:extLst>
+              </p:cNvPr>
+              <p:cNvPicPr/>
+              <p:nvPr/>
+            </p:nvPicPr>
+            <p:blipFill>
+              <a:blip r:embed="rId42"/>
+              <a:stretch>
+                <a:fillRect/>
+              </a:stretch>
+            </p:blipFill>
+            <p:spPr>
+              <a:xfrm>
+                <a:off x="6885013" y="3720523"/>
+                <a:ext cx="760680" cy="766458"/>
+              </a:xfrm>
+              <a:prstGeom prst="rect">
+                <a:avLst/>
+              </a:prstGeom>
+            </p:spPr>
+          </p:pic>
+        </mc:Fallback>
+      </mc:AlternateContent>
+      <mc:AlternateContent xmlns:mc="http://schemas.openxmlformats.org/markup-compatibility/2006" xmlns:p14="http://schemas.microsoft.com/office/powerpoint/2010/main">
+        <mc:Choice Requires="p14">
+          <p:contentPart p14:bwMode="auto" r:id="rId43">
+            <p14:nvContentPartPr>
+              <p14:cNvPr id="42024" name="Ink 42023">
+                <a:extLst>
+                  <a:ext uri="{FF2B5EF4-FFF2-40B4-BE49-F238E27FC236}">
+                    <a16:creationId xmlns:a16="http://schemas.microsoft.com/office/drawing/2014/main" id="{FCA988EA-2B55-AE4A-A8A7-43E755155584}"/>
+                  </a:ext>
+                </a:extLst>
+              </p14:cNvPr>
+              <p14:cNvContentPartPr/>
+              <p14:nvPr/>
+            </p14:nvContentPartPr>
+            <p14:xfrm>
+              <a:off x="7011373" y="3349373"/>
+              <a:ext cx="190800" cy="174960"/>
+            </p14:xfrm>
+          </p:contentPart>
+        </mc:Choice>
+        <mc:Fallback xmlns="">
+          <p:pic>
+            <p:nvPicPr>
+              <p:cNvPr id="42024" name="Ink 42023">
+                <a:extLst>
+                  <a:ext uri="{FF2B5EF4-FFF2-40B4-BE49-F238E27FC236}">
+                    <a16:creationId xmlns:a16="http://schemas.microsoft.com/office/drawing/2014/main" id="{FCA988EA-2B55-AE4A-A8A7-43E755155584}"/>
+                  </a:ext>
+                </a:extLst>
+              </p:cNvPr>
+              <p:cNvPicPr/>
+              <p:nvPr/>
+            </p:nvPicPr>
+            <p:blipFill>
+              <a:blip r:embed="rId44"/>
+              <a:stretch>
+                <a:fillRect/>
+              </a:stretch>
+            </p:blipFill>
+            <p:spPr>
+              <a:xfrm>
+                <a:off x="6990853" y="3329213"/>
+                <a:ext cx="231480" cy="215640"/>
+              </a:xfrm>
+              <a:prstGeom prst="rect">
+                <a:avLst/>
+              </a:prstGeom>
+            </p:spPr>
+          </p:pic>
+        </mc:Fallback>
+      </mc:AlternateContent>
+      <mc:AlternateContent xmlns:mc="http://schemas.openxmlformats.org/markup-compatibility/2006" xmlns:p14="http://schemas.microsoft.com/office/powerpoint/2010/main">
+        <mc:Choice Requires="p14">
+          <p:contentPart p14:bwMode="auto" r:id="rId45">
+            <p14:nvContentPartPr>
+              <p14:cNvPr id="42025" name="Ink 42025">
+                <a:extLst>
+                  <a:ext uri="{FF2B5EF4-FFF2-40B4-BE49-F238E27FC236}">
+                    <a16:creationId xmlns:a16="http://schemas.microsoft.com/office/drawing/2014/main" id="{35DBCA11-01B7-E244-A69F-2D9B84C6772C}"/>
+                  </a:ext>
+                </a:extLst>
+              </p14:cNvPr>
+              <p14:cNvContentPartPr/>
+              <p14:nvPr/>
+            </p14:nvContentPartPr>
+            <p14:xfrm>
+              <a:off x="7005973" y="4624853"/>
+              <a:ext cx="482040" cy="238320"/>
+            </p14:xfrm>
+          </p:contentPart>
+        </mc:Choice>
+        <mc:Fallback xmlns="">
+          <p:pic>
+            <p:nvPicPr>
+              <p:cNvPr id="42025" name="Ink 42025">
+                <a:extLst>
+                  <a:ext uri="{FF2B5EF4-FFF2-40B4-BE49-F238E27FC236}">
+                    <a16:creationId xmlns:a16="http://schemas.microsoft.com/office/drawing/2014/main" id="{35DBCA11-01B7-E244-A69F-2D9B84C6772C}"/>
+                  </a:ext>
+                </a:extLst>
+              </p:cNvPr>
+              <p:cNvPicPr/>
+              <p:nvPr/>
+            </p:nvPicPr>
+            <p:blipFill>
+              <a:blip r:embed="rId46"/>
+              <a:stretch>
+                <a:fillRect/>
+              </a:stretch>
+            </p:blipFill>
+            <p:spPr>
+              <a:xfrm>
+                <a:off x="6990853" y="4609373"/>
+                <a:ext cx="512280" cy="268920"/>
+              </a:xfrm>
+              <a:prstGeom prst="rect">
+                <a:avLst/>
+              </a:prstGeom>
+            </p:spPr>
+          </p:pic>
+        </mc:Fallback>
+      </mc:AlternateContent>
+      <mc:AlternateContent xmlns:mc="http://schemas.openxmlformats.org/markup-compatibility/2006" xmlns:p14="http://schemas.microsoft.com/office/powerpoint/2010/main">
+        <mc:Choice Requires="p14">
+          <p:contentPart p14:bwMode="auto" r:id="rId47">
+            <p14:nvContentPartPr>
+              <p14:cNvPr id="42037" name="Ink 42037">
+                <a:extLst>
+                  <a:ext uri="{FF2B5EF4-FFF2-40B4-BE49-F238E27FC236}">
+                    <a16:creationId xmlns:a16="http://schemas.microsoft.com/office/drawing/2014/main" id="{A1504857-E3BC-FD42-8259-1ACB58FCC7D4}"/>
+                  </a:ext>
+                </a:extLst>
+              </p14:cNvPr>
+              <p14:cNvContentPartPr/>
+              <p14:nvPr/>
+            </p14:nvContentPartPr>
+            <p14:xfrm>
+              <a:off x="7731013" y="3852293"/>
+              <a:ext cx="1810080" cy="725400"/>
+            </p14:xfrm>
+          </p:contentPart>
+        </mc:Choice>
+        <mc:Fallback xmlns="">
+          <p:pic>
+            <p:nvPicPr>
+              <p:cNvPr id="42037" name="Ink 42037">
+                <a:extLst>
+                  <a:ext uri="{FF2B5EF4-FFF2-40B4-BE49-F238E27FC236}">
+                    <a16:creationId xmlns:a16="http://schemas.microsoft.com/office/drawing/2014/main" id="{A1504857-E3BC-FD42-8259-1ACB58FCC7D4}"/>
+                  </a:ext>
+                </a:extLst>
+              </p:cNvPr>
+              <p:cNvPicPr/>
+              <p:nvPr/>
+            </p:nvPicPr>
+            <p:blipFill>
+              <a:blip r:embed="rId48"/>
+              <a:stretch>
+                <a:fillRect/>
+              </a:stretch>
+            </p:blipFill>
+            <p:spPr>
+              <a:xfrm>
+                <a:off x="7715533" y="3831773"/>
+                <a:ext cx="1845720" cy="766080"/>
+              </a:xfrm>
+              <a:prstGeom prst="rect">
+                <a:avLst/>
+              </a:prstGeom>
+            </p:spPr>
+          </p:pic>
+        </mc:Fallback>
+      </mc:AlternateContent>
+    </p:spTree>
+    <p:extLst>
+      <p:ext uri="{BB962C8B-B14F-4D97-AF65-F5344CB8AC3E}">
+        <p14:creationId xmlns:p14="http://schemas.microsoft.com/office/powerpoint/2010/main" val="1165918562"/>
+      </p:ext>
+    </p:extLst>
+  </p:cSld>
+  <p:clrMapOvr>
+    <a:masterClrMapping/>
+  </p:clrMapOvr>
+  <p:transition/>
+  <p:timing>
+    <p:tnLst>
+      <p:par>
+        <p:cTn id="1" dur="indefinite" restart="never" nodeType="tmRoot">
+          <p:childTnLst>
+            <p:seq concurrent="1" nextAc="seek">
+              <p:cTn id="2" dur="indefinite" nodeType="mainSeq">
+                <p:childTnLst>
+                  <p:par>
+                    <p:cTn id="3" fill="hold">
+                      <p:stCondLst>
+                        <p:cond delay="indefinite"/>
+                      </p:stCondLst>
+                      <p:childTnLst>
+                        <p:par>
+                          <p:cTn id="4" fill="hold">
+                            <p:stCondLst>
+                              <p:cond delay="0"/>
+                            </p:stCondLst>
+                            <p:childTnLst>
+                              <p:par>
+                                <p:cTn id="5" presetID="1" presetClass="entr" presetSubtype="0" fill="hold" nodeType="clickEffect">
+                                  <p:stCondLst>
+                                    <p:cond delay="0"/>
+                                  </p:stCondLst>
+                                  <p:childTnLst>
+                                    <p:set>
+                                      <p:cBhvr>
+                                        <p:cTn id="6" dur="1" fill="hold">
+                                          <p:stCondLst>
+                                            <p:cond delay="0"/>
+                                          </p:stCondLst>
+                                        </p:cTn>
+                                        <p:tgtEl>
+                                          <p:spTgt spid="15"/>
+                                        </p:tgtEl>
+                                        <p:attrNameLst>
+                                          <p:attrName>style.visibility</p:attrName>
+                                        </p:attrNameLst>
+                                      </p:cBhvr>
+                                      <p:to>
+                                        <p:strVal val="visible"/>
+                                      </p:to>
+                                    </p:set>
+                                  </p:childTnLst>
+                                </p:cTn>
+                              </p:par>
+                              <p:par>
+                                <p:cTn id="7" presetID="1" presetClass="entr" presetSubtype="0" fill="hold" nodeType="withEffect">
+                                  <p:stCondLst>
+                                    <p:cond delay="0"/>
+                                  </p:stCondLst>
+                                  <p:childTnLst>
+                                    <p:set>
+                                      <p:cBhvr>
+                                        <p:cTn id="8" dur="1" fill="hold">
+                                          <p:stCondLst>
+                                            <p:cond delay="0"/>
+                                          </p:stCondLst>
+                                        </p:cTn>
+                                        <p:tgtEl>
+                                          <p:spTgt spid="16"/>
+                                        </p:tgtEl>
+                                        <p:attrNameLst>
+                                          <p:attrName>style.visibility</p:attrName>
+                                        </p:attrNameLst>
+                                      </p:cBhvr>
+                                      <p:to>
+                                        <p:strVal val="visible"/>
+                                      </p:to>
+                                    </p:set>
+                                  </p:childTnLst>
+                                </p:cTn>
+                              </p:par>
+                              <p:par>
+                                <p:cTn id="9" presetID="1" presetClass="entr" presetSubtype="0" fill="hold" nodeType="withEffect">
+                                  <p:stCondLst>
+                                    <p:cond delay="0"/>
+                                  </p:stCondLst>
+                                  <p:childTnLst>
+                                    <p:set>
+                                      <p:cBhvr>
+                                        <p:cTn id="10" dur="1" fill="hold">
+                                          <p:stCondLst>
+                                            <p:cond delay="0"/>
+                                          </p:stCondLst>
+                                        </p:cTn>
+                                        <p:tgtEl>
+                                          <p:spTgt spid="19"/>
+                                        </p:tgtEl>
+                                        <p:attrNameLst>
+                                          <p:attrName>style.visibility</p:attrName>
+                                        </p:attrNameLst>
+                                      </p:cBhvr>
+                                      <p:to>
+                                        <p:strVal val="visible"/>
+                                      </p:to>
+                                    </p:set>
+                                  </p:childTnLst>
+                                </p:cTn>
+                              </p:par>
+                              <p:par>
+                                <p:cTn id="11" presetID="1" presetClass="entr" presetSubtype="0" fill="hold" nodeType="withEffect">
+                                  <p:stCondLst>
+                                    <p:cond delay="0"/>
+                                  </p:stCondLst>
+                                  <p:childTnLst>
+                                    <p:set>
+                                      <p:cBhvr>
+                                        <p:cTn id="12" dur="1" fill="hold">
+                                          <p:stCondLst>
+                                            <p:cond delay="0"/>
+                                          </p:stCondLst>
+                                        </p:cTn>
+                                        <p:tgtEl>
+                                          <p:spTgt spid="20"/>
+                                        </p:tgtEl>
+                                        <p:attrNameLst>
+                                          <p:attrName>style.visibility</p:attrName>
+                                        </p:attrNameLst>
+                                      </p:cBhvr>
+                                      <p:to>
+                                        <p:strVal val="visible"/>
+                                      </p:to>
+                                    </p:set>
+                                  </p:childTnLst>
+                                </p:cTn>
+                              </p:par>
+                              <p:par>
+                                <p:cTn id="13" presetID="1" presetClass="entr" presetSubtype="0" fill="hold" nodeType="withEffect">
+                                  <p:stCondLst>
+                                    <p:cond delay="0"/>
+                                  </p:stCondLst>
+                                  <p:childTnLst>
+                                    <p:set>
+                                      <p:cBhvr>
+                                        <p:cTn id="14" dur="1" fill="hold">
+                                          <p:stCondLst>
+                                            <p:cond delay="0"/>
+                                          </p:stCondLst>
+                                        </p:cTn>
+                                        <p:tgtEl>
+                                          <p:spTgt spid="21"/>
+                                        </p:tgtEl>
+                                        <p:attrNameLst>
+                                          <p:attrName>style.visibility</p:attrName>
+                                        </p:attrNameLst>
+                                      </p:cBhvr>
+                                      <p:to>
+                                        <p:strVal val="visible"/>
+                                      </p:to>
+                                    </p:set>
+                                  </p:childTnLst>
+                                </p:cTn>
+                              </p:par>
+                              <p:par>
+                                <p:cTn id="15" presetID="1" presetClass="entr" presetSubtype="0" fill="hold" nodeType="withEffect">
+                                  <p:stCondLst>
+                                    <p:cond delay="0"/>
+                                  </p:stCondLst>
+                                  <p:childTnLst>
+                                    <p:set>
+                                      <p:cBhvr>
+                                        <p:cTn id="16" dur="1" fill="hold">
+                                          <p:stCondLst>
+                                            <p:cond delay="0"/>
+                                          </p:stCondLst>
+                                        </p:cTn>
+                                        <p:tgtEl>
+                                          <p:spTgt spid="22"/>
+                                        </p:tgtEl>
+                                        <p:attrNameLst>
+                                          <p:attrName>style.visibility</p:attrName>
+                                        </p:attrNameLst>
+                                      </p:cBhvr>
+                                      <p:to>
+                                        <p:strVal val="visible"/>
+                                      </p:to>
+                                    </p:set>
+                                  </p:childTnLst>
+                                </p:cTn>
+                              </p:par>
+                              <p:par>
+                                <p:cTn id="17" presetID="1" presetClass="entr" presetSubtype="0" fill="hold" nodeType="withEffect">
+                                  <p:stCondLst>
+                                    <p:cond delay="0"/>
+                                  </p:stCondLst>
+                                  <p:childTnLst>
+                                    <p:set>
+                                      <p:cBhvr>
+                                        <p:cTn id="18" dur="1" fill="hold">
+                                          <p:stCondLst>
+                                            <p:cond delay="0"/>
+                                          </p:stCondLst>
+                                        </p:cTn>
+                                        <p:tgtEl>
+                                          <p:spTgt spid="23"/>
+                                        </p:tgtEl>
+                                        <p:attrNameLst>
+                                          <p:attrName>style.visibility</p:attrName>
+                                        </p:attrNameLst>
+                                      </p:cBhvr>
+                                      <p:to>
+                                        <p:strVal val="visible"/>
+                                      </p:to>
+                                    </p:set>
+                                  </p:childTnLst>
+                                </p:cTn>
+                              </p:par>
+                              <p:par>
+                                <p:cTn id="19" presetID="1" presetClass="entr" presetSubtype="0" fill="hold" nodeType="withEffect">
+                                  <p:stCondLst>
+                                    <p:cond delay="0"/>
+                                  </p:stCondLst>
+                                  <p:childTnLst>
+                                    <p:set>
+                                      <p:cBhvr>
+                                        <p:cTn id="20" dur="1" fill="hold">
+                                          <p:stCondLst>
+                                            <p:cond delay="0"/>
+                                          </p:stCondLst>
+                                        </p:cTn>
+                                        <p:tgtEl>
+                                          <p:spTgt spid="24"/>
+                                        </p:tgtEl>
+                                        <p:attrNameLst>
+                                          <p:attrName>style.visibility</p:attrName>
+                                        </p:attrNameLst>
+                                      </p:cBhvr>
+                                      <p:to>
+                                        <p:strVal val="visible"/>
+                                      </p:to>
+                                    </p:set>
+                                  </p:childTnLst>
+                                </p:cTn>
+                              </p:par>
+                              <p:par>
+                                <p:cTn id="21" presetID="1" presetClass="entr" presetSubtype="0" fill="hold" nodeType="withEffect">
+                                  <p:stCondLst>
+                                    <p:cond delay="0"/>
+                                  </p:stCondLst>
+                                  <p:childTnLst>
+                                    <p:set>
+                                      <p:cBhvr>
+                                        <p:cTn id="22" dur="1" fill="hold">
+                                          <p:stCondLst>
+                                            <p:cond delay="0"/>
+                                          </p:stCondLst>
+                                        </p:cTn>
+                                        <p:tgtEl>
+                                          <p:spTgt spid="25"/>
+                                        </p:tgtEl>
+                                        <p:attrNameLst>
+                                          <p:attrName>style.visibility</p:attrName>
+                                        </p:attrNameLst>
+                                      </p:cBhvr>
+                                      <p:to>
+                                        <p:strVal val="visible"/>
+                                      </p:to>
+                                    </p:set>
+                                  </p:childTnLst>
+                                </p:cTn>
+                              </p:par>
+                              <p:par>
+                                <p:cTn id="23" presetID="1" presetClass="entr" presetSubtype="0" fill="hold" nodeType="withEffect">
+                                  <p:stCondLst>
+                                    <p:cond delay="0"/>
+                                  </p:stCondLst>
+                                  <p:childTnLst>
+                                    <p:set>
+                                      <p:cBhvr>
+                                        <p:cTn id="24" dur="1" fill="hold">
+                                          <p:stCondLst>
+                                            <p:cond delay="0"/>
+                                          </p:stCondLst>
+                                        </p:cTn>
+                                        <p:tgtEl>
+                                          <p:spTgt spid="46"/>
+                                        </p:tgtEl>
+                                        <p:attrNameLst>
+                                          <p:attrName>style.visibility</p:attrName>
+                                        </p:attrNameLst>
+                                      </p:cBhvr>
+                                      <p:to>
+                                        <p:strVal val="visible"/>
+                                      </p:to>
+                                    </p:set>
+                                  </p:childTnLst>
+                                </p:cTn>
+                              </p:par>
+                              <p:par>
+                                <p:cTn id="25" presetID="1" presetClass="entr" presetSubtype="0" fill="hold" nodeType="withEffect">
+                                  <p:stCondLst>
+                                    <p:cond delay="0"/>
+                                  </p:stCondLst>
+                                  <p:childTnLst>
+                                    <p:set>
+                                      <p:cBhvr>
+                                        <p:cTn id="26" dur="1" fill="hold">
+                                          <p:stCondLst>
+                                            <p:cond delay="0"/>
+                                          </p:stCondLst>
+                                        </p:cTn>
+                                        <p:tgtEl>
+                                          <p:spTgt spid="47"/>
+                                        </p:tgtEl>
+                                        <p:attrNameLst>
+                                          <p:attrName>style.visibility</p:attrName>
+                                        </p:attrNameLst>
+                                      </p:cBhvr>
+                                      <p:to>
+                                        <p:strVal val="visible"/>
+                                      </p:to>
+                                    </p:set>
+                                  </p:childTnLst>
+                                </p:cTn>
+                              </p:par>
+                              <p:par>
+                                <p:cTn id="27" presetID="1" presetClass="entr" presetSubtype="0" fill="hold" nodeType="withEffect">
+                                  <p:stCondLst>
+                                    <p:cond delay="0"/>
+                                  </p:stCondLst>
+                                  <p:childTnLst>
+                                    <p:set>
+                                      <p:cBhvr>
+                                        <p:cTn id="28" dur="1" fill="hold">
+                                          <p:stCondLst>
+                                            <p:cond delay="0"/>
+                                          </p:stCondLst>
+                                        </p:cTn>
+                                        <p:tgtEl>
+                                          <p:spTgt spid="57"/>
+                                        </p:tgtEl>
+                                        <p:attrNameLst>
+                                          <p:attrName>style.visibility</p:attrName>
+                                        </p:attrNameLst>
+                                      </p:cBhvr>
+                                      <p:to>
+                                        <p:strVal val="visible"/>
+                                      </p:to>
+                                    </p:set>
+                                  </p:childTnLst>
+                                </p:cTn>
+                              </p:par>
+                            </p:childTnLst>
+                          </p:cTn>
+                        </p:par>
+                      </p:childTnLst>
+                    </p:cTn>
+                  </p:par>
+                  <p:par>
+                    <p:cTn id="29" fill="hold">
+                      <p:stCondLst>
+                        <p:cond delay="indefinite"/>
+                      </p:stCondLst>
+                      <p:childTnLst>
+                        <p:par>
+                          <p:cTn id="30" fill="hold">
+                            <p:stCondLst>
+                              <p:cond delay="0"/>
+                            </p:stCondLst>
+                            <p:childTnLst>
+                              <p:par>
+                                <p:cTn id="31" presetID="63" presetClass="entr" presetSubtype="0" fill="hold" nodeType="clickEffect">
+                                  <p:stCondLst>
+                                    <p:cond delay="0"/>
+                                  </p:stCondLst>
+                                  <p:childTnLst>
+                                    <p:set>
+                                      <p:cBhvr>
+                                        <p:cTn id="32" dur="1" fill="hold">
+                                          <p:stCondLst>
+                                            <p:cond delay="0"/>
+                                          </p:stCondLst>
+                                        </p:cTn>
+                                        <p:tgtEl>
+                                          <p:spTgt spid="59"/>
+                                        </p:tgtEl>
+                                        <p:attrNameLst>
+                                          <p:attrName>style.visibility</p:attrName>
+                                        </p:attrNameLst>
+                                      </p:cBhvr>
+                                      <p:to>
+                                        <p:strVal val="visible"/>
+                                      </p:to>
+                                    </p:set>
+                                    <p:anim calcmode="lin" valueType="num">
+                                      <p:cBhvr>
+                                        <p:cTn id="33" dur="500" fill="hold"/>
+                                        <p:tgtEl>
+                                          <p:spTgt spid="59"/>
+                                        </p:tgtEl>
+                                        <p:attrNameLst>
+                                          <p:attrName>drawProgress</p:attrName>
+                                        </p:attrNameLst>
+                                      </p:cBhvr>
+                                      <p:tavLst>
+                                        <p:tav tm="0">
+                                          <p:val>
+                                            <p:fltVal val="0"/>
+                                          </p:val>
+                                        </p:tav>
+                                        <p:tav tm="100000">
+                                          <p:val>
+                                            <p:fltVal val="1"/>
+                                          </p:val>
+                                        </p:tav>
+                                      </p:tavLst>
+                                    </p:anim>
+                                  </p:childTnLst>
+                                </p:cTn>
+                              </p:par>
+                            </p:childTnLst>
+                          </p:cTn>
+                        </p:par>
+                      </p:childTnLst>
+                    </p:cTn>
+                  </p:par>
+                  <p:par>
+                    <p:cTn id="34" fill="hold">
+                      <p:stCondLst>
+                        <p:cond delay="indefinite"/>
+                      </p:stCondLst>
+                      <p:childTnLst>
+                        <p:par>
+                          <p:cTn id="35" fill="hold">
+                            <p:stCondLst>
+                              <p:cond delay="0"/>
+                            </p:stCondLst>
+                            <p:childTnLst>
+                              <p:par>
+                                <p:cTn id="36" presetID="1" presetClass="entr" presetSubtype="0" fill="hold" nodeType="clickEffect">
+                                  <p:stCondLst>
+                                    <p:cond delay="0"/>
+                                  </p:stCondLst>
+                                  <p:childTnLst>
+                                    <p:set>
+                                      <p:cBhvr>
+                                        <p:cTn id="37" dur="1" fill="hold">
+                                          <p:stCondLst>
+                                            <p:cond delay="0"/>
+                                          </p:stCondLst>
+                                        </p:cTn>
+                                        <p:tgtEl>
+                                          <p:spTgt spid="41984"/>
+                                        </p:tgtEl>
+                                        <p:attrNameLst>
+                                          <p:attrName>style.visibility</p:attrName>
+                                        </p:attrNameLst>
+                                      </p:cBhvr>
+                                      <p:to>
+                                        <p:strVal val="visible"/>
+                                      </p:to>
+                                    </p:set>
+                                  </p:childTnLst>
+                                </p:cTn>
+                              </p:par>
+                              <p:par>
+                                <p:cTn id="38" presetID="1" presetClass="entr" presetSubtype="0" fill="hold" nodeType="withEffect">
+                                  <p:stCondLst>
+                                    <p:cond delay="0"/>
+                                  </p:stCondLst>
+                                  <p:childTnLst>
+                                    <p:set>
+                                      <p:cBhvr>
+                                        <p:cTn id="39" dur="1" fill="hold">
+                                          <p:stCondLst>
+                                            <p:cond delay="0"/>
+                                          </p:stCondLst>
+                                        </p:cTn>
+                                        <p:tgtEl>
+                                          <p:spTgt spid="41985"/>
+                                        </p:tgtEl>
+                                        <p:attrNameLst>
+                                          <p:attrName>style.visibility</p:attrName>
+                                        </p:attrNameLst>
+                                      </p:cBhvr>
+                                      <p:to>
+                                        <p:strVal val="visible"/>
+                                      </p:to>
+                                    </p:set>
+                                  </p:childTnLst>
+                                </p:cTn>
+                              </p:par>
+                              <p:par>
+                                <p:cTn id="40" presetID="1" presetClass="entr" presetSubtype="0" fill="hold" nodeType="withEffect">
+                                  <p:stCondLst>
+                                    <p:cond delay="0"/>
+                                  </p:stCondLst>
+                                  <p:childTnLst>
+                                    <p:set>
+                                      <p:cBhvr>
+                                        <p:cTn id="41" dur="1" fill="hold">
+                                          <p:stCondLst>
+                                            <p:cond delay="0"/>
+                                          </p:stCondLst>
+                                        </p:cTn>
+                                        <p:tgtEl>
+                                          <p:spTgt spid="41995"/>
+                                        </p:tgtEl>
+                                        <p:attrNameLst>
+                                          <p:attrName>style.visibility</p:attrName>
+                                        </p:attrNameLst>
+                                      </p:cBhvr>
+                                      <p:to>
+                                        <p:strVal val="visible"/>
+                                      </p:to>
+                                    </p:set>
+                                  </p:childTnLst>
+                                </p:cTn>
+                              </p:par>
+                              <p:par>
+                                <p:cTn id="42" presetID="1" presetClass="entr" presetSubtype="0" fill="hold" nodeType="withEffect">
+                                  <p:stCondLst>
+                                    <p:cond delay="0"/>
+                                  </p:stCondLst>
+                                  <p:childTnLst>
+                                    <p:set>
+                                      <p:cBhvr>
+                                        <p:cTn id="43" dur="1" fill="hold">
+                                          <p:stCondLst>
+                                            <p:cond delay="0"/>
+                                          </p:stCondLst>
+                                        </p:cTn>
+                                        <p:tgtEl>
+                                          <p:spTgt spid="42000"/>
+                                        </p:tgtEl>
+                                        <p:attrNameLst>
+                                          <p:attrName>style.visibility</p:attrName>
+                                        </p:attrNameLst>
+                                      </p:cBhvr>
+                                      <p:to>
+                                        <p:strVal val="visible"/>
+                                      </p:to>
+                                    </p:set>
+                                  </p:childTnLst>
+                                </p:cTn>
+                              </p:par>
+                              <p:par>
+                                <p:cTn id="44" presetID="1" presetClass="entr" presetSubtype="0" fill="hold" nodeType="withEffect">
+                                  <p:stCondLst>
+                                    <p:cond delay="0"/>
+                                  </p:stCondLst>
+                                  <p:childTnLst>
+                                    <p:set>
+                                      <p:cBhvr>
+                                        <p:cTn id="45" dur="1" fill="hold">
+                                          <p:stCondLst>
+                                            <p:cond delay="0"/>
+                                          </p:stCondLst>
+                                        </p:cTn>
+                                        <p:tgtEl>
+                                          <p:spTgt spid="42004"/>
+                                        </p:tgtEl>
+                                        <p:attrNameLst>
+                                          <p:attrName>style.visibility</p:attrName>
+                                        </p:attrNameLst>
+                                      </p:cBhvr>
+                                      <p:to>
+                                        <p:strVal val="visible"/>
+                                      </p:to>
+                                    </p:set>
+                                  </p:childTnLst>
+                                </p:cTn>
+                              </p:par>
+                              <p:par>
+                                <p:cTn id="46" presetID="1" presetClass="entr" presetSubtype="0" fill="hold" nodeType="withEffect">
+                                  <p:stCondLst>
+                                    <p:cond delay="0"/>
+                                  </p:stCondLst>
+                                  <p:childTnLst>
+                                    <p:set>
+                                      <p:cBhvr>
+                                        <p:cTn id="47" dur="1" fill="hold">
+                                          <p:stCondLst>
+                                            <p:cond delay="0"/>
+                                          </p:stCondLst>
+                                        </p:cTn>
+                                        <p:tgtEl>
+                                          <p:spTgt spid="42009"/>
+                                        </p:tgtEl>
+                                        <p:attrNameLst>
+                                          <p:attrName>style.visibility</p:attrName>
+                                        </p:attrNameLst>
+                                      </p:cBhvr>
+                                      <p:to>
+                                        <p:strVal val="visible"/>
+                                      </p:to>
+                                    </p:set>
+                                  </p:childTnLst>
+                                </p:cTn>
+                              </p:par>
+                              <p:par>
+                                <p:cTn id="48" presetID="1" presetClass="entr" presetSubtype="0" fill="hold" nodeType="withEffect">
+                                  <p:stCondLst>
+                                    <p:cond delay="0"/>
+                                  </p:stCondLst>
+                                  <p:childTnLst>
+                                    <p:set>
+                                      <p:cBhvr>
+                                        <p:cTn id="49" dur="1" fill="hold">
+                                          <p:stCondLst>
+                                            <p:cond delay="0"/>
+                                          </p:stCondLst>
+                                        </p:cTn>
+                                        <p:tgtEl>
+                                          <p:spTgt spid="42024"/>
+                                        </p:tgtEl>
+                                        <p:attrNameLst>
+                                          <p:attrName>style.visibility</p:attrName>
+                                        </p:attrNameLst>
+                                      </p:cBhvr>
+                                      <p:to>
+                                        <p:strVal val="visible"/>
+                                      </p:to>
+                                    </p:set>
+                                  </p:childTnLst>
+                                </p:cTn>
+                              </p:par>
+                              <p:par>
+                                <p:cTn id="50" presetID="1" presetClass="entr" presetSubtype="0" fill="hold" nodeType="withEffect">
+                                  <p:stCondLst>
+                                    <p:cond delay="0"/>
+                                  </p:stCondLst>
+                                  <p:childTnLst>
+                                    <p:set>
+                                      <p:cBhvr>
+                                        <p:cTn id="51" dur="1" fill="hold">
+                                          <p:stCondLst>
+                                            <p:cond delay="0"/>
+                                          </p:stCondLst>
+                                        </p:cTn>
+                                        <p:tgtEl>
+                                          <p:spTgt spid="42025"/>
+                                        </p:tgtEl>
+                                        <p:attrNameLst>
+                                          <p:attrName>style.visibility</p:attrName>
+                                        </p:attrNameLst>
+                                      </p:cBhvr>
+                                      <p:to>
+                                        <p:strVal val="visible"/>
+                                      </p:to>
+                                    </p:set>
+                                  </p:childTnLst>
+                                </p:cTn>
+                              </p:par>
+                              <p:par>
+                                <p:cTn id="52" presetID="1" presetClass="entr" presetSubtype="0" fill="hold" nodeType="withEffect">
+                                  <p:stCondLst>
+                                    <p:cond delay="0"/>
+                                  </p:stCondLst>
+                                  <p:childTnLst>
+                                    <p:set>
+                                      <p:cBhvr>
+                                        <p:cTn id="53" dur="1" fill="hold">
+                                          <p:stCondLst>
+                                            <p:cond delay="0"/>
+                                          </p:stCondLst>
+                                        </p:cTn>
+                                        <p:tgtEl>
+                                          <p:spTgt spid="42037"/>
+                                        </p:tgtEl>
+                                        <p:attrNameLst>
+                                          <p:attrName>style.visibility</p:attrName>
+                                        </p:attrNameLst>
+                                      </p:cBhvr>
+                                      <p:to>
+                                        <p:strVal val="visible"/>
+                                      </p:to>
+                                    </p:set>
+                                  </p:childTnLst>
+                                </p:cTn>
+                              </p:par>
+                            </p:childTnLst>
+                          </p:cTn>
+                        </p:par>
+                      </p:childTnLst>
+                    </p:cTn>
+                  </p:par>
+                </p:childTnLst>
+              </p:cTn>
+              <p:prevCondLst>
+                <p:cond evt="onPrev" delay="0">
+                  <p:tgtEl>
+                    <p:sldTgt/>
+                  </p:tgtEl>
+                </p:cond>
+              </p:prevCondLst>
+              <p:nextCondLst>
+                <p:cond evt="onNext" delay="0">
+                  <p:tgtEl>
+                    <p:sldTgt/>
+                  </p:tgtEl>
+                </p:cond>
+              </p:nextCondLst>
+            </p:seq>
+          </p:childTnLst>
+        </p:cTn>
+      </p:par>
+    </p:tnLst>
+  </p:timing>
+</p:sld>
+</file>
+
+<file path=ppt/slides/slide7.xml><?xml version="1.0" encoding="utf-8"?>
+<p:sld xmlns:a="http://schemas.openxmlformats.org/drawingml/2006/main" xmlns:r="http://schemas.openxmlformats.org/officeDocument/2006/relationships" xmlns:p="http://schemas.openxmlformats.org/presentationml/2006/main">
+  <p:cSld>
+    <p:spTree>
+      <p:nvGrpSpPr>
+        <p:cNvPr id="1" name=""/>
+        <p:cNvGrpSpPr/>
+        <p:nvPr/>
+      </p:nvGrpSpPr>
+      <p:grpSpPr>
+        <a:xfrm>
+          <a:off x="0" y="0"/>
+          <a:ext cx="0" cy="0"/>
+          <a:chOff x="0" y="0"/>
+          <a:chExt cx="0" cy="0"/>
+        </a:xfrm>
+      </p:grpSpPr>
+      <p:sp>
+        <p:nvSpPr>
           <p:cNvPr id="2" name="Title 1">
             <a:extLst>
               <a:ext uri="{FF2B5EF4-FFF2-40B4-BE49-F238E27FC236}">
@@ -17754,7 +19314,7 @@
 </p:sld>
 </file>
 
-<file path=ppt/slides/slide7.xml><?xml version="1.0" encoding="utf-8"?>
+<file path=ppt/slides/slide8.xml><?xml version="1.0" encoding="utf-8"?>
 <p:sld xmlns:a="http://schemas.openxmlformats.org/drawingml/2006/main" xmlns:r="http://schemas.openxmlformats.org/officeDocument/2006/relationships" xmlns:p="http://schemas.openxmlformats.org/presentationml/2006/main">
   <p:cSld>
     <p:spTree>
@@ -18133,7 +19693,7 @@
 </p:sld>
 </file>
 
-<file path=ppt/slides/slide8.xml><?xml version="1.0" encoding="utf-8"?>
+<file path=ppt/slides/slide9.xml><?xml version="1.0" encoding="utf-8"?>
 <p:sld xmlns:a="http://schemas.openxmlformats.org/drawingml/2006/main" xmlns:r="http://schemas.openxmlformats.org/officeDocument/2006/relationships" xmlns:p="http://schemas.openxmlformats.org/presentationml/2006/main">
   <p:cSld>
     <p:spTree>
@@ -21971,1566 +23531,6 @@
 </p:sld>
 </file>
 
-<file path=ppt/slides/slide9.xml><?xml version="1.0" encoding="utf-8"?>
-<p:sld xmlns:a="http://schemas.openxmlformats.org/drawingml/2006/main" xmlns:r="http://schemas.openxmlformats.org/officeDocument/2006/relationships" xmlns:p="http://schemas.openxmlformats.org/presentationml/2006/main">
-  <p:cSld>
-    <p:spTree>
-      <p:nvGrpSpPr>
-        <p:cNvPr id="1" name=""/>
-        <p:cNvGrpSpPr/>
-        <p:nvPr/>
-      </p:nvGrpSpPr>
-      <p:grpSpPr>
-        <a:xfrm>
-          <a:off x="0" y="0"/>
-          <a:ext cx="0" cy="0"/>
-          <a:chOff x="0" y="0"/>
-          <a:chExt cx="0" cy="0"/>
-        </a:xfrm>
-      </p:grpSpPr>
-      <p:sp>
-        <p:nvSpPr>
-          <p:cNvPr id="41988" name="Rectangle 2"/>
-          <p:cNvSpPr>
-            <a:spLocks noGrp="1" noChangeArrowheads="1"/>
-          </p:cNvSpPr>
-          <p:nvPr>
-            <p:ph type="title"/>
-          </p:nvPr>
-        </p:nvSpPr>
-        <p:spPr/>
-        <p:txBody>
-          <a:bodyPr>
-            <a:normAutofit/>
-          </a:bodyPr>
-          <a:lstStyle/>
-          <a:p>
-            <a:r>
-              <a:rPr lang="en-US" dirty="0"/>
-              <a:t>Na</a:t>
-            </a:r>
-            <a:r>
-              <a:rPr lang="fr-FR" dirty="0" err="1"/>
-              <a:t>ï</a:t>
-            </a:r>
-            <a:r>
-              <a:rPr lang="en-US" dirty="0" err="1"/>
-              <a:t>ve</a:t>
-            </a:r>
-            <a:r>
-              <a:rPr lang="en-US" dirty="0"/>
-              <a:t> Bayes: Independence Assumptions</a:t>
-            </a:r>
-          </a:p>
-        </p:txBody>
-      </p:sp>
-      <p:sp>
-        <p:nvSpPr>
-          <p:cNvPr id="12" name="Rectangle 3"/>
-          <p:cNvSpPr>
-            <a:spLocks noGrp="1" noChangeArrowheads="1"/>
-          </p:cNvSpPr>
-          <p:nvPr>
-            <p:ph idx="1"/>
-          </p:nvPr>
-        </p:nvSpPr>
-        <p:spPr>
-          <a:xfrm>
-            <a:off x="838200" y="2063619"/>
-            <a:ext cx="10515600" cy="4351338"/>
-          </a:xfrm>
-        </p:spPr>
-        <p:txBody>
-          <a:bodyPr/>
-          <a:lstStyle/>
-          <a:p>
-            <a:r>
-              <a:rPr lang="en-US" b="1" dirty="0">
-                <a:solidFill>
-                  <a:srgbClr val="C00000"/>
-                </a:solidFill>
-                <a:latin typeface="Calibri" charset="0"/>
-                <a:sym typeface="Symbol" charset="2"/>
-              </a:rPr>
-              <a:t>Conditional Independence</a:t>
-            </a:r>
-            <a:r>
-              <a:rPr lang="en-US" dirty="0">
-                <a:solidFill>
-                  <a:srgbClr val="C00000"/>
-                </a:solidFill>
-                <a:latin typeface="Calibri" charset="0"/>
-                <a:sym typeface="Symbol" charset="2"/>
-              </a:rPr>
-              <a:t>: </a:t>
-            </a:r>
-            <a:r>
-              <a:rPr lang="en-US" dirty="0">
-                <a:latin typeface="Calibri" charset="0"/>
-                <a:sym typeface="Symbol" charset="2"/>
-              </a:rPr>
-              <a:t>Assume the feature probabilities </a:t>
-            </a:r>
-            <a:r>
-              <a:rPr lang="en-US" i="1" dirty="0">
-                <a:latin typeface="Calibri" charset="0"/>
-                <a:sym typeface="Symbol" charset="2"/>
-              </a:rPr>
-              <a:t>P</a:t>
-            </a:r>
-            <a:r>
-              <a:rPr lang="en-US" dirty="0">
-                <a:latin typeface="Calibri" charset="0"/>
-                <a:sym typeface="Symbol" charset="2"/>
-              </a:rPr>
-              <a:t>(</a:t>
-            </a:r>
-            <a:r>
-              <a:rPr lang="en-US" i="1" dirty="0" err="1">
-                <a:latin typeface="Calibri" charset="0"/>
-                <a:sym typeface="Symbol" charset="2"/>
-              </a:rPr>
-              <a:t>x</a:t>
-            </a:r>
-            <a:r>
-              <a:rPr lang="en-US" i="1" baseline="-25000" dirty="0" err="1">
-                <a:latin typeface="Calibri" charset="0"/>
-                <a:sym typeface="Symbol" charset="2"/>
-              </a:rPr>
-              <a:t>i</a:t>
-            </a:r>
-            <a:r>
-              <a:rPr lang="en-US" dirty="0" err="1">
-                <a:latin typeface="Calibri" charset="0"/>
-                <a:sym typeface="Symbol" charset="2"/>
-              </a:rPr>
-              <a:t>|</a:t>
-            </a:r>
-            <a:r>
-              <a:rPr lang="en-US" i="1" dirty="0" err="1">
-                <a:latin typeface="Calibri" charset="0"/>
-                <a:sym typeface="Symbol" charset="2"/>
-              </a:rPr>
-              <a:t>y</a:t>
-            </a:r>
-            <a:r>
-              <a:rPr lang="en-US">
-                <a:latin typeface="Calibri" charset="0"/>
-                <a:sym typeface="Symbol" charset="2"/>
-              </a:rPr>
-              <a:t>) </a:t>
-            </a:r>
-            <a:r>
-              <a:rPr lang="en-US" dirty="0">
-                <a:latin typeface="Calibri" charset="0"/>
-                <a:sym typeface="Symbol" charset="2"/>
-              </a:rPr>
-              <a:t>are independent given the </a:t>
-            </a:r>
-            <a:r>
-              <a:rPr lang="en-US">
-                <a:latin typeface="Calibri" charset="0"/>
-                <a:sym typeface="Symbol" charset="2"/>
-              </a:rPr>
-              <a:t>class </a:t>
-            </a:r>
-            <a:r>
-              <a:rPr lang="en-US" i="1" dirty="0">
-                <a:latin typeface="Calibri" charset="0"/>
-                <a:sym typeface="Symbol" charset="2"/>
-              </a:rPr>
-              <a:t>y</a:t>
-            </a:r>
-            <a:r>
-              <a:rPr lang="en-US" i="1">
-                <a:latin typeface="Calibri" charset="0"/>
-                <a:sym typeface="Symbol" charset="2"/>
-              </a:rPr>
-              <a:t>.</a:t>
-            </a:r>
-            <a:endParaRPr lang="en-US" i="1" dirty="0">
-              <a:latin typeface="Times New Roman" charset="0"/>
-            </a:endParaRPr>
-          </a:p>
-        </p:txBody>
-      </p:sp>
-      <mc:AlternateContent xmlns:mc="http://schemas.openxmlformats.org/markup-compatibility/2006" xmlns:p14="http://schemas.microsoft.com/office/powerpoint/2010/main">
-        <mc:Choice Requires="p14">
-          <p:contentPart p14:bwMode="auto" r:id="rId2">
-            <p14:nvContentPartPr>
-              <p14:cNvPr id="7" name="Ink 7">
-                <a:extLst>
-                  <a:ext uri="{FF2B5EF4-FFF2-40B4-BE49-F238E27FC236}">
-                    <a16:creationId xmlns:a16="http://schemas.microsoft.com/office/drawing/2014/main" id="{058F06BF-D018-8C4D-BB73-BB790B7F1868}"/>
-                  </a:ext>
-                </a:extLst>
-              </p14:cNvPr>
-              <p14:cNvContentPartPr/>
-              <p14:nvPr/>
-            </p14:nvContentPartPr>
-            <p14:xfrm>
-              <a:off x="2370613" y="3180533"/>
-              <a:ext cx="1117080" cy="631440"/>
-            </p14:xfrm>
-          </p:contentPart>
-        </mc:Choice>
-        <mc:Fallback xmlns="">
-          <p:pic>
-            <p:nvPicPr>
-              <p:cNvPr id="7" name="Ink 7">
-                <a:extLst>
-                  <a:ext uri="{FF2B5EF4-FFF2-40B4-BE49-F238E27FC236}">
-                    <a16:creationId xmlns:a16="http://schemas.microsoft.com/office/drawing/2014/main" id="{058F06BF-D018-8C4D-BB73-BB790B7F1868}"/>
-                  </a:ext>
-                </a:extLst>
-              </p:cNvPr>
-              <p:cNvPicPr/>
-              <p:nvPr/>
-            </p:nvPicPr>
-            <p:blipFill>
-              <a:blip r:embed="rId3"/>
-              <a:stretch>
-                <a:fillRect/>
-              </a:stretch>
-            </p:blipFill>
-            <p:spPr>
-              <a:xfrm>
-                <a:off x="2350093" y="3160361"/>
-                <a:ext cx="1152720" cy="667100"/>
-              </a:xfrm>
-              <a:prstGeom prst="rect">
-                <a:avLst/>
-              </a:prstGeom>
-            </p:spPr>
-          </p:pic>
-        </mc:Fallback>
-      </mc:AlternateContent>
-      <mc:AlternateContent xmlns:mc="http://schemas.openxmlformats.org/markup-compatibility/2006" xmlns:p14="http://schemas.microsoft.com/office/powerpoint/2010/main">
-        <mc:Choice Requires="p14">
-          <p:contentPart p14:bwMode="auto" r:id="rId4">
-            <p14:nvContentPartPr>
-              <p14:cNvPr id="21" name="Ink 22">
-                <a:extLst>
-                  <a:ext uri="{FF2B5EF4-FFF2-40B4-BE49-F238E27FC236}">
-                    <a16:creationId xmlns:a16="http://schemas.microsoft.com/office/drawing/2014/main" id="{B8121231-3A5D-024F-8E43-5CEA438F2C26}"/>
-                  </a:ext>
-                </a:extLst>
-              </p14:cNvPr>
-              <p14:cNvContentPartPr/>
-              <p14:nvPr/>
-            </p14:nvContentPartPr>
-            <p14:xfrm>
-              <a:off x="4465813" y="3428933"/>
-              <a:ext cx="508680" cy="344160"/>
-            </p14:xfrm>
-          </p:contentPart>
-        </mc:Choice>
-        <mc:Fallback xmlns="">
-          <p:pic>
-            <p:nvPicPr>
-              <p:cNvPr id="21" name="Ink 22">
-                <a:extLst>
-                  <a:ext uri="{FF2B5EF4-FFF2-40B4-BE49-F238E27FC236}">
-                    <a16:creationId xmlns:a16="http://schemas.microsoft.com/office/drawing/2014/main" id="{B8121231-3A5D-024F-8E43-5CEA438F2C26}"/>
-                  </a:ext>
-                </a:extLst>
-              </p:cNvPr>
-              <p:cNvPicPr/>
-              <p:nvPr/>
-            </p:nvPicPr>
-            <p:blipFill>
-              <a:blip r:embed="rId5"/>
-              <a:stretch>
-                <a:fillRect/>
-              </a:stretch>
-            </p:blipFill>
-            <p:spPr>
-              <a:xfrm>
-                <a:off x="4445639" y="3408413"/>
-                <a:ext cx="544345" cy="379800"/>
-              </a:xfrm>
-              <a:prstGeom prst="rect">
-                <a:avLst/>
-              </a:prstGeom>
-            </p:spPr>
-          </p:pic>
-        </mc:Fallback>
-      </mc:AlternateContent>
-      <mc:AlternateContent xmlns:mc="http://schemas.openxmlformats.org/markup-compatibility/2006" xmlns:p14="http://schemas.microsoft.com/office/powerpoint/2010/main">
-        <mc:Choice Requires="p14">
-          <p:contentPart p14:bwMode="auto" r:id="rId6">
-            <p14:nvContentPartPr>
-              <p14:cNvPr id="22" name="Ink 23">
-                <a:extLst>
-                  <a:ext uri="{FF2B5EF4-FFF2-40B4-BE49-F238E27FC236}">
-                    <a16:creationId xmlns:a16="http://schemas.microsoft.com/office/drawing/2014/main" id="{1949ABCF-0909-C743-93F8-3B8FAC61C1B8}"/>
-                  </a:ext>
-                </a:extLst>
-              </p14:cNvPr>
-              <p14:cNvContentPartPr/>
-              <p14:nvPr/>
-            </p14:nvContentPartPr>
-            <p14:xfrm>
-              <a:off x="3587413" y="3547733"/>
-              <a:ext cx="677880" cy="272880"/>
-            </p14:xfrm>
-          </p:contentPart>
-        </mc:Choice>
-        <mc:Fallback xmlns="">
-          <p:pic>
-            <p:nvPicPr>
-              <p:cNvPr id="22" name="Ink 23">
-                <a:extLst>
-                  <a:ext uri="{FF2B5EF4-FFF2-40B4-BE49-F238E27FC236}">
-                    <a16:creationId xmlns:a16="http://schemas.microsoft.com/office/drawing/2014/main" id="{1949ABCF-0909-C743-93F8-3B8FAC61C1B8}"/>
-                  </a:ext>
-                </a:extLst>
-              </p:cNvPr>
-              <p:cNvPicPr/>
-              <p:nvPr/>
-            </p:nvPicPr>
-            <p:blipFill>
-              <a:blip r:embed="rId7"/>
-              <a:stretch>
-                <a:fillRect/>
-              </a:stretch>
-            </p:blipFill>
-            <p:spPr>
-              <a:xfrm>
-                <a:off x="3567242" y="3532273"/>
-                <a:ext cx="713539" cy="308473"/>
-              </a:xfrm>
-              <a:prstGeom prst="rect">
-                <a:avLst/>
-              </a:prstGeom>
-            </p:spPr>
-          </p:pic>
-        </mc:Fallback>
-      </mc:AlternateContent>
-      <mc:AlternateContent xmlns:mc="http://schemas.openxmlformats.org/markup-compatibility/2006" xmlns:p14="http://schemas.microsoft.com/office/powerpoint/2010/main">
-        <mc:Choice Requires="p14">
-          <p:contentPart p14:bwMode="auto" r:id="rId8">
-            <p14:nvContentPartPr>
-              <p14:cNvPr id="26" name="Ink 25">
-                <a:extLst>
-                  <a:ext uri="{FF2B5EF4-FFF2-40B4-BE49-F238E27FC236}">
-                    <a16:creationId xmlns:a16="http://schemas.microsoft.com/office/drawing/2014/main" id="{2394279B-F51B-F74E-9D89-8B0B5E8611C1}"/>
-                  </a:ext>
-                </a:extLst>
-              </p14:cNvPr>
-              <p14:cNvContentPartPr/>
-              <p14:nvPr/>
-            </p14:nvContentPartPr>
-            <p14:xfrm>
-              <a:off x="5127493" y="3211853"/>
-              <a:ext cx="32040" cy="545400"/>
-            </p14:xfrm>
-          </p:contentPart>
-        </mc:Choice>
-        <mc:Fallback xmlns="">
-          <p:pic>
-            <p:nvPicPr>
-              <p:cNvPr id="26" name="Ink 25">
-                <a:extLst>
-                  <a:ext uri="{FF2B5EF4-FFF2-40B4-BE49-F238E27FC236}">
-                    <a16:creationId xmlns:a16="http://schemas.microsoft.com/office/drawing/2014/main" id="{2394279B-F51B-F74E-9D89-8B0B5E8611C1}"/>
-                  </a:ext>
-                </a:extLst>
-              </p:cNvPr>
-              <p:cNvPicPr/>
-              <p:nvPr/>
-            </p:nvPicPr>
-            <p:blipFill>
-              <a:blip r:embed="rId9"/>
-              <a:stretch>
-                <a:fillRect/>
-              </a:stretch>
-            </p:blipFill>
-            <p:spPr>
-              <a:xfrm>
-                <a:off x="5112373" y="3196733"/>
-                <a:ext cx="62640" cy="576000"/>
-              </a:xfrm>
-              <a:prstGeom prst="rect">
-                <a:avLst/>
-              </a:prstGeom>
-            </p:spPr>
-          </p:pic>
-        </mc:Fallback>
-      </mc:AlternateContent>
-      <mc:AlternateContent xmlns:mc="http://schemas.openxmlformats.org/markup-compatibility/2006" xmlns:p14="http://schemas.microsoft.com/office/powerpoint/2010/main">
-        <mc:Choice Requires="p14">
-          <p:contentPart p14:bwMode="auto" r:id="rId10">
-            <p14:nvContentPartPr>
-              <p14:cNvPr id="29" name="Ink 29">
-                <a:extLst>
-                  <a:ext uri="{FF2B5EF4-FFF2-40B4-BE49-F238E27FC236}">
-                    <a16:creationId xmlns:a16="http://schemas.microsoft.com/office/drawing/2014/main" id="{2A6CECB4-07A2-E84D-B557-EA9559E37EDC}"/>
-                  </a:ext>
-                </a:extLst>
-              </p14:cNvPr>
-              <p14:cNvContentPartPr/>
-              <p14:nvPr/>
-            </p14:nvContentPartPr>
-            <p14:xfrm>
-              <a:off x="5550853" y="3190613"/>
-              <a:ext cx="513720" cy="741240"/>
-            </p14:xfrm>
-          </p:contentPart>
-        </mc:Choice>
-        <mc:Fallback xmlns="">
-          <p:pic>
-            <p:nvPicPr>
-              <p:cNvPr id="29" name="Ink 29">
-                <a:extLst>
-                  <a:ext uri="{FF2B5EF4-FFF2-40B4-BE49-F238E27FC236}">
-                    <a16:creationId xmlns:a16="http://schemas.microsoft.com/office/drawing/2014/main" id="{2A6CECB4-07A2-E84D-B557-EA9559E37EDC}"/>
-                  </a:ext>
-                </a:extLst>
-              </p:cNvPr>
-              <p:cNvPicPr/>
-              <p:nvPr/>
-            </p:nvPicPr>
-            <p:blipFill>
-              <a:blip r:embed="rId11"/>
-              <a:stretch>
-                <a:fillRect/>
-              </a:stretch>
-            </p:blipFill>
-            <p:spPr>
-              <a:xfrm>
-                <a:off x="5530333" y="3170453"/>
-                <a:ext cx="554400" cy="781920"/>
-              </a:xfrm>
-              <a:prstGeom prst="rect">
-                <a:avLst/>
-              </a:prstGeom>
-            </p:spPr>
-          </p:pic>
-        </mc:Fallback>
-      </mc:AlternateContent>
-      <mc:AlternateContent xmlns:mc="http://schemas.openxmlformats.org/markup-compatibility/2006" xmlns:p14="http://schemas.microsoft.com/office/powerpoint/2010/main">
-        <mc:Choice Requires="p14">
-          <p:contentPart p14:bwMode="auto" r:id="rId12">
-            <p14:nvContentPartPr>
-              <p14:cNvPr id="33" name="Ink 33">
-                <a:extLst>
-                  <a:ext uri="{FF2B5EF4-FFF2-40B4-BE49-F238E27FC236}">
-                    <a16:creationId xmlns:a16="http://schemas.microsoft.com/office/drawing/2014/main" id="{1AAF8666-5D2E-9049-B403-954D8412AF45}"/>
-                  </a:ext>
-                </a:extLst>
-              </p14:cNvPr>
-              <p14:cNvContentPartPr/>
-              <p14:nvPr/>
-            </p14:nvContentPartPr>
-            <p14:xfrm>
-              <a:off x="3212293" y="4365293"/>
-              <a:ext cx="269640" cy="175320"/>
-            </p14:xfrm>
-          </p:contentPart>
-        </mc:Choice>
-        <mc:Fallback xmlns="">
-          <p:pic>
-            <p:nvPicPr>
-              <p:cNvPr id="33" name="Ink 33">
-                <a:extLst>
-                  <a:ext uri="{FF2B5EF4-FFF2-40B4-BE49-F238E27FC236}">
-                    <a16:creationId xmlns:a16="http://schemas.microsoft.com/office/drawing/2014/main" id="{1AAF8666-5D2E-9049-B403-954D8412AF45}"/>
-                  </a:ext>
-                </a:extLst>
-              </p:cNvPr>
-              <p:cNvPicPr/>
-              <p:nvPr/>
-            </p:nvPicPr>
-            <p:blipFill>
-              <a:blip r:embed="rId13"/>
-              <a:stretch>
-                <a:fillRect/>
-              </a:stretch>
-            </p:blipFill>
-            <p:spPr>
-              <a:xfrm>
-                <a:off x="3197173" y="4350142"/>
-                <a:ext cx="305280" cy="211033"/>
-              </a:xfrm>
-              <a:prstGeom prst="rect">
-                <a:avLst/>
-              </a:prstGeom>
-            </p:spPr>
-          </p:pic>
-        </mc:Fallback>
-      </mc:AlternateContent>
-      <mc:AlternateContent xmlns:mc="http://schemas.openxmlformats.org/markup-compatibility/2006" xmlns:p14="http://schemas.microsoft.com/office/powerpoint/2010/main">
-        <mc:Choice Requires="p14">
-          <p:contentPart p14:bwMode="auto" r:id="rId14">
-            <p14:nvContentPartPr>
-              <p14:cNvPr id="37" name="Ink 37">
-                <a:extLst>
-                  <a:ext uri="{FF2B5EF4-FFF2-40B4-BE49-F238E27FC236}">
-                    <a16:creationId xmlns:a16="http://schemas.microsoft.com/office/drawing/2014/main" id="{EB0D1E08-2AC2-F94C-A819-D0F7DBAC7F79}"/>
-                  </a:ext>
-                </a:extLst>
-              </p14:cNvPr>
-              <p14:cNvContentPartPr/>
-              <p14:nvPr/>
-            </p14:nvContentPartPr>
-            <p14:xfrm>
-              <a:off x="3794053" y="4217333"/>
-              <a:ext cx="291240" cy="470880"/>
-            </p14:xfrm>
-          </p:contentPart>
-        </mc:Choice>
-        <mc:Fallback xmlns="">
-          <p:pic>
-            <p:nvPicPr>
-              <p:cNvPr id="37" name="Ink 37">
-                <a:extLst>
-                  <a:ext uri="{FF2B5EF4-FFF2-40B4-BE49-F238E27FC236}">
-                    <a16:creationId xmlns:a16="http://schemas.microsoft.com/office/drawing/2014/main" id="{EB0D1E08-2AC2-F94C-A819-D0F7DBAC7F79}"/>
-                  </a:ext>
-                </a:extLst>
-              </p:cNvPr>
-              <p:cNvPicPr/>
-              <p:nvPr/>
-            </p:nvPicPr>
-            <p:blipFill>
-              <a:blip r:embed="rId15"/>
-              <a:stretch>
-                <a:fillRect/>
-              </a:stretch>
-            </p:blipFill>
-            <p:spPr>
-              <a:xfrm>
-                <a:off x="3778573" y="4201853"/>
-                <a:ext cx="321840" cy="501120"/>
-              </a:xfrm>
-              <a:prstGeom prst="rect">
-                <a:avLst/>
-              </a:prstGeom>
-            </p:spPr>
-          </p:pic>
-        </mc:Fallback>
-      </mc:AlternateContent>
-      <mc:AlternateContent xmlns:mc="http://schemas.openxmlformats.org/markup-compatibility/2006" xmlns:p14="http://schemas.microsoft.com/office/powerpoint/2010/main">
-        <mc:Choice Requires="p14">
-          <p:contentPart p14:bwMode="auto" r:id="rId16">
-            <p14:nvContentPartPr>
-              <p14:cNvPr id="46" name="Ink 45">
-                <a:extLst>
-                  <a:ext uri="{FF2B5EF4-FFF2-40B4-BE49-F238E27FC236}">
-                    <a16:creationId xmlns:a16="http://schemas.microsoft.com/office/drawing/2014/main" id="{26962B7F-4BE0-8447-8491-BA7048986613}"/>
-                  </a:ext>
-                </a:extLst>
-              </p14:cNvPr>
-              <p14:cNvContentPartPr/>
-              <p14:nvPr/>
-            </p14:nvContentPartPr>
-            <p14:xfrm>
-              <a:off x="5709613" y="4360253"/>
-              <a:ext cx="21600" cy="10800"/>
-            </p14:xfrm>
-          </p:contentPart>
-        </mc:Choice>
-        <mc:Fallback xmlns="">
-          <p:pic>
-            <p:nvPicPr>
-              <p:cNvPr id="46" name="Ink 45">
-                <a:extLst>
-                  <a:ext uri="{FF2B5EF4-FFF2-40B4-BE49-F238E27FC236}">
-                    <a16:creationId xmlns:a16="http://schemas.microsoft.com/office/drawing/2014/main" id="{26962B7F-4BE0-8447-8491-BA7048986613}"/>
-                  </a:ext>
-                </a:extLst>
-              </p:cNvPr>
-              <p:cNvPicPr/>
-              <p:nvPr/>
-            </p:nvPicPr>
-            <p:blipFill>
-              <a:blip r:embed="rId17"/>
-              <a:stretch>
-                <a:fillRect/>
-              </a:stretch>
-            </p:blipFill>
-            <p:spPr>
-              <a:xfrm>
-                <a:off x="5689093" y="4339733"/>
-                <a:ext cx="62280" cy="51840"/>
-              </a:xfrm>
-              <a:prstGeom prst="rect">
-                <a:avLst/>
-              </a:prstGeom>
-            </p:spPr>
-          </p:pic>
-        </mc:Fallback>
-      </mc:AlternateContent>
-      <mc:AlternateContent xmlns:mc="http://schemas.openxmlformats.org/markup-compatibility/2006" xmlns:p14="http://schemas.microsoft.com/office/powerpoint/2010/main">
-        <mc:Choice Requires="p14">
-          <p:contentPart p14:bwMode="auto" r:id="rId18">
-            <p14:nvContentPartPr>
-              <p14:cNvPr id="54" name="Ink 56">
-                <a:extLst>
-                  <a:ext uri="{FF2B5EF4-FFF2-40B4-BE49-F238E27FC236}">
-                    <a16:creationId xmlns:a16="http://schemas.microsoft.com/office/drawing/2014/main" id="{59A03EFA-4597-D74D-B2D4-E6AF2579EFEB}"/>
-                  </a:ext>
-                </a:extLst>
-              </p14:cNvPr>
-              <p14:cNvContentPartPr/>
-              <p14:nvPr/>
-            </p14:nvContentPartPr>
-            <p14:xfrm>
-              <a:off x="5947573" y="4080173"/>
-              <a:ext cx="1137960" cy="629640"/>
-            </p14:xfrm>
-          </p:contentPart>
-        </mc:Choice>
-        <mc:Fallback xmlns="">
-          <p:pic>
-            <p:nvPicPr>
-              <p:cNvPr id="54" name="Ink 56">
-                <a:extLst>
-                  <a:ext uri="{FF2B5EF4-FFF2-40B4-BE49-F238E27FC236}">
-                    <a16:creationId xmlns:a16="http://schemas.microsoft.com/office/drawing/2014/main" id="{59A03EFA-4597-D74D-B2D4-E6AF2579EFEB}"/>
-                  </a:ext>
-                </a:extLst>
-              </p:cNvPr>
-              <p:cNvPicPr/>
-              <p:nvPr/>
-            </p:nvPicPr>
-            <p:blipFill>
-              <a:blip r:embed="rId19"/>
-              <a:stretch>
-                <a:fillRect/>
-              </a:stretch>
-            </p:blipFill>
-            <p:spPr>
-              <a:xfrm>
-                <a:off x="5932453" y="4060013"/>
-                <a:ext cx="1168560" cy="665280"/>
-              </a:xfrm>
-              <a:prstGeom prst="rect">
-                <a:avLst/>
-              </a:prstGeom>
-            </p:spPr>
-          </p:pic>
-        </mc:Fallback>
-      </mc:AlternateContent>
-      <mc:AlternateContent xmlns:mc="http://schemas.openxmlformats.org/markup-compatibility/2006" xmlns:p14="http://schemas.microsoft.com/office/powerpoint/2010/main">
-        <mc:Choice Requires="p14">
-          <p:contentPart p14:bwMode="auto" r:id="rId20">
-            <p14:nvContentPartPr>
-              <p14:cNvPr id="55" name="Ink 57">
-                <a:extLst>
-                  <a:ext uri="{FF2B5EF4-FFF2-40B4-BE49-F238E27FC236}">
-                    <a16:creationId xmlns:a16="http://schemas.microsoft.com/office/drawing/2014/main" id="{E157F028-0236-E84B-9938-AE409157F5F3}"/>
-                  </a:ext>
-                </a:extLst>
-              </p14:cNvPr>
-              <p14:cNvContentPartPr/>
-              <p14:nvPr/>
-            </p14:nvContentPartPr>
-            <p14:xfrm>
-              <a:off x="4937053" y="4053893"/>
-              <a:ext cx="471240" cy="713880"/>
-            </p14:xfrm>
-          </p:contentPart>
-        </mc:Choice>
-        <mc:Fallback xmlns="">
-          <p:pic>
-            <p:nvPicPr>
-              <p:cNvPr id="55" name="Ink 57">
-                <a:extLst>
-                  <a:ext uri="{FF2B5EF4-FFF2-40B4-BE49-F238E27FC236}">
-                    <a16:creationId xmlns:a16="http://schemas.microsoft.com/office/drawing/2014/main" id="{E157F028-0236-E84B-9938-AE409157F5F3}"/>
-                  </a:ext>
-                </a:extLst>
-              </p:cNvPr>
-              <p:cNvPicPr/>
-              <p:nvPr/>
-            </p:nvPicPr>
-            <p:blipFill>
-              <a:blip r:embed="rId21"/>
-              <a:stretch>
-                <a:fillRect/>
-              </a:stretch>
-            </p:blipFill>
-            <p:spPr>
-              <a:xfrm>
-                <a:off x="4916533" y="4033383"/>
-                <a:ext cx="512280" cy="749502"/>
-              </a:xfrm>
-              <a:prstGeom prst="rect">
-                <a:avLst/>
-              </a:prstGeom>
-            </p:spPr>
-          </p:pic>
-        </mc:Fallback>
-      </mc:AlternateContent>
-      <mc:AlternateContent xmlns:mc="http://schemas.openxmlformats.org/markup-compatibility/2006" xmlns:p14="http://schemas.microsoft.com/office/powerpoint/2010/main">
-        <mc:Choice Requires="p14">
-          <p:contentPart p14:bwMode="auto" r:id="rId22">
-            <p14:nvContentPartPr>
-              <p14:cNvPr id="56" name="Ink 58">
-                <a:extLst>
-                  <a:ext uri="{FF2B5EF4-FFF2-40B4-BE49-F238E27FC236}">
-                    <a16:creationId xmlns:a16="http://schemas.microsoft.com/office/drawing/2014/main" id="{3383BA02-F642-1649-B718-91A2142E694A}"/>
-                  </a:ext>
-                </a:extLst>
-              </p14:cNvPr>
-              <p14:cNvContentPartPr/>
-              <p14:nvPr/>
-            </p14:nvContentPartPr>
-            <p14:xfrm>
-              <a:off x="4244413" y="4100693"/>
-              <a:ext cx="502560" cy="503280"/>
-            </p14:xfrm>
-          </p:contentPart>
-        </mc:Choice>
-        <mc:Fallback xmlns="">
-          <p:pic>
-            <p:nvPicPr>
-              <p:cNvPr id="56" name="Ink 58">
-                <a:extLst>
-                  <a:ext uri="{FF2B5EF4-FFF2-40B4-BE49-F238E27FC236}">
-                    <a16:creationId xmlns:a16="http://schemas.microsoft.com/office/drawing/2014/main" id="{3383BA02-F642-1649-B718-91A2142E694A}"/>
-                  </a:ext>
-                </a:extLst>
-              </p:cNvPr>
-              <p:cNvPicPr/>
-              <p:nvPr/>
-            </p:nvPicPr>
-            <p:blipFill>
-              <a:blip r:embed="rId23"/>
-              <a:stretch>
-                <a:fillRect/>
-              </a:stretch>
-            </p:blipFill>
-            <p:spPr>
-              <a:xfrm>
-                <a:off x="4223893" y="4080519"/>
-                <a:ext cx="538200" cy="538946"/>
-              </a:xfrm>
-              <a:prstGeom prst="rect">
-                <a:avLst/>
-              </a:prstGeom>
-            </p:spPr>
-          </p:pic>
-        </mc:Fallback>
-      </mc:AlternateContent>
-      <mc:AlternateContent xmlns:mc="http://schemas.openxmlformats.org/markup-compatibility/2006" xmlns:p14="http://schemas.microsoft.com/office/powerpoint/2010/main">
-        <mc:Choice Requires="p14">
-          <p:contentPart p14:bwMode="auto" r:id="rId24">
-            <p14:nvContentPartPr>
-              <p14:cNvPr id="62" name="Ink 61">
-                <a:extLst>
-                  <a:ext uri="{FF2B5EF4-FFF2-40B4-BE49-F238E27FC236}">
-                    <a16:creationId xmlns:a16="http://schemas.microsoft.com/office/drawing/2014/main" id="{15F6CB92-CB31-3B49-8013-BF561EFF5175}"/>
-                  </a:ext>
-                </a:extLst>
-              </p14:cNvPr>
-              <p14:cNvContentPartPr/>
-              <p14:nvPr/>
-            </p14:nvContentPartPr>
-            <p14:xfrm>
-              <a:off x="7878973" y="4434413"/>
-              <a:ext cx="21600" cy="32040"/>
-            </p14:xfrm>
-          </p:contentPart>
-        </mc:Choice>
-        <mc:Fallback xmlns="">
-          <p:pic>
-            <p:nvPicPr>
-              <p:cNvPr id="62" name="Ink 61">
-                <a:extLst>
-                  <a:ext uri="{FF2B5EF4-FFF2-40B4-BE49-F238E27FC236}">
-                    <a16:creationId xmlns:a16="http://schemas.microsoft.com/office/drawing/2014/main" id="{15F6CB92-CB31-3B49-8013-BF561EFF5175}"/>
-                  </a:ext>
-                </a:extLst>
-              </p:cNvPr>
-              <p:cNvPicPr/>
-              <p:nvPr/>
-            </p:nvPicPr>
-            <p:blipFill>
-              <a:blip r:embed="rId25"/>
-              <a:stretch>
-                <a:fillRect/>
-              </a:stretch>
-            </p:blipFill>
-            <p:spPr>
-              <a:xfrm>
-                <a:off x="7863853" y="4418933"/>
-                <a:ext cx="52200" cy="62640"/>
-              </a:xfrm>
-              <a:prstGeom prst="rect">
-                <a:avLst/>
-              </a:prstGeom>
-            </p:spPr>
-          </p:pic>
-        </mc:Fallback>
-      </mc:AlternateContent>
-      <mc:AlternateContent xmlns:mc="http://schemas.openxmlformats.org/markup-compatibility/2006" xmlns:p14="http://schemas.microsoft.com/office/powerpoint/2010/main">
-        <mc:Choice Requires="p14">
-          <p:contentPart p14:bwMode="auto" r:id="rId26">
-            <p14:nvContentPartPr>
-              <p14:cNvPr id="63" name="Ink 41983">
-                <a:extLst>
-                  <a:ext uri="{FF2B5EF4-FFF2-40B4-BE49-F238E27FC236}">
-                    <a16:creationId xmlns:a16="http://schemas.microsoft.com/office/drawing/2014/main" id="{45FF2F5E-592D-B74C-912E-961D27EE3997}"/>
-                  </a:ext>
-                </a:extLst>
-              </p14:cNvPr>
-              <p14:cNvContentPartPr/>
-              <p14:nvPr/>
-            </p14:nvContentPartPr>
-            <p14:xfrm>
-              <a:off x="7196413" y="4137773"/>
-              <a:ext cx="449640" cy="719640"/>
-            </p14:xfrm>
-          </p:contentPart>
-        </mc:Choice>
-        <mc:Fallback xmlns="">
-          <p:pic>
-            <p:nvPicPr>
-              <p:cNvPr id="63" name="Ink 41983">
-                <a:extLst>
-                  <a:ext uri="{FF2B5EF4-FFF2-40B4-BE49-F238E27FC236}">
-                    <a16:creationId xmlns:a16="http://schemas.microsoft.com/office/drawing/2014/main" id="{45FF2F5E-592D-B74C-912E-961D27EE3997}"/>
-                  </a:ext>
-                </a:extLst>
-              </p:cNvPr>
-              <p:cNvPicPr/>
-              <p:nvPr/>
-            </p:nvPicPr>
-            <p:blipFill>
-              <a:blip r:embed="rId27"/>
-              <a:stretch>
-                <a:fillRect/>
-              </a:stretch>
-            </p:blipFill>
-            <p:spPr>
-              <a:xfrm>
-                <a:off x="7181293" y="4117603"/>
-                <a:ext cx="485280" cy="755298"/>
-              </a:xfrm>
-              <a:prstGeom prst="rect">
-                <a:avLst/>
-              </a:prstGeom>
-            </p:spPr>
-          </p:pic>
-        </mc:Fallback>
-      </mc:AlternateContent>
-      <mc:AlternateContent xmlns:mc="http://schemas.openxmlformats.org/markup-compatibility/2006" xmlns:p14="http://schemas.microsoft.com/office/powerpoint/2010/main">
-        <mc:Choice Requires="p14">
-          <p:contentPart p14:bwMode="auto" r:id="rId28">
-            <p14:nvContentPartPr>
-              <p14:cNvPr id="41990" name="Ink 41990">
-                <a:extLst>
-                  <a:ext uri="{FF2B5EF4-FFF2-40B4-BE49-F238E27FC236}">
-                    <a16:creationId xmlns:a16="http://schemas.microsoft.com/office/drawing/2014/main" id="{6973EDA8-2A17-A24D-AA51-25394F731C5F}"/>
-                  </a:ext>
-                </a:extLst>
-              </p14:cNvPr>
-              <p14:cNvContentPartPr/>
-              <p14:nvPr/>
-            </p14:nvContentPartPr>
-            <p14:xfrm>
-              <a:off x="8159413" y="4413173"/>
-              <a:ext cx="312840" cy="26640"/>
-            </p14:xfrm>
-          </p:contentPart>
-        </mc:Choice>
-        <mc:Fallback xmlns="">
-          <p:pic>
-            <p:nvPicPr>
-              <p:cNvPr id="41990" name="Ink 41990">
-                <a:extLst>
-                  <a:ext uri="{FF2B5EF4-FFF2-40B4-BE49-F238E27FC236}">
-                    <a16:creationId xmlns:a16="http://schemas.microsoft.com/office/drawing/2014/main" id="{6973EDA8-2A17-A24D-AA51-25394F731C5F}"/>
-                  </a:ext>
-                </a:extLst>
-              </p:cNvPr>
-              <p:cNvPicPr/>
-              <p:nvPr/>
-            </p:nvPicPr>
-            <p:blipFill>
-              <a:blip r:embed="rId29"/>
-              <a:stretch>
-                <a:fillRect/>
-              </a:stretch>
-            </p:blipFill>
-            <p:spPr>
-              <a:xfrm>
-                <a:off x="8144276" y="4397693"/>
-                <a:ext cx="343475" cy="57240"/>
-              </a:xfrm>
-              <a:prstGeom prst="rect">
-                <a:avLst/>
-              </a:prstGeom>
-            </p:spPr>
-          </p:pic>
-        </mc:Fallback>
-      </mc:AlternateContent>
-      <mc:AlternateContent xmlns:mc="http://schemas.openxmlformats.org/markup-compatibility/2006" xmlns:p14="http://schemas.microsoft.com/office/powerpoint/2010/main">
-        <mc:Choice Requires="p14">
-          <p:contentPart p14:bwMode="auto" r:id="rId30">
-            <p14:nvContentPartPr>
-              <p14:cNvPr id="41994" name="Ink 41994">
-                <a:extLst>
-                  <a:ext uri="{FF2B5EF4-FFF2-40B4-BE49-F238E27FC236}">
-                    <a16:creationId xmlns:a16="http://schemas.microsoft.com/office/drawing/2014/main" id="{08A30D60-ED2B-3B44-9721-A9B094523685}"/>
-                  </a:ext>
-                </a:extLst>
-              </p14:cNvPr>
-              <p14:cNvContentPartPr/>
-              <p14:nvPr/>
-            </p14:nvContentPartPr>
-            <p14:xfrm>
-              <a:off x="8641093" y="4328573"/>
-              <a:ext cx="69120" cy="21240"/>
-            </p14:xfrm>
-          </p:contentPart>
-        </mc:Choice>
-        <mc:Fallback xmlns="">
-          <p:pic>
-            <p:nvPicPr>
-              <p:cNvPr id="41994" name="Ink 41994">
-                <a:extLst>
-                  <a:ext uri="{FF2B5EF4-FFF2-40B4-BE49-F238E27FC236}">
-                    <a16:creationId xmlns:a16="http://schemas.microsoft.com/office/drawing/2014/main" id="{08A30D60-ED2B-3B44-9721-A9B094523685}"/>
-                  </a:ext>
-                </a:extLst>
-              </p:cNvPr>
-              <p:cNvPicPr/>
-              <p:nvPr/>
-            </p:nvPicPr>
-            <p:blipFill>
-              <a:blip r:embed="rId31"/>
-              <a:stretch>
-                <a:fillRect/>
-              </a:stretch>
-            </p:blipFill>
-            <p:spPr>
-              <a:xfrm>
-                <a:off x="8625973" y="4313351"/>
-                <a:ext cx="99720" cy="51330"/>
-              </a:xfrm>
-              <a:prstGeom prst="rect">
-                <a:avLst/>
-              </a:prstGeom>
-            </p:spPr>
-          </p:pic>
-        </mc:Fallback>
-      </mc:AlternateContent>
-      <mc:AlternateContent xmlns:mc="http://schemas.openxmlformats.org/markup-compatibility/2006" xmlns:p14="http://schemas.microsoft.com/office/powerpoint/2010/main">
-        <mc:Choice Requires="p14">
-          <p:contentPart p14:bwMode="auto" r:id="rId32">
-            <p14:nvContentPartPr>
-              <p14:cNvPr id="42005" name="Ink 42005">
-                <a:extLst>
-                  <a:ext uri="{FF2B5EF4-FFF2-40B4-BE49-F238E27FC236}">
-                    <a16:creationId xmlns:a16="http://schemas.microsoft.com/office/drawing/2014/main" id="{98BCB049-D288-EA40-9920-AC832D1205DE}"/>
-                  </a:ext>
-                </a:extLst>
-              </p14:cNvPr>
-              <p14:cNvContentPartPr/>
-              <p14:nvPr/>
-            </p14:nvContentPartPr>
-            <p14:xfrm>
-              <a:off x="8958613" y="4106813"/>
-              <a:ext cx="1635480" cy="888840"/>
-            </p14:xfrm>
-          </p:contentPart>
-        </mc:Choice>
-        <mc:Fallback xmlns="">
-          <p:pic>
-            <p:nvPicPr>
-              <p:cNvPr id="42005" name="Ink 42005">
-                <a:extLst>
-                  <a:ext uri="{FF2B5EF4-FFF2-40B4-BE49-F238E27FC236}">
-                    <a16:creationId xmlns:a16="http://schemas.microsoft.com/office/drawing/2014/main" id="{98BCB049-D288-EA40-9920-AC832D1205DE}"/>
-                  </a:ext>
-                </a:extLst>
-              </p:cNvPr>
-              <p:cNvPicPr/>
-              <p:nvPr/>
-            </p:nvPicPr>
-            <p:blipFill>
-              <a:blip r:embed="rId33"/>
-              <a:stretch>
-                <a:fillRect/>
-              </a:stretch>
-            </p:blipFill>
-            <p:spPr>
-              <a:xfrm>
-                <a:off x="8943493" y="4091333"/>
-                <a:ext cx="1671120" cy="924480"/>
-              </a:xfrm>
-              <a:prstGeom prst="rect">
-                <a:avLst/>
-              </a:prstGeom>
-            </p:spPr>
-          </p:pic>
-        </mc:Fallback>
-      </mc:AlternateContent>
-    </p:spTree>
-    <p:extLst>
-      <p:ext uri="{BB962C8B-B14F-4D97-AF65-F5344CB8AC3E}">
-        <p14:creationId xmlns:p14="http://schemas.microsoft.com/office/powerpoint/2010/main" val="1941614609"/>
-      </p:ext>
-    </p:extLst>
-  </p:cSld>
-  <p:clrMapOvr>
-    <a:masterClrMapping/>
-  </p:clrMapOvr>
-  <p:transition/>
-  <p:timing>
-    <p:tnLst>
-      <p:par>
-        <p:cTn id="1" dur="indefinite" restart="never" nodeType="tmRoot">
-          <p:childTnLst>
-            <p:seq concurrent="1" nextAc="seek">
-              <p:cTn id="2" dur="indefinite" nodeType="mainSeq">
-                <p:childTnLst>
-                  <p:par>
-                    <p:cTn id="3" fill="hold">
-                      <p:stCondLst>
-                        <p:cond delay="indefinite"/>
-                      </p:stCondLst>
-                      <p:childTnLst>
-                        <p:par>
-                          <p:cTn id="4" fill="hold">
-                            <p:stCondLst>
-                              <p:cond delay="0"/>
-                            </p:stCondLst>
-                            <p:childTnLst>
-                              <p:par>
-                                <p:cTn id="5" presetID="1" presetClass="entr" presetSubtype="0" fill="hold" nodeType="clickEffect">
-                                  <p:stCondLst>
-                                    <p:cond delay="0"/>
-                                  </p:stCondLst>
-                                  <p:childTnLst>
-                                    <p:set>
-                                      <p:cBhvr>
-                                        <p:cTn id="6" dur="1" fill="hold">
-                                          <p:stCondLst>
-                                            <p:cond delay="0"/>
-                                          </p:stCondLst>
-                                        </p:cTn>
-                                        <p:tgtEl>
-                                          <p:spTgt spid="12">
-                                            <p:txEl>
-                                              <p:pRg st="0" end="0"/>
-                                            </p:txEl>
-                                          </p:spTgt>
-                                        </p:tgtEl>
-                                        <p:attrNameLst>
-                                          <p:attrName>style.visibility</p:attrName>
-                                        </p:attrNameLst>
-                                      </p:cBhvr>
-                                      <p:to>
-                                        <p:strVal val="visible"/>
-                                      </p:to>
-                                    </p:set>
-                                  </p:childTnLst>
-                                </p:cTn>
-                              </p:par>
-                            </p:childTnLst>
-                          </p:cTn>
-                        </p:par>
-                      </p:childTnLst>
-                    </p:cTn>
-                  </p:par>
-                  <p:par>
-                    <p:cTn id="7" fill="hold">
-                      <p:stCondLst>
-                        <p:cond delay="indefinite"/>
-                      </p:stCondLst>
-                      <p:childTnLst>
-                        <p:par>
-                          <p:cTn id="8" fill="hold">
-                            <p:stCondLst>
-                              <p:cond delay="0"/>
-                            </p:stCondLst>
-                            <p:childTnLst>
-                              <p:par>
-                                <p:cTn id="9" presetID="1" presetClass="entr" presetSubtype="0" fill="hold" nodeType="clickEffect">
-                                  <p:stCondLst>
-                                    <p:cond delay="0"/>
-                                  </p:stCondLst>
-                                  <p:childTnLst>
-                                    <p:set>
-                                      <p:cBhvr>
-                                        <p:cTn id="10" dur="1" fill="hold">
-                                          <p:stCondLst>
-                                            <p:cond delay="0"/>
-                                          </p:stCondLst>
-                                        </p:cTn>
-                                        <p:tgtEl>
-                                          <p:spTgt spid="7"/>
-                                        </p:tgtEl>
-                                        <p:attrNameLst>
-                                          <p:attrName>style.visibility</p:attrName>
-                                        </p:attrNameLst>
-                                      </p:cBhvr>
-                                      <p:to>
-                                        <p:strVal val="visible"/>
-                                      </p:to>
-                                    </p:set>
-                                  </p:childTnLst>
-                                </p:cTn>
-                              </p:par>
-                              <p:par>
-                                <p:cTn id="11" presetID="1" presetClass="entr" presetSubtype="0" fill="hold" nodeType="withEffect">
-                                  <p:stCondLst>
-                                    <p:cond delay="0"/>
-                                  </p:stCondLst>
-                                  <p:childTnLst>
-                                    <p:set>
-                                      <p:cBhvr>
-                                        <p:cTn id="12" dur="1" fill="hold">
-                                          <p:stCondLst>
-                                            <p:cond delay="0"/>
-                                          </p:stCondLst>
-                                        </p:cTn>
-                                        <p:tgtEl>
-                                          <p:spTgt spid="21"/>
-                                        </p:tgtEl>
-                                        <p:attrNameLst>
-                                          <p:attrName>style.visibility</p:attrName>
-                                        </p:attrNameLst>
-                                      </p:cBhvr>
-                                      <p:to>
-                                        <p:strVal val="visible"/>
-                                      </p:to>
-                                    </p:set>
-                                  </p:childTnLst>
-                                </p:cTn>
-                              </p:par>
-                              <p:par>
-                                <p:cTn id="13" presetID="1" presetClass="entr" presetSubtype="0" fill="hold" nodeType="withEffect">
-                                  <p:stCondLst>
-                                    <p:cond delay="0"/>
-                                  </p:stCondLst>
-                                  <p:childTnLst>
-                                    <p:set>
-                                      <p:cBhvr>
-                                        <p:cTn id="14" dur="1" fill="hold">
-                                          <p:stCondLst>
-                                            <p:cond delay="0"/>
-                                          </p:stCondLst>
-                                        </p:cTn>
-                                        <p:tgtEl>
-                                          <p:spTgt spid="22"/>
-                                        </p:tgtEl>
-                                        <p:attrNameLst>
-                                          <p:attrName>style.visibility</p:attrName>
-                                        </p:attrNameLst>
-                                      </p:cBhvr>
-                                      <p:to>
-                                        <p:strVal val="visible"/>
-                                      </p:to>
-                                    </p:set>
-                                  </p:childTnLst>
-                                </p:cTn>
-                              </p:par>
-                              <p:par>
-                                <p:cTn id="15" presetID="1" presetClass="entr" presetSubtype="0" fill="hold" nodeType="withEffect">
-                                  <p:stCondLst>
-                                    <p:cond delay="0"/>
-                                  </p:stCondLst>
-                                  <p:childTnLst>
-                                    <p:set>
-                                      <p:cBhvr>
-                                        <p:cTn id="16" dur="1" fill="hold">
-                                          <p:stCondLst>
-                                            <p:cond delay="0"/>
-                                          </p:stCondLst>
-                                        </p:cTn>
-                                        <p:tgtEl>
-                                          <p:spTgt spid="26"/>
-                                        </p:tgtEl>
-                                        <p:attrNameLst>
-                                          <p:attrName>style.visibility</p:attrName>
-                                        </p:attrNameLst>
-                                      </p:cBhvr>
-                                      <p:to>
-                                        <p:strVal val="visible"/>
-                                      </p:to>
-                                    </p:set>
-                                  </p:childTnLst>
-                                </p:cTn>
-                              </p:par>
-                              <p:par>
-                                <p:cTn id="17" presetID="1" presetClass="entr" presetSubtype="0" fill="hold" nodeType="withEffect">
-                                  <p:stCondLst>
-                                    <p:cond delay="0"/>
-                                  </p:stCondLst>
-                                  <p:childTnLst>
-                                    <p:set>
-                                      <p:cBhvr>
-                                        <p:cTn id="18" dur="1" fill="hold">
-                                          <p:stCondLst>
-                                            <p:cond delay="0"/>
-                                          </p:stCondLst>
-                                        </p:cTn>
-                                        <p:tgtEl>
-                                          <p:spTgt spid="29"/>
-                                        </p:tgtEl>
-                                        <p:attrNameLst>
-                                          <p:attrName>style.visibility</p:attrName>
-                                        </p:attrNameLst>
-                                      </p:cBhvr>
-                                      <p:to>
-                                        <p:strVal val="visible"/>
-                                      </p:to>
-                                    </p:set>
-                                  </p:childTnLst>
-                                </p:cTn>
-                              </p:par>
-                            </p:childTnLst>
-                          </p:cTn>
-                        </p:par>
-                      </p:childTnLst>
-                    </p:cTn>
-                  </p:par>
-                  <p:par>
-                    <p:cTn id="19" fill="hold">
-                      <p:stCondLst>
-                        <p:cond delay="indefinite"/>
-                      </p:stCondLst>
-                      <p:childTnLst>
-                        <p:par>
-                          <p:cTn id="20" fill="hold">
-                            <p:stCondLst>
-                              <p:cond delay="0"/>
-                            </p:stCondLst>
-                            <p:childTnLst>
-                              <p:par>
-                                <p:cTn id="21" presetID="1" presetClass="entr" presetSubtype="0" fill="hold" nodeType="clickEffect">
-                                  <p:stCondLst>
-                                    <p:cond delay="0"/>
-                                  </p:stCondLst>
-                                  <p:childTnLst>
-                                    <p:set>
-                                      <p:cBhvr>
-                                        <p:cTn id="22" dur="1" fill="hold">
-                                          <p:stCondLst>
-                                            <p:cond delay="0"/>
-                                          </p:stCondLst>
-                                        </p:cTn>
-                                        <p:tgtEl>
-                                          <p:spTgt spid="33"/>
-                                        </p:tgtEl>
-                                        <p:attrNameLst>
-                                          <p:attrName>style.visibility</p:attrName>
-                                        </p:attrNameLst>
-                                      </p:cBhvr>
-                                      <p:to>
-                                        <p:strVal val="visible"/>
-                                      </p:to>
-                                    </p:set>
-                                  </p:childTnLst>
-                                </p:cTn>
-                              </p:par>
-                              <p:par>
-                                <p:cTn id="23" presetID="1" presetClass="entr" presetSubtype="0" fill="hold" nodeType="withEffect">
-                                  <p:stCondLst>
-                                    <p:cond delay="0"/>
-                                  </p:stCondLst>
-                                  <p:childTnLst>
-                                    <p:set>
-                                      <p:cBhvr>
-                                        <p:cTn id="24" dur="1" fill="hold">
-                                          <p:stCondLst>
-                                            <p:cond delay="0"/>
-                                          </p:stCondLst>
-                                        </p:cTn>
-                                        <p:tgtEl>
-                                          <p:spTgt spid="37"/>
-                                        </p:tgtEl>
-                                        <p:attrNameLst>
-                                          <p:attrName>style.visibility</p:attrName>
-                                        </p:attrNameLst>
-                                      </p:cBhvr>
-                                      <p:to>
-                                        <p:strVal val="visible"/>
-                                      </p:to>
-                                    </p:set>
-                                  </p:childTnLst>
-                                </p:cTn>
-                              </p:par>
-                              <p:par>
-                                <p:cTn id="25" presetID="1" presetClass="entr" presetSubtype="0" fill="hold" nodeType="withEffect">
-                                  <p:stCondLst>
-                                    <p:cond delay="0"/>
-                                  </p:stCondLst>
-                                  <p:childTnLst>
-                                    <p:set>
-                                      <p:cBhvr>
-                                        <p:cTn id="26" dur="1" fill="hold">
-                                          <p:stCondLst>
-                                            <p:cond delay="0"/>
-                                          </p:stCondLst>
-                                        </p:cTn>
-                                        <p:tgtEl>
-                                          <p:spTgt spid="46"/>
-                                        </p:tgtEl>
-                                        <p:attrNameLst>
-                                          <p:attrName>style.visibility</p:attrName>
-                                        </p:attrNameLst>
-                                      </p:cBhvr>
-                                      <p:to>
-                                        <p:strVal val="visible"/>
-                                      </p:to>
-                                    </p:set>
-                                  </p:childTnLst>
-                                </p:cTn>
-                              </p:par>
-                              <p:par>
-                                <p:cTn id="27" presetID="1" presetClass="entr" presetSubtype="0" fill="hold" nodeType="withEffect">
-                                  <p:stCondLst>
-                                    <p:cond delay="0"/>
-                                  </p:stCondLst>
-                                  <p:childTnLst>
-                                    <p:set>
-                                      <p:cBhvr>
-                                        <p:cTn id="28" dur="1" fill="hold">
-                                          <p:stCondLst>
-                                            <p:cond delay="0"/>
-                                          </p:stCondLst>
-                                        </p:cTn>
-                                        <p:tgtEl>
-                                          <p:spTgt spid="54"/>
-                                        </p:tgtEl>
-                                        <p:attrNameLst>
-                                          <p:attrName>style.visibility</p:attrName>
-                                        </p:attrNameLst>
-                                      </p:cBhvr>
-                                      <p:to>
-                                        <p:strVal val="visible"/>
-                                      </p:to>
-                                    </p:set>
-                                  </p:childTnLst>
-                                </p:cTn>
-                              </p:par>
-                              <p:par>
-                                <p:cTn id="29" presetID="1" presetClass="entr" presetSubtype="0" fill="hold" nodeType="withEffect">
-                                  <p:stCondLst>
-                                    <p:cond delay="0"/>
-                                  </p:stCondLst>
-                                  <p:childTnLst>
-                                    <p:set>
-                                      <p:cBhvr>
-                                        <p:cTn id="30" dur="1" fill="hold">
-                                          <p:stCondLst>
-                                            <p:cond delay="0"/>
-                                          </p:stCondLst>
-                                        </p:cTn>
-                                        <p:tgtEl>
-                                          <p:spTgt spid="55"/>
-                                        </p:tgtEl>
-                                        <p:attrNameLst>
-                                          <p:attrName>style.visibility</p:attrName>
-                                        </p:attrNameLst>
-                                      </p:cBhvr>
-                                      <p:to>
-                                        <p:strVal val="visible"/>
-                                      </p:to>
-                                    </p:set>
-                                  </p:childTnLst>
-                                </p:cTn>
-                              </p:par>
-                              <p:par>
-                                <p:cTn id="31" presetID="1" presetClass="entr" presetSubtype="0" fill="hold" nodeType="withEffect">
-                                  <p:stCondLst>
-                                    <p:cond delay="0"/>
-                                  </p:stCondLst>
-                                  <p:childTnLst>
-                                    <p:set>
-                                      <p:cBhvr>
-                                        <p:cTn id="32" dur="1" fill="hold">
-                                          <p:stCondLst>
-                                            <p:cond delay="0"/>
-                                          </p:stCondLst>
-                                        </p:cTn>
-                                        <p:tgtEl>
-                                          <p:spTgt spid="56"/>
-                                        </p:tgtEl>
-                                        <p:attrNameLst>
-                                          <p:attrName>style.visibility</p:attrName>
-                                        </p:attrNameLst>
-                                      </p:cBhvr>
-                                      <p:to>
-                                        <p:strVal val="visible"/>
-                                      </p:to>
-                                    </p:set>
-                                  </p:childTnLst>
-                                </p:cTn>
-                              </p:par>
-                              <p:par>
-                                <p:cTn id="33" presetID="1" presetClass="entr" presetSubtype="0" fill="hold" nodeType="withEffect">
-                                  <p:stCondLst>
-                                    <p:cond delay="0"/>
-                                  </p:stCondLst>
-                                  <p:childTnLst>
-                                    <p:set>
-                                      <p:cBhvr>
-                                        <p:cTn id="34" dur="1" fill="hold">
-                                          <p:stCondLst>
-                                            <p:cond delay="0"/>
-                                          </p:stCondLst>
-                                        </p:cTn>
-                                        <p:tgtEl>
-                                          <p:spTgt spid="62"/>
-                                        </p:tgtEl>
-                                        <p:attrNameLst>
-                                          <p:attrName>style.visibility</p:attrName>
-                                        </p:attrNameLst>
-                                      </p:cBhvr>
-                                      <p:to>
-                                        <p:strVal val="visible"/>
-                                      </p:to>
-                                    </p:set>
-                                  </p:childTnLst>
-                                </p:cTn>
-                              </p:par>
-                              <p:par>
-                                <p:cTn id="35" presetID="1" presetClass="entr" presetSubtype="0" fill="hold" nodeType="withEffect">
-                                  <p:stCondLst>
-                                    <p:cond delay="0"/>
-                                  </p:stCondLst>
-                                  <p:childTnLst>
-                                    <p:set>
-                                      <p:cBhvr>
-                                        <p:cTn id="36" dur="1" fill="hold">
-                                          <p:stCondLst>
-                                            <p:cond delay="0"/>
-                                          </p:stCondLst>
-                                        </p:cTn>
-                                        <p:tgtEl>
-                                          <p:spTgt spid="63"/>
-                                        </p:tgtEl>
-                                        <p:attrNameLst>
-                                          <p:attrName>style.visibility</p:attrName>
-                                        </p:attrNameLst>
-                                      </p:cBhvr>
-                                      <p:to>
-                                        <p:strVal val="visible"/>
-                                      </p:to>
-                                    </p:set>
-                                  </p:childTnLst>
-                                </p:cTn>
-                              </p:par>
-                              <p:par>
-                                <p:cTn id="37" presetID="1" presetClass="entr" presetSubtype="0" fill="hold" nodeType="withEffect">
-                                  <p:stCondLst>
-                                    <p:cond delay="0"/>
-                                  </p:stCondLst>
-                                  <p:childTnLst>
-                                    <p:set>
-                                      <p:cBhvr>
-                                        <p:cTn id="38" dur="1" fill="hold">
-                                          <p:stCondLst>
-                                            <p:cond delay="0"/>
-                                          </p:stCondLst>
-                                        </p:cTn>
-                                        <p:tgtEl>
-                                          <p:spTgt spid="41990"/>
-                                        </p:tgtEl>
-                                        <p:attrNameLst>
-                                          <p:attrName>style.visibility</p:attrName>
-                                        </p:attrNameLst>
-                                      </p:cBhvr>
-                                      <p:to>
-                                        <p:strVal val="visible"/>
-                                      </p:to>
-                                    </p:set>
-                                  </p:childTnLst>
-                                </p:cTn>
-                              </p:par>
-                              <p:par>
-                                <p:cTn id="39" presetID="1" presetClass="entr" presetSubtype="0" fill="hold" nodeType="withEffect">
-                                  <p:stCondLst>
-                                    <p:cond delay="0"/>
-                                  </p:stCondLst>
-                                  <p:childTnLst>
-                                    <p:set>
-                                      <p:cBhvr>
-                                        <p:cTn id="40" dur="1" fill="hold">
-                                          <p:stCondLst>
-                                            <p:cond delay="0"/>
-                                          </p:stCondLst>
-                                        </p:cTn>
-                                        <p:tgtEl>
-                                          <p:spTgt spid="41994"/>
-                                        </p:tgtEl>
-                                        <p:attrNameLst>
-                                          <p:attrName>style.visibility</p:attrName>
-                                        </p:attrNameLst>
-                                      </p:cBhvr>
-                                      <p:to>
-                                        <p:strVal val="visible"/>
-                                      </p:to>
-                                    </p:set>
-                                  </p:childTnLst>
-                                </p:cTn>
-                              </p:par>
-                              <p:par>
-                                <p:cTn id="41" presetID="1" presetClass="entr" presetSubtype="0" fill="hold" nodeType="withEffect">
-                                  <p:stCondLst>
-                                    <p:cond delay="0"/>
-                                  </p:stCondLst>
-                                  <p:childTnLst>
-                                    <p:set>
-                                      <p:cBhvr>
-                                        <p:cTn id="42" dur="1" fill="hold">
-                                          <p:stCondLst>
-                                            <p:cond delay="0"/>
-                                          </p:stCondLst>
-                                        </p:cTn>
-                                        <p:tgtEl>
-                                          <p:spTgt spid="42005"/>
-                                        </p:tgtEl>
-                                        <p:attrNameLst>
-                                          <p:attrName>style.visibility</p:attrName>
-                                        </p:attrNameLst>
-                                      </p:cBhvr>
-                                      <p:to>
-                                        <p:strVal val="visible"/>
-                                      </p:to>
-                                    </p:set>
-                                  </p:childTnLst>
-                                </p:cTn>
-                              </p:par>
-                            </p:childTnLst>
-                          </p:cTn>
-                        </p:par>
-                      </p:childTnLst>
-                    </p:cTn>
-                  </p:par>
-                </p:childTnLst>
-              </p:cTn>
-              <p:prevCondLst>
-                <p:cond evt="onPrev" delay="0">
-                  <p:tgtEl>
-                    <p:sldTgt/>
-                  </p:tgtEl>
-                </p:cond>
-              </p:prevCondLst>
-              <p:nextCondLst>
-                <p:cond evt="onNext" delay="0">
-                  <p:tgtEl>
-                    <p:sldTgt/>
-                  </p:tgtEl>
-                </p:cond>
-              </p:nextCondLst>
-            </p:seq>
-          </p:childTnLst>
-        </p:cTn>
-      </p:par>
-    </p:tnLst>
-  </p:timing>
-</p:sld>
-</file>
-
 <file path=ppt/theme/theme1.xml><?xml version="1.0" encoding="utf-8"?>
 <a:theme xmlns:a="http://schemas.openxmlformats.org/drawingml/2006/main" name="Office Theme">
   <a:themeElements>
